--- a/Slides/An Investigation.pptx
+++ b/Slides/An Investigation.pptx
@@ -13,21 +13,25 @@
     <p:sldId id="262" r:id="rId7"/>
     <p:sldId id="263" r:id="rId8"/>
     <p:sldId id="264" r:id="rId9"/>
-    <p:sldId id="265" r:id="rId10"/>
-    <p:sldId id="266" r:id="rId11"/>
-    <p:sldId id="267" r:id="rId12"/>
-    <p:sldId id="268" r:id="rId13"/>
-    <p:sldId id="269" r:id="rId14"/>
-    <p:sldId id="270" r:id="rId15"/>
-    <p:sldId id="271" r:id="rId16"/>
-    <p:sldId id="272" r:id="rId17"/>
-    <p:sldId id="273" r:id="rId18"/>
-    <p:sldId id="274" r:id="rId19"/>
-    <p:sldId id="275" r:id="rId20"/>
-    <p:sldId id="276" r:id="rId21"/>
-    <p:sldId id="277" r:id="rId22"/>
-    <p:sldId id="278" r:id="rId23"/>
-    <p:sldId id="260" r:id="rId24"/>
+    <p:sldId id="280" r:id="rId10"/>
+    <p:sldId id="283" r:id="rId11"/>
+    <p:sldId id="282" r:id="rId12"/>
+    <p:sldId id="279" r:id="rId13"/>
+    <p:sldId id="265" r:id="rId14"/>
+    <p:sldId id="266" r:id="rId15"/>
+    <p:sldId id="267" r:id="rId16"/>
+    <p:sldId id="268" r:id="rId17"/>
+    <p:sldId id="269" r:id="rId18"/>
+    <p:sldId id="270" r:id="rId19"/>
+    <p:sldId id="271" r:id="rId20"/>
+    <p:sldId id="272" r:id="rId21"/>
+    <p:sldId id="273" r:id="rId22"/>
+    <p:sldId id="274" r:id="rId23"/>
+    <p:sldId id="275" r:id="rId24"/>
+    <p:sldId id="276" r:id="rId25"/>
+    <p:sldId id="277" r:id="rId26"/>
+    <p:sldId id="278" r:id="rId27"/>
+    <p:sldId id="260" r:id="rId28"/>
   </p:sldIdLst>
   <p:sldSz cx="12192000" cy="6858000"/>
   <p:notesSz cx="6858000" cy="9144000"/>
@@ -126,6 +130,11 @@
       </a:defRPr>
     </a:lvl9pPr>
   </p:defaultTextStyle>
+  <p:extLst>
+    <p:ext uri="{EFAFB233-063F-42B5-8137-9DF3F51BA10A}">
+      <p15:sldGuideLst xmlns:p15="http://schemas.microsoft.com/office/powerpoint/2012/main"/>
+    </p:ext>
+  </p:extLst>
 </p:presentation>
 </file>
 
@@ -5985,7 +5994,7 @@
           <a:p>
             <a:r>
               <a:rPr lang="en-US" dirty="0"/>
-              <a:t>Traffic Crashes - Preprocessing</a:t>
+              <a:t>Traffic Crashes - Visualization</a:t>
             </a:r>
           </a:p>
         </p:txBody>
@@ -6006,19 +6015,92 @@
             <p:ph idx="1"/>
           </p:nvPr>
         </p:nvSpPr>
-        <p:spPr/>
-        <p:txBody>
-          <a:bodyPr/>
-          <a:lstStyle/>
-          <a:p>
-            <a:endParaRPr lang="en-US"/>
-          </a:p>
-        </p:txBody>
-      </p:sp>
+        <p:spPr>
+          <a:xfrm>
+            <a:off x="677334" y="1576389"/>
+            <a:ext cx="8596668" cy="4464974"/>
+          </a:xfrm>
+        </p:spPr>
+        <p:txBody>
+          <a:bodyPr/>
+          <a:lstStyle/>
+          <a:p>
+            <a:r>
+              <a:rPr lang="en-US" dirty="0"/>
+              <a:t>Plot crash geolocations on graph</a:t>
+            </a:r>
+          </a:p>
+          <a:p>
+            <a:r>
+              <a:rPr lang="en-US" dirty="0"/>
+              <a:t>Not very meaningful, plot against a map</a:t>
+            </a:r>
+          </a:p>
+          <a:p>
+            <a:pPr lvl="1"/>
+            <a:r>
+              <a:rPr lang="en-US" dirty="0"/>
+              <a:t>More details, Southeast Chicago seemed to be free from crashes</a:t>
+            </a:r>
+          </a:p>
+          <a:p>
+            <a:r>
+              <a:rPr lang="en-US" dirty="0"/>
+              <a:t>Plot Chicago population density data</a:t>
+            </a:r>
+          </a:p>
+        </p:txBody>
+      </p:sp>
+      <p:pic>
+        <p:nvPicPr>
+          <p:cNvPr id="6" name="Picture 5">
+            <a:extLst>
+              <a:ext uri="{FF2B5EF4-FFF2-40B4-BE49-F238E27FC236}">
+                <a16:creationId xmlns:a16="http://schemas.microsoft.com/office/drawing/2014/main" id="{6DFD3FC2-8FB3-4107-8D04-5925EC329DE9}"/>
+              </a:ext>
+            </a:extLst>
+          </p:cNvPr>
+          <p:cNvPicPr>
+            <a:picLocks noChangeAspect="1"/>
+          </p:cNvPicPr>
+          <p:nvPr/>
+        </p:nvPicPr>
+        <p:blipFill>
+          <a:blip r:embed="rId2">
+            <a:clrChange>
+              <a:clrFrom>
+                <a:srgbClr val="FFFFFF"/>
+              </a:clrFrom>
+              <a:clrTo>
+                <a:srgbClr val="FFFFFF">
+                  <a:alpha val="0"/>
+                </a:srgbClr>
+              </a:clrTo>
+            </a:clrChange>
+            <a:extLst>
+              <a:ext uri="{28A0092B-C50C-407E-A947-70E740481C1C}">
+                <a14:useLocalDpi xmlns:a14="http://schemas.microsoft.com/office/drawing/2010/main" val="0"/>
+              </a:ext>
+            </a:extLst>
+          </a:blip>
+          <a:stretch>
+            <a:fillRect/>
+          </a:stretch>
+        </p:blipFill>
+        <p:spPr>
+          <a:xfrm>
+            <a:off x="2753845" y="3062460"/>
+            <a:ext cx="4999506" cy="3730281"/>
+          </a:xfrm>
+          <a:prstGeom prst="rect">
+            <a:avLst/>
+          </a:prstGeom>
+        </p:spPr>
+      </p:pic>
     </p:spTree>
     <p:extLst>
       <p:ext uri="{BB962C8B-B14F-4D97-AF65-F5344CB8AC3E}">
-        <p14:creationId xmlns:p14="http://schemas.microsoft.com/office/powerpoint/2010/main" val="4090872295"/>
+        <p14:creationId xmlns:p14="http://schemas.microsoft.com/office/powerpoint/2010/main" val="1581875124"/>
       </p:ext>
     </p:extLst>
   </p:cSld>
@@ -6068,7 +6150,7 @@
           <a:p>
             <a:r>
               <a:rPr lang="en-US" dirty="0"/>
-              <a:t>Traffic Crashes - Preprocessing</a:t>
+              <a:t>Traffic Crashes - Visualization</a:t>
             </a:r>
           </a:p>
         </p:txBody>
@@ -6089,19 +6171,98 @@
             <p:ph idx="1"/>
           </p:nvPr>
         </p:nvSpPr>
-        <p:spPr/>
-        <p:txBody>
-          <a:bodyPr/>
-          <a:lstStyle/>
-          <a:p>
-            <a:endParaRPr lang="en-US"/>
-          </a:p>
-        </p:txBody>
-      </p:sp>
+        <p:spPr>
+          <a:xfrm>
+            <a:off x="677334" y="1576389"/>
+            <a:ext cx="8596668" cy="4464974"/>
+          </a:xfrm>
+        </p:spPr>
+        <p:txBody>
+          <a:bodyPr/>
+          <a:lstStyle/>
+          <a:p>
+            <a:r>
+              <a:rPr lang="en-US" dirty="0"/>
+              <a:t>Plot crash geolocations on graph</a:t>
+            </a:r>
+          </a:p>
+          <a:p>
+            <a:r>
+              <a:rPr lang="en-US" dirty="0"/>
+              <a:t>Not very meaningful, plot against a map</a:t>
+            </a:r>
+          </a:p>
+          <a:p>
+            <a:pPr lvl="1"/>
+            <a:r>
+              <a:rPr lang="en-US" dirty="0"/>
+              <a:t>More details, Southeast Chicago seemed to be free from crashes</a:t>
+            </a:r>
+          </a:p>
+          <a:p>
+            <a:r>
+              <a:rPr lang="en-US" dirty="0"/>
+              <a:t>Plot Chicago population density data</a:t>
+            </a:r>
+          </a:p>
+          <a:p>
+            <a:r>
+              <a:rPr lang="en-US" dirty="0"/>
+              <a:t>Plot crashes with population densities</a:t>
+            </a:r>
+          </a:p>
+        </p:txBody>
+      </p:sp>
+      <p:pic>
+        <p:nvPicPr>
+          <p:cNvPr id="7" name="Picture 6">
+            <a:extLst>
+              <a:ext uri="{FF2B5EF4-FFF2-40B4-BE49-F238E27FC236}">
+                <a16:creationId xmlns:a16="http://schemas.microsoft.com/office/drawing/2014/main" id="{FAF69CC2-CA6F-4458-85BE-F0727416BFF3}"/>
+              </a:ext>
+            </a:extLst>
+          </p:cNvPr>
+          <p:cNvPicPr>
+            <a:picLocks noChangeAspect="1"/>
+          </p:cNvPicPr>
+          <p:nvPr/>
+        </p:nvPicPr>
+        <p:blipFill>
+          <a:blip r:embed="rId2">
+            <a:clrChange>
+              <a:clrFrom>
+                <a:srgbClr val="FFFFFF"/>
+              </a:clrFrom>
+              <a:clrTo>
+                <a:srgbClr val="FFFFFF">
+                  <a:alpha val="0"/>
+                </a:srgbClr>
+              </a:clrTo>
+            </a:clrChange>
+            <a:extLst>
+              <a:ext uri="{28A0092B-C50C-407E-A947-70E740481C1C}">
+                <a14:useLocalDpi xmlns:a14="http://schemas.microsoft.com/office/drawing/2010/main" val="0"/>
+              </a:ext>
+            </a:extLst>
+          </a:blip>
+          <a:stretch>
+            <a:fillRect/>
+          </a:stretch>
+        </p:blipFill>
+        <p:spPr>
+          <a:xfrm>
+            <a:off x="2940585" y="3167041"/>
+            <a:ext cx="4812766" cy="3590948"/>
+          </a:xfrm>
+          <a:prstGeom prst="rect">
+            <a:avLst/>
+          </a:prstGeom>
+        </p:spPr>
+      </p:pic>
     </p:spTree>
     <p:extLst>
       <p:ext uri="{BB962C8B-B14F-4D97-AF65-F5344CB8AC3E}">
-        <p14:creationId xmlns:p14="http://schemas.microsoft.com/office/powerpoint/2010/main" val="4056633995"/>
+        <p14:creationId xmlns:p14="http://schemas.microsoft.com/office/powerpoint/2010/main" val="875460362"/>
       </p:ext>
     </p:extLst>
   </p:cSld>
@@ -6184,7 +6345,7 @@
     </p:spTree>
     <p:extLst>
       <p:ext uri="{BB962C8B-B14F-4D97-AF65-F5344CB8AC3E}">
-        <p14:creationId xmlns:p14="http://schemas.microsoft.com/office/powerpoint/2010/main" val="3062728388"/>
+        <p14:creationId xmlns:p14="http://schemas.microsoft.com/office/powerpoint/2010/main" val="928332689"/>
       </p:ext>
     </p:extLst>
   </p:cSld>
@@ -6216,7 +6377,7 @@
           <p:cNvPr id="2" name="Title 1">
             <a:extLst>
               <a:ext uri="{FF2B5EF4-FFF2-40B4-BE49-F238E27FC236}">
-                <a16:creationId xmlns:a16="http://schemas.microsoft.com/office/drawing/2014/main" id="{DD5B492E-D003-4D98-9C53-7D15A5CAB8FB}"/>
+                <a16:creationId xmlns:a16="http://schemas.microsoft.com/office/drawing/2014/main" id="{C5F73921-064B-4F8F-8A2C-9102B144ADD5}"/>
               </a:ext>
             </a:extLst>
           </p:cNvPr>
@@ -6234,7 +6395,7 @@
           <a:p>
             <a:r>
               <a:rPr lang="en-US" dirty="0"/>
-              <a:t>Traffic Crashes - Transformation</a:t>
+              <a:t>Traffic Crashes - Preprocessing</a:t>
             </a:r>
           </a:p>
         </p:txBody>
@@ -6244,7 +6405,7 @@
           <p:cNvPr id="3" name="Content Placeholder 2">
             <a:extLst>
               <a:ext uri="{FF2B5EF4-FFF2-40B4-BE49-F238E27FC236}">
-                <a16:creationId xmlns:a16="http://schemas.microsoft.com/office/drawing/2014/main" id="{E062B5DC-F1BA-4005-88A1-AAF423072A90}"/>
+                <a16:creationId xmlns:a16="http://schemas.microsoft.com/office/drawing/2014/main" id="{73001722-97A6-4F0C-B3DB-4072E006E7E9}"/>
               </a:ext>
             </a:extLst>
           </p:cNvPr>
@@ -6267,7 +6428,7 @@
     </p:spTree>
     <p:extLst>
       <p:ext uri="{BB962C8B-B14F-4D97-AF65-F5344CB8AC3E}">
-        <p14:creationId xmlns:p14="http://schemas.microsoft.com/office/powerpoint/2010/main" val="61744970"/>
+        <p14:creationId xmlns:p14="http://schemas.microsoft.com/office/powerpoint/2010/main" val="1456674226"/>
       </p:ext>
     </p:extLst>
   </p:cSld>
@@ -6299,7 +6460,7 @@
           <p:cNvPr id="2" name="Title 1">
             <a:extLst>
               <a:ext uri="{FF2B5EF4-FFF2-40B4-BE49-F238E27FC236}">
-                <a16:creationId xmlns:a16="http://schemas.microsoft.com/office/drawing/2014/main" id="{DD5B492E-D003-4D98-9C53-7D15A5CAB8FB}"/>
+                <a16:creationId xmlns:a16="http://schemas.microsoft.com/office/drawing/2014/main" id="{C5F73921-064B-4F8F-8A2C-9102B144ADD5}"/>
               </a:ext>
             </a:extLst>
           </p:cNvPr>
@@ -6317,7 +6478,7 @@
           <a:p>
             <a:r>
               <a:rPr lang="en-US" dirty="0"/>
-              <a:t>Traffic Crashes - Transformation</a:t>
+              <a:t>Traffic Crashes - Preprocessing</a:t>
             </a:r>
           </a:p>
         </p:txBody>
@@ -6327,7 +6488,7 @@
           <p:cNvPr id="3" name="Content Placeholder 2">
             <a:extLst>
               <a:ext uri="{FF2B5EF4-FFF2-40B4-BE49-F238E27FC236}">
-                <a16:creationId xmlns:a16="http://schemas.microsoft.com/office/drawing/2014/main" id="{E062B5DC-F1BA-4005-88A1-AAF423072A90}"/>
+                <a16:creationId xmlns:a16="http://schemas.microsoft.com/office/drawing/2014/main" id="{73001722-97A6-4F0C-B3DB-4072E006E7E9}"/>
               </a:ext>
             </a:extLst>
           </p:cNvPr>
@@ -6350,7 +6511,7 @@
     </p:spTree>
     <p:extLst>
       <p:ext uri="{BB962C8B-B14F-4D97-AF65-F5344CB8AC3E}">
-        <p14:creationId xmlns:p14="http://schemas.microsoft.com/office/powerpoint/2010/main" val="860318444"/>
+        <p14:creationId xmlns:p14="http://schemas.microsoft.com/office/powerpoint/2010/main" val="4090872295"/>
       </p:ext>
     </p:extLst>
   </p:cSld>
@@ -6382,7 +6543,7 @@
           <p:cNvPr id="2" name="Title 1">
             <a:extLst>
               <a:ext uri="{FF2B5EF4-FFF2-40B4-BE49-F238E27FC236}">
-                <a16:creationId xmlns:a16="http://schemas.microsoft.com/office/drawing/2014/main" id="{6143A791-6998-45F5-AE3F-27D0822999DC}"/>
+                <a16:creationId xmlns:a16="http://schemas.microsoft.com/office/drawing/2014/main" id="{C5F73921-064B-4F8F-8A2C-9102B144ADD5}"/>
               </a:ext>
             </a:extLst>
           </p:cNvPr>
@@ -6400,7 +6561,7 @@
           <a:p>
             <a:r>
               <a:rPr lang="en-US" dirty="0"/>
-              <a:t>Traffic Crashes – Data Mining</a:t>
+              <a:t>Traffic Crashes - Preprocessing</a:t>
             </a:r>
           </a:p>
         </p:txBody>
@@ -6410,7 +6571,7 @@
           <p:cNvPr id="3" name="Content Placeholder 2">
             <a:extLst>
               <a:ext uri="{FF2B5EF4-FFF2-40B4-BE49-F238E27FC236}">
-                <a16:creationId xmlns:a16="http://schemas.microsoft.com/office/drawing/2014/main" id="{C4646ECB-F907-493F-8149-9B56FA2D4450}"/>
+                <a16:creationId xmlns:a16="http://schemas.microsoft.com/office/drawing/2014/main" id="{73001722-97A6-4F0C-B3DB-4072E006E7E9}"/>
               </a:ext>
             </a:extLst>
           </p:cNvPr>
@@ -6433,7 +6594,7 @@
     </p:spTree>
     <p:extLst>
       <p:ext uri="{BB962C8B-B14F-4D97-AF65-F5344CB8AC3E}">
-        <p14:creationId xmlns:p14="http://schemas.microsoft.com/office/powerpoint/2010/main" val="3344831838"/>
+        <p14:creationId xmlns:p14="http://schemas.microsoft.com/office/powerpoint/2010/main" val="4056633995"/>
       </p:ext>
     </p:extLst>
   </p:cSld>
@@ -6465,7 +6626,7 @@
           <p:cNvPr id="2" name="Title 1">
             <a:extLst>
               <a:ext uri="{FF2B5EF4-FFF2-40B4-BE49-F238E27FC236}">
-                <a16:creationId xmlns:a16="http://schemas.microsoft.com/office/drawing/2014/main" id="{6143A791-6998-45F5-AE3F-27D0822999DC}"/>
+                <a16:creationId xmlns:a16="http://schemas.microsoft.com/office/drawing/2014/main" id="{C5F73921-064B-4F8F-8A2C-9102B144ADD5}"/>
               </a:ext>
             </a:extLst>
           </p:cNvPr>
@@ -6483,7 +6644,7 @@
           <a:p>
             <a:r>
               <a:rPr lang="en-US" dirty="0"/>
-              <a:t>Traffic Crashes – Data Mining</a:t>
+              <a:t>Traffic Crashes - Preprocessing</a:t>
             </a:r>
           </a:p>
         </p:txBody>
@@ -6493,7 +6654,7 @@
           <p:cNvPr id="3" name="Content Placeholder 2">
             <a:extLst>
               <a:ext uri="{FF2B5EF4-FFF2-40B4-BE49-F238E27FC236}">
-                <a16:creationId xmlns:a16="http://schemas.microsoft.com/office/drawing/2014/main" id="{C4646ECB-F907-493F-8149-9B56FA2D4450}"/>
+                <a16:creationId xmlns:a16="http://schemas.microsoft.com/office/drawing/2014/main" id="{73001722-97A6-4F0C-B3DB-4072E006E7E9}"/>
               </a:ext>
             </a:extLst>
           </p:cNvPr>
@@ -6516,7 +6677,7 @@
     </p:spTree>
     <p:extLst>
       <p:ext uri="{BB962C8B-B14F-4D97-AF65-F5344CB8AC3E}">
-        <p14:creationId xmlns:p14="http://schemas.microsoft.com/office/powerpoint/2010/main" val="458686795"/>
+        <p14:creationId xmlns:p14="http://schemas.microsoft.com/office/powerpoint/2010/main" val="3062728388"/>
       </p:ext>
     </p:extLst>
   </p:cSld>
@@ -6548,7 +6709,7 @@
           <p:cNvPr id="2" name="Title 1">
             <a:extLst>
               <a:ext uri="{FF2B5EF4-FFF2-40B4-BE49-F238E27FC236}">
-                <a16:creationId xmlns:a16="http://schemas.microsoft.com/office/drawing/2014/main" id="{6143A791-6998-45F5-AE3F-27D0822999DC}"/>
+                <a16:creationId xmlns:a16="http://schemas.microsoft.com/office/drawing/2014/main" id="{DD5B492E-D003-4D98-9C53-7D15A5CAB8FB}"/>
               </a:ext>
             </a:extLst>
           </p:cNvPr>
@@ -6566,7 +6727,7 @@
           <a:p>
             <a:r>
               <a:rPr lang="en-US" dirty="0"/>
-              <a:t>Traffic Crashes – Data Mining</a:t>
+              <a:t>Traffic Crashes - Transformation</a:t>
             </a:r>
           </a:p>
         </p:txBody>
@@ -6576,7 +6737,7 @@
           <p:cNvPr id="3" name="Content Placeholder 2">
             <a:extLst>
               <a:ext uri="{FF2B5EF4-FFF2-40B4-BE49-F238E27FC236}">
-                <a16:creationId xmlns:a16="http://schemas.microsoft.com/office/drawing/2014/main" id="{C4646ECB-F907-493F-8149-9B56FA2D4450}"/>
+                <a16:creationId xmlns:a16="http://schemas.microsoft.com/office/drawing/2014/main" id="{E062B5DC-F1BA-4005-88A1-AAF423072A90}"/>
               </a:ext>
             </a:extLst>
           </p:cNvPr>
@@ -6599,7 +6760,7 @@
     </p:spTree>
     <p:extLst>
       <p:ext uri="{BB962C8B-B14F-4D97-AF65-F5344CB8AC3E}">
-        <p14:creationId xmlns:p14="http://schemas.microsoft.com/office/powerpoint/2010/main" val="2049486566"/>
+        <p14:creationId xmlns:p14="http://schemas.microsoft.com/office/powerpoint/2010/main" val="61744970"/>
       </p:ext>
     </p:extLst>
   </p:cSld>
@@ -6631,7 +6792,7 @@
           <p:cNvPr id="2" name="Title 1">
             <a:extLst>
               <a:ext uri="{FF2B5EF4-FFF2-40B4-BE49-F238E27FC236}">
-                <a16:creationId xmlns:a16="http://schemas.microsoft.com/office/drawing/2014/main" id="{6143A791-6998-45F5-AE3F-27D0822999DC}"/>
+                <a16:creationId xmlns:a16="http://schemas.microsoft.com/office/drawing/2014/main" id="{DD5B492E-D003-4D98-9C53-7D15A5CAB8FB}"/>
               </a:ext>
             </a:extLst>
           </p:cNvPr>
@@ -6649,7 +6810,7 @@
           <a:p>
             <a:r>
               <a:rPr lang="en-US" dirty="0"/>
-              <a:t>Traffic Crashes – Data Mining</a:t>
+              <a:t>Traffic Crashes - Transformation</a:t>
             </a:r>
           </a:p>
         </p:txBody>
@@ -6659,7 +6820,7 @@
           <p:cNvPr id="3" name="Content Placeholder 2">
             <a:extLst>
               <a:ext uri="{FF2B5EF4-FFF2-40B4-BE49-F238E27FC236}">
-                <a16:creationId xmlns:a16="http://schemas.microsoft.com/office/drawing/2014/main" id="{C4646ECB-F907-493F-8149-9B56FA2D4450}"/>
+                <a16:creationId xmlns:a16="http://schemas.microsoft.com/office/drawing/2014/main" id="{E062B5DC-F1BA-4005-88A1-AAF423072A90}"/>
               </a:ext>
             </a:extLst>
           </p:cNvPr>
@@ -6682,7 +6843,7 @@
     </p:spTree>
     <p:extLst>
       <p:ext uri="{BB962C8B-B14F-4D97-AF65-F5344CB8AC3E}">
-        <p14:creationId xmlns:p14="http://schemas.microsoft.com/office/powerpoint/2010/main" val="2396776005"/>
+        <p14:creationId xmlns:p14="http://schemas.microsoft.com/office/powerpoint/2010/main" val="860318444"/>
       </p:ext>
     </p:extLst>
   </p:cSld>
@@ -6732,7 +6893,7 @@
           <a:p>
             <a:r>
               <a:rPr lang="en-US" dirty="0"/>
-              <a:t>Traffic Crashes – Evaluation</a:t>
+              <a:t>Traffic Crashes – Data Mining</a:t>
             </a:r>
           </a:p>
         </p:txBody>
@@ -6765,7 +6926,7 @@
     </p:spTree>
     <p:extLst>
       <p:ext uri="{BB962C8B-B14F-4D97-AF65-F5344CB8AC3E}">
-        <p14:creationId xmlns:p14="http://schemas.microsoft.com/office/powerpoint/2010/main" val="3699210346"/>
+        <p14:creationId xmlns:p14="http://schemas.microsoft.com/office/powerpoint/2010/main" val="3344831838"/>
       </p:ext>
     </p:extLst>
   </p:cSld>
@@ -7002,7 +7163,7 @@
           <a:p>
             <a:r>
               <a:rPr lang="en-US" dirty="0"/>
-              <a:t>Traffic Crashes – Evaluation</a:t>
+              <a:t>Traffic Crashes – Data Mining</a:t>
             </a:r>
           </a:p>
         </p:txBody>
@@ -7035,7 +7196,7 @@
     </p:spTree>
     <p:extLst>
       <p:ext uri="{BB962C8B-B14F-4D97-AF65-F5344CB8AC3E}">
-        <p14:creationId xmlns:p14="http://schemas.microsoft.com/office/powerpoint/2010/main" val="54208192"/>
+        <p14:creationId xmlns:p14="http://schemas.microsoft.com/office/powerpoint/2010/main" val="458686795"/>
       </p:ext>
     </p:extLst>
   </p:cSld>
@@ -7085,7 +7246,7 @@
           <a:p>
             <a:r>
               <a:rPr lang="en-US" dirty="0"/>
-              <a:t>Traffic Crashes – Interpretation</a:t>
+              <a:t>Traffic Crashes – Data Mining</a:t>
             </a:r>
           </a:p>
         </p:txBody>
@@ -7118,7 +7279,7 @@
     </p:spTree>
     <p:extLst>
       <p:ext uri="{BB962C8B-B14F-4D97-AF65-F5344CB8AC3E}">
-        <p14:creationId xmlns:p14="http://schemas.microsoft.com/office/powerpoint/2010/main" val="421902365"/>
+        <p14:creationId xmlns:p14="http://schemas.microsoft.com/office/powerpoint/2010/main" val="2049486566"/>
       </p:ext>
     </p:extLst>
   </p:cSld>
@@ -7168,6 +7329,338 @@
           <a:p>
             <a:r>
               <a:rPr lang="en-US" dirty="0"/>
+              <a:t>Traffic Crashes – Data Mining</a:t>
+            </a:r>
+          </a:p>
+        </p:txBody>
+      </p:sp>
+      <p:sp>
+        <p:nvSpPr>
+          <p:cNvPr id="3" name="Content Placeholder 2">
+            <a:extLst>
+              <a:ext uri="{FF2B5EF4-FFF2-40B4-BE49-F238E27FC236}">
+                <a16:creationId xmlns:a16="http://schemas.microsoft.com/office/drawing/2014/main" id="{C4646ECB-F907-493F-8149-9B56FA2D4450}"/>
+              </a:ext>
+            </a:extLst>
+          </p:cNvPr>
+          <p:cNvSpPr>
+            <a:spLocks noGrp="1"/>
+          </p:cNvSpPr>
+          <p:nvPr>
+            <p:ph idx="1"/>
+          </p:nvPr>
+        </p:nvSpPr>
+        <p:spPr/>
+        <p:txBody>
+          <a:bodyPr/>
+          <a:lstStyle/>
+          <a:p>
+            <a:endParaRPr lang="en-US"/>
+          </a:p>
+        </p:txBody>
+      </p:sp>
+    </p:spTree>
+    <p:extLst>
+      <p:ext uri="{BB962C8B-B14F-4D97-AF65-F5344CB8AC3E}">
+        <p14:creationId xmlns:p14="http://schemas.microsoft.com/office/powerpoint/2010/main" val="2396776005"/>
+      </p:ext>
+    </p:extLst>
+  </p:cSld>
+  <p:clrMapOvr>
+    <a:masterClrMapping/>
+  </p:clrMapOvr>
+</p:sld>
+</file>
+
+<file path=ppt/slides/slide23.xml><?xml version="1.0" encoding="utf-8"?>
+<p:sld xmlns:a="http://schemas.openxmlformats.org/drawingml/2006/main" xmlns:r="http://schemas.openxmlformats.org/officeDocument/2006/relationships" xmlns:p="http://schemas.openxmlformats.org/presentationml/2006/main">
+  <p:cSld>
+    <p:spTree>
+      <p:nvGrpSpPr>
+        <p:cNvPr id="1" name=""/>
+        <p:cNvGrpSpPr/>
+        <p:nvPr/>
+      </p:nvGrpSpPr>
+      <p:grpSpPr>
+        <a:xfrm>
+          <a:off x="0" y="0"/>
+          <a:ext cx="0" cy="0"/>
+          <a:chOff x="0" y="0"/>
+          <a:chExt cx="0" cy="0"/>
+        </a:xfrm>
+      </p:grpSpPr>
+      <p:sp>
+        <p:nvSpPr>
+          <p:cNvPr id="2" name="Title 1">
+            <a:extLst>
+              <a:ext uri="{FF2B5EF4-FFF2-40B4-BE49-F238E27FC236}">
+                <a16:creationId xmlns:a16="http://schemas.microsoft.com/office/drawing/2014/main" id="{6143A791-6998-45F5-AE3F-27D0822999DC}"/>
+              </a:ext>
+            </a:extLst>
+          </p:cNvPr>
+          <p:cNvSpPr>
+            <a:spLocks noGrp="1"/>
+          </p:cNvSpPr>
+          <p:nvPr>
+            <p:ph type="title"/>
+          </p:nvPr>
+        </p:nvSpPr>
+        <p:spPr/>
+        <p:txBody>
+          <a:bodyPr/>
+          <a:lstStyle/>
+          <a:p>
+            <a:r>
+              <a:rPr lang="en-US" dirty="0"/>
+              <a:t>Traffic Crashes – Evaluation</a:t>
+            </a:r>
+          </a:p>
+        </p:txBody>
+      </p:sp>
+      <p:sp>
+        <p:nvSpPr>
+          <p:cNvPr id="3" name="Content Placeholder 2">
+            <a:extLst>
+              <a:ext uri="{FF2B5EF4-FFF2-40B4-BE49-F238E27FC236}">
+                <a16:creationId xmlns:a16="http://schemas.microsoft.com/office/drawing/2014/main" id="{C4646ECB-F907-493F-8149-9B56FA2D4450}"/>
+              </a:ext>
+            </a:extLst>
+          </p:cNvPr>
+          <p:cNvSpPr>
+            <a:spLocks noGrp="1"/>
+          </p:cNvSpPr>
+          <p:nvPr>
+            <p:ph idx="1"/>
+          </p:nvPr>
+        </p:nvSpPr>
+        <p:spPr/>
+        <p:txBody>
+          <a:bodyPr/>
+          <a:lstStyle/>
+          <a:p>
+            <a:endParaRPr lang="en-US"/>
+          </a:p>
+        </p:txBody>
+      </p:sp>
+    </p:spTree>
+    <p:extLst>
+      <p:ext uri="{BB962C8B-B14F-4D97-AF65-F5344CB8AC3E}">
+        <p14:creationId xmlns:p14="http://schemas.microsoft.com/office/powerpoint/2010/main" val="3699210346"/>
+      </p:ext>
+    </p:extLst>
+  </p:cSld>
+  <p:clrMapOvr>
+    <a:masterClrMapping/>
+  </p:clrMapOvr>
+</p:sld>
+</file>
+
+<file path=ppt/slides/slide24.xml><?xml version="1.0" encoding="utf-8"?>
+<p:sld xmlns:a="http://schemas.openxmlformats.org/drawingml/2006/main" xmlns:r="http://schemas.openxmlformats.org/officeDocument/2006/relationships" xmlns:p="http://schemas.openxmlformats.org/presentationml/2006/main">
+  <p:cSld>
+    <p:spTree>
+      <p:nvGrpSpPr>
+        <p:cNvPr id="1" name=""/>
+        <p:cNvGrpSpPr/>
+        <p:nvPr/>
+      </p:nvGrpSpPr>
+      <p:grpSpPr>
+        <a:xfrm>
+          <a:off x="0" y="0"/>
+          <a:ext cx="0" cy="0"/>
+          <a:chOff x="0" y="0"/>
+          <a:chExt cx="0" cy="0"/>
+        </a:xfrm>
+      </p:grpSpPr>
+      <p:sp>
+        <p:nvSpPr>
+          <p:cNvPr id="2" name="Title 1">
+            <a:extLst>
+              <a:ext uri="{FF2B5EF4-FFF2-40B4-BE49-F238E27FC236}">
+                <a16:creationId xmlns:a16="http://schemas.microsoft.com/office/drawing/2014/main" id="{6143A791-6998-45F5-AE3F-27D0822999DC}"/>
+              </a:ext>
+            </a:extLst>
+          </p:cNvPr>
+          <p:cNvSpPr>
+            <a:spLocks noGrp="1"/>
+          </p:cNvSpPr>
+          <p:nvPr>
+            <p:ph type="title"/>
+          </p:nvPr>
+        </p:nvSpPr>
+        <p:spPr/>
+        <p:txBody>
+          <a:bodyPr/>
+          <a:lstStyle/>
+          <a:p>
+            <a:r>
+              <a:rPr lang="en-US" dirty="0"/>
+              <a:t>Traffic Crashes – Evaluation</a:t>
+            </a:r>
+          </a:p>
+        </p:txBody>
+      </p:sp>
+      <p:sp>
+        <p:nvSpPr>
+          <p:cNvPr id="3" name="Content Placeholder 2">
+            <a:extLst>
+              <a:ext uri="{FF2B5EF4-FFF2-40B4-BE49-F238E27FC236}">
+                <a16:creationId xmlns:a16="http://schemas.microsoft.com/office/drawing/2014/main" id="{C4646ECB-F907-493F-8149-9B56FA2D4450}"/>
+              </a:ext>
+            </a:extLst>
+          </p:cNvPr>
+          <p:cNvSpPr>
+            <a:spLocks noGrp="1"/>
+          </p:cNvSpPr>
+          <p:nvPr>
+            <p:ph idx="1"/>
+          </p:nvPr>
+        </p:nvSpPr>
+        <p:spPr/>
+        <p:txBody>
+          <a:bodyPr/>
+          <a:lstStyle/>
+          <a:p>
+            <a:endParaRPr lang="en-US"/>
+          </a:p>
+        </p:txBody>
+      </p:sp>
+    </p:spTree>
+    <p:extLst>
+      <p:ext uri="{BB962C8B-B14F-4D97-AF65-F5344CB8AC3E}">
+        <p14:creationId xmlns:p14="http://schemas.microsoft.com/office/powerpoint/2010/main" val="54208192"/>
+      </p:ext>
+    </p:extLst>
+  </p:cSld>
+  <p:clrMapOvr>
+    <a:masterClrMapping/>
+  </p:clrMapOvr>
+</p:sld>
+</file>
+
+<file path=ppt/slides/slide25.xml><?xml version="1.0" encoding="utf-8"?>
+<p:sld xmlns:a="http://schemas.openxmlformats.org/drawingml/2006/main" xmlns:r="http://schemas.openxmlformats.org/officeDocument/2006/relationships" xmlns:p="http://schemas.openxmlformats.org/presentationml/2006/main">
+  <p:cSld>
+    <p:spTree>
+      <p:nvGrpSpPr>
+        <p:cNvPr id="1" name=""/>
+        <p:cNvGrpSpPr/>
+        <p:nvPr/>
+      </p:nvGrpSpPr>
+      <p:grpSpPr>
+        <a:xfrm>
+          <a:off x="0" y="0"/>
+          <a:ext cx="0" cy="0"/>
+          <a:chOff x="0" y="0"/>
+          <a:chExt cx="0" cy="0"/>
+        </a:xfrm>
+      </p:grpSpPr>
+      <p:sp>
+        <p:nvSpPr>
+          <p:cNvPr id="2" name="Title 1">
+            <a:extLst>
+              <a:ext uri="{FF2B5EF4-FFF2-40B4-BE49-F238E27FC236}">
+                <a16:creationId xmlns:a16="http://schemas.microsoft.com/office/drawing/2014/main" id="{6143A791-6998-45F5-AE3F-27D0822999DC}"/>
+              </a:ext>
+            </a:extLst>
+          </p:cNvPr>
+          <p:cNvSpPr>
+            <a:spLocks noGrp="1"/>
+          </p:cNvSpPr>
+          <p:nvPr>
+            <p:ph type="title"/>
+          </p:nvPr>
+        </p:nvSpPr>
+        <p:spPr/>
+        <p:txBody>
+          <a:bodyPr/>
+          <a:lstStyle/>
+          <a:p>
+            <a:r>
+              <a:rPr lang="en-US" dirty="0"/>
+              <a:t>Traffic Crashes – Interpretation</a:t>
+            </a:r>
+          </a:p>
+        </p:txBody>
+      </p:sp>
+      <p:sp>
+        <p:nvSpPr>
+          <p:cNvPr id="3" name="Content Placeholder 2">
+            <a:extLst>
+              <a:ext uri="{FF2B5EF4-FFF2-40B4-BE49-F238E27FC236}">
+                <a16:creationId xmlns:a16="http://schemas.microsoft.com/office/drawing/2014/main" id="{C4646ECB-F907-493F-8149-9B56FA2D4450}"/>
+              </a:ext>
+            </a:extLst>
+          </p:cNvPr>
+          <p:cNvSpPr>
+            <a:spLocks noGrp="1"/>
+          </p:cNvSpPr>
+          <p:nvPr>
+            <p:ph idx="1"/>
+          </p:nvPr>
+        </p:nvSpPr>
+        <p:spPr/>
+        <p:txBody>
+          <a:bodyPr/>
+          <a:lstStyle/>
+          <a:p>
+            <a:endParaRPr lang="en-US"/>
+          </a:p>
+        </p:txBody>
+      </p:sp>
+    </p:spTree>
+    <p:extLst>
+      <p:ext uri="{BB962C8B-B14F-4D97-AF65-F5344CB8AC3E}">
+        <p14:creationId xmlns:p14="http://schemas.microsoft.com/office/powerpoint/2010/main" val="421902365"/>
+      </p:ext>
+    </p:extLst>
+  </p:cSld>
+  <p:clrMapOvr>
+    <a:masterClrMapping/>
+  </p:clrMapOvr>
+</p:sld>
+</file>
+
+<file path=ppt/slides/slide26.xml><?xml version="1.0" encoding="utf-8"?>
+<p:sld xmlns:a="http://schemas.openxmlformats.org/drawingml/2006/main" xmlns:r="http://schemas.openxmlformats.org/officeDocument/2006/relationships" xmlns:p="http://schemas.openxmlformats.org/presentationml/2006/main">
+  <p:cSld>
+    <p:spTree>
+      <p:nvGrpSpPr>
+        <p:cNvPr id="1" name=""/>
+        <p:cNvGrpSpPr/>
+        <p:nvPr/>
+      </p:nvGrpSpPr>
+      <p:grpSpPr>
+        <a:xfrm>
+          <a:off x="0" y="0"/>
+          <a:ext cx="0" cy="0"/>
+          <a:chOff x="0" y="0"/>
+          <a:chExt cx="0" cy="0"/>
+        </a:xfrm>
+      </p:grpSpPr>
+      <p:sp>
+        <p:nvSpPr>
+          <p:cNvPr id="2" name="Title 1">
+            <a:extLst>
+              <a:ext uri="{FF2B5EF4-FFF2-40B4-BE49-F238E27FC236}">
+                <a16:creationId xmlns:a16="http://schemas.microsoft.com/office/drawing/2014/main" id="{6143A791-6998-45F5-AE3F-27D0822999DC}"/>
+              </a:ext>
+            </a:extLst>
+          </p:cNvPr>
+          <p:cNvSpPr>
+            <a:spLocks noGrp="1"/>
+          </p:cNvSpPr>
+          <p:nvPr>
+            <p:ph type="title"/>
+          </p:nvPr>
+        </p:nvSpPr>
+        <p:spPr/>
+        <p:txBody>
+          <a:bodyPr/>
+          <a:lstStyle/>
+          <a:p>
+            <a:r>
+              <a:rPr lang="en-US" dirty="0"/>
               <a:t>Traffic Crashes – Interpretation</a:t>
             </a:r>
           </a:p>
@@ -7211,7 +7704,7 @@
 </p:sld>
 </file>
 
-<file path=ppt/slides/slide23.xml><?xml version="1.0" encoding="utf-8"?>
+<file path=ppt/slides/slide27.xml><?xml version="1.0" encoding="utf-8"?>
 <p:sld xmlns:a="http://schemas.openxmlformats.org/drawingml/2006/main" xmlns:r="http://schemas.openxmlformats.org/officeDocument/2006/relationships" xmlns:p="http://schemas.openxmlformats.org/presentationml/2006/main">
   <p:cSld>
     <p:spTree>
@@ -8357,7 +8850,7 @@
           <a:p>
             <a:r>
               <a:rPr lang="en-US" dirty="0"/>
-              <a:t>Traffic Crashes - Preprocessing</a:t>
+              <a:t>Traffic Crashes - Visualization</a:t>
             </a:r>
           </a:p>
         </p:txBody>
@@ -8378,15 +8871,69 @@
             <p:ph idx="1"/>
           </p:nvPr>
         </p:nvSpPr>
-        <p:spPr/>
-        <p:txBody>
-          <a:bodyPr/>
-          <a:lstStyle/>
-          <a:p>
-            <a:endParaRPr lang="en-US"/>
-          </a:p>
-        </p:txBody>
-      </p:sp>
+        <p:spPr>
+          <a:xfrm>
+            <a:off x="677334" y="1576389"/>
+            <a:ext cx="8596668" cy="4464974"/>
+          </a:xfrm>
+        </p:spPr>
+        <p:txBody>
+          <a:bodyPr/>
+          <a:lstStyle/>
+          <a:p>
+            <a:r>
+              <a:rPr lang="en-US" dirty="0"/>
+              <a:t>Plot crash geolocations on graph</a:t>
+            </a:r>
+          </a:p>
+        </p:txBody>
+      </p:sp>
+      <p:pic>
+        <p:nvPicPr>
+          <p:cNvPr id="5" name="Picture 4">
+            <a:extLst>
+              <a:ext uri="{FF2B5EF4-FFF2-40B4-BE49-F238E27FC236}">
+                <a16:creationId xmlns:a16="http://schemas.microsoft.com/office/drawing/2014/main" id="{C397A801-07E2-4A91-A452-FD8679D8981B}"/>
+              </a:ext>
+            </a:extLst>
+          </p:cNvPr>
+          <p:cNvPicPr>
+            <a:picLocks noChangeAspect="1"/>
+          </p:cNvPicPr>
+          <p:nvPr/>
+        </p:nvPicPr>
+        <p:blipFill>
+          <a:blip r:embed="rId2">
+            <a:clrChange>
+              <a:clrFrom>
+                <a:srgbClr val="FFFFFF"/>
+              </a:clrFrom>
+              <a:clrTo>
+                <a:srgbClr val="FFFFFF">
+                  <a:alpha val="0"/>
+                </a:srgbClr>
+              </a:clrTo>
+            </a:clrChange>
+            <a:extLst>
+              <a:ext uri="{28A0092B-C50C-407E-A947-70E740481C1C}">
+                <a14:useLocalDpi xmlns:a14="http://schemas.microsoft.com/office/drawing/2010/main" val="0"/>
+              </a:ext>
+            </a:extLst>
+          </a:blip>
+          <a:stretch>
+            <a:fillRect/>
+          </a:stretch>
+        </p:blipFill>
+        <p:spPr>
+          <a:xfrm>
+            <a:off x="2324100" y="3232150"/>
+            <a:ext cx="5438775" cy="3625850"/>
+          </a:xfrm>
+          <a:prstGeom prst="rect">
+            <a:avLst/>
+          </a:prstGeom>
+        </p:spPr>
+      </p:pic>
     </p:spTree>
     <p:extLst>
       <p:ext uri="{BB962C8B-B14F-4D97-AF65-F5344CB8AC3E}">
@@ -8440,7 +8987,7 @@
           <a:p>
             <a:r>
               <a:rPr lang="en-US" dirty="0"/>
-              <a:t>Traffic Crashes - Preprocessing</a:t>
+              <a:t>Traffic Crashes - Visualization</a:t>
             </a:r>
           </a:p>
         </p:txBody>
@@ -8461,19 +9008,178 @@
             <p:ph idx="1"/>
           </p:nvPr>
         </p:nvSpPr>
-        <p:spPr/>
-        <p:txBody>
-          <a:bodyPr/>
-          <a:lstStyle/>
-          <a:p>
+        <p:spPr>
+          <a:xfrm>
+            <a:off x="677334" y="1576389"/>
+            <a:ext cx="8596668" cy="4464974"/>
+          </a:xfrm>
+        </p:spPr>
+        <p:txBody>
+          <a:bodyPr/>
+          <a:lstStyle/>
+          <a:p>
+            <a:r>
+              <a:rPr lang="en-US" dirty="0"/>
+              <a:t>Plot crash geolocations on graph</a:t>
+            </a:r>
+          </a:p>
+          <a:p>
+            <a:r>
+              <a:rPr lang="en-US" dirty="0"/>
+              <a:t>Not very meaningful, plot against a map…</a:t>
+            </a:r>
+          </a:p>
+          <a:p>
+            <a:pPr lvl="1"/>
+            <a:r>
+              <a:rPr lang="en-US" dirty="0"/>
+              <a:t>More details! Southeast Chicago seemed to be free from crashes, why?</a:t>
+            </a:r>
+          </a:p>
+        </p:txBody>
+      </p:sp>
+      <p:pic>
+        <p:nvPicPr>
+          <p:cNvPr id="5" name="Picture 4">
+            <a:extLst>
+              <a:ext uri="{FF2B5EF4-FFF2-40B4-BE49-F238E27FC236}">
+                <a16:creationId xmlns:a16="http://schemas.microsoft.com/office/drawing/2014/main" id="{C397A801-07E2-4A91-A452-FD8679D8981B}"/>
+              </a:ext>
+            </a:extLst>
+          </p:cNvPr>
+          <p:cNvPicPr>
+            <a:picLocks noChangeAspect="1"/>
+          </p:cNvPicPr>
+          <p:nvPr/>
+        </p:nvPicPr>
+        <p:blipFill>
+          <a:blip r:embed="rId2">
+            <a:clrChange>
+              <a:clrFrom>
+                <a:srgbClr val="FFFFFF"/>
+              </a:clrFrom>
+              <a:clrTo>
+                <a:srgbClr val="FFFFFF">
+                  <a:alpha val="0"/>
+                </a:srgbClr>
+              </a:clrTo>
+            </a:clrChange>
+            <a:extLst>
+              <a:ext uri="{28A0092B-C50C-407E-A947-70E740481C1C}">
+                <a14:useLocalDpi xmlns:a14="http://schemas.microsoft.com/office/drawing/2010/main" val="0"/>
+              </a:ext>
+            </a:extLst>
+          </a:blip>
+          <a:stretch>
+            <a:fillRect/>
+          </a:stretch>
+        </p:blipFill>
+        <p:spPr>
+          <a:xfrm>
+            <a:off x="244010" y="3681808"/>
+            <a:ext cx="4685178" cy="3123452"/>
+          </a:xfrm>
+          <a:prstGeom prst="rect">
+            <a:avLst/>
+          </a:prstGeom>
+        </p:spPr>
+      </p:pic>
+      <p:sp>
+        <p:nvSpPr>
+          <p:cNvPr id="6" name="Arrow: Right 5">
+            <a:extLst>
+              <a:ext uri="{FF2B5EF4-FFF2-40B4-BE49-F238E27FC236}">
+                <a16:creationId xmlns:a16="http://schemas.microsoft.com/office/drawing/2014/main" id="{6EA46760-C89B-478F-871B-AC097B9E34E2}"/>
+              </a:ext>
+            </a:extLst>
+          </p:cNvPr>
+          <p:cNvSpPr/>
+          <p:nvPr/>
+        </p:nvSpPr>
+        <p:spPr>
+          <a:xfrm>
+            <a:off x="4849498" y="5095875"/>
+            <a:ext cx="642937" cy="647700"/>
+          </a:xfrm>
+          <a:prstGeom prst="rightArrow">
+            <a:avLst/>
+          </a:prstGeom>
+        </p:spPr>
+        <p:style>
+          <a:lnRef idx="2">
+            <a:schemeClr val="accent1">
+              <a:shade val="50000"/>
+            </a:schemeClr>
+          </a:lnRef>
+          <a:fillRef idx="1">
+            <a:schemeClr val="accent1"/>
+          </a:fillRef>
+          <a:effectRef idx="0">
+            <a:schemeClr val="accent1"/>
+          </a:effectRef>
+          <a:fontRef idx="minor">
+            <a:schemeClr val="lt1"/>
+          </a:fontRef>
+        </p:style>
+        <p:txBody>
+          <a:bodyPr rtlCol="0" anchor="ctr"/>
+          <a:lstStyle/>
+          <a:p>
+            <a:pPr algn="ctr"/>
             <a:endParaRPr lang="en-US"/>
           </a:p>
         </p:txBody>
       </p:sp>
+      <p:pic>
+        <p:nvPicPr>
+          <p:cNvPr id="7" name="Picture 6">
+            <a:extLst>
+              <a:ext uri="{FF2B5EF4-FFF2-40B4-BE49-F238E27FC236}">
+                <a16:creationId xmlns:a16="http://schemas.microsoft.com/office/drawing/2014/main" id="{2A9A5EA0-8691-4C90-B442-18FEA33AA84E}"/>
+              </a:ext>
+            </a:extLst>
+          </p:cNvPr>
+          <p:cNvPicPr>
+            <a:picLocks noChangeAspect="1"/>
+          </p:cNvPicPr>
+          <p:nvPr/>
+        </p:nvPicPr>
+        <p:blipFill>
+          <a:blip r:embed="rId3">
+            <a:clrChange>
+              <a:clrFrom>
+                <a:srgbClr val="FFFFFF"/>
+              </a:clrFrom>
+              <a:clrTo>
+                <a:srgbClr val="FFFFFF">
+                  <a:alpha val="0"/>
+                </a:srgbClr>
+              </a:clrTo>
+            </a:clrChange>
+            <a:extLst>
+              <a:ext uri="{28A0092B-C50C-407E-A947-70E740481C1C}">
+                <a14:useLocalDpi xmlns:a14="http://schemas.microsoft.com/office/drawing/2010/main" val="0"/>
+              </a:ext>
+            </a:extLst>
+          </a:blip>
+          <a:stretch>
+            <a:fillRect/>
+          </a:stretch>
+        </p:blipFill>
+        <p:spPr>
+          <a:xfrm>
+            <a:off x="4991100" y="3299753"/>
+            <a:ext cx="5776913" cy="3851275"/>
+          </a:xfrm>
+          <a:prstGeom prst="rect">
+            <a:avLst/>
+          </a:prstGeom>
+        </p:spPr>
+      </p:pic>
     </p:spTree>
     <p:extLst>
       <p:ext uri="{BB962C8B-B14F-4D97-AF65-F5344CB8AC3E}">
-        <p14:creationId xmlns:p14="http://schemas.microsoft.com/office/powerpoint/2010/main" val="1456674226"/>
+        <p14:creationId xmlns:p14="http://schemas.microsoft.com/office/powerpoint/2010/main" val="4229403950"/>
       </p:ext>
     </p:extLst>
   </p:cSld>

--- a/Slides/An Investigation.pptx
+++ b/Slides/An Investigation.pptx
@@ -4,6 +4,9 @@
   <p:sldMasterIdLst>
     <p:sldMasterId id="2147483689" r:id="rId1"/>
   </p:sldMasterIdLst>
+  <p:notesMasterIdLst>
+    <p:notesMasterId r:id="rId33"/>
+  </p:notesMasterIdLst>
   <p:sldIdLst>
     <p:sldId id="256" r:id="rId2"/>
     <p:sldId id="257" r:id="rId3"/>
@@ -19,19 +22,23 @@
     <p:sldId id="279" r:id="rId13"/>
     <p:sldId id="265" r:id="rId14"/>
     <p:sldId id="266" r:id="rId15"/>
-    <p:sldId id="267" r:id="rId16"/>
-    <p:sldId id="268" r:id="rId17"/>
-    <p:sldId id="269" r:id="rId18"/>
-    <p:sldId id="270" r:id="rId19"/>
-    <p:sldId id="271" r:id="rId20"/>
-    <p:sldId id="272" r:id="rId21"/>
-    <p:sldId id="273" r:id="rId22"/>
-    <p:sldId id="274" r:id="rId23"/>
-    <p:sldId id="275" r:id="rId24"/>
-    <p:sldId id="276" r:id="rId25"/>
-    <p:sldId id="277" r:id="rId26"/>
-    <p:sldId id="278" r:id="rId27"/>
-    <p:sldId id="260" r:id="rId28"/>
+    <p:sldId id="286" r:id="rId16"/>
+    <p:sldId id="267" r:id="rId17"/>
+    <p:sldId id="285" r:id="rId18"/>
+    <p:sldId id="268" r:id="rId19"/>
+    <p:sldId id="284" r:id="rId20"/>
+    <p:sldId id="287" r:id="rId21"/>
+    <p:sldId id="269" r:id="rId22"/>
+    <p:sldId id="270" r:id="rId23"/>
+    <p:sldId id="271" r:id="rId24"/>
+    <p:sldId id="272" r:id="rId25"/>
+    <p:sldId id="273" r:id="rId26"/>
+    <p:sldId id="274" r:id="rId27"/>
+    <p:sldId id="275" r:id="rId28"/>
+    <p:sldId id="276" r:id="rId29"/>
+    <p:sldId id="277" r:id="rId30"/>
+    <p:sldId id="278" r:id="rId31"/>
+    <p:sldId id="260" r:id="rId32"/>
   </p:sldIdLst>
   <p:sldSz cx="12192000" cy="6858000"/>
   <p:notesSz cx="6858000" cy="9144000"/>
@@ -136,6 +143,451 @@
     </p:ext>
   </p:extLst>
 </p:presentation>
+</file>
+
+<file path=ppt/commentAuthors.xml><?xml version="1.0" encoding="utf-8"?>
+<p:cmAuthorLst xmlns:a="http://schemas.openxmlformats.org/drawingml/2006/main" xmlns:r="http://schemas.openxmlformats.org/officeDocument/2006/relationships" xmlns:p="http://schemas.openxmlformats.org/presentationml/2006/main">
+  <p:cmAuthor id="1" name="Nabil Darwich" initials="ND" lastIdx="1" clrIdx="0">
+    <p:extLst>
+      <p:ext uri="{19B8F6BF-5375-455C-9EA6-DF929625EA0E}">
+        <p15:presenceInfo xmlns:p15="http://schemas.microsoft.com/office/powerpoint/2012/main" userId="Nabil Darwich" providerId="None"/>
+      </p:ext>
+    </p:extLst>
+  </p:cmAuthor>
+</p:cmAuthorLst>
+</file>
+
+<file path=ppt/notesMasters/notesMaster1.xml><?xml version="1.0" encoding="utf-8"?>
+<p:notesMaster xmlns:a="http://schemas.openxmlformats.org/drawingml/2006/main" xmlns:r="http://schemas.openxmlformats.org/officeDocument/2006/relationships" xmlns:p="http://schemas.openxmlformats.org/presentationml/2006/main">
+  <p:cSld>
+    <p:bg>
+      <p:bgRef idx="1001">
+        <a:schemeClr val="bg1"/>
+      </p:bgRef>
+    </p:bg>
+    <p:spTree>
+      <p:nvGrpSpPr>
+        <p:cNvPr id="1" name=""/>
+        <p:cNvGrpSpPr/>
+        <p:nvPr/>
+      </p:nvGrpSpPr>
+      <p:grpSpPr>
+        <a:xfrm>
+          <a:off x="0" y="0"/>
+          <a:ext cx="0" cy="0"/>
+          <a:chOff x="0" y="0"/>
+          <a:chExt cx="0" cy="0"/>
+        </a:xfrm>
+      </p:grpSpPr>
+      <p:sp>
+        <p:nvSpPr>
+          <p:cNvPr id="2" name="Header Placeholder 1"/>
+          <p:cNvSpPr>
+            <a:spLocks noGrp="1"/>
+          </p:cNvSpPr>
+          <p:nvPr>
+            <p:ph type="hdr" sz="quarter"/>
+          </p:nvPr>
+        </p:nvSpPr>
+        <p:spPr>
+          <a:xfrm>
+            <a:off x="0" y="0"/>
+            <a:ext cx="2971800" cy="458788"/>
+          </a:xfrm>
+          <a:prstGeom prst="rect">
+            <a:avLst/>
+          </a:prstGeom>
+        </p:spPr>
+        <p:txBody>
+          <a:bodyPr vert="horz" lIns="91440" tIns="45720" rIns="91440" bIns="45720" rtlCol="0"/>
+          <a:lstStyle>
+            <a:lvl1pPr algn="l">
+              <a:defRPr sz="1200"/>
+            </a:lvl1pPr>
+          </a:lstStyle>
+          <a:p>
+            <a:endParaRPr lang="en-US"/>
+          </a:p>
+        </p:txBody>
+      </p:sp>
+      <p:sp>
+        <p:nvSpPr>
+          <p:cNvPr id="3" name="Date Placeholder 2"/>
+          <p:cNvSpPr>
+            <a:spLocks noGrp="1"/>
+          </p:cNvSpPr>
+          <p:nvPr>
+            <p:ph type="dt" idx="1"/>
+          </p:nvPr>
+        </p:nvSpPr>
+        <p:spPr>
+          <a:xfrm>
+            <a:off x="3884613" y="0"/>
+            <a:ext cx="2971800" cy="458788"/>
+          </a:xfrm>
+          <a:prstGeom prst="rect">
+            <a:avLst/>
+          </a:prstGeom>
+        </p:spPr>
+        <p:txBody>
+          <a:bodyPr vert="horz" lIns="91440" tIns="45720" rIns="91440" bIns="45720" rtlCol="0"/>
+          <a:lstStyle>
+            <a:lvl1pPr algn="r">
+              <a:defRPr sz="1200"/>
+            </a:lvl1pPr>
+          </a:lstStyle>
+          <a:p>
+            <a:fld id="{3363163F-2E00-4E77-878F-5C90D80E0CD0}" type="datetimeFigureOut">
+              <a:rPr lang="en-US" smtClean="0"/>
+              <a:t>12/2/2018</a:t>
+            </a:fld>
+            <a:endParaRPr lang="en-US"/>
+          </a:p>
+        </p:txBody>
+      </p:sp>
+      <p:sp>
+        <p:nvSpPr>
+          <p:cNvPr id="4" name="Slide Image Placeholder 3"/>
+          <p:cNvSpPr>
+            <a:spLocks noGrp="1" noRot="1" noChangeAspect="1"/>
+          </p:cNvSpPr>
+          <p:nvPr>
+            <p:ph type="sldImg" idx="2"/>
+          </p:nvPr>
+        </p:nvSpPr>
+        <p:spPr>
+          <a:xfrm>
+            <a:off x="685800" y="1143000"/>
+            <a:ext cx="5486400" cy="3086100"/>
+          </a:xfrm>
+          <a:prstGeom prst="rect">
+            <a:avLst/>
+          </a:prstGeom>
+          <a:noFill/>
+          <a:ln w="12700">
+            <a:solidFill>
+              <a:prstClr val="black"/>
+            </a:solidFill>
+          </a:ln>
+        </p:spPr>
+        <p:txBody>
+          <a:bodyPr vert="horz" lIns="91440" tIns="45720" rIns="91440" bIns="45720" rtlCol="0" anchor="ctr"/>
+          <a:lstStyle/>
+          <a:p>
+            <a:endParaRPr lang="en-US"/>
+          </a:p>
+        </p:txBody>
+      </p:sp>
+      <p:sp>
+        <p:nvSpPr>
+          <p:cNvPr id="5" name="Notes Placeholder 4"/>
+          <p:cNvSpPr>
+            <a:spLocks noGrp="1"/>
+          </p:cNvSpPr>
+          <p:nvPr>
+            <p:ph type="body" sz="quarter" idx="3"/>
+          </p:nvPr>
+        </p:nvSpPr>
+        <p:spPr>
+          <a:xfrm>
+            <a:off x="685800" y="4400550"/>
+            <a:ext cx="5486400" cy="3600450"/>
+          </a:xfrm>
+          <a:prstGeom prst="rect">
+            <a:avLst/>
+          </a:prstGeom>
+        </p:spPr>
+        <p:txBody>
+          <a:bodyPr vert="horz" lIns="91440" tIns="45720" rIns="91440" bIns="45720" rtlCol="0"/>
+          <a:lstStyle/>
+          <a:p>
+            <a:pPr lvl="0"/>
+            <a:r>
+              <a:rPr lang="en-US"/>
+              <a:t>Edit Master text styles</a:t>
+            </a:r>
+          </a:p>
+          <a:p>
+            <a:pPr lvl="1"/>
+            <a:r>
+              <a:rPr lang="en-US"/>
+              <a:t>Second level</a:t>
+            </a:r>
+          </a:p>
+          <a:p>
+            <a:pPr lvl="2"/>
+            <a:r>
+              <a:rPr lang="en-US"/>
+              <a:t>Third level</a:t>
+            </a:r>
+          </a:p>
+          <a:p>
+            <a:pPr lvl="3"/>
+            <a:r>
+              <a:rPr lang="en-US"/>
+              <a:t>Fourth level</a:t>
+            </a:r>
+          </a:p>
+          <a:p>
+            <a:pPr lvl="4"/>
+            <a:r>
+              <a:rPr lang="en-US"/>
+              <a:t>Fifth level</a:t>
+            </a:r>
+          </a:p>
+        </p:txBody>
+      </p:sp>
+      <p:sp>
+        <p:nvSpPr>
+          <p:cNvPr id="6" name="Footer Placeholder 5"/>
+          <p:cNvSpPr>
+            <a:spLocks noGrp="1"/>
+          </p:cNvSpPr>
+          <p:nvPr>
+            <p:ph type="ftr" sz="quarter" idx="4"/>
+          </p:nvPr>
+        </p:nvSpPr>
+        <p:spPr>
+          <a:xfrm>
+            <a:off x="0" y="8685213"/>
+            <a:ext cx="2971800" cy="458787"/>
+          </a:xfrm>
+          <a:prstGeom prst="rect">
+            <a:avLst/>
+          </a:prstGeom>
+        </p:spPr>
+        <p:txBody>
+          <a:bodyPr vert="horz" lIns="91440" tIns="45720" rIns="91440" bIns="45720" rtlCol="0" anchor="b"/>
+          <a:lstStyle>
+            <a:lvl1pPr algn="l">
+              <a:defRPr sz="1200"/>
+            </a:lvl1pPr>
+          </a:lstStyle>
+          <a:p>
+            <a:endParaRPr lang="en-US"/>
+          </a:p>
+        </p:txBody>
+      </p:sp>
+      <p:sp>
+        <p:nvSpPr>
+          <p:cNvPr id="7" name="Slide Number Placeholder 6"/>
+          <p:cNvSpPr>
+            <a:spLocks noGrp="1"/>
+          </p:cNvSpPr>
+          <p:nvPr>
+            <p:ph type="sldNum" sz="quarter" idx="5"/>
+          </p:nvPr>
+        </p:nvSpPr>
+        <p:spPr>
+          <a:xfrm>
+            <a:off x="3884613" y="8685213"/>
+            <a:ext cx="2971800" cy="458787"/>
+          </a:xfrm>
+          <a:prstGeom prst="rect">
+            <a:avLst/>
+          </a:prstGeom>
+        </p:spPr>
+        <p:txBody>
+          <a:bodyPr vert="horz" lIns="91440" tIns="45720" rIns="91440" bIns="45720" rtlCol="0" anchor="b"/>
+          <a:lstStyle>
+            <a:lvl1pPr algn="r">
+              <a:defRPr sz="1200"/>
+            </a:lvl1pPr>
+          </a:lstStyle>
+          <a:p>
+            <a:fld id="{DD64920E-5384-4F8F-B917-AD70FEF637A3}" type="slidenum">
+              <a:rPr lang="en-US" smtClean="0"/>
+              <a:t>‹#›</a:t>
+            </a:fld>
+            <a:endParaRPr lang="en-US"/>
+          </a:p>
+        </p:txBody>
+      </p:sp>
+    </p:spTree>
+    <p:extLst>
+      <p:ext uri="{BB962C8B-B14F-4D97-AF65-F5344CB8AC3E}">
+        <p14:creationId xmlns:p14="http://schemas.microsoft.com/office/powerpoint/2010/main" val="4163117012"/>
+      </p:ext>
+    </p:extLst>
+  </p:cSld>
+  <p:clrMap bg1="lt1" tx1="dk1" bg2="lt2" tx2="dk2" accent1="accent1" accent2="accent2" accent3="accent3" accent4="accent4" accent5="accent5" accent6="accent6" hlink="hlink" folHlink="folHlink"/>
+  <p:notesStyle>
+    <a:lvl1pPr marL="0" algn="l" defTabSz="914400" rtl="0" eaLnBrk="1" latinLnBrk="0" hangingPunct="1">
+      <a:defRPr sz="1200" kern="1200">
+        <a:solidFill>
+          <a:schemeClr val="tx1"/>
+        </a:solidFill>
+        <a:latin typeface="+mn-lt"/>
+        <a:ea typeface="+mn-ea"/>
+        <a:cs typeface="+mn-cs"/>
+      </a:defRPr>
+    </a:lvl1pPr>
+    <a:lvl2pPr marL="457200" algn="l" defTabSz="914400" rtl="0" eaLnBrk="1" latinLnBrk="0" hangingPunct="1">
+      <a:defRPr sz="1200" kern="1200">
+        <a:solidFill>
+          <a:schemeClr val="tx1"/>
+        </a:solidFill>
+        <a:latin typeface="+mn-lt"/>
+        <a:ea typeface="+mn-ea"/>
+        <a:cs typeface="+mn-cs"/>
+      </a:defRPr>
+    </a:lvl2pPr>
+    <a:lvl3pPr marL="914400" algn="l" defTabSz="914400" rtl="0" eaLnBrk="1" latinLnBrk="0" hangingPunct="1">
+      <a:defRPr sz="1200" kern="1200">
+        <a:solidFill>
+          <a:schemeClr val="tx1"/>
+        </a:solidFill>
+        <a:latin typeface="+mn-lt"/>
+        <a:ea typeface="+mn-ea"/>
+        <a:cs typeface="+mn-cs"/>
+      </a:defRPr>
+    </a:lvl3pPr>
+    <a:lvl4pPr marL="1371600" algn="l" defTabSz="914400" rtl="0" eaLnBrk="1" latinLnBrk="0" hangingPunct="1">
+      <a:defRPr sz="1200" kern="1200">
+        <a:solidFill>
+          <a:schemeClr val="tx1"/>
+        </a:solidFill>
+        <a:latin typeface="+mn-lt"/>
+        <a:ea typeface="+mn-ea"/>
+        <a:cs typeface="+mn-cs"/>
+      </a:defRPr>
+    </a:lvl4pPr>
+    <a:lvl5pPr marL="1828800" algn="l" defTabSz="914400" rtl="0" eaLnBrk="1" latinLnBrk="0" hangingPunct="1">
+      <a:defRPr sz="1200" kern="1200">
+        <a:solidFill>
+          <a:schemeClr val="tx1"/>
+        </a:solidFill>
+        <a:latin typeface="+mn-lt"/>
+        <a:ea typeface="+mn-ea"/>
+        <a:cs typeface="+mn-cs"/>
+      </a:defRPr>
+    </a:lvl5pPr>
+    <a:lvl6pPr marL="2286000" algn="l" defTabSz="914400" rtl="0" eaLnBrk="1" latinLnBrk="0" hangingPunct="1">
+      <a:defRPr sz="1200" kern="1200">
+        <a:solidFill>
+          <a:schemeClr val="tx1"/>
+        </a:solidFill>
+        <a:latin typeface="+mn-lt"/>
+        <a:ea typeface="+mn-ea"/>
+        <a:cs typeface="+mn-cs"/>
+      </a:defRPr>
+    </a:lvl6pPr>
+    <a:lvl7pPr marL="2743200" algn="l" defTabSz="914400" rtl="0" eaLnBrk="1" latinLnBrk="0" hangingPunct="1">
+      <a:defRPr sz="1200" kern="1200">
+        <a:solidFill>
+          <a:schemeClr val="tx1"/>
+        </a:solidFill>
+        <a:latin typeface="+mn-lt"/>
+        <a:ea typeface="+mn-ea"/>
+        <a:cs typeface="+mn-cs"/>
+      </a:defRPr>
+    </a:lvl7pPr>
+    <a:lvl8pPr marL="3200400" algn="l" defTabSz="914400" rtl="0" eaLnBrk="1" latinLnBrk="0" hangingPunct="1">
+      <a:defRPr sz="1200" kern="1200">
+        <a:solidFill>
+          <a:schemeClr val="tx1"/>
+        </a:solidFill>
+        <a:latin typeface="+mn-lt"/>
+        <a:ea typeface="+mn-ea"/>
+        <a:cs typeface="+mn-cs"/>
+      </a:defRPr>
+    </a:lvl8pPr>
+    <a:lvl9pPr marL="3657600" algn="l" defTabSz="914400" rtl="0" eaLnBrk="1" latinLnBrk="0" hangingPunct="1">
+      <a:defRPr sz="1200" kern="1200">
+        <a:solidFill>
+          <a:schemeClr val="tx1"/>
+        </a:solidFill>
+        <a:latin typeface="+mn-lt"/>
+        <a:ea typeface="+mn-ea"/>
+        <a:cs typeface="+mn-cs"/>
+      </a:defRPr>
+    </a:lvl9pPr>
+  </p:notesStyle>
+</p:notesMaster>
+</file>
+
+<file path=ppt/notesSlides/notesSlide1.xml><?xml version="1.0" encoding="utf-8"?>
+<p:notes xmlns:a="http://schemas.openxmlformats.org/drawingml/2006/main" xmlns:r="http://schemas.openxmlformats.org/officeDocument/2006/relationships" xmlns:p="http://schemas.openxmlformats.org/presentationml/2006/main">
+  <p:cSld>
+    <p:spTree>
+      <p:nvGrpSpPr>
+        <p:cNvPr id="1" name=""/>
+        <p:cNvGrpSpPr/>
+        <p:nvPr/>
+      </p:nvGrpSpPr>
+      <p:grpSpPr>
+        <a:xfrm>
+          <a:off x="0" y="0"/>
+          <a:ext cx="0" cy="0"/>
+          <a:chOff x="0" y="0"/>
+          <a:chExt cx="0" cy="0"/>
+        </a:xfrm>
+      </p:grpSpPr>
+      <p:sp>
+        <p:nvSpPr>
+          <p:cNvPr id="2" name="Slide Image Placeholder 1"/>
+          <p:cNvSpPr>
+            <a:spLocks noGrp="1" noRot="1" noChangeAspect="1"/>
+          </p:cNvSpPr>
+          <p:nvPr>
+            <p:ph type="sldImg"/>
+          </p:nvPr>
+        </p:nvSpPr>
+        <p:spPr/>
+      </p:sp>
+      <p:sp>
+        <p:nvSpPr>
+          <p:cNvPr id="3" name="Notes Placeholder 2"/>
+          <p:cNvSpPr>
+            <a:spLocks noGrp="1"/>
+          </p:cNvSpPr>
+          <p:nvPr>
+            <p:ph type="body" idx="1"/>
+          </p:nvPr>
+        </p:nvSpPr>
+        <p:spPr/>
+        <p:txBody>
+          <a:bodyPr/>
+          <a:lstStyle/>
+          <a:p>
+            <a:endParaRPr lang="en-US" dirty="0"/>
+          </a:p>
+        </p:txBody>
+      </p:sp>
+      <p:sp>
+        <p:nvSpPr>
+          <p:cNvPr id="4" name="Slide Number Placeholder 3"/>
+          <p:cNvSpPr>
+            <a:spLocks noGrp="1"/>
+          </p:cNvSpPr>
+          <p:nvPr>
+            <p:ph type="sldNum" sz="quarter" idx="5"/>
+          </p:nvPr>
+        </p:nvSpPr>
+        <p:spPr/>
+        <p:txBody>
+          <a:bodyPr/>
+          <a:lstStyle/>
+          <a:p>
+            <a:fld id="{DD64920E-5384-4F8F-B917-AD70FEF637A3}" type="slidenum">
+              <a:rPr lang="en-US" smtClean="0"/>
+              <a:t>12</a:t>
+            </a:fld>
+            <a:endParaRPr lang="en-US"/>
+          </a:p>
+        </p:txBody>
+      </p:sp>
+    </p:spTree>
+    <p:extLst>
+      <p:ext uri="{BB962C8B-B14F-4D97-AF65-F5344CB8AC3E}">
+        <p14:creationId xmlns:p14="http://schemas.microsoft.com/office/powerpoint/2010/main" val="3307588133"/>
+      </p:ext>
+    </p:extLst>
+  </p:cSld>
+  <p:clrMapOvr>
+    <a:masterClrMapping/>
+  </p:clrMapOvr>
+</p:notes>
 </file>
 
 <file path=ppt/slideLayouts/slideLayout1.xml><?xml version="1.0" encoding="utf-8"?>
@@ -6333,12 +6785,98 @@
             <p:ph idx="1"/>
           </p:nvPr>
         </p:nvSpPr>
-        <p:spPr/>
-        <p:txBody>
-          <a:bodyPr/>
-          <a:lstStyle/>
-          <a:p>
-            <a:endParaRPr lang="en-US"/>
+        <p:spPr>
+          <a:xfrm>
+            <a:off x="677333" y="1814513"/>
+            <a:ext cx="8596667" cy="4672012"/>
+          </a:xfrm>
+        </p:spPr>
+        <p:txBody>
+          <a:bodyPr/>
+          <a:lstStyle/>
+          <a:p>
+            <a:r>
+              <a:rPr lang="en-US" dirty="0"/>
+              <a:t>Start was 200k+ crash entries, 48 features</a:t>
+            </a:r>
+          </a:p>
+          <a:p>
+            <a:pPr lvl="1"/>
+            <a:r>
+              <a:rPr lang="en-US" dirty="0"/>
+              <a:t>From 2014 to today</a:t>
+            </a:r>
+          </a:p>
+          <a:p>
+            <a:r>
+              <a:rPr lang="en-US" dirty="0"/>
+              <a:t> Also had two more datasets</a:t>
+            </a:r>
+          </a:p>
+          <a:p>
+            <a:pPr lvl="1"/>
+            <a:r>
+              <a:rPr lang="en-US" dirty="0"/>
+              <a:t>Vehicles involved (450k+ entries, 71 features)</a:t>
+            </a:r>
+          </a:p>
+          <a:p>
+            <a:pPr lvl="1"/>
+            <a:r>
+              <a:rPr lang="en-US" dirty="0"/>
+              <a:t>People involved (500k+ entries, 29 features)</a:t>
+            </a:r>
+          </a:p>
+          <a:p>
+            <a:r>
+              <a:rPr lang="en-US" dirty="0"/>
+              <a:t>Challenges:</a:t>
+            </a:r>
+          </a:p>
+          <a:p>
+            <a:pPr lvl="1"/>
+            <a:r>
+              <a:rPr lang="en-US" dirty="0"/>
+              <a:t>Scaling down the data for a feasible project</a:t>
+            </a:r>
+          </a:p>
+          <a:p>
+            <a:pPr lvl="1"/>
+            <a:r>
+              <a:rPr lang="en-US" dirty="0"/>
+              <a:t>Combining Crash/People/Vehicle datasets</a:t>
+            </a:r>
+          </a:p>
+          <a:p>
+            <a:pPr lvl="1"/>
+            <a:r>
+              <a:rPr lang="en-US" dirty="0"/>
+              <a:t>Making the data interpretable by an algorithm</a:t>
+            </a:r>
+          </a:p>
+          <a:p>
+            <a:pPr lvl="2"/>
+            <a:r>
+              <a:rPr lang="en-US" dirty="0"/>
+              <a:t>Handling empty entries</a:t>
+            </a:r>
+          </a:p>
+          <a:p>
+            <a:pPr lvl="1"/>
+            <a:r>
+              <a:rPr lang="en-US" dirty="0"/>
+              <a:t>Reducing the number of features</a:t>
+            </a:r>
+          </a:p>
+          <a:p>
+            <a:pPr lvl="1"/>
+            <a:endParaRPr lang="en-US" dirty="0"/>
+          </a:p>
+          <a:p>
+            <a:endParaRPr lang="en-US" dirty="0"/>
+          </a:p>
+          <a:p>
+            <a:endParaRPr lang="en-US" dirty="0"/>
           </a:p>
         </p:txBody>
       </p:sp>
@@ -6421,7 +6959,45 @@
           <a:bodyPr/>
           <a:lstStyle/>
           <a:p>
-            <a:endParaRPr lang="en-US"/>
+            <a:r>
+              <a:rPr lang="en-US" dirty="0"/>
+              <a:t>Challenges</a:t>
+            </a:r>
+          </a:p>
+          <a:p>
+            <a:pPr lvl="1"/>
+            <a:r>
+              <a:rPr lang="en-US" b="1" dirty="0"/>
+              <a:t>Scaling down the data for a feasible project</a:t>
+            </a:r>
+          </a:p>
+          <a:p>
+            <a:pPr lvl="1"/>
+            <a:r>
+              <a:rPr lang="en-US" dirty="0"/>
+              <a:t>Combining Crash/People/Vehicle datasets</a:t>
+            </a:r>
+          </a:p>
+          <a:p>
+            <a:pPr lvl="1"/>
+            <a:r>
+              <a:rPr lang="en-US" dirty="0"/>
+              <a:t>Making the data interpretable by an algorithm</a:t>
+            </a:r>
+          </a:p>
+          <a:p>
+            <a:pPr lvl="2"/>
+            <a:r>
+              <a:rPr lang="en-US" dirty="0"/>
+              <a:t>Handling empty entries</a:t>
+            </a:r>
+          </a:p>
+          <a:p>
+            <a:pPr lvl="1"/>
+            <a:r>
+              <a:rPr lang="en-US" dirty="0"/>
+              <a:t>Reducing the number of features</a:t>
+            </a:r>
           </a:p>
         </p:txBody>
       </p:sp>
@@ -6478,7 +7054,14 @@
           <a:p>
             <a:r>
               <a:rPr lang="en-US" dirty="0"/>
-              <a:t>Traffic Crashes - Preprocessing</a:t>
+              <a:t>Traffic Crashes – Preprocessing</a:t>
+            </a:r>
+            <a:br>
+              <a:rPr lang="en-US" dirty="0"/>
+            </a:br>
+            <a:r>
+              <a:rPr lang="en-US" dirty="0"/>
+              <a:t>Scaling down the data</a:t>
             </a:r>
           </a:p>
         </p:txBody>
@@ -6499,12 +7082,78 @@
             <p:ph idx="1"/>
           </p:nvPr>
         </p:nvSpPr>
-        <p:spPr/>
-        <p:txBody>
-          <a:bodyPr/>
-          <a:lstStyle/>
-          <a:p>
-            <a:endParaRPr lang="en-US"/>
+        <p:spPr>
+          <a:xfrm>
+            <a:off x="677334" y="2160589"/>
+            <a:ext cx="8596668" cy="4187824"/>
+          </a:xfrm>
+        </p:spPr>
+        <p:txBody>
+          <a:bodyPr>
+            <a:normAutofit/>
+          </a:bodyPr>
+          <a:lstStyle/>
+          <a:p>
+            <a:r>
+              <a:rPr lang="en-US" dirty="0"/>
+              <a:t>Vehicle data very sparse and hard to standardize w/o vehicle database</a:t>
+            </a:r>
+          </a:p>
+          <a:p>
+            <a:r>
+              <a:rPr lang="en-US" dirty="0"/>
+              <a:t>Different years meant</a:t>
+            </a:r>
+          </a:p>
+          <a:p>
+            <a:pPr lvl="1"/>
+            <a:r>
+              <a:rPr lang="en-US" dirty="0"/>
+              <a:t>Different road systems, road condition</a:t>
+            </a:r>
+          </a:p>
+          <a:p>
+            <a:pPr lvl="1"/>
+            <a:r>
+              <a:rPr lang="en-US" dirty="0"/>
+              <a:t>Different safety standards</a:t>
+            </a:r>
+          </a:p>
+          <a:p>
+            <a:r>
+              <a:rPr lang="en-US" dirty="0"/>
+              <a:t>Different seasons meant</a:t>
+            </a:r>
+          </a:p>
+          <a:p>
+            <a:pPr lvl="1"/>
+            <a:r>
+              <a:rPr lang="en-US" dirty="0"/>
+              <a:t>Different weather conditions</a:t>
+            </a:r>
+          </a:p>
+          <a:p>
+            <a:pPr lvl="1"/>
+            <a:r>
+              <a:rPr lang="en-US" dirty="0"/>
+              <a:t>Different common reasons for crashes</a:t>
+            </a:r>
+          </a:p>
+          <a:p>
+            <a:pPr lvl="1"/>
+            <a:r>
+              <a:rPr lang="en-US" dirty="0"/>
+              <a:t>Different severity levels for crashes</a:t>
+            </a:r>
+          </a:p>
+          <a:p>
+            <a:endParaRPr lang="en-US" dirty="0"/>
+          </a:p>
+          <a:p>
+            <a:r>
+              <a:rPr lang="en-US" dirty="0"/>
+              <a:t>Solution: High level decision of only using crash &amp; people data from summer 2018 made (30k crash entries, 67k people entries)</a:t>
+            </a:r>
           </a:p>
         </p:txBody>
       </p:sp>
@@ -6587,14 +7236,52 @@
           <a:bodyPr/>
           <a:lstStyle/>
           <a:p>
-            <a:endParaRPr lang="en-US"/>
+            <a:r>
+              <a:rPr lang="en-US" dirty="0"/>
+              <a:t>Challenges</a:t>
+            </a:r>
+          </a:p>
+          <a:p>
+            <a:pPr lvl="1"/>
+            <a:r>
+              <a:rPr lang="en-US" dirty="0"/>
+              <a:t>Scaling down the data for a feasible project</a:t>
+            </a:r>
+          </a:p>
+          <a:p>
+            <a:pPr lvl="1"/>
+            <a:r>
+              <a:rPr lang="en-US" b="1" dirty="0"/>
+              <a:t>Combining Crash/People datasets</a:t>
+            </a:r>
+          </a:p>
+          <a:p>
+            <a:pPr lvl="1"/>
+            <a:r>
+              <a:rPr lang="en-US" dirty="0"/>
+              <a:t>Making the data interpretable by an algorithm</a:t>
+            </a:r>
+          </a:p>
+          <a:p>
+            <a:pPr lvl="2"/>
+            <a:r>
+              <a:rPr lang="en-US" dirty="0"/>
+              <a:t>Handling empty entries</a:t>
+            </a:r>
+          </a:p>
+          <a:p>
+            <a:pPr lvl="1"/>
+            <a:r>
+              <a:rPr lang="en-US" dirty="0"/>
+              <a:t>Reducing the number of features</a:t>
+            </a:r>
           </a:p>
         </p:txBody>
       </p:sp>
     </p:spTree>
     <p:extLst>
       <p:ext uri="{BB962C8B-B14F-4D97-AF65-F5344CB8AC3E}">
-        <p14:creationId xmlns:p14="http://schemas.microsoft.com/office/powerpoint/2010/main" val="4056633995"/>
+        <p14:creationId xmlns:p14="http://schemas.microsoft.com/office/powerpoint/2010/main" val="1441721528"/>
       </p:ext>
     </p:extLst>
   </p:cSld>
@@ -6644,7 +7331,14 @@
           <a:p>
             <a:r>
               <a:rPr lang="en-US" dirty="0"/>
-              <a:t>Traffic Crashes - Preprocessing</a:t>
+              <a:t>Traffic Crashes – Preprocessing</a:t>
+            </a:r>
+            <a:br>
+              <a:rPr lang="en-US" dirty="0"/>
+            </a:br>
+            <a:r>
+              <a:rPr lang="en-US" dirty="0"/>
+              <a:t>Combining crashes/people</a:t>
             </a:r>
           </a:p>
         </p:txBody>
@@ -6665,19 +7359,82 @@
             <p:ph idx="1"/>
           </p:nvPr>
         </p:nvSpPr>
-        <p:spPr/>
-        <p:txBody>
-          <a:bodyPr/>
-          <a:lstStyle/>
-          <a:p>
-            <a:endParaRPr lang="en-US"/>
+        <p:spPr>
+          <a:xfrm>
+            <a:off x="677333" y="2160589"/>
+            <a:ext cx="9104841" cy="3880773"/>
+          </a:xfrm>
+        </p:spPr>
+        <p:txBody>
+          <a:bodyPr>
+            <a:normAutofit/>
+          </a:bodyPr>
+          <a:lstStyle/>
+          <a:p>
+            <a:r>
+              <a:rPr lang="en-US" dirty="0"/>
+              <a:t>Both crashes and people included the report number (RD_NO) column</a:t>
+            </a:r>
+          </a:p>
+          <a:p>
+            <a:pPr lvl="1"/>
+            <a:r>
+              <a:rPr lang="en-US" dirty="0"/>
+              <a:t>Can be used as unifier</a:t>
+            </a:r>
+          </a:p>
+          <a:p>
+            <a:r>
+              <a:rPr lang="en-US" dirty="0"/>
+              <a:t>Multiple people can be involved in a single crash</a:t>
+            </a:r>
+          </a:p>
+          <a:p>
+            <a:pPr lvl="1"/>
+            <a:r>
+              <a:rPr lang="en-US" dirty="0"/>
+              <a:t>Therefore the RD_NO column will be repeated in the people dataset</a:t>
+            </a:r>
+          </a:p>
+          <a:p>
+            <a:endParaRPr lang="en-US" dirty="0"/>
+          </a:p>
+          <a:p>
+            <a:r>
+              <a:rPr lang="en-US" dirty="0"/>
+              <a:t>Solution: Join people on crashes</a:t>
+            </a:r>
+          </a:p>
+          <a:p>
+            <a:pPr lvl="1"/>
+            <a:r>
+              <a:rPr lang="en-US" dirty="0"/>
+              <a:t>Use Excel formula to append crash information to every person that has the same RD_NO</a:t>
+            </a:r>
+          </a:p>
+          <a:p>
+            <a:pPr lvl="2"/>
+            <a:r>
+              <a:rPr lang="en-US" dirty="0"/>
+              <a:t>This is similar to a left outer join from people on crashes, with the condition being RD_NO</a:t>
+            </a:r>
+          </a:p>
+          <a:p>
+            <a:pPr lvl="1"/>
+            <a:r>
+              <a:rPr lang="en-US" dirty="0"/>
+              <a:t>Now every entry was a person that was involved in the crash, and the circumstances of the crash they were involved in</a:t>
+            </a:r>
+          </a:p>
+          <a:p>
+            <a:endParaRPr lang="en-US" dirty="0"/>
           </a:p>
         </p:txBody>
       </p:sp>
     </p:spTree>
     <p:extLst>
       <p:ext uri="{BB962C8B-B14F-4D97-AF65-F5344CB8AC3E}">
-        <p14:creationId xmlns:p14="http://schemas.microsoft.com/office/powerpoint/2010/main" val="3062728388"/>
+        <p14:creationId xmlns:p14="http://schemas.microsoft.com/office/powerpoint/2010/main" val="4056633995"/>
       </p:ext>
     </p:extLst>
   </p:cSld>
@@ -6709,7 +7466,7 @@
           <p:cNvPr id="2" name="Title 1">
             <a:extLst>
               <a:ext uri="{FF2B5EF4-FFF2-40B4-BE49-F238E27FC236}">
-                <a16:creationId xmlns:a16="http://schemas.microsoft.com/office/drawing/2014/main" id="{DD5B492E-D003-4D98-9C53-7D15A5CAB8FB}"/>
+                <a16:creationId xmlns:a16="http://schemas.microsoft.com/office/drawing/2014/main" id="{C5F73921-064B-4F8F-8A2C-9102B144ADD5}"/>
               </a:ext>
             </a:extLst>
           </p:cNvPr>
@@ -6727,7 +7484,7 @@
           <a:p>
             <a:r>
               <a:rPr lang="en-US" dirty="0"/>
-              <a:t>Traffic Crashes - Transformation</a:t>
+              <a:t>Traffic Crashes - Preprocessing</a:t>
             </a:r>
           </a:p>
         </p:txBody>
@@ -6737,7 +7494,7 @@
           <p:cNvPr id="3" name="Content Placeholder 2">
             <a:extLst>
               <a:ext uri="{FF2B5EF4-FFF2-40B4-BE49-F238E27FC236}">
-                <a16:creationId xmlns:a16="http://schemas.microsoft.com/office/drawing/2014/main" id="{E062B5DC-F1BA-4005-88A1-AAF423072A90}"/>
+                <a16:creationId xmlns:a16="http://schemas.microsoft.com/office/drawing/2014/main" id="{73001722-97A6-4F0C-B3DB-4072E006E7E9}"/>
               </a:ext>
             </a:extLst>
           </p:cNvPr>
@@ -6753,14 +7510,52 @@
           <a:bodyPr/>
           <a:lstStyle/>
           <a:p>
-            <a:endParaRPr lang="en-US"/>
+            <a:r>
+              <a:rPr lang="en-US" dirty="0"/>
+              <a:t>Challenges</a:t>
+            </a:r>
+          </a:p>
+          <a:p>
+            <a:pPr lvl="1"/>
+            <a:r>
+              <a:rPr lang="en-US" dirty="0"/>
+              <a:t>Scaling down the data for a feasible project</a:t>
+            </a:r>
+          </a:p>
+          <a:p>
+            <a:pPr lvl="1"/>
+            <a:r>
+              <a:rPr lang="en-US" dirty="0"/>
+              <a:t>Combining Crash/People datasets</a:t>
+            </a:r>
+          </a:p>
+          <a:p>
+            <a:pPr lvl="1"/>
+            <a:r>
+              <a:rPr lang="en-US" b="1" dirty="0"/>
+              <a:t>Making the data interpretable by an algorithm</a:t>
+            </a:r>
+          </a:p>
+          <a:p>
+            <a:pPr lvl="2"/>
+            <a:r>
+              <a:rPr lang="en-US" b="1" dirty="0"/>
+              <a:t>Handling empty entries</a:t>
+            </a:r>
+          </a:p>
+          <a:p>
+            <a:pPr lvl="1"/>
+            <a:r>
+              <a:rPr lang="en-US" dirty="0"/>
+              <a:t>Reducing the number of features</a:t>
+            </a:r>
           </a:p>
         </p:txBody>
       </p:sp>
     </p:spTree>
     <p:extLst>
       <p:ext uri="{BB962C8B-B14F-4D97-AF65-F5344CB8AC3E}">
-        <p14:creationId xmlns:p14="http://schemas.microsoft.com/office/powerpoint/2010/main" val="61744970"/>
+        <p14:creationId xmlns:p14="http://schemas.microsoft.com/office/powerpoint/2010/main" val="3204806061"/>
       </p:ext>
     </p:extLst>
   </p:cSld>
@@ -6792,7 +7587,7 @@
           <p:cNvPr id="2" name="Title 1">
             <a:extLst>
               <a:ext uri="{FF2B5EF4-FFF2-40B4-BE49-F238E27FC236}">
-                <a16:creationId xmlns:a16="http://schemas.microsoft.com/office/drawing/2014/main" id="{DD5B492E-D003-4D98-9C53-7D15A5CAB8FB}"/>
+                <a16:creationId xmlns:a16="http://schemas.microsoft.com/office/drawing/2014/main" id="{C5F73921-064B-4F8F-8A2C-9102B144ADD5}"/>
               </a:ext>
             </a:extLst>
           </p:cNvPr>
@@ -6810,7 +7605,14 @@
           <a:p>
             <a:r>
               <a:rPr lang="en-US" dirty="0"/>
-              <a:t>Traffic Crashes - Transformation</a:t>
+              <a:t>Traffic Crashes – Preprocessing</a:t>
+            </a:r>
+            <a:br>
+              <a:rPr lang="en-US" dirty="0"/>
+            </a:br>
+            <a:r>
+              <a:rPr lang="en-US" dirty="0"/>
+              <a:t>Making the data interpretable</a:t>
             </a:r>
           </a:p>
         </p:txBody>
@@ -6820,7 +7622,7 @@
           <p:cNvPr id="3" name="Content Placeholder 2">
             <a:extLst>
               <a:ext uri="{FF2B5EF4-FFF2-40B4-BE49-F238E27FC236}">
-                <a16:creationId xmlns:a16="http://schemas.microsoft.com/office/drawing/2014/main" id="{E062B5DC-F1BA-4005-88A1-AAF423072A90}"/>
+                <a16:creationId xmlns:a16="http://schemas.microsoft.com/office/drawing/2014/main" id="{73001722-97A6-4F0C-B3DB-4072E006E7E9}"/>
               </a:ext>
             </a:extLst>
           </p:cNvPr>
@@ -6836,14 +7638,104 @@
           <a:bodyPr/>
           <a:lstStyle/>
           <a:p>
-            <a:endParaRPr lang="en-US"/>
-          </a:p>
-        </p:txBody>
-      </p:sp>
+            <a:r>
+              <a:rPr lang="en-US" dirty="0"/>
+              <a:t>Crashes included many string descriptions</a:t>
+            </a:r>
+          </a:p>
+          <a:p>
+            <a:pPr lvl="1"/>
+            <a:r>
+              <a:rPr lang="en-US" dirty="0" err="1"/>
+              <a:t>E.g</a:t>
+            </a:r>
+            <a:r>
+              <a:rPr lang="en-US" dirty="0"/>
+              <a:t>: light, darkness, dusk, dawn</a:t>
+            </a:r>
+          </a:p>
+          <a:p>
+            <a:pPr lvl="1"/>
+            <a:r>
+              <a:rPr lang="en-US" dirty="0"/>
+              <a:t>Computers can’t understand English</a:t>
+            </a:r>
+          </a:p>
+          <a:p>
+            <a:r>
+              <a:rPr lang="en-US" dirty="0"/>
+              <a:t>Many empty values existed</a:t>
+            </a:r>
+          </a:p>
+          <a:p>
+            <a:pPr marL="0" indent="0">
+              <a:buNone/>
+            </a:pPr>
+            <a:endParaRPr lang="en-US" dirty="0"/>
+          </a:p>
+          <a:p>
+            <a:r>
+              <a:rPr lang="en-US" dirty="0"/>
+              <a:t>Solution: Manually enumerate all values</a:t>
+            </a:r>
+          </a:p>
+          <a:p>
+            <a:pPr lvl="1"/>
+            <a:r>
+              <a:rPr lang="en-US" dirty="0"/>
+              <a:t>Record a mapping of what each number means</a:t>
+            </a:r>
+          </a:p>
+          <a:p>
+            <a:pPr lvl="1"/>
+            <a:r>
+              <a:rPr lang="en-US" dirty="0"/>
+              <a:t>Assign number 200 to empty values</a:t>
+            </a:r>
+          </a:p>
+          <a:p>
+            <a:pPr lvl="2"/>
+            <a:r>
+              <a:rPr lang="en-US" dirty="0"/>
+              <a:t>Reuse that number for the value “UNKNOWN”</a:t>
+            </a:r>
+          </a:p>
+        </p:txBody>
+      </p:sp>
+      <p:pic>
+        <p:nvPicPr>
+          <p:cNvPr id="5" name="Picture 4">
+            <a:extLst>
+              <a:ext uri="{FF2B5EF4-FFF2-40B4-BE49-F238E27FC236}">
+                <a16:creationId xmlns:a16="http://schemas.microsoft.com/office/drawing/2014/main" id="{E2758CAE-6FD7-45D8-B944-6BCE37630D96}"/>
+              </a:ext>
+            </a:extLst>
+          </p:cNvPr>
+          <p:cNvPicPr>
+            <a:picLocks noChangeAspect="1"/>
+          </p:cNvPicPr>
+          <p:nvPr/>
+        </p:nvPicPr>
+        <p:blipFill>
+          <a:blip r:embed="rId2"/>
+          <a:stretch>
+            <a:fillRect/>
+          </a:stretch>
+        </p:blipFill>
+        <p:spPr>
+          <a:xfrm>
+            <a:off x="6432355" y="2086641"/>
+            <a:ext cx="5429258" cy="3880773"/>
+          </a:xfrm>
+          <a:prstGeom prst="rect">
+            <a:avLst/>
+          </a:prstGeom>
+        </p:spPr>
+      </p:pic>
     </p:spTree>
     <p:extLst>
       <p:ext uri="{BB962C8B-B14F-4D97-AF65-F5344CB8AC3E}">
-        <p14:creationId xmlns:p14="http://schemas.microsoft.com/office/powerpoint/2010/main" val="860318444"/>
+        <p14:creationId xmlns:p14="http://schemas.microsoft.com/office/powerpoint/2010/main" val="3062728388"/>
       </p:ext>
     </p:extLst>
   </p:cSld>
@@ -6875,7 +7767,7 @@
           <p:cNvPr id="2" name="Title 1">
             <a:extLst>
               <a:ext uri="{FF2B5EF4-FFF2-40B4-BE49-F238E27FC236}">
-                <a16:creationId xmlns:a16="http://schemas.microsoft.com/office/drawing/2014/main" id="{6143A791-6998-45F5-AE3F-27D0822999DC}"/>
+                <a16:creationId xmlns:a16="http://schemas.microsoft.com/office/drawing/2014/main" id="{C5F73921-064B-4F8F-8A2C-9102B144ADD5}"/>
               </a:ext>
             </a:extLst>
           </p:cNvPr>
@@ -6893,7 +7785,7 @@
           <a:p>
             <a:r>
               <a:rPr lang="en-US" dirty="0"/>
-              <a:t>Traffic Crashes – Data Mining</a:t>
+              <a:t>Traffic Crashes - Preprocessing</a:t>
             </a:r>
           </a:p>
         </p:txBody>
@@ -6903,7 +7795,7 @@
           <p:cNvPr id="3" name="Content Placeholder 2">
             <a:extLst>
               <a:ext uri="{FF2B5EF4-FFF2-40B4-BE49-F238E27FC236}">
-                <a16:creationId xmlns:a16="http://schemas.microsoft.com/office/drawing/2014/main" id="{C4646ECB-F907-493F-8149-9B56FA2D4450}"/>
+                <a16:creationId xmlns:a16="http://schemas.microsoft.com/office/drawing/2014/main" id="{73001722-97A6-4F0C-B3DB-4072E006E7E9}"/>
               </a:ext>
             </a:extLst>
           </p:cNvPr>
@@ -6919,14 +7811,52 @@
           <a:bodyPr/>
           <a:lstStyle/>
           <a:p>
-            <a:endParaRPr lang="en-US"/>
+            <a:r>
+              <a:rPr lang="en-US" dirty="0"/>
+              <a:t>Challenges</a:t>
+            </a:r>
+          </a:p>
+          <a:p>
+            <a:pPr lvl="1"/>
+            <a:r>
+              <a:rPr lang="en-US" dirty="0"/>
+              <a:t>Scaling down the data for a feasible project</a:t>
+            </a:r>
+          </a:p>
+          <a:p>
+            <a:pPr lvl="1"/>
+            <a:r>
+              <a:rPr lang="en-US" dirty="0"/>
+              <a:t>Combining Crash/People datasets</a:t>
+            </a:r>
+          </a:p>
+          <a:p>
+            <a:pPr lvl="1"/>
+            <a:r>
+              <a:rPr lang="en-US" dirty="0"/>
+              <a:t>Making the data interpretable by an algorithm</a:t>
+            </a:r>
+          </a:p>
+          <a:p>
+            <a:pPr lvl="2"/>
+            <a:r>
+              <a:rPr lang="en-US" dirty="0"/>
+              <a:t>Handling empty entries</a:t>
+            </a:r>
+          </a:p>
+          <a:p>
+            <a:pPr lvl="1"/>
+            <a:r>
+              <a:rPr lang="en-US" b="1" dirty="0"/>
+              <a:t>Reducing the number of features</a:t>
+            </a:r>
           </a:p>
         </p:txBody>
       </p:sp>
     </p:spTree>
     <p:extLst>
       <p:ext uri="{BB962C8B-B14F-4D97-AF65-F5344CB8AC3E}">
-        <p14:creationId xmlns:p14="http://schemas.microsoft.com/office/powerpoint/2010/main" val="3344831838"/>
+        <p14:creationId xmlns:p14="http://schemas.microsoft.com/office/powerpoint/2010/main" val="3325585201"/>
       </p:ext>
     </p:extLst>
   </p:cSld>
@@ -7145,7 +8075,7 @@
           <p:cNvPr id="2" name="Title 1">
             <a:extLst>
               <a:ext uri="{FF2B5EF4-FFF2-40B4-BE49-F238E27FC236}">
-                <a16:creationId xmlns:a16="http://schemas.microsoft.com/office/drawing/2014/main" id="{6143A791-6998-45F5-AE3F-27D0822999DC}"/>
+                <a16:creationId xmlns:a16="http://schemas.microsoft.com/office/drawing/2014/main" id="{C5F73921-064B-4F8F-8A2C-9102B144ADD5}"/>
               </a:ext>
             </a:extLst>
           </p:cNvPr>
@@ -7163,7 +8093,14 @@
           <a:p>
             <a:r>
               <a:rPr lang="en-US" dirty="0"/>
-              <a:t>Traffic Crashes – Data Mining</a:t>
+              <a:t>Traffic Crashes – Preprocessing</a:t>
+            </a:r>
+            <a:br>
+              <a:rPr lang="en-US" dirty="0"/>
+            </a:br>
+            <a:r>
+              <a:rPr lang="en-US" dirty="0"/>
+              <a:t>Feature Reduction</a:t>
             </a:r>
           </a:p>
         </p:txBody>
@@ -7173,7 +8110,7 @@
           <p:cNvPr id="3" name="Content Placeholder 2">
             <a:extLst>
               <a:ext uri="{FF2B5EF4-FFF2-40B4-BE49-F238E27FC236}">
-                <a16:creationId xmlns:a16="http://schemas.microsoft.com/office/drawing/2014/main" id="{C4646ECB-F907-493F-8149-9B56FA2D4450}"/>
+                <a16:creationId xmlns:a16="http://schemas.microsoft.com/office/drawing/2014/main" id="{73001722-97A6-4F0C-B3DB-4072E006E7E9}"/>
               </a:ext>
             </a:extLst>
           </p:cNvPr>
@@ -7189,14 +8126,56 @@
           <a:bodyPr/>
           <a:lstStyle/>
           <a:p>
-            <a:endParaRPr lang="en-US"/>
+            <a:r>
+              <a:rPr lang="en-US" dirty="0"/>
+              <a:t>A vast number of features were redundant/irrelevant/consequents</a:t>
+            </a:r>
+          </a:p>
+          <a:p>
+            <a:pPr lvl="1"/>
+            <a:r>
+              <a:rPr lang="en-US" dirty="0"/>
+              <a:t>CRASH_DATE was repeated twice</a:t>
+            </a:r>
+          </a:p>
+          <a:p>
+            <a:pPr lvl="1"/>
+            <a:r>
+              <a:rPr lang="en-US" dirty="0"/>
+              <a:t>Pedestrians/Bicyclists don’t have a VEHICLE_NO</a:t>
+            </a:r>
+          </a:p>
+          <a:p>
+            <a:pPr lvl="1"/>
+            <a:r>
+              <a:rPr lang="en-US" dirty="0"/>
+              <a:t>Whether or not they were transported to an ER is a consequent</a:t>
+            </a:r>
+          </a:p>
+          <a:p>
+            <a:pPr marL="0" indent="0">
+              <a:buNone/>
+            </a:pPr>
+            <a:endParaRPr lang="en-US" dirty="0"/>
+          </a:p>
+          <a:p>
+            <a:r>
+              <a:rPr lang="en-US" dirty="0"/>
+              <a:t>Solution: Delete those columns, let the data mining algorithm take care of finding actually relevant features</a:t>
+            </a:r>
+          </a:p>
+          <a:p>
+            <a:r>
+              <a:rPr lang="en-US" dirty="0"/>
+              <a:t>Project goal set: Determine the INJURY_CLASSIFICATION for any person involved in a car crash</a:t>
+            </a:r>
           </a:p>
         </p:txBody>
       </p:sp>
     </p:spTree>
     <p:extLst>
       <p:ext uri="{BB962C8B-B14F-4D97-AF65-F5344CB8AC3E}">
-        <p14:creationId xmlns:p14="http://schemas.microsoft.com/office/powerpoint/2010/main" val="458686795"/>
+        <p14:creationId xmlns:p14="http://schemas.microsoft.com/office/powerpoint/2010/main" val="4234966077"/>
       </p:ext>
     </p:extLst>
   </p:cSld>
@@ -7228,7 +8207,7 @@
           <p:cNvPr id="2" name="Title 1">
             <a:extLst>
               <a:ext uri="{FF2B5EF4-FFF2-40B4-BE49-F238E27FC236}">
-                <a16:creationId xmlns:a16="http://schemas.microsoft.com/office/drawing/2014/main" id="{6143A791-6998-45F5-AE3F-27D0822999DC}"/>
+                <a16:creationId xmlns:a16="http://schemas.microsoft.com/office/drawing/2014/main" id="{DD5B492E-D003-4D98-9C53-7D15A5CAB8FB}"/>
               </a:ext>
             </a:extLst>
           </p:cNvPr>
@@ -7246,7 +8225,7 @@
           <a:p>
             <a:r>
               <a:rPr lang="en-US" dirty="0"/>
-              <a:t>Traffic Crashes – Data Mining</a:t>
+              <a:t>Traffic Crashes - Transformation</a:t>
             </a:r>
           </a:p>
         </p:txBody>
@@ -7256,7 +8235,7 @@
           <p:cNvPr id="3" name="Content Placeholder 2">
             <a:extLst>
               <a:ext uri="{FF2B5EF4-FFF2-40B4-BE49-F238E27FC236}">
-                <a16:creationId xmlns:a16="http://schemas.microsoft.com/office/drawing/2014/main" id="{C4646ECB-F907-493F-8149-9B56FA2D4450}"/>
+                <a16:creationId xmlns:a16="http://schemas.microsoft.com/office/drawing/2014/main" id="{E062B5DC-F1BA-4005-88A1-AAF423072A90}"/>
               </a:ext>
             </a:extLst>
           </p:cNvPr>
@@ -7272,14 +8251,50 @@
           <a:bodyPr/>
           <a:lstStyle/>
           <a:p>
-            <a:endParaRPr lang="en-US"/>
+            <a:r>
+              <a:rPr lang="en-US" dirty="0"/>
+              <a:t>Data was very imbalanced, out of 67k crashes</a:t>
+            </a:r>
+          </a:p>
+          <a:p>
+            <a:pPr lvl="1"/>
+            <a:r>
+              <a:rPr lang="en-US" dirty="0"/>
+              <a:t>61k had no indication of injuries</a:t>
+            </a:r>
+          </a:p>
+          <a:p>
+            <a:pPr lvl="1"/>
+            <a:r>
+              <a:rPr lang="en-US" dirty="0"/>
+              <a:t>3.5k were injured (NONINCAPACITATING_INJURIES)</a:t>
+            </a:r>
+          </a:p>
+          <a:p>
+            <a:pPr lvl="1"/>
+            <a:r>
+              <a:rPr lang="en-US" dirty="0"/>
+              <a:t>36 were fatal</a:t>
+            </a:r>
+          </a:p>
+          <a:p>
+            <a:r>
+              <a:rPr lang="en-US" dirty="0"/>
+              <a:t>Different algorithms required different data shapes</a:t>
+            </a:r>
+          </a:p>
+          <a:p>
+            <a:endParaRPr lang="en-US" dirty="0"/>
+          </a:p>
+          <a:p>
+            <a:endParaRPr lang="en-US" dirty="0"/>
           </a:p>
         </p:txBody>
       </p:sp>
     </p:spTree>
     <p:extLst>
       <p:ext uri="{BB962C8B-B14F-4D97-AF65-F5344CB8AC3E}">
-        <p14:creationId xmlns:p14="http://schemas.microsoft.com/office/powerpoint/2010/main" val="2049486566"/>
+        <p14:creationId xmlns:p14="http://schemas.microsoft.com/office/powerpoint/2010/main" val="61744970"/>
       </p:ext>
     </p:extLst>
   </p:cSld>
@@ -7311,7 +8326,7 @@
           <p:cNvPr id="2" name="Title 1">
             <a:extLst>
               <a:ext uri="{FF2B5EF4-FFF2-40B4-BE49-F238E27FC236}">
-                <a16:creationId xmlns:a16="http://schemas.microsoft.com/office/drawing/2014/main" id="{6143A791-6998-45F5-AE3F-27D0822999DC}"/>
+                <a16:creationId xmlns:a16="http://schemas.microsoft.com/office/drawing/2014/main" id="{DD5B492E-D003-4D98-9C53-7D15A5CAB8FB}"/>
               </a:ext>
             </a:extLst>
           </p:cNvPr>
@@ -7329,7 +8344,7 @@
           <a:p>
             <a:r>
               <a:rPr lang="en-US" dirty="0"/>
-              <a:t>Traffic Crashes – Data Mining</a:t>
+              <a:t>Traffic Crashes - Transformation</a:t>
             </a:r>
           </a:p>
         </p:txBody>
@@ -7339,7 +8354,7 @@
           <p:cNvPr id="3" name="Content Placeholder 2">
             <a:extLst>
               <a:ext uri="{FF2B5EF4-FFF2-40B4-BE49-F238E27FC236}">
-                <a16:creationId xmlns:a16="http://schemas.microsoft.com/office/drawing/2014/main" id="{C4646ECB-F907-493F-8149-9B56FA2D4450}"/>
+                <a16:creationId xmlns:a16="http://schemas.microsoft.com/office/drawing/2014/main" id="{E062B5DC-F1BA-4005-88A1-AAF423072A90}"/>
               </a:ext>
             </a:extLst>
           </p:cNvPr>
@@ -7362,7 +8377,7 @@
     </p:spTree>
     <p:extLst>
       <p:ext uri="{BB962C8B-B14F-4D97-AF65-F5344CB8AC3E}">
-        <p14:creationId xmlns:p14="http://schemas.microsoft.com/office/powerpoint/2010/main" val="2396776005"/>
+        <p14:creationId xmlns:p14="http://schemas.microsoft.com/office/powerpoint/2010/main" val="860318444"/>
       </p:ext>
     </p:extLst>
   </p:cSld>
@@ -7412,7 +8427,7 @@
           <a:p>
             <a:r>
               <a:rPr lang="en-US" dirty="0"/>
-              <a:t>Traffic Crashes – Evaluation</a:t>
+              <a:t>Traffic Crashes – Data Mining</a:t>
             </a:r>
           </a:p>
         </p:txBody>
@@ -7445,7 +8460,7 @@
     </p:spTree>
     <p:extLst>
       <p:ext uri="{BB962C8B-B14F-4D97-AF65-F5344CB8AC3E}">
-        <p14:creationId xmlns:p14="http://schemas.microsoft.com/office/powerpoint/2010/main" val="3699210346"/>
+        <p14:creationId xmlns:p14="http://schemas.microsoft.com/office/powerpoint/2010/main" val="3344831838"/>
       </p:ext>
     </p:extLst>
   </p:cSld>
@@ -7495,7 +8510,7 @@
           <a:p>
             <a:r>
               <a:rPr lang="en-US" dirty="0"/>
-              <a:t>Traffic Crashes – Evaluation</a:t>
+              <a:t>Traffic Crashes – Data Mining</a:t>
             </a:r>
           </a:p>
         </p:txBody>
@@ -7528,7 +8543,7 @@
     </p:spTree>
     <p:extLst>
       <p:ext uri="{BB962C8B-B14F-4D97-AF65-F5344CB8AC3E}">
-        <p14:creationId xmlns:p14="http://schemas.microsoft.com/office/powerpoint/2010/main" val="54208192"/>
+        <p14:creationId xmlns:p14="http://schemas.microsoft.com/office/powerpoint/2010/main" val="458686795"/>
       </p:ext>
     </p:extLst>
   </p:cSld>
@@ -7578,7 +8593,7 @@
           <a:p>
             <a:r>
               <a:rPr lang="en-US" dirty="0"/>
-              <a:t>Traffic Crashes – Interpretation</a:t>
+              <a:t>Traffic Crashes – Data Mining</a:t>
             </a:r>
           </a:p>
         </p:txBody>
@@ -7611,7 +8626,7 @@
     </p:spTree>
     <p:extLst>
       <p:ext uri="{BB962C8B-B14F-4D97-AF65-F5344CB8AC3E}">
-        <p14:creationId xmlns:p14="http://schemas.microsoft.com/office/powerpoint/2010/main" val="421902365"/>
+        <p14:creationId xmlns:p14="http://schemas.microsoft.com/office/powerpoint/2010/main" val="2049486566"/>
       </p:ext>
     </p:extLst>
   </p:cSld>
@@ -7661,7 +8676,7 @@
           <a:p>
             <a:r>
               <a:rPr lang="en-US" dirty="0"/>
-              <a:t>Traffic Crashes – Interpretation</a:t>
+              <a:t>Traffic Crashes – Data Mining</a:t>
             </a:r>
           </a:p>
         </p:txBody>
@@ -7694,7 +8709,7 @@
     </p:spTree>
     <p:extLst>
       <p:ext uri="{BB962C8B-B14F-4D97-AF65-F5344CB8AC3E}">
-        <p14:creationId xmlns:p14="http://schemas.microsoft.com/office/powerpoint/2010/main" val="3247624956"/>
+        <p14:creationId xmlns:p14="http://schemas.microsoft.com/office/powerpoint/2010/main" val="2396776005"/>
       </p:ext>
     </p:extLst>
   </p:cSld>
@@ -7726,7 +8741,7 @@
           <p:cNvPr id="2" name="Title 1">
             <a:extLst>
               <a:ext uri="{FF2B5EF4-FFF2-40B4-BE49-F238E27FC236}">
-                <a16:creationId xmlns:a16="http://schemas.microsoft.com/office/drawing/2014/main" id="{6C07DC67-B9FD-45A3-8CA1-0BF8B57F2247}"/>
+                <a16:creationId xmlns:a16="http://schemas.microsoft.com/office/drawing/2014/main" id="{6143A791-6998-45F5-AE3F-27D0822999DC}"/>
               </a:ext>
             </a:extLst>
           </p:cNvPr>
@@ -7744,7 +8759,7 @@
           <a:p>
             <a:r>
               <a:rPr lang="en-US" dirty="0"/>
-              <a:t>Next Steps</a:t>
+              <a:t>Traffic Crashes – Evaluation</a:t>
             </a:r>
           </a:p>
         </p:txBody>
@@ -7754,7 +8769,7 @@
           <p:cNvPr id="3" name="Content Placeholder 2">
             <a:extLst>
               <a:ext uri="{FF2B5EF4-FFF2-40B4-BE49-F238E27FC236}">
-                <a16:creationId xmlns:a16="http://schemas.microsoft.com/office/drawing/2014/main" id="{ADBBD394-39AF-43C7-ACF6-06055C5971F4}"/>
+                <a16:creationId xmlns:a16="http://schemas.microsoft.com/office/drawing/2014/main" id="{C4646ECB-F907-493F-8149-9B56FA2D4450}"/>
               </a:ext>
             </a:extLst>
           </p:cNvPr>
@@ -7770,17 +8785,180 @@
           <a:bodyPr/>
           <a:lstStyle/>
           <a:p>
-            <a:r>
-              <a:rPr lang="en-US" dirty="0"/>
-              <a:t>Apply a similar algorithm to Fall/Winter/Spring Crashes</a:t>
-            </a:r>
+            <a:endParaRPr lang="en-US"/>
           </a:p>
         </p:txBody>
       </p:sp>
     </p:spTree>
     <p:extLst>
       <p:ext uri="{BB962C8B-B14F-4D97-AF65-F5344CB8AC3E}">
-        <p14:creationId xmlns:p14="http://schemas.microsoft.com/office/powerpoint/2010/main" val="2641994051"/>
+        <p14:creationId xmlns:p14="http://schemas.microsoft.com/office/powerpoint/2010/main" val="3699210346"/>
+      </p:ext>
+    </p:extLst>
+  </p:cSld>
+  <p:clrMapOvr>
+    <a:masterClrMapping/>
+  </p:clrMapOvr>
+</p:sld>
+</file>
+
+<file path=ppt/slides/slide28.xml><?xml version="1.0" encoding="utf-8"?>
+<p:sld xmlns:a="http://schemas.openxmlformats.org/drawingml/2006/main" xmlns:r="http://schemas.openxmlformats.org/officeDocument/2006/relationships" xmlns:p="http://schemas.openxmlformats.org/presentationml/2006/main">
+  <p:cSld>
+    <p:spTree>
+      <p:nvGrpSpPr>
+        <p:cNvPr id="1" name=""/>
+        <p:cNvGrpSpPr/>
+        <p:nvPr/>
+      </p:nvGrpSpPr>
+      <p:grpSpPr>
+        <a:xfrm>
+          <a:off x="0" y="0"/>
+          <a:ext cx="0" cy="0"/>
+          <a:chOff x="0" y="0"/>
+          <a:chExt cx="0" cy="0"/>
+        </a:xfrm>
+      </p:grpSpPr>
+      <p:sp>
+        <p:nvSpPr>
+          <p:cNvPr id="2" name="Title 1">
+            <a:extLst>
+              <a:ext uri="{FF2B5EF4-FFF2-40B4-BE49-F238E27FC236}">
+                <a16:creationId xmlns:a16="http://schemas.microsoft.com/office/drawing/2014/main" id="{6143A791-6998-45F5-AE3F-27D0822999DC}"/>
+              </a:ext>
+            </a:extLst>
+          </p:cNvPr>
+          <p:cNvSpPr>
+            <a:spLocks noGrp="1"/>
+          </p:cNvSpPr>
+          <p:nvPr>
+            <p:ph type="title"/>
+          </p:nvPr>
+        </p:nvSpPr>
+        <p:spPr/>
+        <p:txBody>
+          <a:bodyPr/>
+          <a:lstStyle/>
+          <a:p>
+            <a:r>
+              <a:rPr lang="en-US" dirty="0"/>
+              <a:t>Traffic Crashes – Evaluation</a:t>
+            </a:r>
+          </a:p>
+        </p:txBody>
+      </p:sp>
+      <p:sp>
+        <p:nvSpPr>
+          <p:cNvPr id="3" name="Content Placeholder 2">
+            <a:extLst>
+              <a:ext uri="{FF2B5EF4-FFF2-40B4-BE49-F238E27FC236}">
+                <a16:creationId xmlns:a16="http://schemas.microsoft.com/office/drawing/2014/main" id="{C4646ECB-F907-493F-8149-9B56FA2D4450}"/>
+              </a:ext>
+            </a:extLst>
+          </p:cNvPr>
+          <p:cNvSpPr>
+            <a:spLocks noGrp="1"/>
+          </p:cNvSpPr>
+          <p:nvPr>
+            <p:ph idx="1"/>
+          </p:nvPr>
+        </p:nvSpPr>
+        <p:spPr/>
+        <p:txBody>
+          <a:bodyPr/>
+          <a:lstStyle/>
+          <a:p>
+            <a:endParaRPr lang="en-US"/>
+          </a:p>
+        </p:txBody>
+      </p:sp>
+    </p:spTree>
+    <p:extLst>
+      <p:ext uri="{BB962C8B-B14F-4D97-AF65-F5344CB8AC3E}">
+        <p14:creationId xmlns:p14="http://schemas.microsoft.com/office/powerpoint/2010/main" val="54208192"/>
+      </p:ext>
+    </p:extLst>
+  </p:cSld>
+  <p:clrMapOvr>
+    <a:masterClrMapping/>
+  </p:clrMapOvr>
+</p:sld>
+</file>
+
+<file path=ppt/slides/slide29.xml><?xml version="1.0" encoding="utf-8"?>
+<p:sld xmlns:a="http://schemas.openxmlformats.org/drawingml/2006/main" xmlns:r="http://schemas.openxmlformats.org/officeDocument/2006/relationships" xmlns:p="http://schemas.openxmlformats.org/presentationml/2006/main">
+  <p:cSld>
+    <p:spTree>
+      <p:nvGrpSpPr>
+        <p:cNvPr id="1" name=""/>
+        <p:cNvGrpSpPr/>
+        <p:nvPr/>
+      </p:nvGrpSpPr>
+      <p:grpSpPr>
+        <a:xfrm>
+          <a:off x="0" y="0"/>
+          <a:ext cx="0" cy="0"/>
+          <a:chOff x="0" y="0"/>
+          <a:chExt cx="0" cy="0"/>
+        </a:xfrm>
+      </p:grpSpPr>
+      <p:sp>
+        <p:nvSpPr>
+          <p:cNvPr id="2" name="Title 1">
+            <a:extLst>
+              <a:ext uri="{FF2B5EF4-FFF2-40B4-BE49-F238E27FC236}">
+                <a16:creationId xmlns:a16="http://schemas.microsoft.com/office/drawing/2014/main" id="{6143A791-6998-45F5-AE3F-27D0822999DC}"/>
+              </a:ext>
+            </a:extLst>
+          </p:cNvPr>
+          <p:cNvSpPr>
+            <a:spLocks noGrp="1"/>
+          </p:cNvSpPr>
+          <p:nvPr>
+            <p:ph type="title"/>
+          </p:nvPr>
+        </p:nvSpPr>
+        <p:spPr/>
+        <p:txBody>
+          <a:bodyPr/>
+          <a:lstStyle/>
+          <a:p>
+            <a:r>
+              <a:rPr lang="en-US" dirty="0"/>
+              <a:t>Traffic Crashes – Interpretation</a:t>
+            </a:r>
+          </a:p>
+        </p:txBody>
+      </p:sp>
+      <p:sp>
+        <p:nvSpPr>
+          <p:cNvPr id="3" name="Content Placeholder 2">
+            <a:extLst>
+              <a:ext uri="{FF2B5EF4-FFF2-40B4-BE49-F238E27FC236}">
+                <a16:creationId xmlns:a16="http://schemas.microsoft.com/office/drawing/2014/main" id="{C4646ECB-F907-493F-8149-9B56FA2D4450}"/>
+              </a:ext>
+            </a:extLst>
+          </p:cNvPr>
+          <p:cNvSpPr>
+            <a:spLocks noGrp="1"/>
+          </p:cNvSpPr>
+          <p:nvPr>
+            <p:ph idx="1"/>
+          </p:nvPr>
+        </p:nvSpPr>
+        <p:spPr/>
+        <p:txBody>
+          <a:bodyPr/>
+          <a:lstStyle/>
+          <a:p>
+            <a:endParaRPr lang="en-US"/>
+          </a:p>
+        </p:txBody>
+      </p:sp>
+    </p:spTree>
+    <p:extLst>
+      <p:ext uri="{BB962C8B-B14F-4D97-AF65-F5344CB8AC3E}">
+        <p14:creationId xmlns:p14="http://schemas.microsoft.com/office/powerpoint/2010/main" val="421902365"/>
       </p:ext>
     </p:extLst>
   </p:cSld>
@@ -7939,6 +9117,175 @@
     <p:extLst>
       <p:ext uri="{BB962C8B-B14F-4D97-AF65-F5344CB8AC3E}">
         <p14:creationId xmlns:p14="http://schemas.microsoft.com/office/powerpoint/2010/main" val="3058796774"/>
+      </p:ext>
+    </p:extLst>
+  </p:cSld>
+  <p:clrMapOvr>
+    <a:masterClrMapping/>
+  </p:clrMapOvr>
+</p:sld>
+</file>
+
+<file path=ppt/slides/slide30.xml><?xml version="1.0" encoding="utf-8"?>
+<p:sld xmlns:a="http://schemas.openxmlformats.org/drawingml/2006/main" xmlns:r="http://schemas.openxmlformats.org/officeDocument/2006/relationships" xmlns:p="http://schemas.openxmlformats.org/presentationml/2006/main">
+  <p:cSld>
+    <p:spTree>
+      <p:nvGrpSpPr>
+        <p:cNvPr id="1" name=""/>
+        <p:cNvGrpSpPr/>
+        <p:nvPr/>
+      </p:nvGrpSpPr>
+      <p:grpSpPr>
+        <a:xfrm>
+          <a:off x="0" y="0"/>
+          <a:ext cx="0" cy="0"/>
+          <a:chOff x="0" y="0"/>
+          <a:chExt cx="0" cy="0"/>
+        </a:xfrm>
+      </p:grpSpPr>
+      <p:sp>
+        <p:nvSpPr>
+          <p:cNvPr id="2" name="Title 1">
+            <a:extLst>
+              <a:ext uri="{FF2B5EF4-FFF2-40B4-BE49-F238E27FC236}">
+                <a16:creationId xmlns:a16="http://schemas.microsoft.com/office/drawing/2014/main" id="{6143A791-6998-45F5-AE3F-27D0822999DC}"/>
+              </a:ext>
+            </a:extLst>
+          </p:cNvPr>
+          <p:cNvSpPr>
+            <a:spLocks noGrp="1"/>
+          </p:cNvSpPr>
+          <p:nvPr>
+            <p:ph type="title"/>
+          </p:nvPr>
+        </p:nvSpPr>
+        <p:spPr/>
+        <p:txBody>
+          <a:bodyPr/>
+          <a:lstStyle/>
+          <a:p>
+            <a:r>
+              <a:rPr lang="en-US" dirty="0"/>
+              <a:t>Traffic Crashes – Interpretation</a:t>
+            </a:r>
+          </a:p>
+        </p:txBody>
+      </p:sp>
+      <p:sp>
+        <p:nvSpPr>
+          <p:cNvPr id="3" name="Content Placeholder 2">
+            <a:extLst>
+              <a:ext uri="{FF2B5EF4-FFF2-40B4-BE49-F238E27FC236}">
+                <a16:creationId xmlns:a16="http://schemas.microsoft.com/office/drawing/2014/main" id="{C4646ECB-F907-493F-8149-9B56FA2D4450}"/>
+              </a:ext>
+            </a:extLst>
+          </p:cNvPr>
+          <p:cNvSpPr>
+            <a:spLocks noGrp="1"/>
+          </p:cNvSpPr>
+          <p:nvPr>
+            <p:ph idx="1"/>
+          </p:nvPr>
+        </p:nvSpPr>
+        <p:spPr/>
+        <p:txBody>
+          <a:bodyPr/>
+          <a:lstStyle/>
+          <a:p>
+            <a:endParaRPr lang="en-US"/>
+          </a:p>
+        </p:txBody>
+      </p:sp>
+    </p:spTree>
+    <p:extLst>
+      <p:ext uri="{BB962C8B-B14F-4D97-AF65-F5344CB8AC3E}">
+        <p14:creationId xmlns:p14="http://schemas.microsoft.com/office/powerpoint/2010/main" val="3247624956"/>
+      </p:ext>
+    </p:extLst>
+  </p:cSld>
+  <p:clrMapOvr>
+    <a:masterClrMapping/>
+  </p:clrMapOvr>
+</p:sld>
+</file>
+
+<file path=ppt/slides/slide31.xml><?xml version="1.0" encoding="utf-8"?>
+<p:sld xmlns:a="http://schemas.openxmlformats.org/drawingml/2006/main" xmlns:r="http://schemas.openxmlformats.org/officeDocument/2006/relationships" xmlns:p="http://schemas.openxmlformats.org/presentationml/2006/main">
+  <p:cSld>
+    <p:spTree>
+      <p:nvGrpSpPr>
+        <p:cNvPr id="1" name=""/>
+        <p:cNvGrpSpPr/>
+        <p:nvPr/>
+      </p:nvGrpSpPr>
+      <p:grpSpPr>
+        <a:xfrm>
+          <a:off x="0" y="0"/>
+          <a:ext cx="0" cy="0"/>
+          <a:chOff x="0" y="0"/>
+          <a:chExt cx="0" cy="0"/>
+        </a:xfrm>
+      </p:grpSpPr>
+      <p:sp>
+        <p:nvSpPr>
+          <p:cNvPr id="2" name="Title 1">
+            <a:extLst>
+              <a:ext uri="{FF2B5EF4-FFF2-40B4-BE49-F238E27FC236}">
+                <a16:creationId xmlns:a16="http://schemas.microsoft.com/office/drawing/2014/main" id="{6C07DC67-B9FD-45A3-8CA1-0BF8B57F2247}"/>
+              </a:ext>
+            </a:extLst>
+          </p:cNvPr>
+          <p:cNvSpPr>
+            <a:spLocks noGrp="1"/>
+          </p:cNvSpPr>
+          <p:nvPr>
+            <p:ph type="title"/>
+          </p:nvPr>
+        </p:nvSpPr>
+        <p:spPr/>
+        <p:txBody>
+          <a:bodyPr/>
+          <a:lstStyle/>
+          <a:p>
+            <a:r>
+              <a:rPr lang="en-US" dirty="0"/>
+              <a:t>Next Steps</a:t>
+            </a:r>
+          </a:p>
+        </p:txBody>
+      </p:sp>
+      <p:sp>
+        <p:nvSpPr>
+          <p:cNvPr id="3" name="Content Placeholder 2">
+            <a:extLst>
+              <a:ext uri="{FF2B5EF4-FFF2-40B4-BE49-F238E27FC236}">
+                <a16:creationId xmlns:a16="http://schemas.microsoft.com/office/drawing/2014/main" id="{ADBBD394-39AF-43C7-ACF6-06055C5971F4}"/>
+              </a:ext>
+            </a:extLst>
+          </p:cNvPr>
+          <p:cNvSpPr>
+            <a:spLocks noGrp="1"/>
+          </p:cNvSpPr>
+          <p:nvPr>
+            <p:ph idx="1"/>
+          </p:nvPr>
+        </p:nvSpPr>
+        <p:spPr/>
+        <p:txBody>
+          <a:bodyPr/>
+          <a:lstStyle/>
+          <a:p>
+            <a:r>
+              <a:rPr lang="en-US" dirty="0"/>
+              <a:t>Apply a similar algorithm to Fall/Winter/Spring Crashes</a:t>
+            </a:r>
+          </a:p>
+        </p:txBody>
+      </p:sp>
+    </p:spTree>
+    <p:extLst>
+      <p:ext uri="{BB962C8B-B14F-4D97-AF65-F5344CB8AC3E}">
+        <p14:creationId xmlns:p14="http://schemas.microsoft.com/office/powerpoint/2010/main" val="2641994051"/>
       </p:ext>
     </p:extLst>
   </p:cSld>
@@ -8759,7 +10106,7 @@
         </p:blipFill>
         <p:spPr>
           <a:xfrm>
-            <a:off x="5057120" y="1312531"/>
+            <a:off x="5066646" y="1322057"/>
             <a:ext cx="6714721" cy="5072063"/>
           </a:xfrm>
           <a:prstGeom prst="rect">
@@ -9444,4 +10791,299 @@
     </a:ext>
   </a:extLst>
 </a:theme>
+</file>
+
+<file path=ppt/theme/theme2.xml><?xml version="1.0" encoding="utf-8"?>
+<a:theme xmlns:a="http://schemas.openxmlformats.org/drawingml/2006/main" name="Office Theme">
+  <a:themeElements>
+    <a:clrScheme name="Office">
+      <a:dk1>
+        <a:sysClr val="windowText" lastClr="000000"/>
+      </a:dk1>
+      <a:lt1>
+        <a:sysClr val="window" lastClr="FFFFFF"/>
+      </a:lt1>
+      <a:dk2>
+        <a:srgbClr val="44546A"/>
+      </a:dk2>
+      <a:lt2>
+        <a:srgbClr val="E7E6E6"/>
+      </a:lt2>
+      <a:accent1>
+        <a:srgbClr val="4472C4"/>
+      </a:accent1>
+      <a:accent2>
+        <a:srgbClr val="ED7D31"/>
+      </a:accent2>
+      <a:accent3>
+        <a:srgbClr val="A5A5A5"/>
+      </a:accent3>
+      <a:accent4>
+        <a:srgbClr val="FFC000"/>
+      </a:accent4>
+      <a:accent5>
+        <a:srgbClr val="5B9BD5"/>
+      </a:accent5>
+      <a:accent6>
+        <a:srgbClr val="70AD47"/>
+      </a:accent6>
+      <a:hlink>
+        <a:srgbClr val="0563C1"/>
+      </a:hlink>
+      <a:folHlink>
+        <a:srgbClr val="954F72"/>
+      </a:folHlink>
+    </a:clrScheme>
+    <a:fontScheme name="Office">
+      <a:majorFont>
+        <a:latin typeface="Calibri Light" panose="020F0302020204030204"/>
+        <a:ea typeface=""/>
+        <a:cs typeface=""/>
+        <a:font script="Jpan" typeface="游ゴシック Light"/>
+        <a:font script="Hang" typeface="맑은 고딕"/>
+        <a:font script="Hans" typeface="等线 Light"/>
+        <a:font script="Hant" typeface="新細明體"/>
+        <a:font script="Arab" typeface="Times New Roman"/>
+        <a:font script="Hebr" typeface="Times New Roman"/>
+        <a:font script="Thai" typeface="Angsana New"/>
+        <a:font script="Ethi" typeface="Nyala"/>
+        <a:font script="Beng" typeface="Vrinda"/>
+        <a:font script="Gujr" typeface="Shruti"/>
+        <a:font script="Khmr" typeface="MoolBoran"/>
+        <a:font script="Knda" typeface="Tunga"/>
+        <a:font script="Guru" typeface="Raavi"/>
+        <a:font script="Cans" typeface="Euphemia"/>
+        <a:font script="Cher" typeface="Plantagenet Cherokee"/>
+        <a:font script="Yiii" typeface="Microsoft Yi Baiti"/>
+        <a:font script="Tibt" typeface="Microsoft Himalaya"/>
+        <a:font script="Thaa" typeface="MV Boli"/>
+        <a:font script="Deva" typeface="Mangal"/>
+        <a:font script="Telu" typeface="Gautami"/>
+        <a:font script="Taml" typeface="Latha"/>
+        <a:font script="Syrc" typeface="Estrangelo Edessa"/>
+        <a:font script="Orya" typeface="Kalinga"/>
+        <a:font script="Mlym" typeface="Kartika"/>
+        <a:font script="Laoo" typeface="DokChampa"/>
+        <a:font script="Sinh" typeface="Iskoola Pota"/>
+        <a:font script="Mong" typeface="Mongolian Baiti"/>
+        <a:font script="Viet" typeface="Times New Roman"/>
+        <a:font script="Uigh" typeface="Microsoft Uighur"/>
+        <a:font script="Geor" typeface="Sylfaen"/>
+        <a:font script="Armn" typeface="Arial"/>
+        <a:font script="Bugi" typeface="Leelawadee UI"/>
+        <a:font script="Bopo" typeface="Microsoft JhengHei"/>
+        <a:font script="Java" typeface="Javanese Text"/>
+        <a:font script="Lisu" typeface="Segoe UI"/>
+        <a:font script="Mymr" typeface="Myanmar Text"/>
+        <a:font script="Nkoo" typeface="Ebrima"/>
+        <a:font script="Olck" typeface="Nirmala UI"/>
+        <a:font script="Osma" typeface="Ebrima"/>
+        <a:font script="Phag" typeface="Phagspa"/>
+        <a:font script="Syrn" typeface="Estrangelo Edessa"/>
+        <a:font script="Syrj" typeface="Estrangelo Edessa"/>
+        <a:font script="Syre" typeface="Estrangelo Edessa"/>
+        <a:font script="Sora" typeface="Nirmala UI"/>
+        <a:font script="Tale" typeface="Microsoft Tai Le"/>
+        <a:font script="Talu" typeface="Microsoft New Tai Lue"/>
+        <a:font script="Tfng" typeface="Ebrima"/>
+      </a:majorFont>
+      <a:minorFont>
+        <a:latin typeface="Calibri" panose="020F0502020204030204"/>
+        <a:ea typeface=""/>
+        <a:cs typeface=""/>
+        <a:font script="Jpan" typeface="游ゴシック"/>
+        <a:font script="Hang" typeface="맑은 고딕"/>
+        <a:font script="Hans" typeface="等线"/>
+        <a:font script="Hant" typeface="新細明體"/>
+        <a:font script="Arab" typeface="Arial"/>
+        <a:font script="Hebr" typeface="Arial"/>
+        <a:font script="Thai" typeface="Cordia New"/>
+        <a:font script="Ethi" typeface="Nyala"/>
+        <a:font script="Beng" typeface="Vrinda"/>
+        <a:font script="Gujr" typeface="Shruti"/>
+        <a:font script="Khmr" typeface="DaunPenh"/>
+        <a:font script="Knda" typeface="Tunga"/>
+        <a:font script="Guru" typeface="Raavi"/>
+        <a:font script="Cans" typeface="Euphemia"/>
+        <a:font script="Cher" typeface="Plantagenet Cherokee"/>
+        <a:font script="Yiii" typeface="Microsoft Yi Baiti"/>
+        <a:font script="Tibt" typeface="Microsoft Himalaya"/>
+        <a:font script="Thaa" typeface="MV Boli"/>
+        <a:font script="Deva" typeface="Mangal"/>
+        <a:font script="Telu" typeface="Gautami"/>
+        <a:font script="Taml" typeface="Latha"/>
+        <a:font script="Syrc" typeface="Estrangelo Edessa"/>
+        <a:font script="Orya" typeface="Kalinga"/>
+        <a:font script="Mlym" typeface="Kartika"/>
+        <a:font script="Laoo" typeface="DokChampa"/>
+        <a:font script="Sinh" typeface="Iskoola Pota"/>
+        <a:font script="Mong" typeface="Mongolian Baiti"/>
+        <a:font script="Viet" typeface="Arial"/>
+        <a:font script="Uigh" typeface="Microsoft Uighur"/>
+        <a:font script="Geor" typeface="Sylfaen"/>
+        <a:font script="Armn" typeface="Arial"/>
+        <a:font script="Bugi" typeface="Leelawadee UI"/>
+        <a:font script="Bopo" typeface="Microsoft JhengHei"/>
+        <a:font script="Java" typeface="Javanese Text"/>
+        <a:font script="Lisu" typeface="Segoe UI"/>
+        <a:font script="Mymr" typeface="Myanmar Text"/>
+        <a:font script="Nkoo" typeface="Ebrima"/>
+        <a:font script="Olck" typeface="Nirmala UI"/>
+        <a:font script="Osma" typeface="Ebrima"/>
+        <a:font script="Phag" typeface="Phagspa"/>
+        <a:font script="Syrn" typeface="Estrangelo Edessa"/>
+        <a:font script="Syrj" typeface="Estrangelo Edessa"/>
+        <a:font script="Syre" typeface="Estrangelo Edessa"/>
+        <a:font script="Sora" typeface="Nirmala UI"/>
+        <a:font script="Tale" typeface="Microsoft Tai Le"/>
+        <a:font script="Talu" typeface="Microsoft New Tai Lue"/>
+        <a:font script="Tfng" typeface="Ebrima"/>
+      </a:minorFont>
+    </a:fontScheme>
+    <a:fmtScheme name="Office">
+      <a:fillStyleLst>
+        <a:solidFill>
+          <a:schemeClr val="phClr"/>
+        </a:solidFill>
+        <a:gradFill rotWithShape="1">
+          <a:gsLst>
+            <a:gs pos="0">
+              <a:schemeClr val="phClr">
+                <a:lumMod val="110000"/>
+                <a:satMod val="105000"/>
+                <a:tint val="67000"/>
+              </a:schemeClr>
+            </a:gs>
+            <a:gs pos="50000">
+              <a:schemeClr val="phClr">
+                <a:lumMod val="105000"/>
+                <a:satMod val="103000"/>
+                <a:tint val="73000"/>
+              </a:schemeClr>
+            </a:gs>
+            <a:gs pos="100000">
+              <a:schemeClr val="phClr">
+                <a:lumMod val="105000"/>
+                <a:satMod val="109000"/>
+                <a:tint val="81000"/>
+              </a:schemeClr>
+            </a:gs>
+          </a:gsLst>
+          <a:lin ang="5400000" scaled="0"/>
+        </a:gradFill>
+        <a:gradFill rotWithShape="1">
+          <a:gsLst>
+            <a:gs pos="0">
+              <a:schemeClr val="phClr">
+                <a:satMod val="103000"/>
+                <a:lumMod val="102000"/>
+                <a:tint val="94000"/>
+              </a:schemeClr>
+            </a:gs>
+            <a:gs pos="50000">
+              <a:schemeClr val="phClr">
+                <a:satMod val="110000"/>
+                <a:lumMod val="100000"/>
+                <a:shade val="100000"/>
+              </a:schemeClr>
+            </a:gs>
+            <a:gs pos="100000">
+              <a:schemeClr val="phClr">
+                <a:lumMod val="99000"/>
+                <a:satMod val="120000"/>
+                <a:shade val="78000"/>
+              </a:schemeClr>
+            </a:gs>
+          </a:gsLst>
+          <a:lin ang="5400000" scaled="0"/>
+        </a:gradFill>
+      </a:fillStyleLst>
+      <a:lnStyleLst>
+        <a:ln w="6350" cap="flat" cmpd="sng" algn="ctr">
+          <a:solidFill>
+            <a:schemeClr val="phClr"/>
+          </a:solidFill>
+          <a:prstDash val="solid"/>
+          <a:miter lim="800000"/>
+        </a:ln>
+        <a:ln w="12700" cap="flat" cmpd="sng" algn="ctr">
+          <a:solidFill>
+            <a:schemeClr val="phClr"/>
+          </a:solidFill>
+          <a:prstDash val="solid"/>
+          <a:miter lim="800000"/>
+        </a:ln>
+        <a:ln w="19050" cap="flat" cmpd="sng" algn="ctr">
+          <a:solidFill>
+            <a:schemeClr val="phClr"/>
+          </a:solidFill>
+          <a:prstDash val="solid"/>
+          <a:miter lim="800000"/>
+        </a:ln>
+      </a:lnStyleLst>
+      <a:effectStyleLst>
+        <a:effectStyle>
+          <a:effectLst/>
+        </a:effectStyle>
+        <a:effectStyle>
+          <a:effectLst/>
+        </a:effectStyle>
+        <a:effectStyle>
+          <a:effectLst>
+            <a:outerShdw blurRad="57150" dist="19050" dir="5400000" algn="ctr" rotWithShape="0">
+              <a:srgbClr val="000000">
+                <a:alpha val="63000"/>
+              </a:srgbClr>
+            </a:outerShdw>
+          </a:effectLst>
+        </a:effectStyle>
+      </a:effectStyleLst>
+      <a:bgFillStyleLst>
+        <a:solidFill>
+          <a:schemeClr val="phClr"/>
+        </a:solidFill>
+        <a:solidFill>
+          <a:schemeClr val="phClr">
+            <a:tint val="95000"/>
+            <a:satMod val="170000"/>
+          </a:schemeClr>
+        </a:solidFill>
+        <a:gradFill rotWithShape="1">
+          <a:gsLst>
+            <a:gs pos="0">
+              <a:schemeClr val="phClr">
+                <a:tint val="93000"/>
+                <a:satMod val="150000"/>
+                <a:shade val="98000"/>
+                <a:lumMod val="102000"/>
+              </a:schemeClr>
+            </a:gs>
+            <a:gs pos="50000">
+              <a:schemeClr val="phClr">
+                <a:tint val="98000"/>
+                <a:satMod val="130000"/>
+                <a:shade val="90000"/>
+                <a:lumMod val="103000"/>
+              </a:schemeClr>
+            </a:gs>
+            <a:gs pos="100000">
+              <a:schemeClr val="phClr">
+                <a:shade val="63000"/>
+                <a:satMod val="120000"/>
+              </a:schemeClr>
+            </a:gs>
+          </a:gsLst>
+          <a:lin ang="5400000" scaled="0"/>
+        </a:gradFill>
+      </a:bgFillStyleLst>
+    </a:fmtScheme>
+  </a:themeElements>
+  <a:objectDefaults/>
+  <a:extraClrSchemeLst/>
+  <a:extLst>
+    <a:ext uri="{05A4C25C-085E-4340-85A3-A5531E510DB2}">
+      <thm15:themeFamily xmlns:thm15="http://schemas.microsoft.com/office/thememl/2012/main" name="Office Theme" id="{62F939B6-93AF-4DB8-9C6B-D6C7DFDC589F}" vid="{4A3C46E8-61CC-4603-A589-7422A47A8E4A}"/>
+    </a:ext>
+  </a:extLst>
+</a:theme>
 </file>
--- a/Slides/An Investigation.pptx
+++ b/Slides/An Investigation.pptx
@@ -5,7 +5,7 @@
     <p:sldMasterId id="2147483689" r:id="rId1"/>
   </p:sldMasterIdLst>
   <p:notesMasterIdLst>
-    <p:notesMasterId r:id="rId33"/>
+    <p:notesMasterId r:id="rId46"/>
   </p:notesMasterIdLst>
   <p:sldIdLst>
     <p:sldId id="256" r:id="rId2"/>
@@ -22,23 +22,36 @@
     <p:sldId id="279" r:id="rId13"/>
     <p:sldId id="265" r:id="rId14"/>
     <p:sldId id="266" r:id="rId15"/>
-    <p:sldId id="286" r:id="rId16"/>
-    <p:sldId id="267" r:id="rId17"/>
-    <p:sldId id="285" r:id="rId18"/>
-    <p:sldId id="268" r:id="rId19"/>
-    <p:sldId id="284" r:id="rId20"/>
-    <p:sldId id="287" r:id="rId21"/>
-    <p:sldId id="269" r:id="rId22"/>
-    <p:sldId id="270" r:id="rId23"/>
-    <p:sldId id="271" r:id="rId24"/>
-    <p:sldId id="272" r:id="rId25"/>
-    <p:sldId id="273" r:id="rId26"/>
-    <p:sldId id="274" r:id="rId27"/>
-    <p:sldId id="275" r:id="rId28"/>
-    <p:sldId id="276" r:id="rId29"/>
-    <p:sldId id="277" r:id="rId30"/>
-    <p:sldId id="278" r:id="rId31"/>
-    <p:sldId id="260" r:id="rId32"/>
+    <p:sldId id="304" r:id="rId16"/>
+    <p:sldId id="286" r:id="rId17"/>
+    <p:sldId id="267" r:id="rId18"/>
+    <p:sldId id="303" r:id="rId19"/>
+    <p:sldId id="285" r:id="rId20"/>
+    <p:sldId id="302" r:id="rId21"/>
+    <p:sldId id="268" r:id="rId22"/>
+    <p:sldId id="284" r:id="rId23"/>
+    <p:sldId id="287" r:id="rId24"/>
+    <p:sldId id="305" r:id="rId25"/>
+    <p:sldId id="306" r:id="rId26"/>
+    <p:sldId id="269" r:id="rId27"/>
+    <p:sldId id="301" r:id="rId28"/>
+    <p:sldId id="312" r:id="rId29"/>
+    <p:sldId id="298" r:id="rId30"/>
+    <p:sldId id="271" r:id="rId31"/>
+    <p:sldId id="288" r:id="rId32"/>
+    <p:sldId id="290" r:id="rId33"/>
+    <p:sldId id="291" r:id="rId34"/>
+    <p:sldId id="293" r:id="rId35"/>
+    <p:sldId id="294" r:id="rId36"/>
+    <p:sldId id="295" r:id="rId37"/>
+    <p:sldId id="296" r:id="rId38"/>
+    <p:sldId id="297" r:id="rId39"/>
+    <p:sldId id="307" r:id="rId40"/>
+    <p:sldId id="308" r:id="rId41"/>
+    <p:sldId id="309" r:id="rId42"/>
+    <p:sldId id="310" r:id="rId43"/>
+    <p:sldId id="260" r:id="rId44"/>
+    <p:sldId id="311" r:id="rId45"/>
   </p:sldIdLst>
   <p:sldSz cx="12192000" cy="6858000"/>
   <p:notesSz cx="6858000" cy="9144000"/>
@@ -239,7 +252,7 @@
           <a:p>
             <a:fld id="{3363163F-2E00-4E77-878F-5C90D80E0CD0}" type="datetimeFigureOut">
               <a:rPr lang="en-US" smtClean="0"/>
-              <a:t>12/2/2018</a:t>
+              <a:t>12/4/2018</a:t>
             </a:fld>
             <a:endParaRPr lang="en-US"/>
           </a:p>
@@ -581,6 +594,258 @@
     <p:extLst>
       <p:ext uri="{BB962C8B-B14F-4D97-AF65-F5344CB8AC3E}">
         <p14:creationId xmlns:p14="http://schemas.microsoft.com/office/powerpoint/2010/main" val="3307588133"/>
+      </p:ext>
+    </p:extLst>
+  </p:cSld>
+  <p:clrMapOvr>
+    <a:masterClrMapping/>
+  </p:clrMapOvr>
+</p:notes>
+</file>
+
+<file path=ppt/notesSlides/notesSlide2.xml><?xml version="1.0" encoding="utf-8"?>
+<p:notes xmlns:a="http://schemas.openxmlformats.org/drawingml/2006/main" xmlns:r="http://schemas.openxmlformats.org/officeDocument/2006/relationships" xmlns:p="http://schemas.openxmlformats.org/presentationml/2006/main">
+  <p:cSld>
+    <p:spTree>
+      <p:nvGrpSpPr>
+        <p:cNvPr id="1" name=""/>
+        <p:cNvGrpSpPr/>
+        <p:nvPr/>
+      </p:nvGrpSpPr>
+      <p:grpSpPr>
+        <a:xfrm>
+          <a:off x="0" y="0"/>
+          <a:ext cx="0" cy="0"/>
+          <a:chOff x="0" y="0"/>
+          <a:chExt cx="0" cy="0"/>
+        </a:xfrm>
+      </p:grpSpPr>
+      <p:sp>
+        <p:nvSpPr>
+          <p:cNvPr id="2" name="Slide Image Placeholder 1"/>
+          <p:cNvSpPr>
+            <a:spLocks noGrp="1" noRot="1" noChangeAspect="1"/>
+          </p:cNvSpPr>
+          <p:nvPr>
+            <p:ph type="sldImg"/>
+          </p:nvPr>
+        </p:nvSpPr>
+        <p:spPr/>
+      </p:sp>
+      <p:sp>
+        <p:nvSpPr>
+          <p:cNvPr id="3" name="Notes Placeholder 2"/>
+          <p:cNvSpPr>
+            <a:spLocks noGrp="1"/>
+          </p:cNvSpPr>
+          <p:nvPr>
+            <p:ph type="body" idx="1"/>
+          </p:nvPr>
+        </p:nvSpPr>
+        <p:spPr/>
+        <p:txBody>
+          <a:bodyPr/>
+          <a:lstStyle/>
+          <a:p>
+            <a:endParaRPr lang="en-US" dirty="0"/>
+          </a:p>
+        </p:txBody>
+      </p:sp>
+      <p:sp>
+        <p:nvSpPr>
+          <p:cNvPr id="4" name="Slide Number Placeholder 3"/>
+          <p:cNvSpPr>
+            <a:spLocks noGrp="1"/>
+          </p:cNvSpPr>
+          <p:nvPr>
+            <p:ph type="sldNum" sz="quarter" idx="5"/>
+          </p:nvPr>
+        </p:nvSpPr>
+        <p:spPr/>
+        <p:txBody>
+          <a:bodyPr/>
+          <a:lstStyle/>
+          <a:p>
+            <a:fld id="{DD64920E-5384-4F8F-B917-AD70FEF637A3}" type="slidenum">
+              <a:rPr lang="en-US" smtClean="0"/>
+              <a:t>21</a:t>
+            </a:fld>
+            <a:endParaRPr lang="en-US"/>
+          </a:p>
+        </p:txBody>
+      </p:sp>
+    </p:spTree>
+    <p:extLst>
+      <p:ext uri="{BB962C8B-B14F-4D97-AF65-F5344CB8AC3E}">
+        <p14:creationId xmlns:p14="http://schemas.microsoft.com/office/powerpoint/2010/main" val="1811259062"/>
+      </p:ext>
+    </p:extLst>
+  </p:cSld>
+  <p:clrMapOvr>
+    <a:masterClrMapping/>
+  </p:clrMapOvr>
+</p:notes>
+</file>
+
+<file path=ppt/notesSlides/notesSlide3.xml><?xml version="1.0" encoding="utf-8"?>
+<p:notes xmlns:a="http://schemas.openxmlformats.org/drawingml/2006/main" xmlns:r="http://schemas.openxmlformats.org/officeDocument/2006/relationships" xmlns:p="http://schemas.openxmlformats.org/presentationml/2006/main">
+  <p:cSld>
+    <p:spTree>
+      <p:nvGrpSpPr>
+        <p:cNvPr id="1" name=""/>
+        <p:cNvGrpSpPr/>
+        <p:nvPr/>
+      </p:nvGrpSpPr>
+      <p:grpSpPr>
+        <a:xfrm>
+          <a:off x="0" y="0"/>
+          <a:ext cx="0" cy="0"/>
+          <a:chOff x="0" y="0"/>
+          <a:chExt cx="0" cy="0"/>
+        </a:xfrm>
+      </p:grpSpPr>
+      <p:sp>
+        <p:nvSpPr>
+          <p:cNvPr id="2" name="Slide Image Placeholder 1"/>
+          <p:cNvSpPr>
+            <a:spLocks noGrp="1" noRot="1" noChangeAspect="1"/>
+          </p:cNvSpPr>
+          <p:nvPr>
+            <p:ph type="sldImg"/>
+          </p:nvPr>
+        </p:nvSpPr>
+        <p:spPr/>
+      </p:sp>
+      <p:sp>
+        <p:nvSpPr>
+          <p:cNvPr id="3" name="Notes Placeholder 2"/>
+          <p:cNvSpPr>
+            <a:spLocks noGrp="1"/>
+          </p:cNvSpPr>
+          <p:nvPr>
+            <p:ph type="body" idx="1"/>
+          </p:nvPr>
+        </p:nvSpPr>
+        <p:spPr/>
+        <p:txBody>
+          <a:bodyPr/>
+          <a:lstStyle/>
+          <a:p>
+            <a:endParaRPr lang="en-US" dirty="0"/>
+          </a:p>
+        </p:txBody>
+      </p:sp>
+      <p:sp>
+        <p:nvSpPr>
+          <p:cNvPr id="4" name="Slide Number Placeholder 3"/>
+          <p:cNvSpPr>
+            <a:spLocks noGrp="1"/>
+          </p:cNvSpPr>
+          <p:nvPr>
+            <p:ph type="sldNum" sz="quarter" idx="5"/>
+          </p:nvPr>
+        </p:nvSpPr>
+        <p:spPr/>
+        <p:txBody>
+          <a:bodyPr/>
+          <a:lstStyle/>
+          <a:p>
+            <a:fld id="{DD64920E-5384-4F8F-B917-AD70FEF637A3}" type="slidenum">
+              <a:rPr lang="en-US" smtClean="0"/>
+              <a:t>31</a:t>
+            </a:fld>
+            <a:endParaRPr lang="en-US"/>
+          </a:p>
+        </p:txBody>
+      </p:sp>
+    </p:spTree>
+    <p:extLst>
+      <p:ext uri="{BB962C8B-B14F-4D97-AF65-F5344CB8AC3E}">
+        <p14:creationId xmlns:p14="http://schemas.microsoft.com/office/powerpoint/2010/main" val="2628881268"/>
+      </p:ext>
+    </p:extLst>
+  </p:cSld>
+  <p:clrMapOvr>
+    <a:masterClrMapping/>
+  </p:clrMapOvr>
+</p:notes>
+</file>
+
+<file path=ppt/notesSlides/notesSlide4.xml><?xml version="1.0" encoding="utf-8"?>
+<p:notes xmlns:a="http://schemas.openxmlformats.org/drawingml/2006/main" xmlns:r="http://schemas.openxmlformats.org/officeDocument/2006/relationships" xmlns:p="http://schemas.openxmlformats.org/presentationml/2006/main">
+  <p:cSld>
+    <p:spTree>
+      <p:nvGrpSpPr>
+        <p:cNvPr id="1" name=""/>
+        <p:cNvGrpSpPr/>
+        <p:nvPr/>
+      </p:nvGrpSpPr>
+      <p:grpSpPr>
+        <a:xfrm>
+          <a:off x="0" y="0"/>
+          <a:ext cx="0" cy="0"/>
+          <a:chOff x="0" y="0"/>
+          <a:chExt cx="0" cy="0"/>
+        </a:xfrm>
+      </p:grpSpPr>
+      <p:sp>
+        <p:nvSpPr>
+          <p:cNvPr id="2" name="Slide Image Placeholder 1"/>
+          <p:cNvSpPr>
+            <a:spLocks noGrp="1" noRot="1" noChangeAspect="1"/>
+          </p:cNvSpPr>
+          <p:nvPr>
+            <p:ph type="sldImg"/>
+          </p:nvPr>
+        </p:nvSpPr>
+        <p:spPr/>
+      </p:sp>
+      <p:sp>
+        <p:nvSpPr>
+          <p:cNvPr id="3" name="Notes Placeholder 2"/>
+          <p:cNvSpPr>
+            <a:spLocks noGrp="1"/>
+          </p:cNvSpPr>
+          <p:nvPr>
+            <p:ph type="body" idx="1"/>
+          </p:nvPr>
+        </p:nvSpPr>
+        <p:spPr/>
+        <p:txBody>
+          <a:bodyPr/>
+          <a:lstStyle/>
+          <a:p>
+            <a:endParaRPr lang="en-US" dirty="0"/>
+          </a:p>
+        </p:txBody>
+      </p:sp>
+      <p:sp>
+        <p:nvSpPr>
+          <p:cNvPr id="4" name="Slide Number Placeholder 3"/>
+          <p:cNvSpPr>
+            <a:spLocks noGrp="1"/>
+          </p:cNvSpPr>
+          <p:nvPr>
+            <p:ph type="sldNum" sz="quarter" idx="5"/>
+          </p:nvPr>
+        </p:nvSpPr>
+        <p:spPr/>
+        <p:txBody>
+          <a:bodyPr/>
+          <a:lstStyle/>
+          <a:p>
+            <a:fld id="{DD64920E-5384-4F8F-B917-AD70FEF637A3}" type="slidenum">
+              <a:rPr lang="en-US" smtClean="0"/>
+              <a:t>38</a:t>
+            </a:fld>
+            <a:endParaRPr lang="en-US"/>
+          </a:p>
+        </p:txBody>
+      </p:sp>
+    </p:spTree>
+    <p:extLst>
+      <p:ext uri="{BB962C8B-B14F-4D97-AF65-F5344CB8AC3E}">
+        <p14:creationId xmlns:p14="http://schemas.microsoft.com/office/powerpoint/2010/main" val="2049605612"/>
       </p:ext>
     </p:extLst>
   </p:cSld>
@@ -1312,7 +1577,7 @@
           <a:p>
             <a:fld id="{E8D8BA45-6067-45CD-886A-93AE1DD08D10}" type="datetimeFigureOut">
               <a:rPr lang="en-US" smtClean="0"/>
-              <a:t>12/2/2018</a:t>
+              <a:t>12/4/2018</a:t>
             </a:fld>
             <a:endParaRPr lang="en-US"/>
           </a:p>
@@ -1563,7 +1828,7 @@
           <a:p>
             <a:fld id="{E8D8BA45-6067-45CD-886A-93AE1DD08D10}" type="datetimeFigureOut">
               <a:rPr lang="en-US" smtClean="0"/>
-              <a:t>12/2/2018</a:t>
+              <a:t>12/4/2018</a:t>
             </a:fld>
             <a:endParaRPr lang="en-US"/>
           </a:p>
@@ -1877,7 +2142,7 @@
           <a:p>
             <a:fld id="{E8D8BA45-6067-45CD-886A-93AE1DD08D10}" type="datetimeFigureOut">
               <a:rPr lang="en-US" smtClean="0"/>
-              <a:t>12/2/2018</a:t>
+              <a:t>12/4/2018</a:t>
             </a:fld>
             <a:endParaRPr lang="en-US"/>
           </a:p>
@@ -2218,7 +2483,7 @@
           <a:p>
             <a:fld id="{E8D8BA45-6067-45CD-886A-93AE1DD08D10}" type="datetimeFigureOut">
               <a:rPr lang="en-US" smtClean="0"/>
-              <a:t>12/2/2018</a:t>
+              <a:t>12/4/2018</a:t>
             </a:fld>
             <a:endParaRPr lang="en-US"/>
           </a:p>
@@ -2532,7 +2797,7 @@
           <a:p>
             <a:fld id="{E8D8BA45-6067-45CD-886A-93AE1DD08D10}" type="datetimeFigureOut">
               <a:rPr lang="en-US" smtClean="0"/>
-              <a:t>12/2/2018</a:t>
+              <a:t>12/4/2018</a:t>
             </a:fld>
             <a:endParaRPr lang="en-US"/>
           </a:p>
@@ -2925,7 +3190,7 @@
           <a:p>
             <a:fld id="{E8D8BA45-6067-45CD-886A-93AE1DD08D10}" type="datetimeFigureOut">
               <a:rPr lang="en-US" smtClean="0"/>
-              <a:t>12/2/2018</a:t>
+              <a:t>12/4/2018</a:t>
             </a:fld>
             <a:endParaRPr lang="en-US"/>
           </a:p>
@@ -3095,7 +3360,7 @@
           <a:p>
             <a:fld id="{E8D8BA45-6067-45CD-886A-93AE1DD08D10}" type="datetimeFigureOut">
               <a:rPr lang="en-US" smtClean="0"/>
-              <a:t>12/2/2018</a:t>
+              <a:t>12/4/2018</a:t>
             </a:fld>
             <a:endParaRPr lang="en-US"/>
           </a:p>
@@ -3275,7 +3540,7 @@
           <a:p>
             <a:fld id="{E8D8BA45-6067-45CD-886A-93AE1DD08D10}" type="datetimeFigureOut">
               <a:rPr lang="en-US" smtClean="0"/>
-              <a:t>12/2/2018</a:t>
+              <a:t>12/4/2018</a:t>
             </a:fld>
             <a:endParaRPr lang="en-US"/>
           </a:p>
@@ -3451,7 +3716,7 @@
           <a:p>
             <a:fld id="{E8D8BA45-6067-45CD-886A-93AE1DD08D10}" type="datetimeFigureOut">
               <a:rPr lang="en-US" smtClean="0"/>
-              <a:t>12/2/2018</a:t>
+              <a:t>12/4/2018</a:t>
             </a:fld>
             <a:endParaRPr lang="en-US"/>
           </a:p>
@@ -3698,7 +3963,7 @@
           <a:p>
             <a:fld id="{E8D8BA45-6067-45CD-886A-93AE1DD08D10}" type="datetimeFigureOut">
               <a:rPr lang="en-US" smtClean="0"/>
-              <a:t>12/2/2018</a:t>
+              <a:t>12/4/2018</a:t>
             </a:fld>
             <a:endParaRPr lang="en-US"/>
           </a:p>
@@ -3930,7 +4195,7 @@
           <a:p>
             <a:fld id="{E8D8BA45-6067-45CD-886A-93AE1DD08D10}" type="datetimeFigureOut">
               <a:rPr lang="en-US" smtClean="0"/>
-              <a:t>12/2/2018</a:t>
+              <a:t>12/4/2018</a:t>
             </a:fld>
             <a:endParaRPr lang="en-US"/>
           </a:p>
@@ -4304,7 +4569,7 @@
           <a:p>
             <a:fld id="{E8D8BA45-6067-45CD-886A-93AE1DD08D10}" type="datetimeFigureOut">
               <a:rPr lang="en-US" smtClean="0"/>
-              <a:t>12/2/2018</a:t>
+              <a:t>12/4/2018</a:t>
             </a:fld>
             <a:endParaRPr lang="en-US"/>
           </a:p>
@@ -4427,7 +4692,7 @@
           <a:p>
             <a:fld id="{E8D8BA45-6067-45CD-886A-93AE1DD08D10}" type="datetimeFigureOut">
               <a:rPr lang="en-US" smtClean="0"/>
-              <a:t>12/2/2018</a:t>
+              <a:t>12/4/2018</a:t>
             </a:fld>
             <a:endParaRPr lang="en-US"/>
           </a:p>
@@ -4522,7 +4787,7 @@
           <a:p>
             <a:fld id="{E8D8BA45-6067-45CD-886A-93AE1DD08D10}" type="datetimeFigureOut">
               <a:rPr lang="en-US" smtClean="0"/>
-              <a:t>12/2/2018</a:t>
+              <a:t>12/4/2018</a:t>
             </a:fld>
             <a:endParaRPr lang="en-US"/>
           </a:p>
@@ -4777,7 +5042,7 @@
           <a:p>
             <a:fld id="{E8D8BA45-6067-45CD-886A-93AE1DD08D10}" type="datetimeFigureOut">
               <a:rPr lang="en-US" smtClean="0"/>
-              <a:t>12/2/2018</a:t>
+              <a:t>12/4/2018</a:t>
             </a:fld>
             <a:endParaRPr lang="en-US"/>
           </a:p>
@@ -5040,7 +5305,7 @@
           <a:p>
             <a:fld id="{E8D8BA45-6067-45CD-886A-93AE1DD08D10}" type="datetimeFigureOut">
               <a:rPr lang="en-US" smtClean="0"/>
-              <a:t>12/2/2018</a:t>
+              <a:t>12/4/2018</a:t>
             </a:fld>
             <a:endParaRPr lang="en-US"/>
           </a:p>
@@ -5783,7 +6048,7 @@
           <a:p>
             <a:fld id="{E8D8BA45-6067-45CD-886A-93AE1DD08D10}" type="datetimeFigureOut">
               <a:rPr lang="en-US" smtClean="0"/>
-              <a:t>12/2/2018</a:t>
+              <a:t>12/4/2018</a:t>
             </a:fld>
             <a:endParaRPr lang="en-US"/>
           </a:p>
@@ -6797,7 +7062,7 @@
           <a:p>
             <a:r>
               <a:rPr lang="en-US" dirty="0"/>
-              <a:t>Start was 200k+ crash entries, 48 features</a:t>
+              <a:t>Crashes dataset was 200k+ crash entries, 48 features</a:t>
             </a:r>
           </a:p>
           <a:p>
@@ -6810,7 +7075,7 @@
           <a:p>
             <a:r>
               <a:rPr lang="en-US" dirty="0"/>
-              <a:t> Also had two more datasets</a:t>
+              <a:t> Also had two other datasets</a:t>
             </a:r>
           </a:p>
           <a:p>
@@ -6830,7 +7095,7 @@
           <a:p>
             <a:r>
               <a:rPr lang="en-US" dirty="0"/>
-              <a:t>Challenges:</a:t>
+              <a:t>Challenges Faced:</a:t>
             </a:r>
           </a:p>
           <a:p>
@@ -6933,7 +7198,14 @@
           <a:p>
             <a:r>
               <a:rPr lang="en-US" dirty="0"/>
-              <a:t>Traffic Crashes - Preprocessing</a:t>
+              <a:t>Traffic Crashes – Preprocessing</a:t>
+            </a:r>
+            <a:br>
+              <a:rPr lang="en-US" dirty="0"/>
+            </a:br>
+            <a:r>
+              <a:rPr lang="en-US" dirty="0"/>
+              <a:t>Challenges</a:t>
             </a:r>
           </a:p>
         </p:txBody>
@@ -6960,40 +7232,30 @@
           <a:lstStyle/>
           <a:p>
             <a:r>
-              <a:rPr lang="en-US" dirty="0"/>
-              <a:t>Challenges</a:t>
-            </a:r>
-          </a:p>
-          <a:p>
-            <a:pPr lvl="1"/>
-            <a:r>
               <a:rPr lang="en-US" b="1" dirty="0"/>
               <a:t>Scaling down the data for a feasible project</a:t>
             </a:r>
           </a:p>
           <a:p>
-            <a:pPr lvl="1"/>
             <a:r>
               <a:rPr lang="en-US" dirty="0"/>
               <a:t>Combining Crash/People/Vehicle datasets</a:t>
             </a:r>
           </a:p>
           <a:p>
-            <a:pPr lvl="1"/>
             <a:r>
               <a:rPr lang="en-US" dirty="0"/>
               <a:t>Making the data interpretable by an algorithm</a:t>
             </a:r>
           </a:p>
           <a:p>
-            <a:pPr lvl="2"/>
+            <a:pPr lvl="1"/>
             <a:r>
               <a:rPr lang="en-US" dirty="0"/>
               <a:t>Handling empty entries</a:t>
             </a:r>
           </a:p>
           <a:p>
-            <a:pPr lvl="1"/>
             <a:r>
               <a:rPr lang="en-US" dirty="0"/>
               <a:t>Reducing the number of features</a:t>
@@ -7084,8 +7346,8 @@
         </p:nvSpPr>
         <p:spPr>
           <a:xfrm>
-            <a:off x="677334" y="2160589"/>
-            <a:ext cx="8596668" cy="4187824"/>
+            <a:off x="677334" y="2160588"/>
+            <a:ext cx="8596668" cy="4616729"/>
           </a:xfrm>
         </p:spPr>
         <p:txBody>
@@ -7096,7 +7358,21 @@
           <a:p>
             <a:r>
               <a:rPr lang="en-US" dirty="0"/>
-              <a:t>Vehicle data very sparse and hard to standardize w/o vehicle database</a:t>
+              <a:t>Vehicle data was</a:t>
+            </a:r>
+          </a:p>
+          <a:p>
+            <a:pPr lvl="1"/>
+            <a:r>
+              <a:rPr lang="en-US" dirty="0"/>
+              <a:t>Very sparse</a:t>
+            </a:r>
+          </a:p>
+          <a:p>
+            <a:pPr lvl="1"/>
+            <a:r>
+              <a:rPr lang="en-US" dirty="0"/>
+              <a:t>Hard to discretize w/o vehicle database</a:t>
             </a:r>
           </a:p>
           <a:p>
@@ -7109,7 +7385,7 @@
             <a:pPr lvl="1"/>
             <a:r>
               <a:rPr lang="en-US" dirty="0"/>
-              <a:t>Different road systems, road condition</a:t>
+              <a:t>Different road systems, road conditions, laws</a:t>
             </a:r>
           </a:p>
           <a:p>
@@ -7150,10 +7426,13 @@
             <a:endParaRPr lang="en-US" dirty="0"/>
           </a:p>
           <a:p>
-            <a:r>
-              <a:rPr lang="en-US" dirty="0"/>
-              <a:t>Solution: High level decision of only using crash &amp; people data from summer 2018 made (30k crash entries, 67k people entries)</a:t>
-            </a:r>
+            <a:endParaRPr lang="en-US" dirty="0"/>
+          </a:p>
+          <a:p>
+            <a:pPr marL="0" indent="0">
+              <a:buNone/>
+            </a:pPr>
+            <a:endParaRPr lang="en-US" dirty="0"/>
           </a:p>
         </p:txBody>
       </p:sp>
@@ -7210,7 +7489,14 @@
           <a:p>
             <a:r>
               <a:rPr lang="en-US" dirty="0"/>
-              <a:t>Traffic Crashes - Preprocessing</a:t>
+              <a:t>Traffic Crashes – Preprocessing</a:t>
+            </a:r>
+            <a:br>
+              <a:rPr lang="en-US" dirty="0"/>
+            </a:br>
+            <a:r>
+              <a:rPr lang="en-US" dirty="0"/>
+              <a:t>Scaling down the data</a:t>
             </a:r>
           </a:p>
         </p:txBody>
@@ -7231,49 +7517,99 @@
             <p:ph idx="1"/>
           </p:nvPr>
         </p:nvSpPr>
-        <p:spPr/>
-        <p:txBody>
-          <a:bodyPr/>
-          <a:lstStyle/>
-          <a:p>
-            <a:r>
-              <a:rPr lang="en-US" dirty="0"/>
-              <a:t>Challenges</a:t>
-            </a:r>
-          </a:p>
-          <a:p>
-            <a:pPr lvl="1"/>
-            <a:r>
-              <a:rPr lang="en-US" dirty="0"/>
-              <a:t>Scaling down the data for a feasible project</a:t>
-            </a:r>
-          </a:p>
-          <a:p>
-            <a:pPr lvl="1"/>
+        <p:spPr>
+          <a:xfrm>
+            <a:off x="677334" y="2160588"/>
+            <a:ext cx="8596668" cy="4616729"/>
+          </a:xfrm>
+        </p:spPr>
+        <p:txBody>
+          <a:bodyPr>
+            <a:normAutofit lnSpcReduction="10000"/>
+          </a:bodyPr>
+          <a:lstStyle/>
+          <a:p>
+            <a:r>
+              <a:rPr lang="en-US" dirty="0"/>
+              <a:t>Vehicle data was</a:t>
+            </a:r>
+          </a:p>
+          <a:p>
+            <a:pPr lvl="1"/>
+            <a:r>
+              <a:rPr lang="en-US" dirty="0"/>
+              <a:t>Very sparse</a:t>
+            </a:r>
+          </a:p>
+          <a:p>
+            <a:pPr lvl="1"/>
+            <a:r>
+              <a:rPr lang="en-US" dirty="0"/>
+              <a:t>Hard to discretize w/o vehicle database</a:t>
+            </a:r>
+          </a:p>
+          <a:p>
+            <a:r>
+              <a:rPr lang="en-US" dirty="0"/>
+              <a:t>Different years meant</a:t>
+            </a:r>
+          </a:p>
+          <a:p>
+            <a:pPr lvl="1"/>
+            <a:r>
+              <a:rPr lang="en-US" dirty="0"/>
+              <a:t>Different road systems, road condition, laws</a:t>
+            </a:r>
+          </a:p>
+          <a:p>
+            <a:pPr lvl="1"/>
+            <a:r>
+              <a:rPr lang="en-US" dirty="0"/>
+              <a:t>Different safety standards</a:t>
+            </a:r>
+          </a:p>
+          <a:p>
+            <a:r>
+              <a:rPr lang="en-US" dirty="0"/>
+              <a:t>Different seasons meant</a:t>
+            </a:r>
+          </a:p>
+          <a:p>
+            <a:pPr lvl="1"/>
+            <a:r>
+              <a:rPr lang="en-US" dirty="0"/>
+              <a:t>Different weather conditions</a:t>
+            </a:r>
+          </a:p>
+          <a:p>
+            <a:pPr lvl="1"/>
+            <a:r>
+              <a:rPr lang="en-US" dirty="0"/>
+              <a:t>Different common reasons for crashes</a:t>
+            </a:r>
+          </a:p>
+          <a:p>
+            <a:pPr lvl="1"/>
+            <a:r>
+              <a:rPr lang="en-US" dirty="0"/>
+              <a:t>Different severity levels for crashes</a:t>
+            </a:r>
+          </a:p>
+          <a:p>
+            <a:endParaRPr lang="en-US" dirty="0"/>
+          </a:p>
+          <a:p>
+            <a:r>
+              <a:rPr lang="en-US" dirty="0"/>
+              <a:t>Solution: High level decision of only using </a:t>
+            </a:r>
             <a:r>
               <a:rPr lang="en-US" b="1" dirty="0"/>
-              <a:t>Combining Crash/People datasets</a:t>
-            </a:r>
-          </a:p>
-          <a:p>
-            <a:pPr lvl="1"/>
-            <a:r>
-              <a:rPr lang="en-US" dirty="0"/>
-              <a:t>Making the data interpretable by an algorithm</a:t>
-            </a:r>
-          </a:p>
-          <a:p>
-            <a:pPr lvl="2"/>
-            <a:r>
-              <a:rPr lang="en-US" dirty="0"/>
-              <a:t>Handling empty entries</a:t>
-            </a:r>
-          </a:p>
-          <a:p>
-            <a:pPr lvl="1"/>
-            <a:r>
-              <a:rPr lang="en-US" dirty="0"/>
-              <a:t>Reducing the number of features</a:t>
+              <a:t>Crashes &amp; People </a:t>
+            </a:r>
+            <a:r>
+              <a:rPr lang="en-US" dirty="0"/>
+              <a:t>datasets from summer 2018 as training (30k crash entries, 67k people entries)</a:t>
             </a:r>
           </a:p>
         </p:txBody>
@@ -7281,7 +7617,7 @@
     </p:spTree>
     <p:extLst>
       <p:ext uri="{BB962C8B-B14F-4D97-AF65-F5344CB8AC3E}">
-        <p14:creationId xmlns:p14="http://schemas.microsoft.com/office/powerpoint/2010/main" val="1441721528"/>
+        <p14:creationId xmlns:p14="http://schemas.microsoft.com/office/powerpoint/2010/main" val="175587349"/>
       </p:ext>
     </p:extLst>
   </p:cSld>
@@ -7338,7 +7674,7 @@
             </a:br>
             <a:r>
               <a:rPr lang="en-US" dirty="0"/>
-              <a:t>Combining crashes/people</a:t>
+              <a:t>Challenges</a:t>
             </a:r>
           </a:p>
         </p:txBody>
@@ -7359,82 +7695,47 @@
             <p:ph idx="1"/>
           </p:nvPr>
         </p:nvSpPr>
-        <p:spPr>
-          <a:xfrm>
-            <a:off x="677333" y="2160589"/>
-            <a:ext cx="9104841" cy="3880773"/>
-          </a:xfrm>
-        </p:spPr>
-        <p:txBody>
-          <a:bodyPr>
-            <a:normAutofit/>
-          </a:bodyPr>
-          <a:lstStyle/>
-          <a:p>
-            <a:r>
-              <a:rPr lang="en-US" dirty="0"/>
-              <a:t>Both crashes and people included the report number (RD_NO) column</a:t>
-            </a:r>
-          </a:p>
-          <a:p>
-            <a:pPr lvl="1"/>
-            <a:r>
-              <a:rPr lang="en-US" dirty="0"/>
-              <a:t>Can be used as unifier</a:t>
-            </a:r>
-          </a:p>
-          <a:p>
-            <a:r>
-              <a:rPr lang="en-US" dirty="0"/>
-              <a:t>Multiple people can be involved in a single crash</a:t>
-            </a:r>
-          </a:p>
-          <a:p>
-            <a:pPr lvl="1"/>
-            <a:r>
-              <a:rPr lang="en-US" dirty="0"/>
-              <a:t>Therefore the RD_NO column will be repeated in the people dataset</a:t>
-            </a:r>
-          </a:p>
-          <a:p>
-            <a:endParaRPr lang="en-US" dirty="0"/>
-          </a:p>
-          <a:p>
-            <a:r>
-              <a:rPr lang="en-US" dirty="0"/>
-              <a:t>Solution: Join people on crashes</a:t>
-            </a:r>
-          </a:p>
-          <a:p>
-            <a:pPr lvl="1"/>
-            <a:r>
-              <a:rPr lang="en-US" dirty="0"/>
-              <a:t>Use Excel formula to append crash information to every person that has the same RD_NO</a:t>
-            </a:r>
-          </a:p>
-          <a:p>
-            <a:pPr lvl="2"/>
-            <a:r>
-              <a:rPr lang="en-US" dirty="0"/>
-              <a:t>This is similar to a left outer join from people on crashes, with the condition being RD_NO</a:t>
-            </a:r>
-          </a:p>
-          <a:p>
-            <a:pPr lvl="1"/>
-            <a:r>
-              <a:rPr lang="en-US" dirty="0"/>
-              <a:t>Now every entry was a person that was involved in the crash, and the circumstances of the crash they were involved in</a:t>
-            </a:r>
-          </a:p>
-          <a:p>
-            <a:endParaRPr lang="en-US" dirty="0"/>
+        <p:spPr/>
+        <p:txBody>
+          <a:bodyPr/>
+          <a:lstStyle/>
+          <a:p>
+            <a:r>
+              <a:rPr lang="en-US" dirty="0"/>
+              <a:t>Scaling down the data for a feasible project</a:t>
+            </a:r>
+          </a:p>
+          <a:p>
+            <a:r>
+              <a:rPr lang="en-US" b="1" dirty="0"/>
+              <a:t>Combining Crash/People datasets</a:t>
+            </a:r>
+          </a:p>
+          <a:p>
+            <a:r>
+              <a:rPr lang="en-US" dirty="0"/>
+              <a:t>Making the data interpretable by an algorithm</a:t>
+            </a:r>
+          </a:p>
+          <a:p>
+            <a:pPr lvl="1"/>
+            <a:r>
+              <a:rPr lang="en-US" dirty="0"/>
+              <a:t>Handling empty entries</a:t>
+            </a:r>
+          </a:p>
+          <a:p>
+            <a:r>
+              <a:rPr lang="en-US" dirty="0"/>
+              <a:t>Reducing the number of features</a:t>
+            </a:r>
           </a:p>
         </p:txBody>
       </p:sp>
     </p:spTree>
     <p:extLst>
       <p:ext uri="{BB962C8B-B14F-4D97-AF65-F5344CB8AC3E}">
-        <p14:creationId xmlns:p14="http://schemas.microsoft.com/office/powerpoint/2010/main" val="4056633995"/>
+        <p14:creationId xmlns:p14="http://schemas.microsoft.com/office/powerpoint/2010/main" val="1441721528"/>
       </p:ext>
     </p:extLst>
   </p:cSld>
@@ -7484,7 +7785,14 @@
           <a:p>
             <a:r>
               <a:rPr lang="en-US" dirty="0"/>
-              <a:t>Traffic Crashes - Preprocessing</a:t>
+              <a:t>Traffic Crashes – Preprocessing</a:t>
+            </a:r>
+            <a:br>
+              <a:rPr lang="en-US" dirty="0"/>
+            </a:br>
+            <a:r>
+              <a:rPr lang="en-US" dirty="0"/>
+              <a:t>Combining crashes/people</a:t>
             </a:r>
           </a:p>
         </p:txBody>
@@ -7505,49 +7813,41 @@
             <p:ph idx="1"/>
           </p:nvPr>
         </p:nvSpPr>
-        <p:spPr/>
-        <p:txBody>
-          <a:bodyPr/>
-          <a:lstStyle/>
-          <a:p>
-            <a:r>
-              <a:rPr lang="en-US" dirty="0"/>
-              <a:t>Challenges</a:t>
-            </a:r>
-          </a:p>
-          <a:p>
-            <a:pPr lvl="1"/>
-            <a:r>
-              <a:rPr lang="en-US" dirty="0"/>
-              <a:t>Scaling down the data for a feasible project</a:t>
-            </a:r>
-          </a:p>
-          <a:p>
-            <a:pPr lvl="1"/>
-            <a:r>
-              <a:rPr lang="en-US" dirty="0"/>
-              <a:t>Combining Crash/People datasets</a:t>
-            </a:r>
-          </a:p>
-          <a:p>
-            <a:pPr lvl="1"/>
-            <a:r>
-              <a:rPr lang="en-US" b="1" dirty="0"/>
-              <a:t>Making the data interpretable by an algorithm</a:t>
-            </a:r>
-          </a:p>
-          <a:p>
-            <a:pPr lvl="2"/>
-            <a:r>
-              <a:rPr lang="en-US" b="1" dirty="0"/>
-              <a:t>Handling empty entries</a:t>
-            </a:r>
-          </a:p>
-          <a:p>
-            <a:pPr lvl="1"/>
-            <a:r>
-              <a:rPr lang="en-US" dirty="0"/>
-              <a:t>Reducing the number of features</a:t>
+        <p:spPr>
+          <a:xfrm>
+            <a:off x="677333" y="2160589"/>
+            <a:ext cx="9104841" cy="3880773"/>
+          </a:xfrm>
+        </p:spPr>
+        <p:txBody>
+          <a:bodyPr>
+            <a:normAutofit/>
+          </a:bodyPr>
+          <a:lstStyle/>
+          <a:p>
+            <a:r>
+              <a:rPr lang="en-US" dirty="0"/>
+              <a:t>Both crashes and people included the report number (RD_NO) column</a:t>
+            </a:r>
+          </a:p>
+          <a:p>
+            <a:pPr lvl="1"/>
+            <a:r>
+              <a:rPr lang="en-US" dirty="0"/>
+              <a:t>Can be used as unifier</a:t>
+            </a:r>
+          </a:p>
+          <a:p>
+            <a:r>
+              <a:rPr lang="en-US" dirty="0"/>
+              <a:t>Multiple people can be involved in a single crash</a:t>
+            </a:r>
+          </a:p>
+          <a:p>
+            <a:pPr lvl="1"/>
+            <a:r>
+              <a:rPr lang="en-US" dirty="0"/>
+              <a:t>RD_NO showed up multiple times in People table</a:t>
             </a:r>
           </a:p>
         </p:txBody>
@@ -7555,7 +7855,7 @@
     </p:spTree>
     <p:extLst>
       <p:ext uri="{BB962C8B-B14F-4D97-AF65-F5344CB8AC3E}">
-        <p14:creationId xmlns:p14="http://schemas.microsoft.com/office/powerpoint/2010/main" val="3204806061"/>
+        <p14:creationId xmlns:p14="http://schemas.microsoft.com/office/powerpoint/2010/main" val="4056633995"/>
       </p:ext>
     </p:extLst>
   </p:cSld>
@@ -7612,7 +7912,7 @@
             </a:br>
             <a:r>
               <a:rPr lang="en-US" dirty="0"/>
-              <a:t>Making the data interpretable</a:t>
+              <a:t>Combining crashes/people</a:t>
             </a:r>
           </a:p>
         </p:txBody>
@@ -7633,109 +7933,82 @@
             <p:ph idx="1"/>
           </p:nvPr>
         </p:nvSpPr>
-        <p:spPr/>
-        <p:txBody>
-          <a:bodyPr/>
-          <a:lstStyle/>
-          <a:p>
-            <a:r>
-              <a:rPr lang="en-US" dirty="0"/>
-              <a:t>Crashes included many string descriptions</a:t>
-            </a:r>
-          </a:p>
-          <a:p>
-            <a:pPr lvl="1"/>
-            <a:r>
-              <a:rPr lang="en-US" dirty="0" err="1"/>
-              <a:t>E.g</a:t>
-            </a:r>
-            <a:r>
-              <a:rPr lang="en-US" dirty="0"/>
-              <a:t>: light, darkness, dusk, dawn</a:t>
-            </a:r>
-          </a:p>
-          <a:p>
-            <a:pPr lvl="1"/>
-            <a:r>
-              <a:rPr lang="en-US" dirty="0"/>
-              <a:t>Computers can’t understand English</a:t>
-            </a:r>
-          </a:p>
-          <a:p>
-            <a:r>
-              <a:rPr lang="en-US" dirty="0"/>
-              <a:t>Many empty values existed</a:t>
-            </a:r>
-          </a:p>
-          <a:p>
-            <a:pPr marL="0" indent="0">
-              <a:buNone/>
-            </a:pPr>
-            <a:endParaRPr lang="en-US" dirty="0"/>
-          </a:p>
-          <a:p>
-            <a:r>
-              <a:rPr lang="en-US" dirty="0"/>
-              <a:t>Solution: Manually enumerate all values</a:t>
-            </a:r>
-          </a:p>
-          <a:p>
-            <a:pPr lvl="1"/>
-            <a:r>
-              <a:rPr lang="en-US" dirty="0"/>
-              <a:t>Record a mapping of what each number means</a:t>
-            </a:r>
-          </a:p>
-          <a:p>
-            <a:pPr lvl="1"/>
-            <a:r>
-              <a:rPr lang="en-US" dirty="0"/>
-              <a:t>Assign number 200 to empty values</a:t>
-            </a:r>
-          </a:p>
-          <a:p>
-            <a:pPr lvl="2"/>
-            <a:r>
-              <a:rPr lang="en-US" dirty="0"/>
-              <a:t>Reuse that number for the value “UNKNOWN”</a:t>
-            </a:r>
-          </a:p>
-        </p:txBody>
-      </p:sp>
-      <p:pic>
-        <p:nvPicPr>
-          <p:cNvPr id="5" name="Picture 4">
-            <a:extLst>
-              <a:ext uri="{FF2B5EF4-FFF2-40B4-BE49-F238E27FC236}">
-                <a16:creationId xmlns:a16="http://schemas.microsoft.com/office/drawing/2014/main" id="{E2758CAE-6FD7-45D8-B944-6BCE37630D96}"/>
-              </a:ext>
-            </a:extLst>
-          </p:cNvPr>
-          <p:cNvPicPr>
-            <a:picLocks noChangeAspect="1"/>
-          </p:cNvPicPr>
-          <p:nvPr/>
-        </p:nvPicPr>
-        <p:blipFill>
-          <a:blip r:embed="rId2"/>
-          <a:stretch>
-            <a:fillRect/>
-          </a:stretch>
-        </p:blipFill>
         <p:spPr>
           <a:xfrm>
-            <a:off x="6432355" y="2086641"/>
-            <a:ext cx="5429258" cy="3880773"/>
+            <a:off x="677333" y="2160589"/>
+            <a:ext cx="9104841" cy="3880773"/>
           </a:xfrm>
-          <a:prstGeom prst="rect">
-            <a:avLst/>
-          </a:prstGeom>
         </p:spPr>
-      </p:pic>
+        <p:txBody>
+          <a:bodyPr>
+            <a:normAutofit/>
+          </a:bodyPr>
+          <a:lstStyle/>
+          <a:p>
+            <a:r>
+              <a:rPr lang="en-US" dirty="0"/>
+              <a:t>Both crashes and people included the report number (RD_NO) column</a:t>
+            </a:r>
+          </a:p>
+          <a:p>
+            <a:pPr lvl="1"/>
+            <a:r>
+              <a:rPr lang="en-US" dirty="0"/>
+              <a:t>Can be used as unifier</a:t>
+            </a:r>
+          </a:p>
+          <a:p>
+            <a:r>
+              <a:rPr lang="en-US" dirty="0"/>
+              <a:t>Multiple people can be involved in a single crash</a:t>
+            </a:r>
+          </a:p>
+          <a:p>
+            <a:pPr lvl="1"/>
+            <a:r>
+              <a:rPr lang="en-US" dirty="0"/>
+              <a:t>RD_NO showed up multiple times in People table</a:t>
+            </a:r>
+          </a:p>
+          <a:p>
+            <a:endParaRPr lang="en-US" dirty="0"/>
+          </a:p>
+          <a:p>
+            <a:r>
+              <a:rPr lang="en-US" dirty="0"/>
+              <a:t>Solution: Join people on crashes</a:t>
+            </a:r>
+          </a:p>
+          <a:p>
+            <a:pPr lvl="1"/>
+            <a:r>
+              <a:rPr lang="en-US" dirty="0"/>
+              <a:t>Use Excel formula to append crash information to every person that has the same RD_NO</a:t>
+            </a:r>
+          </a:p>
+          <a:p>
+            <a:pPr lvl="2"/>
+            <a:r>
+              <a:rPr lang="en-US" dirty="0"/>
+              <a:t>This is similar to a left outer join from people on crashes, with the condition being RD_NO</a:t>
+            </a:r>
+          </a:p>
+          <a:p>
+            <a:pPr lvl="1"/>
+            <a:r>
+              <a:rPr lang="en-US" b="1" dirty="0"/>
+              <a:t>New table entries: People merged with Crashes they were in</a:t>
+            </a:r>
+          </a:p>
+          <a:p>
+            <a:endParaRPr lang="en-US" dirty="0"/>
+          </a:p>
+        </p:txBody>
+      </p:sp>
     </p:spTree>
     <p:extLst>
       <p:ext uri="{BB962C8B-B14F-4D97-AF65-F5344CB8AC3E}">
-        <p14:creationId xmlns:p14="http://schemas.microsoft.com/office/powerpoint/2010/main" val="3062728388"/>
+        <p14:creationId xmlns:p14="http://schemas.microsoft.com/office/powerpoint/2010/main" val="3415824794"/>
       </p:ext>
     </p:extLst>
   </p:cSld>
@@ -7785,7 +8058,14 @@
           <a:p>
             <a:r>
               <a:rPr lang="en-US" dirty="0"/>
-              <a:t>Traffic Crashes - Preprocessing</a:t>
+              <a:t>Traffic Crashes – Preprocessing</a:t>
+            </a:r>
+            <a:br>
+              <a:rPr lang="en-US" dirty="0"/>
+            </a:br>
+            <a:r>
+              <a:rPr lang="en-US" dirty="0"/>
+              <a:t>Challenges</a:t>
             </a:r>
           </a:p>
         </p:txBody>
@@ -7813,41 +8093,31 @@
           <a:p>
             <a:r>
               <a:rPr lang="en-US" dirty="0"/>
-              <a:t>Challenges</a:t>
-            </a:r>
-          </a:p>
-          <a:p>
-            <a:pPr lvl="1"/>
-            <a:r>
-              <a:rPr lang="en-US" dirty="0"/>
               <a:t>Scaling down the data for a feasible project</a:t>
             </a:r>
           </a:p>
           <a:p>
-            <a:pPr lvl="1"/>
             <a:r>
               <a:rPr lang="en-US" dirty="0"/>
               <a:t>Combining Crash/People datasets</a:t>
             </a:r>
           </a:p>
           <a:p>
-            <a:pPr lvl="1"/>
-            <a:r>
-              <a:rPr lang="en-US" dirty="0"/>
+            <a:r>
+              <a:rPr lang="en-US" b="1" dirty="0"/>
               <a:t>Making the data interpretable by an algorithm</a:t>
             </a:r>
           </a:p>
           <a:p>
-            <a:pPr lvl="2"/>
-            <a:r>
-              <a:rPr lang="en-US" dirty="0"/>
+            <a:pPr lvl="1"/>
+            <a:r>
+              <a:rPr lang="en-US" b="1" dirty="0"/>
               <a:t>Handling empty entries</a:t>
             </a:r>
           </a:p>
           <a:p>
-            <a:pPr lvl="1"/>
-            <a:r>
-              <a:rPr lang="en-US" b="1" dirty="0"/>
+            <a:r>
+              <a:rPr lang="en-US" dirty="0"/>
               <a:t>Reducing the number of features</a:t>
             </a:r>
           </a:p>
@@ -7856,7 +8126,7 @@
     </p:spTree>
     <p:extLst>
       <p:ext uri="{BB962C8B-B14F-4D97-AF65-F5344CB8AC3E}">
-        <p14:creationId xmlns:p14="http://schemas.microsoft.com/office/powerpoint/2010/main" val="3325585201"/>
+        <p14:creationId xmlns:p14="http://schemas.microsoft.com/office/powerpoint/2010/main" val="3204806061"/>
       </p:ext>
     </p:extLst>
   </p:cSld>
@@ -8100,7 +8370,7 @@
             </a:br>
             <a:r>
               <a:rPr lang="en-US" dirty="0"/>
-              <a:t>Feature Reduction</a:t>
+              <a:t>Making the data interpretable</a:t>
             </a:r>
           </a:p>
         </p:txBody>
@@ -8128,54 +8398,69 @@
           <a:p>
             <a:r>
               <a:rPr lang="en-US" dirty="0"/>
-              <a:t>A vast number of features were redundant/irrelevant/consequents</a:t>
-            </a:r>
-          </a:p>
-          <a:p>
-            <a:pPr lvl="1"/>
-            <a:r>
-              <a:rPr lang="en-US" dirty="0"/>
-              <a:t>CRASH_DATE was repeated twice</a:t>
-            </a:r>
-          </a:p>
-          <a:p>
-            <a:pPr lvl="1"/>
-            <a:r>
-              <a:rPr lang="en-US" dirty="0"/>
-              <a:t>Pedestrians/Bicyclists don’t have a VEHICLE_NO</a:t>
-            </a:r>
-          </a:p>
-          <a:p>
-            <a:pPr lvl="1"/>
-            <a:r>
-              <a:rPr lang="en-US" dirty="0"/>
-              <a:t>Whether or not they were transported to an ER is a consequent</a:t>
-            </a:r>
-          </a:p>
-          <a:p>
-            <a:pPr marL="0" indent="0">
-              <a:buNone/>
-            </a:pPr>
-            <a:endParaRPr lang="en-US" dirty="0"/>
-          </a:p>
-          <a:p>
-            <a:r>
-              <a:rPr lang="en-US" dirty="0"/>
-              <a:t>Solution: Delete those columns, let the data mining algorithm take care of finding actually relevant features</a:t>
-            </a:r>
-          </a:p>
-          <a:p>
-            <a:r>
-              <a:rPr lang="en-US" dirty="0"/>
-              <a:t>Project goal set: Determine the INJURY_CLASSIFICATION for any person involved in a car crash</a:t>
-            </a:r>
-          </a:p>
-        </p:txBody>
-      </p:sp>
+              <a:t>Crashes included many string descriptions</a:t>
+            </a:r>
+          </a:p>
+          <a:p>
+            <a:pPr lvl="1"/>
+            <a:r>
+              <a:rPr lang="en-US" dirty="0" err="1"/>
+              <a:t>E.g</a:t>
+            </a:r>
+            <a:r>
+              <a:rPr lang="en-US" dirty="0"/>
+              <a:t>: light, darkness, dusk, dawn</a:t>
+            </a:r>
+          </a:p>
+          <a:p>
+            <a:pPr lvl="1"/>
+            <a:r>
+              <a:rPr lang="en-US" dirty="0"/>
+              <a:t>Some algorithms required decimal values</a:t>
+            </a:r>
+          </a:p>
+          <a:p>
+            <a:r>
+              <a:rPr lang="en-US" dirty="0"/>
+              <a:t>Many empty values existed</a:t>
+            </a:r>
+          </a:p>
+        </p:txBody>
+      </p:sp>
+      <p:pic>
+        <p:nvPicPr>
+          <p:cNvPr id="5" name="Picture 4">
+            <a:extLst>
+              <a:ext uri="{FF2B5EF4-FFF2-40B4-BE49-F238E27FC236}">
+                <a16:creationId xmlns:a16="http://schemas.microsoft.com/office/drawing/2014/main" id="{E2758CAE-6FD7-45D8-B944-6BCE37630D96}"/>
+              </a:ext>
+            </a:extLst>
+          </p:cNvPr>
+          <p:cNvPicPr>
+            <a:picLocks noChangeAspect="1"/>
+          </p:cNvPicPr>
+          <p:nvPr/>
+        </p:nvPicPr>
+        <p:blipFill>
+          <a:blip r:embed="rId2"/>
+          <a:stretch>
+            <a:fillRect/>
+          </a:stretch>
+        </p:blipFill>
+        <p:spPr>
+          <a:xfrm>
+            <a:off x="6153375" y="2025960"/>
+            <a:ext cx="5907255" cy="4222440"/>
+          </a:xfrm>
+          <a:prstGeom prst="rect">
+            <a:avLst/>
+          </a:prstGeom>
+        </p:spPr>
+      </p:pic>
     </p:spTree>
     <p:extLst>
       <p:ext uri="{BB962C8B-B14F-4D97-AF65-F5344CB8AC3E}">
-        <p14:creationId xmlns:p14="http://schemas.microsoft.com/office/powerpoint/2010/main" val="4234966077"/>
+        <p14:creationId xmlns:p14="http://schemas.microsoft.com/office/powerpoint/2010/main" val="2921755979"/>
       </p:ext>
     </p:extLst>
   </p:cSld>
@@ -8207,7 +8492,7 @@
           <p:cNvPr id="2" name="Title 1">
             <a:extLst>
               <a:ext uri="{FF2B5EF4-FFF2-40B4-BE49-F238E27FC236}">
-                <a16:creationId xmlns:a16="http://schemas.microsoft.com/office/drawing/2014/main" id="{DD5B492E-D003-4D98-9C53-7D15A5CAB8FB}"/>
+                <a16:creationId xmlns:a16="http://schemas.microsoft.com/office/drawing/2014/main" id="{C5F73921-064B-4F8F-8A2C-9102B144ADD5}"/>
               </a:ext>
             </a:extLst>
           </p:cNvPr>
@@ -8225,7 +8510,14 @@
           <a:p>
             <a:r>
               <a:rPr lang="en-US" dirty="0"/>
-              <a:t>Traffic Crashes - Transformation</a:t>
+              <a:t>Traffic Crashes – Preprocessing</a:t>
+            </a:r>
+            <a:br>
+              <a:rPr lang="en-US" dirty="0"/>
+            </a:br>
+            <a:r>
+              <a:rPr lang="en-US" dirty="0"/>
+              <a:t>Making the data interpretable</a:t>
             </a:r>
           </a:p>
         </p:txBody>
@@ -8235,7 +8527,7 @@
           <p:cNvPr id="3" name="Content Placeholder 2">
             <a:extLst>
               <a:ext uri="{FF2B5EF4-FFF2-40B4-BE49-F238E27FC236}">
-                <a16:creationId xmlns:a16="http://schemas.microsoft.com/office/drawing/2014/main" id="{E062B5DC-F1BA-4005-88A1-AAF423072A90}"/>
+                <a16:creationId xmlns:a16="http://schemas.microsoft.com/office/drawing/2014/main" id="{73001722-97A6-4F0C-B3DB-4072E006E7E9}"/>
               </a:ext>
             </a:extLst>
           </p:cNvPr>
@@ -8253,48 +8545,109 @@
           <a:p>
             <a:r>
               <a:rPr lang="en-US" dirty="0"/>
-              <a:t>Data was very imbalanced, out of 67k crashes</a:t>
-            </a:r>
-          </a:p>
-          <a:p>
-            <a:pPr lvl="1"/>
-            <a:r>
-              <a:rPr lang="en-US" dirty="0"/>
-              <a:t>61k had no indication of injuries</a:t>
-            </a:r>
-          </a:p>
-          <a:p>
-            <a:pPr lvl="1"/>
-            <a:r>
-              <a:rPr lang="en-US" dirty="0"/>
-              <a:t>3.5k were injured (NONINCAPACITATING_INJURIES)</a:t>
-            </a:r>
-          </a:p>
-          <a:p>
-            <a:pPr lvl="1"/>
-            <a:r>
-              <a:rPr lang="en-US" dirty="0"/>
-              <a:t>36 were fatal</a:t>
-            </a:r>
-          </a:p>
-          <a:p>
-            <a:r>
-              <a:rPr lang="en-US" dirty="0"/>
-              <a:t>Different algorithms required different data shapes</a:t>
-            </a:r>
-          </a:p>
-          <a:p>
+              <a:t>Crashes included many string descriptions</a:t>
+            </a:r>
+          </a:p>
+          <a:p>
+            <a:pPr lvl="1"/>
+            <a:r>
+              <a:rPr lang="en-US" dirty="0" err="1"/>
+              <a:t>E.g</a:t>
+            </a:r>
+            <a:r>
+              <a:rPr lang="en-US" dirty="0"/>
+              <a:t>: light, darkness, dusk, dawn</a:t>
+            </a:r>
+          </a:p>
+          <a:p>
+            <a:pPr lvl="1"/>
+            <a:r>
+              <a:rPr lang="en-US" dirty="0"/>
+              <a:t>Some algorithms required decimal values</a:t>
+            </a:r>
+          </a:p>
+          <a:p>
+            <a:r>
+              <a:rPr lang="en-US" dirty="0"/>
+              <a:t>Many empty values existed</a:t>
+            </a:r>
+          </a:p>
+          <a:p>
+            <a:pPr marL="0" indent="0">
+              <a:buNone/>
+            </a:pPr>
             <a:endParaRPr lang="en-US" dirty="0"/>
           </a:p>
           <a:p>
-            <a:endParaRPr lang="en-US" dirty="0"/>
-          </a:p>
-        </p:txBody>
-      </p:sp>
+            <a:r>
+              <a:rPr lang="en-US" dirty="0"/>
+              <a:t>Solution: Discretize by binning (enumerate)</a:t>
+            </a:r>
+          </a:p>
+          <a:p>
+            <a:pPr lvl="1"/>
+            <a:r>
+              <a:rPr lang="en-US" b="1" dirty="0"/>
+              <a:t>Record a mapping of what each bin meant</a:t>
+            </a:r>
+          </a:p>
+          <a:p>
+            <a:pPr lvl="1"/>
+            <a:r>
+              <a:rPr lang="en-US" dirty="0"/>
+              <a:t>Group ages to age groups (child, young adult, …)</a:t>
+            </a:r>
+          </a:p>
+          <a:p>
+            <a:pPr lvl="1"/>
+            <a:r>
+              <a:rPr lang="en-US" dirty="0"/>
+              <a:t>Assign number 200 to empty values</a:t>
+            </a:r>
+          </a:p>
+          <a:p>
+            <a:pPr lvl="2"/>
+            <a:r>
+              <a:rPr lang="en-US" dirty="0"/>
+              <a:t>Reuse that number for the value “UNKNOWN”</a:t>
+            </a:r>
+          </a:p>
+        </p:txBody>
+      </p:sp>
+      <p:pic>
+        <p:nvPicPr>
+          <p:cNvPr id="5" name="Picture 4">
+            <a:extLst>
+              <a:ext uri="{FF2B5EF4-FFF2-40B4-BE49-F238E27FC236}">
+                <a16:creationId xmlns:a16="http://schemas.microsoft.com/office/drawing/2014/main" id="{E2758CAE-6FD7-45D8-B944-6BCE37630D96}"/>
+              </a:ext>
+            </a:extLst>
+          </p:cNvPr>
+          <p:cNvPicPr>
+            <a:picLocks noChangeAspect="1"/>
+          </p:cNvPicPr>
+          <p:nvPr/>
+        </p:nvPicPr>
+        <p:blipFill>
+          <a:blip r:embed="rId3"/>
+          <a:stretch>
+            <a:fillRect/>
+          </a:stretch>
+        </p:blipFill>
+        <p:spPr>
+          <a:xfrm>
+            <a:off x="6153375" y="2025960"/>
+            <a:ext cx="5907255" cy="4222440"/>
+          </a:xfrm>
+          <a:prstGeom prst="rect">
+            <a:avLst/>
+          </a:prstGeom>
+        </p:spPr>
+      </p:pic>
     </p:spTree>
     <p:extLst>
       <p:ext uri="{BB962C8B-B14F-4D97-AF65-F5344CB8AC3E}">
-        <p14:creationId xmlns:p14="http://schemas.microsoft.com/office/powerpoint/2010/main" val="61744970"/>
+        <p14:creationId xmlns:p14="http://schemas.microsoft.com/office/powerpoint/2010/main" val="3062728388"/>
       </p:ext>
     </p:extLst>
   </p:cSld>
@@ -8326,7 +8679,7 @@
           <p:cNvPr id="2" name="Title 1">
             <a:extLst>
               <a:ext uri="{FF2B5EF4-FFF2-40B4-BE49-F238E27FC236}">
-                <a16:creationId xmlns:a16="http://schemas.microsoft.com/office/drawing/2014/main" id="{DD5B492E-D003-4D98-9C53-7D15A5CAB8FB}"/>
+                <a16:creationId xmlns:a16="http://schemas.microsoft.com/office/drawing/2014/main" id="{C5F73921-064B-4F8F-8A2C-9102B144ADD5}"/>
               </a:ext>
             </a:extLst>
           </p:cNvPr>
@@ -8339,12 +8692,21 @@
         </p:nvSpPr>
         <p:spPr/>
         <p:txBody>
-          <a:bodyPr/>
-          <a:lstStyle/>
-          <a:p>
-            <a:r>
-              <a:rPr lang="en-US" dirty="0"/>
-              <a:t>Traffic Crashes - Transformation</a:t>
+          <a:bodyPr>
+            <a:normAutofit/>
+          </a:bodyPr>
+          <a:lstStyle/>
+          <a:p>
+            <a:r>
+              <a:rPr lang="en-US" dirty="0"/>
+              <a:t>Traffic Crashes – Preprocessing</a:t>
+            </a:r>
+            <a:br>
+              <a:rPr lang="en-US" dirty="0"/>
+            </a:br>
+            <a:r>
+              <a:rPr lang="en-US" dirty="0"/>
+              <a:t>Challenges</a:t>
             </a:r>
           </a:p>
         </p:txBody>
@@ -8354,7 +8716,7 @@
           <p:cNvPr id="3" name="Content Placeholder 2">
             <a:extLst>
               <a:ext uri="{FF2B5EF4-FFF2-40B4-BE49-F238E27FC236}">
-                <a16:creationId xmlns:a16="http://schemas.microsoft.com/office/drawing/2014/main" id="{E062B5DC-F1BA-4005-88A1-AAF423072A90}"/>
+                <a16:creationId xmlns:a16="http://schemas.microsoft.com/office/drawing/2014/main" id="{73001722-97A6-4F0C-B3DB-4072E006E7E9}"/>
               </a:ext>
             </a:extLst>
           </p:cNvPr>
@@ -8370,14 +8732,42 @@
           <a:bodyPr/>
           <a:lstStyle/>
           <a:p>
-            <a:endParaRPr lang="en-US"/>
+            <a:r>
+              <a:rPr lang="en-US" dirty="0"/>
+              <a:t>Scaling down the data for a feasible project</a:t>
+            </a:r>
+          </a:p>
+          <a:p>
+            <a:r>
+              <a:rPr lang="en-US" dirty="0"/>
+              <a:t>Combining Crash/People datasets</a:t>
+            </a:r>
+          </a:p>
+          <a:p>
+            <a:r>
+              <a:rPr lang="en-US" dirty="0"/>
+              <a:t>Making the data interpretable by an algorithm</a:t>
+            </a:r>
+          </a:p>
+          <a:p>
+            <a:pPr lvl="1"/>
+            <a:r>
+              <a:rPr lang="en-US" dirty="0"/>
+              <a:t>Handling empty entries</a:t>
+            </a:r>
+          </a:p>
+          <a:p>
+            <a:r>
+              <a:rPr lang="en-US" b="1" dirty="0"/>
+              <a:t>Reducing the number of features</a:t>
+            </a:r>
           </a:p>
         </p:txBody>
       </p:sp>
     </p:spTree>
     <p:extLst>
       <p:ext uri="{BB962C8B-B14F-4D97-AF65-F5344CB8AC3E}">
-        <p14:creationId xmlns:p14="http://schemas.microsoft.com/office/powerpoint/2010/main" val="860318444"/>
+        <p14:creationId xmlns:p14="http://schemas.microsoft.com/office/powerpoint/2010/main" val="3325585201"/>
       </p:ext>
     </p:extLst>
   </p:cSld>
@@ -8409,7 +8799,7 @@
           <p:cNvPr id="2" name="Title 1">
             <a:extLst>
               <a:ext uri="{FF2B5EF4-FFF2-40B4-BE49-F238E27FC236}">
-                <a16:creationId xmlns:a16="http://schemas.microsoft.com/office/drawing/2014/main" id="{6143A791-6998-45F5-AE3F-27D0822999DC}"/>
+                <a16:creationId xmlns:a16="http://schemas.microsoft.com/office/drawing/2014/main" id="{C5F73921-064B-4F8F-8A2C-9102B144ADD5}"/>
               </a:ext>
             </a:extLst>
           </p:cNvPr>
@@ -8427,7 +8817,14 @@
           <a:p>
             <a:r>
               <a:rPr lang="en-US" dirty="0"/>
-              <a:t>Traffic Crashes – Data Mining</a:t>
+              <a:t>Traffic Crashes – Preprocessing</a:t>
+            </a:r>
+            <a:br>
+              <a:rPr lang="en-US" dirty="0"/>
+            </a:br>
+            <a:r>
+              <a:rPr lang="en-US" dirty="0"/>
+              <a:t>Feature Reduction</a:t>
             </a:r>
           </a:p>
         </p:txBody>
@@ -8437,7 +8834,7 @@
           <p:cNvPr id="3" name="Content Placeholder 2">
             <a:extLst>
               <a:ext uri="{FF2B5EF4-FFF2-40B4-BE49-F238E27FC236}">
-                <a16:creationId xmlns:a16="http://schemas.microsoft.com/office/drawing/2014/main" id="{C4646ECB-F907-493F-8149-9B56FA2D4450}"/>
+                <a16:creationId xmlns:a16="http://schemas.microsoft.com/office/drawing/2014/main" id="{73001722-97A6-4F0C-B3DB-4072E006E7E9}"/>
               </a:ext>
             </a:extLst>
           </p:cNvPr>
@@ -8448,19 +8845,49 @@
             <p:ph idx="1"/>
           </p:nvPr>
         </p:nvSpPr>
-        <p:spPr/>
+        <p:spPr>
+          <a:xfrm>
+            <a:off x="677334" y="1807286"/>
+            <a:ext cx="8596668" cy="5050714"/>
+          </a:xfrm>
+        </p:spPr>
         <p:txBody>
           <a:bodyPr/>
           <a:lstStyle/>
           <a:p>
-            <a:endParaRPr lang="en-US"/>
+            <a:r>
+              <a:rPr lang="en-US" dirty="0"/>
+              <a:t>Many features were redundant/irrelevant/consequents</a:t>
+            </a:r>
+          </a:p>
+          <a:p>
+            <a:pPr lvl="1"/>
+            <a:r>
+              <a:rPr lang="en-US" dirty="0"/>
+              <a:t>CRASH_DATE was repeated twice</a:t>
+            </a:r>
+          </a:p>
+          <a:p>
+            <a:pPr lvl="1"/>
+            <a:r>
+              <a:rPr lang="en-US" dirty="0"/>
+              <a:t>Pedestrians/Bicyclists don’t have a VEHICLE_NO</a:t>
+            </a:r>
+          </a:p>
+          <a:p>
+            <a:pPr lvl="1"/>
+            <a:r>
+              <a:rPr lang="en-US" dirty="0"/>
+              <a:t>Whether or not they were transported to an ER is a consequent</a:t>
+            </a:r>
+            <a:endParaRPr lang="en-US" b="1" dirty="0"/>
           </a:p>
         </p:txBody>
       </p:sp>
     </p:spTree>
     <p:extLst>
       <p:ext uri="{BB962C8B-B14F-4D97-AF65-F5344CB8AC3E}">
-        <p14:creationId xmlns:p14="http://schemas.microsoft.com/office/powerpoint/2010/main" val="3344831838"/>
+        <p14:creationId xmlns:p14="http://schemas.microsoft.com/office/powerpoint/2010/main" val="4234966077"/>
       </p:ext>
     </p:extLst>
   </p:cSld>
@@ -8492,7 +8919,7 @@
           <p:cNvPr id="2" name="Title 1">
             <a:extLst>
               <a:ext uri="{FF2B5EF4-FFF2-40B4-BE49-F238E27FC236}">
-                <a16:creationId xmlns:a16="http://schemas.microsoft.com/office/drawing/2014/main" id="{6143A791-6998-45F5-AE3F-27D0822999DC}"/>
+                <a16:creationId xmlns:a16="http://schemas.microsoft.com/office/drawing/2014/main" id="{C5F73921-064B-4F8F-8A2C-9102B144ADD5}"/>
               </a:ext>
             </a:extLst>
           </p:cNvPr>
@@ -8510,7 +8937,14 @@
           <a:p>
             <a:r>
               <a:rPr lang="en-US" dirty="0"/>
-              <a:t>Traffic Crashes – Data Mining</a:t>
+              <a:t>Traffic Crashes – Preprocessing</a:t>
+            </a:r>
+            <a:br>
+              <a:rPr lang="en-US" dirty="0"/>
+            </a:br>
+            <a:r>
+              <a:rPr lang="en-US" dirty="0"/>
+              <a:t>Feature Reduction</a:t>
             </a:r>
           </a:p>
         </p:txBody>
@@ -8520,7 +8954,7 @@
           <p:cNvPr id="3" name="Content Placeholder 2">
             <a:extLst>
               <a:ext uri="{FF2B5EF4-FFF2-40B4-BE49-F238E27FC236}">
-                <a16:creationId xmlns:a16="http://schemas.microsoft.com/office/drawing/2014/main" id="{C4646ECB-F907-493F-8149-9B56FA2D4450}"/>
+                <a16:creationId xmlns:a16="http://schemas.microsoft.com/office/drawing/2014/main" id="{73001722-97A6-4F0C-B3DB-4072E006E7E9}"/>
               </a:ext>
             </a:extLst>
           </p:cNvPr>
@@ -8531,19 +8965,61 @@
             <p:ph idx="1"/>
           </p:nvPr>
         </p:nvSpPr>
-        <p:spPr/>
+        <p:spPr>
+          <a:xfrm>
+            <a:off x="677334" y="1807286"/>
+            <a:ext cx="8596668" cy="5050714"/>
+          </a:xfrm>
+        </p:spPr>
         <p:txBody>
           <a:bodyPr/>
           <a:lstStyle/>
           <a:p>
-            <a:endParaRPr lang="en-US"/>
+            <a:r>
+              <a:rPr lang="en-US" dirty="0"/>
+              <a:t>Many features were redundant/irrelevant/consequents</a:t>
+            </a:r>
+          </a:p>
+          <a:p>
+            <a:pPr lvl="1"/>
+            <a:r>
+              <a:rPr lang="en-US" dirty="0"/>
+              <a:t>CRASH_DATE was repeated twice</a:t>
+            </a:r>
+          </a:p>
+          <a:p>
+            <a:pPr lvl="1"/>
+            <a:r>
+              <a:rPr lang="en-US" dirty="0"/>
+              <a:t>Pedestrians/Bicyclists don’t have a VEHICLE_NO</a:t>
+            </a:r>
+          </a:p>
+          <a:p>
+            <a:pPr lvl="1"/>
+            <a:r>
+              <a:rPr lang="en-US" dirty="0"/>
+              <a:t>Whether or not they were transported to an ER is a consequent</a:t>
+            </a:r>
+          </a:p>
+          <a:p>
+            <a:pPr marL="0" indent="0">
+              <a:buNone/>
+            </a:pPr>
+            <a:endParaRPr lang="en-US" dirty="0"/>
+          </a:p>
+          <a:p>
+            <a:r>
+              <a:rPr lang="en-US" dirty="0"/>
+              <a:t>Solution: Delete such columns, continue feature reduction when data mining</a:t>
+            </a:r>
+            <a:endParaRPr lang="en-US" b="1" dirty="0"/>
           </a:p>
         </p:txBody>
       </p:sp>
     </p:spTree>
     <p:extLst>
       <p:ext uri="{BB962C8B-B14F-4D97-AF65-F5344CB8AC3E}">
-        <p14:creationId xmlns:p14="http://schemas.microsoft.com/office/powerpoint/2010/main" val="458686795"/>
+        <p14:creationId xmlns:p14="http://schemas.microsoft.com/office/powerpoint/2010/main" val="27618036"/>
       </p:ext>
     </p:extLst>
   </p:cSld>
@@ -8575,7 +9051,7 @@
           <p:cNvPr id="2" name="Title 1">
             <a:extLst>
               <a:ext uri="{FF2B5EF4-FFF2-40B4-BE49-F238E27FC236}">
-                <a16:creationId xmlns:a16="http://schemas.microsoft.com/office/drawing/2014/main" id="{6143A791-6998-45F5-AE3F-27D0822999DC}"/>
+                <a16:creationId xmlns:a16="http://schemas.microsoft.com/office/drawing/2014/main" id="{C5F73921-064B-4F8F-8A2C-9102B144ADD5}"/>
               </a:ext>
             </a:extLst>
           </p:cNvPr>
@@ -8593,7 +9069,14 @@
           <a:p>
             <a:r>
               <a:rPr lang="en-US" dirty="0"/>
-              <a:t>Traffic Crashes – Data Mining</a:t>
+              <a:t>Traffic Crashes – Preprocessing</a:t>
+            </a:r>
+            <a:br>
+              <a:rPr lang="en-US" dirty="0"/>
+            </a:br>
+            <a:r>
+              <a:rPr lang="en-US" dirty="0"/>
+              <a:t>Feature Reduction</a:t>
             </a:r>
           </a:p>
         </p:txBody>
@@ -8603,7 +9086,7 @@
           <p:cNvPr id="3" name="Content Placeholder 2">
             <a:extLst>
               <a:ext uri="{FF2B5EF4-FFF2-40B4-BE49-F238E27FC236}">
-                <a16:creationId xmlns:a16="http://schemas.microsoft.com/office/drawing/2014/main" id="{C4646ECB-F907-493F-8149-9B56FA2D4450}"/>
+                <a16:creationId xmlns:a16="http://schemas.microsoft.com/office/drawing/2014/main" id="{73001722-97A6-4F0C-B3DB-4072E006E7E9}"/>
               </a:ext>
             </a:extLst>
           </p:cNvPr>
@@ -8614,19 +9097,113 @@
             <p:ph idx="1"/>
           </p:nvPr>
         </p:nvSpPr>
-        <p:spPr/>
-        <p:txBody>
-          <a:bodyPr/>
-          <a:lstStyle/>
-          <a:p>
-            <a:endParaRPr lang="en-US"/>
+        <p:spPr>
+          <a:xfrm>
+            <a:off x="677334" y="1807286"/>
+            <a:ext cx="8596668" cy="5050714"/>
+          </a:xfrm>
+        </p:spPr>
+        <p:txBody>
+          <a:bodyPr>
+            <a:normAutofit lnSpcReduction="10000"/>
+          </a:bodyPr>
+          <a:lstStyle/>
+          <a:p>
+            <a:r>
+              <a:rPr lang="en-US" dirty="0"/>
+              <a:t>Many features were redundant/irrelevant/consequents</a:t>
+            </a:r>
+          </a:p>
+          <a:p>
+            <a:pPr lvl="1"/>
+            <a:r>
+              <a:rPr lang="en-US" dirty="0"/>
+              <a:t>CRASH_DATE was repeated twice</a:t>
+            </a:r>
+          </a:p>
+          <a:p>
+            <a:pPr lvl="1"/>
+            <a:r>
+              <a:rPr lang="en-US" dirty="0"/>
+              <a:t>Pedestrians/Bicyclists don’t have a VEHICLE_NO</a:t>
+            </a:r>
+          </a:p>
+          <a:p>
+            <a:pPr lvl="1"/>
+            <a:r>
+              <a:rPr lang="en-US" dirty="0"/>
+              <a:t>Whether or not they were transported to an ER is a consequent</a:t>
+            </a:r>
+          </a:p>
+          <a:p>
+            <a:pPr marL="0" indent="0">
+              <a:buNone/>
+            </a:pPr>
+            <a:endParaRPr lang="en-US" dirty="0"/>
+          </a:p>
+          <a:p>
+            <a:r>
+              <a:rPr lang="en-US" dirty="0"/>
+              <a:t>Solution: Delete such columns, continue feature reduction when data mining</a:t>
+            </a:r>
+          </a:p>
+          <a:p>
+            <a:r>
+              <a:rPr lang="en-US" b="1" dirty="0"/>
+              <a:t>Project goal set: Determine the INJURY_CLASSIFICATION for anyone involved in a car crash</a:t>
+            </a:r>
+          </a:p>
+          <a:p>
+            <a:r>
+              <a:rPr lang="en-US" dirty="0"/>
+              <a:t>INJURY_CLASSIFICATION Domain:</a:t>
+            </a:r>
+          </a:p>
+          <a:p>
+            <a:pPr lvl="1"/>
+            <a:r>
+              <a:rPr lang="en-US" dirty="0"/>
+              <a:t>0: NO INDICATION OF INJURY</a:t>
+            </a:r>
+          </a:p>
+          <a:p>
+            <a:pPr lvl="1"/>
+            <a:r>
+              <a:rPr lang="en-US" dirty="0"/>
+              <a:t>1: REPORTED INJURY, NOT EVIDENCE</a:t>
+            </a:r>
+          </a:p>
+          <a:p>
+            <a:pPr lvl="1"/>
+            <a:r>
+              <a:rPr lang="en-US" dirty="0"/>
+              <a:t>2: NONINCAPACITATING INJURY</a:t>
+            </a:r>
+          </a:p>
+          <a:p>
+            <a:pPr lvl="1"/>
+            <a:r>
+              <a:rPr lang="en-US" dirty="0"/>
+              <a:t>3: INCAPACITATING INJURY</a:t>
+            </a:r>
+          </a:p>
+          <a:p>
+            <a:pPr lvl="1"/>
+            <a:r>
+              <a:rPr lang="en-US" dirty="0"/>
+              <a:t>4: FATAL</a:t>
+            </a:r>
+          </a:p>
+          <a:p>
+            <a:pPr lvl="2"/>
+            <a:endParaRPr lang="en-US" b="1" dirty="0"/>
           </a:p>
         </p:txBody>
       </p:sp>
     </p:spTree>
     <p:extLst>
       <p:ext uri="{BB962C8B-B14F-4D97-AF65-F5344CB8AC3E}">
-        <p14:creationId xmlns:p14="http://schemas.microsoft.com/office/powerpoint/2010/main" val="2049486566"/>
+        <p14:creationId xmlns:p14="http://schemas.microsoft.com/office/powerpoint/2010/main" val="1881968528"/>
       </p:ext>
     </p:extLst>
   </p:cSld>
@@ -8658,7 +9235,7 @@
           <p:cNvPr id="2" name="Title 1">
             <a:extLst>
               <a:ext uri="{FF2B5EF4-FFF2-40B4-BE49-F238E27FC236}">
-                <a16:creationId xmlns:a16="http://schemas.microsoft.com/office/drawing/2014/main" id="{6143A791-6998-45F5-AE3F-27D0822999DC}"/>
+                <a16:creationId xmlns:a16="http://schemas.microsoft.com/office/drawing/2014/main" id="{DD5B492E-D003-4D98-9C53-7D15A5CAB8FB}"/>
               </a:ext>
             </a:extLst>
           </p:cNvPr>
@@ -8676,40 +9253,77 @@
           <a:p>
             <a:r>
               <a:rPr lang="en-US" dirty="0"/>
-              <a:t>Traffic Crashes – Data Mining</a:t>
-            </a:r>
-          </a:p>
-        </p:txBody>
-      </p:sp>
-      <p:sp>
-        <p:nvSpPr>
-          <p:cNvPr id="3" name="Content Placeholder 2">
+              <a:t>Traffic Crashes – Transformation</a:t>
+            </a:r>
+          </a:p>
+        </p:txBody>
+      </p:sp>
+      <p:pic>
+        <p:nvPicPr>
+          <p:cNvPr id="4" name="Content Placeholder 3">
             <a:extLst>
               <a:ext uri="{FF2B5EF4-FFF2-40B4-BE49-F238E27FC236}">
-                <a16:creationId xmlns:a16="http://schemas.microsoft.com/office/drawing/2014/main" id="{C4646ECB-F907-493F-8149-9B56FA2D4450}"/>
+                <a16:creationId xmlns:a16="http://schemas.microsoft.com/office/drawing/2014/main" id="{C6BDF9F8-CA22-4B93-BB57-8F247B0D7E11}"/>
               </a:ext>
             </a:extLst>
           </p:cNvPr>
-          <p:cNvSpPr>
-            <a:spLocks noGrp="1"/>
-          </p:cNvSpPr>
+          <p:cNvPicPr>
+            <a:picLocks noGrp="1" noChangeAspect="1"/>
+          </p:cNvPicPr>
           <p:nvPr>
             <p:ph idx="1"/>
           </p:nvPr>
-        </p:nvSpPr>
-        <p:spPr/>
-        <p:txBody>
-          <a:bodyPr/>
-          <a:lstStyle/>
-          <a:p>
-            <a:endParaRPr lang="en-US"/>
-          </a:p>
-        </p:txBody>
-      </p:sp>
+        </p:nvPicPr>
+        <p:blipFill>
+          <a:blip r:embed="rId2"/>
+          <a:stretch>
+            <a:fillRect/>
+          </a:stretch>
+        </p:blipFill>
+        <p:spPr>
+          <a:xfrm>
+            <a:off x="259896" y="1880891"/>
+            <a:ext cx="7705665" cy="3933618"/>
+          </a:xfrm>
+          <a:prstGeom prst="rect">
+            <a:avLst/>
+          </a:prstGeom>
+        </p:spPr>
+      </p:pic>
+      <p:pic>
+        <p:nvPicPr>
+          <p:cNvPr id="5" name="Picture 4">
+            <a:extLst>
+              <a:ext uri="{FF2B5EF4-FFF2-40B4-BE49-F238E27FC236}">
+                <a16:creationId xmlns:a16="http://schemas.microsoft.com/office/drawing/2014/main" id="{D53A2511-0813-400E-A6DB-65C259AA28D7}"/>
+              </a:ext>
+            </a:extLst>
+          </p:cNvPr>
+          <p:cNvPicPr>
+            <a:picLocks noChangeAspect="1"/>
+          </p:cNvPicPr>
+          <p:nvPr/>
+        </p:nvPicPr>
+        <p:blipFill>
+          <a:blip r:embed="rId3"/>
+          <a:stretch>
+            <a:fillRect/>
+          </a:stretch>
+        </p:blipFill>
+        <p:spPr>
+          <a:xfrm>
+            <a:off x="8289949" y="1880890"/>
+            <a:ext cx="2802981" cy="3977203"/>
+          </a:xfrm>
+          <a:prstGeom prst="rect">
+            <a:avLst/>
+          </a:prstGeom>
+        </p:spPr>
+      </p:pic>
     </p:spTree>
     <p:extLst>
       <p:ext uri="{BB962C8B-B14F-4D97-AF65-F5344CB8AC3E}">
-        <p14:creationId xmlns:p14="http://schemas.microsoft.com/office/powerpoint/2010/main" val="2396776005"/>
+        <p14:creationId xmlns:p14="http://schemas.microsoft.com/office/powerpoint/2010/main" val="61744970"/>
       </p:ext>
     </p:extLst>
   </p:cSld>
@@ -8741,7 +9355,7 @@
           <p:cNvPr id="2" name="Title 1">
             <a:extLst>
               <a:ext uri="{FF2B5EF4-FFF2-40B4-BE49-F238E27FC236}">
-                <a16:creationId xmlns:a16="http://schemas.microsoft.com/office/drawing/2014/main" id="{6143A791-6998-45F5-AE3F-27D0822999DC}"/>
+                <a16:creationId xmlns:a16="http://schemas.microsoft.com/office/drawing/2014/main" id="{DD5B492E-D003-4D98-9C53-7D15A5CAB8FB}"/>
               </a:ext>
             </a:extLst>
           </p:cNvPr>
@@ -8759,7 +9373,14 @@
           <a:p>
             <a:r>
               <a:rPr lang="en-US" dirty="0"/>
-              <a:t>Traffic Crashes – Evaluation</a:t>
+              <a:t>Traffic Crashes – Transformation</a:t>
+            </a:r>
+            <a:br>
+              <a:rPr lang="en-US" dirty="0"/>
+            </a:br>
+            <a:r>
+              <a:rPr lang="en-US" dirty="0"/>
+              <a:t>Challenges</a:t>
             </a:r>
           </a:p>
         </p:txBody>
@@ -8769,7 +9390,7 @@
           <p:cNvPr id="3" name="Content Placeholder 2">
             <a:extLst>
               <a:ext uri="{FF2B5EF4-FFF2-40B4-BE49-F238E27FC236}">
-                <a16:creationId xmlns:a16="http://schemas.microsoft.com/office/drawing/2014/main" id="{C4646ECB-F907-493F-8149-9B56FA2D4450}"/>
+                <a16:creationId xmlns:a16="http://schemas.microsoft.com/office/drawing/2014/main" id="{E062B5DC-F1BA-4005-88A1-AAF423072A90}"/>
               </a:ext>
             </a:extLst>
           </p:cNvPr>
@@ -8785,14 +9406,80 @@
           <a:bodyPr/>
           <a:lstStyle/>
           <a:p>
-            <a:endParaRPr lang="en-US"/>
+            <a:r>
+              <a:rPr lang="en-US" dirty="0"/>
+              <a:t>Still too many unimportant features</a:t>
+            </a:r>
+            <a:endParaRPr lang="en-US" b="1" dirty="0"/>
+          </a:p>
+          <a:p>
+            <a:r>
+              <a:rPr lang="en-US" dirty="0"/>
+              <a:t>Data was very imbalanced, out of 67k people involved in crashes</a:t>
+            </a:r>
+          </a:p>
+          <a:p>
+            <a:pPr lvl="1"/>
+            <a:r>
+              <a:rPr lang="en-US" dirty="0"/>
+              <a:t>61k had no indication of injuries (91%)</a:t>
+            </a:r>
+          </a:p>
+          <a:p>
+            <a:pPr lvl="1"/>
+            <a:r>
+              <a:rPr lang="en-US" dirty="0"/>
+              <a:t>3.5k sustained non-incapacitating injuries (5%)</a:t>
+            </a:r>
+          </a:p>
+          <a:p>
+            <a:pPr lvl="1"/>
+            <a:r>
+              <a:rPr lang="en-US" dirty="0"/>
+              <a:t>Only 36 were fatal (0.05%, it’s a good thing though </a:t>
+            </a:r>
+            <a:r>
+              <a:rPr lang="en-US" dirty="0">
+                <a:sym typeface="Wingdings" panose="05000000000000000000" pitchFamily="2" charset="2"/>
+              </a:rPr>
+              <a:t>)</a:t>
+            </a:r>
+            <a:endParaRPr lang="en-US" dirty="0"/>
+          </a:p>
+          <a:p>
+            <a:r>
+              <a:rPr lang="en-US" dirty="0"/>
+              <a:t>Different algorithms required different data shapes</a:t>
+            </a:r>
+          </a:p>
+          <a:p>
+            <a:pPr lvl="1"/>
+            <a:r>
+              <a:rPr lang="en-US" dirty="0"/>
+              <a:t>Under/oversampling required integers</a:t>
+            </a:r>
+          </a:p>
+          <a:p>
+            <a:pPr lvl="1"/>
+            <a:r>
+              <a:rPr lang="en-US" dirty="0"/>
+              <a:t>Association analysis with </a:t>
+            </a:r>
+            <a:r>
+              <a:rPr lang="en-US" dirty="0" err="1"/>
+              <a:t>Apriori</a:t>
+            </a:r>
+            <a:r>
+              <a:rPr lang="en-US" dirty="0"/>
+              <a:t> required strings</a:t>
+            </a:r>
           </a:p>
         </p:txBody>
       </p:sp>
     </p:spTree>
     <p:extLst>
       <p:ext uri="{BB962C8B-B14F-4D97-AF65-F5344CB8AC3E}">
-        <p14:creationId xmlns:p14="http://schemas.microsoft.com/office/powerpoint/2010/main" val="3699210346"/>
+        <p14:creationId xmlns:p14="http://schemas.microsoft.com/office/powerpoint/2010/main" val="4262774974"/>
       </p:ext>
     </p:extLst>
   </p:cSld>
@@ -8824,7 +9511,7 @@
           <p:cNvPr id="2" name="Title 1">
             <a:extLst>
               <a:ext uri="{FF2B5EF4-FFF2-40B4-BE49-F238E27FC236}">
-                <a16:creationId xmlns:a16="http://schemas.microsoft.com/office/drawing/2014/main" id="{6143A791-6998-45F5-AE3F-27D0822999DC}"/>
+                <a16:creationId xmlns:a16="http://schemas.microsoft.com/office/drawing/2014/main" id="{DD5B492E-D003-4D98-9C53-7D15A5CAB8FB}"/>
               </a:ext>
             </a:extLst>
           </p:cNvPr>
@@ -8842,7 +9529,14 @@
           <a:p>
             <a:r>
               <a:rPr lang="en-US" dirty="0"/>
-              <a:t>Traffic Crashes – Evaluation</a:t>
+              <a:t>Traffic Crashes – Transformation</a:t>
+            </a:r>
+            <a:br>
+              <a:rPr lang="en-US" dirty="0"/>
+            </a:br>
+            <a:r>
+              <a:rPr lang="en-US" dirty="0"/>
+              <a:t>Solutions</a:t>
             </a:r>
           </a:p>
         </p:txBody>
@@ -8852,7 +9546,7 @@
           <p:cNvPr id="3" name="Content Placeholder 2">
             <a:extLst>
               <a:ext uri="{FF2B5EF4-FFF2-40B4-BE49-F238E27FC236}">
-                <a16:creationId xmlns:a16="http://schemas.microsoft.com/office/drawing/2014/main" id="{C4646ECB-F907-493F-8149-9B56FA2D4450}"/>
+                <a16:creationId xmlns:a16="http://schemas.microsoft.com/office/drawing/2014/main" id="{E062B5DC-F1BA-4005-88A1-AAF423072A90}"/>
               </a:ext>
             </a:extLst>
           </p:cNvPr>
@@ -8863,19 +9557,136 @@
             <p:ph idx="1"/>
           </p:nvPr>
         </p:nvSpPr>
-        <p:spPr/>
+        <p:spPr>
+          <a:xfrm>
+            <a:off x="677334" y="2160589"/>
+            <a:ext cx="8596668" cy="3880773"/>
+          </a:xfrm>
+        </p:spPr>
         <p:txBody>
           <a:bodyPr/>
           <a:lstStyle/>
           <a:p>
-            <a:endParaRPr lang="en-US"/>
-          </a:p>
-        </p:txBody>
-      </p:sp>
+            <a:r>
+              <a:rPr lang="en-US" dirty="0"/>
+              <a:t>Select the 20 best features</a:t>
+            </a:r>
+          </a:p>
+          <a:p>
+            <a:pPr lvl="1"/>
+            <a:r>
+              <a:rPr lang="en-US" dirty="0"/>
+              <a:t>Using </a:t>
+            </a:r>
+            <a:r>
+              <a:rPr lang="en-US" dirty="0" err="1"/>
+              <a:t>SKLearn’s</a:t>
+            </a:r>
+            <a:r>
+              <a:rPr lang="en-US" dirty="0"/>
+              <a:t> </a:t>
+            </a:r>
+            <a:r>
+              <a:rPr lang="en-US" dirty="0" err="1"/>
+              <a:t>SelectKBest</a:t>
+            </a:r>
+            <a:endParaRPr lang="en-US" dirty="0"/>
+          </a:p>
+          <a:p>
+            <a:r>
+              <a:rPr lang="en-US" dirty="0"/>
+              <a:t>Oversample the data to preserve information about NO INJURIES</a:t>
+            </a:r>
+          </a:p>
+          <a:p>
+            <a:pPr lvl="1"/>
+            <a:r>
+              <a:rPr lang="en-US" dirty="0"/>
+              <a:t>Using </a:t>
+            </a:r>
+            <a:r>
+              <a:rPr lang="en-US" dirty="0" err="1"/>
+              <a:t>imblearn’s</a:t>
+            </a:r>
+            <a:r>
+              <a:rPr lang="en-US" dirty="0"/>
+              <a:t> </a:t>
+            </a:r>
+            <a:r>
+              <a:rPr lang="en-US" dirty="0" err="1"/>
+              <a:t>RandomOverSampler</a:t>
+            </a:r>
+            <a:endParaRPr lang="en-US" dirty="0"/>
+          </a:p>
+          <a:p>
+            <a:r>
+              <a:rPr lang="en-US" dirty="0"/>
+              <a:t>Translate the oversampled data back to the original strings</a:t>
+            </a:r>
+          </a:p>
+          <a:p>
+            <a:pPr lvl="1"/>
+            <a:r>
+              <a:rPr lang="en-US" dirty="0"/>
+              <a:t>Using Python dictionaries</a:t>
+            </a:r>
+          </a:p>
+          <a:p>
+            <a:r>
+              <a:rPr lang="en-US" dirty="0"/>
+              <a:t>Final Training Data:</a:t>
+            </a:r>
+          </a:p>
+          <a:p>
+            <a:pPr lvl="1"/>
+            <a:r>
+              <a:rPr lang="en-US" dirty="0"/>
+              <a:t>220k Entries</a:t>
+            </a:r>
+          </a:p>
+          <a:p>
+            <a:pPr lvl="1"/>
+            <a:r>
+              <a:rPr lang="en-US" dirty="0"/>
+              <a:t>20 Features</a:t>
+            </a:r>
+          </a:p>
+        </p:txBody>
+      </p:sp>
+      <p:pic>
+        <p:nvPicPr>
+          <p:cNvPr id="5" name="Picture 4">
+            <a:extLst>
+              <a:ext uri="{FF2B5EF4-FFF2-40B4-BE49-F238E27FC236}">
+                <a16:creationId xmlns:a16="http://schemas.microsoft.com/office/drawing/2014/main" id="{71549780-38BD-4069-B0F0-6AB5B8DF6924}"/>
+              </a:ext>
+            </a:extLst>
+          </p:cNvPr>
+          <p:cNvPicPr>
+            <a:picLocks noChangeAspect="1"/>
+          </p:cNvPicPr>
+          <p:nvPr/>
+        </p:nvPicPr>
+        <p:blipFill>
+          <a:blip r:embed="rId2"/>
+          <a:stretch>
+            <a:fillRect/>
+          </a:stretch>
+        </p:blipFill>
+        <p:spPr>
+          <a:xfrm>
+            <a:off x="7939004" y="1742738"/>
+            <a:ext cx="3840263" cy="4238513"/>
+          </a:xfrm>
+          <a:prstGeom prst="rect">
+            <a:avLst/>
+          </a:prstGeom>
+        </p:spPr>
+      </p:pic>
     </p:spTree>
     <p:extLst>
       <p:ext uri="{BB962C8B-B14F-4D97-AF65-F5344CB8AC3E}">
-        <p14:creationId xmlns:p14="http://schemas.microsoft.com/office/powerpoint/2010/main" val="54208192"/>
+        <p14:creationId xmlns:p14="http://schemas.microsoft.com/office/powerpoint/2010/main" val="2116065641"/>
       </p:ext>
     </p:extLst>
   </p:cSld>
@@ -8907,7 +9718,7 @@
           <p:cNvPr id="2" name="Title 1">
             <a:extLst>
               <a:ext uri="{FF2B5EF4-FFF2-40B4-BE49-F238E27FC236}">
-                <a16:creationId xmlns:a16="http://schemas.microsoft.com/office/drawing/2014/main" id="{6143A791-6998-45F5-AE3F-27D0822999DC}"/>
+                <a16:creationId xmlns:a16="http://schemas.microsoft.com/office/drawing/2014/main" id="{12AA5096-EC40-4FE4-9DE8-C7442AB4EF7C}"/>
               </a:ext>
             </a:extLst>
           </p:cNvPr>
@@ -8920,45 +9731,71 @@
         </p:nvSpPr>
         <p:spPr/>
         <p:txBody>
-          <a:bodyPr/>
-          <a:lstStyle/>
-          <a:p>
-            <a:r>
-              <a:rPr lang="en-US" dirty="0"/>
-              <a:t>Traffic Crashes – Interpretation</a:t>
-            </a:r>
-          </a:p>
-        </p:txBody>
-      </p:sp>
-      <p:sp>
-        <p:nvSpPr>
-          <p:cNvPr id="3" name="Content Placeholder 2">
+          <a:bodyPr>
+            <a:normAutofit/>
+          </a:bodyPr>
+          <a:lstStyle/>
+          <a:p>
+            <a:r>
+              <a:rPr lang="en-US" dirty="0"/>
+              <a:t>Traffic Crashes – Transformation</a:t>
+            </a:r>
+            <a:br>
+              <a:rPr lang="en-US" dirty="0"/>
+            </a:br>
+            <a:r>
+              <a:rPr lang="en-US" dirty="0"/>
+              <a:t>Best 20 Features</a:t>
+            </a:r>
+          </a:p>
+        </p:txBody>
+      </p:sp>
+      <p:pic>
+        <p:nvPicPr>
+          <p:cNvPr id="7" name="Content Placeholder 6">
             <a:extLst>
               <a:ext uri="{FF2B5EF4-FFF2-40B4-BE49-F238E27FC236}">
-                <a16:creationId xmlns:a16="http://schemas.microsoft.com/office/drawing/2014/main" id="{C4646ECB-F907-493F-8149-9B56FA2D4450}"/>
+                <a16:creationId xmlns:a16="http://schemas.microsoft.com/office/drawing/2014/main" id="{69BE35FB-C540-4F7C-9F4B-BCBCAABC15FF}"/>
               </a:ext>
             </a:extLst>
           </p:cNvPr>
-          <p:cNvSpPr>
-            <a:spLocks noGrp="1"/>
-          </p:cNvSpPr>
+          <p:cNvPicPr>
+            <a:picLocks noGrp="1" noChangeAspect="1"/>
+          </p:cNvPicPr>
           <p:nvPr>
             <p:ph idx="1"/>
           </p:nvPr>
-        </p:nvSpPr>
-        <p:spPr/>
-        <p:txBody>
-          <a:bodyPr/>
-          <a:lstStyle/>
-          <a:p>
-            <a:endParaRPr lang="en-US"/>
-          </a:p>
-        </p:txBody>
-      </p:sp>
+        </p:nvPicPr>
+        <p:blipFill rotWithShape="1">
+          <a:blip r:embed="rId2">
+            <a:clrChange>
+              <a:clrFrom>
+                <a:srgbClr val="FFFFFF"/>
+              </a:clrFrom>
+              <a:clrTo>
+                <a:srgbClr val="FFFFFF">
+                  <a:alpha val="0"/>
+                </a:srgbClr>
+              </a:clrTo>
+            </a:clrChange>
+          </a:blip>
+          <a:srcRect l="-535" t="-609" r="535" b="26139"/>
+          <a:stretch/>
+        </p:blipFill>
+        <p:spPr>
+          <a:xfrm>
+            <a:off x="2710142" y="2157414"/>
+            <a:ext cx="4562027" cy="4576873"/>
+          </a:xfrm>
+          <a:prstGeom prst="rect">
+            <a:avLst/>
+          </a:prstGeom>
+        </p:spPr>
+      </p:pic>
     </p:spTree>
     <p:extLst>
       <p:ext uri="{BB962C8B-B14F-4D97-AF65-F5344CB8AC3E}">
-        <p14:creationId xmlns:p14="http://schemas.microsoft.com/office/powerpoint/2010/main" val="421902365"/>
+        <p14:creationId xmlns:p14="http://schemas.microsoft.com/office/powerpoint/2010/main" val="818343055"/>
       </p:ext>
     </p:extLst>
   </p:cSld>
@@ -9036,12 +9873,14 @@
           </a:xfrm>
         </p:spPr>
         <p:txBody>
-          <a:bodyPr/>
-          <a:lstStyle/>
-          <a:p>
-            <a:r>
-              <a:rPr lang="en-US" dirty="0"/>
-              <a:t>Many Inconsistencies, lack of good management/verification</a:t>
+          <a:bodyPr>
+            <a:normAutofit/>
+          </a:bodyPr>
+          <a:lstStyle/>
+          <a:p>
+            <a:r>
+              <a:rPr lang="en-US" dirty="0"/>
+              <a:t>Many Inconsistencies, lack of good management/validation</a:t>
             </a:r>
           </a:p>
           <a:p>
@@ -9076,27 +9915,27 @@
             <a:pPr lvl="1"/>
             <a:r>
               <a:rPr lang="en-US" dirty="0"/>
-              <a:t>No data on vehicle passengers/pedestrians involved</a:t>
-            </a:r>
-          </a:p>
-          <a:p>
-            <a:r>
-              <a:rPr lang="en-US" dirty="0"/>
-              <a:t>Lack of a standardized format</a:t>
-            </a:r>
-          </a:p>
-          <a:p>
-            <a:pPr lvl="1"/>
+              <a:t>No data on vehicle passengers/pedestrians involved in the crash</a:t>
+            </a:r>
+          </a:p>
+          <a:p>
+            <a:r>
+              <a:rPr lang="en-US" dirty="0"/>
+              <a:t>Lack of a standard format</a:t>
+            </a:r>
+          </a:p>
+          <a:p>
+            <a:pPr lvl="1"/>
+            <a:r>
+              <a:rPr lang="en-US" dirty="0"/>
+              <a:t>Violation info was sometimes entered by a human</a:t>
+            </a:r>
+          </a:p>
+          <a:p>
+            <a:pPr lvl="2"/>
             <a:r>
               <a:rPr lang="en-US" dirty="0"/>
               <a:t>Descriptions sometimes included spelling errors</a:t>
-            </a:r>
-          </a:p>
-          <a:p>
-            <a:pPr lvl="1"/>
-            <a:r>
-              <a:rPr lang="en-US" dirty="0"/>
-              <a:t>Info was sometimes entered by a human, causing subjectivity</a:t>
             </a:r>
           </a:p>
           <a:p>
@@ -9166,40 +10005,98 @@
           <a:p>
             <a:r>
               <a:rPr lang="en-US" dirty="0"/>
-              <a:t>Traffic Crashes – Interpretation</a:t>
-            </a:r>
-          </a:p>
-        </p:txBody>
-      </p:sp>
-      <p:sp>
-        <p:nvSpPr>
-          <p:cNvPr id="3" name="Content Placeholder 2">
+              <a:t>Traffic Crashes – Data Mining</a:t>
+            </a:r>
+          </a:p>
+        </p:txBody>
+      </p:sp>
+      <p:pic>
+        <p:nvPicPr>
+          <p:cNvPr id="4" name="Picture 2" descr="Image result for weka">
             <a:extLst>
               <a:ext uri="{FF2B5EF4-FFF2-40B4-BE49-F238E27FC236}">
-                <a16:creationId xmlns:a16="http://schemas.microsoft.com/office/drawing/2014/main" id="{C4646ECB-F907-493F-8149-9B56FA2D4450}"/>
+                <a16:creationId xmlns:a16="http://schemas.microsoft.com/office/drawing/2014/main" id="{B6C75AA6-B00A-4233-839D-EC403C244D0A}"/>
               </a:ext>
             </a:extLst>
           </p:cNvPr>
-          <p:cNvSpPr>
-            <a:spLocks noGrp="1"/>
-          </p:cNvSpPr>
-          <p:nvPr>
-            <p:ph idx="1"/>
-          </p:nvPr>
-        </p:nvSpPr>
-        <p:spPr/>
-        <p:txBody>
-          <a:bodyPr/>
-          <a:lstStyle/>
-          <a:p>
-            <a:endParaRPr lang="en-US"/>
+          <p:cNvPicPr>
+            <a:picLocks noChangeAspect="1" noChangeArrowheads="1"/>
+          </p:cNvPicPr>
+          <p:nvPr/>
+        </p:nvPicPr>
+        <p:blipFill>
+          <a:blip r:embed="rId2">
+            <a:extLst>
+              <a:ext uri="{28A0092B-C50C-407E-A947-70E740481C1C}">
+                <a14:useLocalDpi xmlns:a14="http://schemas.microsoft.com/office/drawing/2010/main" val="0"/>
+              </a:ext>
+            </a:extLst>
+          </a:blip>
+          <a:srcRect/>
+          <a:stretch>
+            <a:fillRect/>
+          </a:stretch>
+        </p:blipFill>
+        <p:spPr bwMode="auto">
+          <a:xfrm>
+            <a:off x="3321642" y="2448030"/>
+            <a:ext cx="4324839" cy="4324839"/>
+          </a:xfrm>
+          <a:prstGeom prst="rect">
+            <a:avLst/>
+          </a:prstGeom>
+          <a:noFill/>
+          <a:extLst>
+            <a:ext uri="{909E8E84-426E-40DD-AFC4-6F175D3DCCD1}">
+              <a14:hiddenFill xmlns:a14="http://schemas.microsoft.com/office/drawing/2010/main">
+                <a:solidFill>
+                  <a:srgbClr val="FFFFFF"/>
+                </a:solidFill>
+              </a14:hiddenFill>
+            </a:ext>
+          </a:extLst>
+        </p:spPr>
+      </p:pic>
+      <p:sp>
+        <p:nvSpPr>
+          <p:cNvPr id="5" name="TextBox 4">
+            <a:extLst>
+              <a:ext uri="{FF2B5EF4-FFF2-40B4-BE49-F238E27FC236}">
+                <a16:creationId xmlns:a16="http://schemas.microsoft.com/office/drawing/2014/main" id="{9D2E963F-FDC9-45B9-B90A-68B05C7EE0F1}"/>
+              </a:ext>
+            </a:extLst>
+          </p:cNvPr>
+          <p:cNvSpPr txBox="1"/>
+          <p:nvPr/>
+        </p:nvSpPr>
+        <p:spPr>
+          <a:xfrm>
+            <a:off x="928341" y="1466175"/>
+            <a:ext cx="8844742" cy="861774"/>
+          </a:xfrm>
+          <a:prstGeom prst="rect">
+            <a:avLst/>
+          </a:prstGeom>
+          <a:noFill/>
+        </p:spPr>
+        <p:txBody>
+          <a:bodyPr wrap="square" rtlCol="0">
+            <a:spAutoFit/>
+          </a:bodyPr>
+          <a:lstStyle/>
+          <a:p>
+            <a:pPr algn="ctr"/>
+            <a:r>
+              <a:rPr lang="en-US" sz="5000" dirty="0"/>
+              <a:t>Weka</a:t>
+            </a:r>
           </a:p>
         </p:txBody>
       </p:sp>
     </p:spTree>
     <p:extLst>
       <p:ext uri="{BB962C8B-B14F-4D97-AF65-F5344CB8AC3E}">
-        <p14:creationId xmlns:p14="http://schemas.microsoft.com/office/powerpoint/2010/main" val="3247624956"/>
+        <p14:creationId xmlns:p14="http://schemas.microsoft.com/office/powerpoint/2010/main" val="3344831838"/>
       </p:ext>
     </p:extLst>
   </p:cSld>
@@ -9231,7 +10128,7 @@
           <p:cNvPr id="2" name="Title 1">
             <a:extLst>
               <a:ext uri="{FF2B5EF4-FFF2-40B4-BE49-F238E27FC236}">
-                <a16:creationId xmlns:a16="http://schemas.microsoft.com/office/drawing/2014/main" id="{6C07DC67-B9FD-45A3-8CA1-0BF8B57F2247}"/>
+                <a16:creationId xmlns:a16="http://schemas.microsoft.com/office/drawing/2014/main" id="{12AA5096-EC40-4FE4-9DE8-C7442AB4EF7C}"/>
               </a:ext>
             </a:extLst>
           </p:cNvPr>
@@ -9249,7 +10146,14 @@
           <a:p>
             <a:r>
               <a:rPr lang="en-US" dirty="0"/>
-              <a:t>Next Steps</a:t>
+              <a:t>Traffic Crashes – Data Mining</a:t>
+            </a:r>
+            <a:br>
+              <a:rPr lang="en-US" dirty="0"/>
+            </a:br>
+            <a:r>
+              <a:rPr lang="en-US" dirty="0"/>
+              <a:t>Association Analysis</a:t>
             </a:r>
           </a:p>
         </p:txBody>
@@ -9259,7 +10163,7 @@
           <p:cNvPr id="3" name="Content Placeholder 2">
             <a:extLst>
               <a:ext uri="{FF2B5EF4-FFF2-40B4-BE49-F238E27FC236}">
-                <a16:creationId xmlns:a16="http://schemas.microsoft.com/office/drawing/2014/main" id="{ADBBD394-39AF-43C7-ACF6-06055C5971F4}"/>
+                <a16:creationId xmlns:a16="http://schemas.microsoft.com/office/drawing/2014/main" id="{D2404599-D483-4FFB-8B69-991CC567A8E1}"/>
               </a:ext>
             </a:extLst>
           </p:cNvPr>
@@ -9272,20 +10176,1377 @@
         </p:nvSpPr>
         <p:spPr/>
         <p:txBody>
-          <a:bodyPr/>
-          <a:lstStyle/>
-          <a:p>
-            <a:r>
-              <a:rPr lang="en-US" dirty="0"/>
-              <a:t>Apply a similar algorithm to Fall/Winter/Spring Crashes</a:t>
-            </a:r>
+          <a:bodyPr>
+            <a:normAutofit/>
+          </a:bodyPr>
+          <a:lstStyle/>
+          <a:p>
+            <a:r>
+              <a:rPr lang="en-US" dirty="0"/>
+              <a:t>Considering our problem statement we were curious as to see what interesting rules were generated to lead to fatalities	</a:t>
+            </a:r>
+          </a:p>
+          <a:p>
+            <a:pPr lvl="1"/>
+            <a:r>
+              <a:rPr lang="en-US" dirty="0"/>
+              <a:t>Achieved by using Weka</a:t>
+            </a:r>
+          </a:p>
+          <a:p>
+            <a:r>
+              <a:rPr lang="en-US" dirty="0"/>
+              <a:t>Initial data made it difficult to find interesting rules to our problem</a:t>
+            </a:r>
+          </a:p>
+          <a:p>
+            <a:pPr lvl="1"/>
+            <a:r>
+              <a:rPr lang="en-US" dirty="0"/>
+              <a:t>Rules were found to be infrequent</a:t>
+            </a:r>
+          </a:p>
+          <a:p>
+            <a:pPr lvl="2"/>
+            <a:r>
+              <a:rPr lang="en-US" dirty="0"/>
+              <a:t>Never showed up despite increasing number of rules to generate and the lower bound</a:t>
+            </a:r>
+          </a:p>
+          <a:p>
+            <a:pPr lvl="1"/>
+            <a:r>
+              <a:rPr lang="en-US" dirty="0"/>
+              <a:t>Oversampling helped immensely</a:t>
+            </a:r>
+          </a:p>
+          <a:p>
+            <a:pPr lvl="1"/>
+            <a:r>
+              <a:rPr lang="en-US" dirty="0"/>
+              <a:t>Consequent is </a:t>
+            </a:r>
+            <a:r>
+              <a:rPr lang="en-US" b="1" dirty="0"/>
+              <a:t>INJURY_CLASSIFICATION</a:t>
+            </a:r>
+          </a:p>
+          <a:p>
+            <a:pPr lvl="2"/>
+            <a:r>
+              <a:rPr lang="en-US" dirty="0"/>
+              <a:t>To have only one consequent, only confidence was WEKA’s output</a:t>
+            </a:r>
+          </a:p>
+          <a:p>
+            <a:r>
+              <a:rPr lang="en-US" dirty="0"/>
+              <a:t>Attempted classification with a 10 fold split on the oversampled training data</a:t>
+            </a:r>
+          </a:p>
+          <a:p>
+            <a:endParaRPr lang="en-US" dirty="0"/>
+          </a:p>
+          <a:p>
+            <a:endParaRPr lang="en-US" dirty="0"/>
+          </a:p>
+          <a:p>
+            <a:endParaRPr lang="en-US" dirty="0"/>
           </a:p>
         </p:txBody>
       </p:sp>
     </p:spTree>
     <p:extLst>
       <p:ext uri="{BB962C8B-B14F-4D97-AF65-F5344CB8AC3E}">
-        <p14:creationId xmlns:p14="http://schemas.microsoft.com/office/powerpoint/2010/main" val="2641994051"/>
+        <p14:creationId xmlns:p14="http://schemas.microsoft.com/office/powerpoint/2010/main" val="3610820468"/>
+      </p:ext>
+    </p:extLst>
+  </p:cSld>
+  <p:clrMapOvr>
+    <a:masterClrMapping/>
+  </p:clrMapOvr>
+</p:sld>
+</file>
+
+<file path=ppt/slides/slide32.xml><?xml version="1.0" encoding="utf-8"?>
+<p:sld xmlns:a="http://schemas.openxmlformats.org/drawingml/2006/main" xmlns:r="http://schemas.openxmlformats.org/officeDocument/2006/relationships" xmlns:p="http://schemas.openxmlformats.org/presentationml/2006/main">
+  <p:cSld>
+    <p:spTree>
+      <p:nvGrpSpPr>
+        <p:cNvPr id="1" name=""/>
+        <p:cNvGrpSpPr/>
+        <p:nvPr/>
+      </p:nvGrpSpPr>
+      <p:grpSpPr>
+        <a:xfrm>
+          <a:off x="0" y="0"/>
+          <a:ext cx="0" cy="0"/>
+          <a:chOff x="0" y="0"/>
+          <a:chExt cx="0" cy="0"/>
+        </a:xfrm>
+      </p:grpSpPr>
+      <p:sp>
+        <p:nvSpPr>
+          <p:cNvPr id="2" name="Title 1">
+            <a:extLst>
+              <a:ext uri="{FF2B5EF4-FFF2-40B4-BE49-F238E27FC236}">
+                <a16:creationId xmlns:a16="http://schemas.microsoft.com/office/drawing/2014/main" id="{B115359A-F1AC-47F0-B95B-F4D96FEF0496}"/>
+              </a:ext>
+            </a:extLst>
+          </p:cNvPr>
+          <p:cNvSpPr>
+            <a:spLocks noGrp="1"/>
+          </p:cNvSpPr>
+          <p:nvPr>
+            <p:ph type="title"/>
+          </p:nvPr>
+        </p:nvSpPr>
+        <p:spPr>
+          <a:xfrm>
+            <a:off x="757517" y="431448"/>
+            <a:ext cx="10515600" cy="1325563"/>
+          </a:xfrm>
+        </p:spPr>
+        <p:txBody>
+          <a:bodyPr/>
+          <a:lstStyle/>
+          <a:p>
+            <a:r>
+              <a:rPr lang="en-US" dirty="0"/>
+              <a:t>Traffic Crashes – Data Mining</a:t>
+            </a:r>
+            <a:br>
+              <a:rPr lang="en-US" dirty="0"/>
+            </a:br>
+            <a:r>
+              <a:rPr lang="en-US" dirty="0"/>
+              <a:t>A few interesting rules found…</a:t>
+            </a:r>
+          </a:p>
+        </p:txBody>
+      </p:sp>
+      <p:sp>
+        <p:nvSpPr>
+          <p:cNvPr id="3" name="Content Placeholder 2">
+            <a:extLst>
+              <a:ext uri="{FF2B5EF4-FFF2-40B4-BE49-F238E27FC236}">
+                <a16:creationId xmlns:a16="http://schemas.microsoft.com/office/drawing/2014/main" id="{3202C2F2-46AC-4071-9375-4AAECF6A0D83}"/>
+              </a:ext>
+            </a:extLst>
+          </p:cNvPr>
+          <p:cNvSpPr>
+            <a:spLocks noGrp="1"/>
+          </p:cNvSpPr>
+          <p:nvPr>
+            <p:ph idx="1"/>
+          </p:nvPr>
+        </p:nvSpPr>
+        <p:spPr>
+          <a:xfrm>
+            <a:off x="838200" y="1968649"/>
+            <a:ext cx="10515600" cy="4629598"/>
+          </a:xfrm>
+        </p:spPr>
+        <p:txBody>
+          <a:bodyPr>
+            <a:normAutofit/>
+          </a:bodyPr>
+          <a:lstStyle/>
+          <a:p>
+            <a:r>
+              <a:rPr lang="en-US" dirty="0"/>
+              <a:t>LIGHTING_CONDITION=DAYLIGHT FIRST_CRASH_TYPE=ANIMAL CRASH_TYPE=INJURY AND / OR TOW DUE TO CRASH 2 ==&gt; INJURY_CLASSIFICATION=FATAL </a:t>
+            </a:r>
+          </a:p>
+          <a:p>
+            <a:pPr lvl="1"/>
+            <a:r>
+              <a:rPr lang="en-US" sz="1800" dirty="0"/>
+              <a:t>0.33 confidence</a:t>
+            </a:r>
+          </a:p>
+          <a:p>
+            <a:pPr lvl="1"/>
+            <a:r>
+              <a:rPr lang="en-US" sz="1800" dirty="0"/>
+              <a:t>Crashing into an animal indicates is likely to be fatal</a:t>
+            </a:r>
+          </a:p>
+          <a:p>
+            <a:r>
+              <a:rPr lang="en-US" dirty="0"/>
+              <a:t>TRAFFIC_CONTROL_DEVICE=NO_CONTROLS LIGHTING_CONDITION=DARKNESS LIGHTED ROAD ROAD_DEFECT=NO DEFECTS SEX=M ==&gt; INJURY_CLASSIFICATION=FATAL</a:t>
+            </a:r>
+          </a:p>
+          <a:p>
+            <a:pPr lvl="1"/>
+            <a:r>
+              <a:rPr lang="en-US" sz="1800" dirty="0"/>
+              <a:t>0.87 confidence</a:t>
+            </a:r>
+          </a:p>
+          <a:p>
+            <a:pPr lvl="1"/>
+            <a:r>
+              <a:rPr lang="en-US" sz="1800" dirty="0"/>
+              <a:t>In a lighted non-defective road at night, males are likely to die in a crash</a:t>
+            </a:r>
+          </a:p>
+          <a:p>
+            <a:r>
+              <a:rPr lang="en-US" dirty="0"/>
+              <a:t>FIRST_CRASH_TYPE=FIXED OBJECT SEX=M DRIVER_VISION=UNKNOWN ==&gt; INJURY_CLASSIFICATION=FATAL</a:t>
+            </a:r>
+          </a:p>
+          <a:p>
+            <a:pPr lvl="1"/>
+            <a:r>
+              <a:rPr lang="en-US" sz="1800" dirty="0"/>
+              <a:t>0.85 confidence</a:t>
+            </a:r>
+          </a:p>
+          <a:p>
+            <a:pPr lvl="1"/>
+            <a:r>
+              <a:rPr lang="en-US" sz="1800" dirty="0"/>
+              <a:t>Crashing into a fixed object (</a:t>
+            </a:r>
+            <a:r>
+              <a:rPr lang="en-US" sz="1800" dirty="0" err="1"/>
+              <a:t>e.g</a:t>
+            </a:r>
+            <a:r>
+              <a:rPr lang="en-US" sz="1800" dirty="0"/>
+              <a:t>: tree) and being male means a likely death</a:t>
+            </a:r>
+          </a:p>
+        </p:txBody>
+      </p:sp>
+    </p:spTree>
+    <p:extLst>
+      <p:ext uri="{BB962C8B-B14F-4D97-AF65-F5344CB8AC3E}">
+        <p14:creationId xmlns:p14="http://schemas.microsoft.com/office/powerpoint/2010/main" val="1935454137"/>
+      </p:ext>
+    </p:extLst>
+  </p:cSld>
+  <p:clrMapOvr>
+    <a:masterClrMapping/>
+  </p:clrMapOvr>
+</p:sld>
+</file>
+
+<file path=ppt/slides/slide33.xml><?xml version="1.0" encoding="utf-8"?>
+<p:sld xmlns:a="http://schemas.openxmlformats.org/drawingml/2006/main" xmlns:r="http://schemas.openxmlformats.org/officeDocument/2006/relationships" xmlns:p="http://schemas.openxmlformats.org/presentationml/2006/main">
+  <p:cSld>
+    <p:spTree>
+      <p:nvGrpSpPr>
+        <p:cNvPr id="1" name=""/>
+        <p:cNvGrpSpPr/>
+        <p:nvPr/>
+      </p:nvGrpSpPr>
+      <p:grpSpPr>
+        <a:xfrm>
+          <a:off x="0" y="0"/>
+          <a:ext cx="0" cy="0"/>
+          <a:chOff x="0" y="0"/>
+          <a:chExt cx="0" cy="0"/>
+        </a:xfrm>
+      </p:grpSpPr>
+      <p:sp>
+        <p:nvSpPr>
+          <p:cNvPr id="3" name="Content Placeholder 2">
+            <a:extLst>
+              <a:ext uri="{FF2B5EF4-FFF2-40B4-BE49-F238E27FC236}">
+                <a16:creationId xmlns:a16="http://schemas.microsoft.com/office/drawing/2014/main" id="{41E50167-EE00-4918-8469-EE9F23599ADA}"/>
+              </a:ext>
+            </a:extLst>
+          </p:cNvPr>
+          <p:cNvSpPr>
+            <a:spLocks noGrp="1"/>
+          </p:cNvSpPr>
+          <p:nvPr>
+            <p:ph idx="1"/>
+          </p:nvPr>
+        </p:nvSpPr>
+        <p:spPr/>
+        <p:txBody>
+          <a:bodyPr/>
+          <a:lstStyle/>
+          <a:p>
+            <a:r>
+              <a:rPr lang="en-US" dirty="0"/>
+              <a:t>Our dataset already has labels and a decent number of features:</a:t>
+            </a:r>
+          </a:p>
+          <a:p>
+            <a:pPr lvl="1"/>
+            <a:r>
+              <a:rPr lang="en-US" dirty="0"/>
+              <a:t>Naïve Bayes</a:t>
+            </a:r>
+          </a:p>
+          <a:p>
+            <a:pPr lvl="2"/>
+            <a:r>
+              <a:rPr lang="en-US" dirty="0"/>
+              <a:t>High scalable</a:t>
+            </a:r>
+          </a:p>
+          <a:p>
+            <a:pPr lvl="2"/>
+            <a:r>
+              <a:rPr lang="en-US" dirty="0"/>
+              <a:t>Pretty fast!</a:t>
+            </a:r>
+          </a:p>
+          <a:p>
+            <a:pPr lvl="1"/>
+            <a:r>
+              <a:rPr lang="en-US" dirty="0"/>
+              <a:t>Decision Stump</a:t>
+            </a:r>
+          </a:p>
+          <a:p>
+            <a:pPr lvl="2"/>
+            <a:r>
+              <a:rPr lang="en-US" dirty="0"/>
+              <a:t>One level decision tree</a:t>
+            </a:r>
+          </a:p>
+          <a:p>
+            <a:pPr lvl="1"/>
+            <a:r>
+              <a:rPr lang="en-US" dirty="0"/>
+              <a:t>Random Tree (Decision tree)</a:t>
+            </a:r>
+          </a:p>
+          <a:p>
+            <a:pPr lvl="2"/>
+            <a:r>
+              <a:rPr lang="en-US" dirty="0"/>
+              <a:t>Built on a random subset of columns</a:t>
+            </a:r>
+          </a:p>
+          <a:p>
+            <a:pPr lvl="1"/>
+            <a:r>
+              <a:rPr lang="en-US" dirty="0"/>
+              <a:t>Random Forest</a:t>
+            </a:r>
+          </a:p>
+          <a:p>
+            <a:pPr lvl="2"/>
+            <a:r>
+              <a:rPr lang="en-US" dirty="0"/>
+              <a:t>Different samples of data taken to grow multiple trees where all trees vote on what the output should be (the majority vote wins)</a:t>
+            </a:r>
+          </a:p>
+          <a:p>
+            <a:pPr lvl="1"/>
+            <a:endParaRPr lang="en-US" dirty="0"/>
+          </a:p>
+          <a:p>
+            <a:endParaRPr lang="en-US" dirty="0"/>
+          </a:p>
+        </p:txBody>
+      </p:sp>
+      <p:sp>
+        <p:nvSpPr>
+          <p:cNvPr id="6" name="Title 1">
+            <a:extLst>
+              <a:ext uri="{FF2B5EF4-FFF2-40B4-BE49-F238E27FC236}">
+                <a16:creationId xmlns:a16="http://schemas.microsoft.com/office/drawing/2014/main" id="{E3525E89-5B85-41E5-8DD6-3E1BAB90324E}"/>
+              </a:ext>
+            </a:extLst>
+          </p:cNvPr>
+          <p:cNvSpPr>
+            <a:spLocks noGrp="1"/>
+          </p:cNvSpPr>
+          <p:nvPr>
+            <p:ph type="title"/>
+          </p:nvPr>
+        </p:nvSpPr>
+        <p:spPr>
+          <a:xfrm>
+            <a:off x="677334" y="609600"/>
+            <a:ext cx="8596668" cy="1320800"/>
+          </a:xfrm>
+        </p:spPr>
+        <p:txBody>
+          <a:bodyPr>
+            <a:normAutofit/>
+          </a:bodyPr>
+          <a:lstStyle/>
+          <a:p>
+            <a:r>
+              <a:rPr lang="en-US" dirty="0"/>
+              <a:t>Traffic Crashes – Data Mining</a:t>
+            </a:r>
+            <a:br>
+              <a:rPr lang="en-US" dirty="0"/>
+            </a:br>
+            <a:r>
+              <a:rPr lang="en-US" dirty="0"/>
+              <a:t>Determining Classifiers</a:t>
+            </a:r>
+          </a:p>
+        </p:txBody>
+      </p:sp>
+    </p:spTree>
+    <p:extLst>
+      <p:ext uri="{BB962C8B-B14F-4D97-AF65-F5344CB8AC3E}">
+        <p14:creationId xmlns:p14="http://schemas.microsoft.com/office/powerpoint/2010/main" val="2290214412"/>
+      </p:ext>
+    </p:extLst>
+  </p:cSld>
+  <p:clrMapOvr>
+    <a:masterClrMapping/>
+  </p:clrMapOvr>
+</p:sld>
+</file>
+
+<file path=ppt/slides/slide34.xml><?xml version="1.0" encoding="utf-8"?>
+<p:sld xmlns:a="http://schemas.openxmlformats.org/drawingml/2006/main" xmlns:r="http://schemas.openxmlformats.org/officeDocument/2006/relationships" xmlns:p="http://schemas.openxmlformats.org/presentationml/2006/main">
+  <p:cSld>
+    <p:spTree>
+      <p:nvGrpSpPr>
+        <p:cNvPr id="1" name=""/>
+        <p:cNvGrpSpPr/>
+        <p:nvPr/>
+      </p:nvGrpSpPr>
+      <p:grpSpPr>
+        <a:xfrm>
+          <a:off x="0" y="0"/>
+          <a:ext cx="0" cy="0"/>
+          <a:chOff x="0" y="0"/>
+          <a:chExt cx="0" cy="0"/>
+        </a:xfrm>
+      </p:grpSpPr>
+      <p:sp>
+        <p:nvSpPr>
+          <p:cNvPr id="2" name="Title 1">
+            <a:extLst>
+              <a:ext uri="{FF2B5EF4-FFF2-40B4-BE49-F238E27FC236}">
+                <a16:creationId xmlns:a16="http://schemas.microsoft.com/office/drawing/2014/main" id="{B002B2B7-2177-4A41-8130-45743F37A4CF}"/>
+              </a:ext>
+            </a:extLst>
+          </p:cNvPr>
+          <p:cNvSpPr>
+            <a:spLocks noGrp="1"/>
+          </p:cNvSpPr>
+          <p:nvPr>
+            <p:ph type="title"/>
+          </p:nvPr>
+        </p:nvSpPr>
+        <p:spPr>
+          <a:xfrm>
+            <a:off x="677333" y="609600"/>
+            <a:ext cx="9155155" cy="1320800"/>
+          </a:xfrm>
+        </p:spPr>
+        <p:txBody>
+          <a:bodyPr>
+            <a:normAutofit/>
+          </a:bodyPr>
+          <a:lstStyle/>
+          <a:p>
+            <a:r>
+              <a:rPr lang="en-US" dirty="0"/>
+              <a:t>Traffic Crashes – Evaluation/Interpretation</a:t>
+            </a:r>
+            <a:br>
+              <a:rPr lang="en-US" dirty="0"/>
+            </a:br>
+            <a:r>
+              <a:rPr lang="en-US" dirty="0"/>
+              <a:t>Results of Classification (Training)</a:t>
+            </a:r>
+          </a:p>
+        </p:txBody>
+      </p:sp>
+      <p:sp>
+        <p:nvSpPr>
+          <p:cNvPr id="3" name="Content Placeholder 2">
+            <a:extLst>
+              <a:ext uri="{FF2B5EF4-FFF2-40B4-BE49-F238E27FC236}">
+                <a16:creationId xmlns:a16="http://schemas.microsoft.com/office/drawing/2014/main" id="{337DDAE1-514E-4435-B5C2-D3C532AB9D01}"/>
+              </a:ext>
+            </a:extLst>
+          </p:cNvPr>
+          <p:cNvSpPr>
+            <a:spLocks noGrp="1"/>
+          </p:cNvSpPr>
+          <p:nvPr>
+            <p:ph idx="1"/>
+          </p:nvPr>
+        </p:nvSpPr>
+        <p:spPr/>
+        <p:txBody>
+          <a:bodyPr/>
+          <a:lstStyle/>
+          <a:p>
+            <a:r>
+              <a:rPr lang="en-US" dirty="0"/>
+              <a:t>Naïve Bayes</a:t>
+            </a:r>
+          </a:p>
+          <a:p>
+            <a:pPr lvl="1"/>
+            <a:r>
+              <a:rPr lang="en-US" dirty="0"/>
+              <a:t>57.3% correct classified, 42.7% incorrectly classified</a:t>
+            </a:r>
+          </a:p>
+          <a:p>
+            <a:pPr lvl="1"/>
+            <a:r>
+              <a:rPr lang="en-US" dirty="0"/>
+              <a:t>Precision = .557</a:t>
+            </a:r>
+          </a:p>
+          <a:p>
+            <a:pPr lvl="1"/>
+            <a:r>
+              <a:rPr lang="en-US" dirty="0"/>
+              <a:t>Recall = .573</a:t>
+            </a:r>
+          </a:p>
+          <a:p>
+            <a:pPr lvl="1"/>
+            <a:r>
+              <a:rPr lang="en-US" dirty="0"/>
+              <a:t>F Measure = .558</a:t>
+            </a:r>
+          </a:p>
+          <a:p>
+            <a:pPr lvl="1"/>
+            <a:r>
+              <a:rPr lang="en-US" dirty="0"/>
+              <a:t>Overall not too terrible!</a:t>
+            </a:r>
+          </a:p>
+          <a:p>
+            <a:pPr lvl="1"/>
+            <a:endParaRPr lang="en-US" dirty="0"/>
+          </a:p>
+        </p:txBody>
+      </p:sp>
+      <p:pic>
+        <p:nvPicPr>
+          <p:cNvPr id="5" name="Picture 4">
+            <a:extLst>
+              <a:ext uri="{FF2B5EF4-FFF2-40B4-BE49-F238E27FC236}">
+                <a16:creationId xmlns:a16="http://schemas.microsoft.com/office/drawing/2014/main" id="{8DFD7746-2E2A-47A7-9646-7D5812AF15AB}"/>
+              </a:ext>
+            </a:extLst>
+          </p:cNvPr>
+          <p:cNvPicPr>
+            <a:picLocks noChangeAspect="1"/>
+          </p:cNvPicPr>
+          <p:nvPr/>
+        </p:nvPicPr>
+        <p:blipFill>
+          <a:blip r:embed="rId2"/>
+          <a:stretch>
+            <a:fillRect/>
+          </a:stretch>
+        </p:blipFill>
+        <p:spPr>
+          <a:xfrm>
+            <a:off x="4771506" y="3416847"/>
+            <a:ext cx="7304116" cy="2377723"/>
+          </a:xfrm>
+          <a:prstGeom prst="rect">
+            <a:avLst/>
+          </a:prstGeom>
+        </p:spPr>
+      </p:pic>
+    </p:spTree>
+    <p:extLst>
+      <p:ext uri="{BB962C8B-B14F-4D97-AF65-F5344CB8AC3E}">
+        <p14:creationId xmlns:p14="http://schemas.microsoft.com/office/powerpoint/2010/main" val="1545934088"/>
+      </p:ext>
+    </p:extLst>
+  </p:cSld>
+  <p:clrMapOvr>
+    <a:masterClrMapping/>
+  </p:clrMapOvr>
+</p:sld>
+</file>
+
+<file path=ppt/slides/slide35.xml><?xml version="1.0" encoding="utf-8"?>
+<p:sld xmlns:a="http://schemas.openxmlformats.org/drawingml/2006/main" xmlns:r="http://schemas.openxmlformats.org/officeDocument/2006/relationships" xmlns:p="http://schemas.openxmlformats.org/presentationml/2006/main">
+  <p:cSld>
+    <p:spTree>
+      <p:nvGrpSpPr>
+        <p:cNvPr id="1" name=""/>
+        <p:cNvGrpSpPr/>
+        <p:nvPr/>
+      </p:nvGrpSpPr>
+      <p:grpSpPr>
+        <a:xfrm>
+          <a:off x="0" y="0"/>
+          <a:ext cx="0" cy="0"/>
+          <a:chOff x="0" y="0"/>
+          <a:chExt cx="0" cy="0"/>
+        </a:xfrm>
+      </p:grpSpPr>
+      <p:sp>
+        <p:nvSpPr>
+          <p:cNvPr id="3" name="Content Placeholder 2">
+            <a:extLst>
+              <a:ext uri="{FF2B5EF4-FFF2-40B4-BE49-F238E27FC236}">
+                <a16:creationId xmlns:a16="http://schemas.microsoft.com/office/drawing/2014/main" id="{2C84F94A-2B40-49EC-972C-93BC3D7714E1}"/>
+              </a:ext>
+            </a:extLst>
+          </p:cNvPr>
+          <p:cNvSpPr>
+            <a:spLocks noGrp="1"/>
+          </p:cNvSpPr>
+          <p:nvPr>
+            <p:ph idx="1"/>
+          </p:nvPr>
+        </p:nvSpPr>
+        <p:spPr/>
+        <p:txBody>
+          <a:bodyPr/>
+          <a:lstStyle/>
+          <a:p>
+            <a:r>
+              <a:rPr lang="en-US" dirty="0"/>
+              <a:t>Decision Stump</a:t>
+            </a:r>
+          </a:p>
+          <a:p>
+            <a:pPr lvl="1"/>
+            <a:r>
+              <a:rPr lang="en-US" dirty="0"/>
+              <a:t>29.2% correct classified, 70.8% incorrectly classified</a:t>
+            </a:r>
+          </a:p>
+          <a:p>
+            <a:pPr lvl="1"/>
+            <a:r>
+              <a:rPr lang="en-US" dirty="0"/>
+              <a:t>Recall = .292</a:t>
+            </a:r>
+          </a:p>
+          <a:p>
+            <a:pPr lvl="1"/>
+            <a:r>
+              <a:rPr lang="en-US" dirty="0"/>
+              <a:t>Can be improved</a:t>
+            </a:r>
+          </a:p>
+        </p:txBody>
+      </p:sp>
+      <p:pic>
+        <p:nvPicPr>
+          <p:cNvPr id="2" name="Picture 1">
+            <a:extLst>
+              <a:ext uri="{FF2B5EF4-FFF2-40B4-BE49-F238E27FC236}">
+                <a16:creationId xmlns:a16="http://schemas.microsoft.com/office/drawing/2014/main" id="{A7504D72-74B9-435D-A43B-515958D49785}"/>
+              </a:ext>
+            </a:extLst>
+          </p:cNvPr>
+          <p:cNvPicPr>
+            <a:picLocks noChangeAspect="1"/>
+          </p:cNvPicPr>
+          <p:nvPr/>
+        </p:nvPicPr>
+        <p:blipFill>
+          <a:blip r:embed="rId2"/>
+          <a:stretch>
+            <a:fillRect/>
+          </a:stretch>
+        </p:blipFill>
+        <p:spPr>
+          <a:xfrm>
+            <a:off x="3905163" y="3284565"/>
+            <a:ext cx="7984945" cy="2667348"/>
+          </a:xfrm>
+          <a:prstGeom prst="rect">
+            <a:avLst/>
+          </a:prstGeom>
+        </p:spPr>
+      </p:pic>
+      <p:sp>
+        <p:nvSpPr>
+          <p:cNvPr id="15" name="Title 1">
+            <a:extLst>
+              <a:ext uri="{FF2B5EF4-FFF2-40B4-BE49-F238E27FC236}">
+                <a16:creationId xmlns:a16="http://schemas.microsoft.com/office/drawing/2014/main" id="{80C51760-CB3B-4A8E-9210-F678211BA676}"/>
+              </a:ext>
+            </a:extLst>
+          </p:cNvPr>
+          <p:cNvSpPr>
+            <a:spLocks noGrp="1"/>
+          </p:cNvSpPr>
+          <p:nvPr>
+            <p:ph type="title"/>
+          </p:nvPr>
+        </p:nvSpPr>
+        <p:spPr>
+          <a:xfrm>
+            <a:off x="677333" y="609600"/>
+            <a:ext cx="9155155" cy="1320800"/>
+          </a:xfrm>
+        </p:spPr>
+        <p:txBody>
+          <a:bodyPr>
+            <a:normAutofit/>
+          </a:bodyPr>
+          <a:lstStyle/>
+          <a:p>
+            <a:r>
+              <a:rPr lang="en-US" dirty="0"/>
+              <a:t>Traffic Crashes – Evaluation/Interpretation</a:t>
+            </a:r>
+            <a:br>
+              <a:rPr lang="en-US" dirty="0"/>
+            </a:br>
+            <a:r>
+              <a:rPr lang="en-US" dirty="0"/>
+              <a:t>Results of Classification (Training)</a:t>
+            </a:r>
+          </a:p>
+        </p:txBody>
+      </p:sp>
+    </p:spTree>
+    <p:extLst>
+      <p:ext uri="{BB962C8B-B14F-4D97-AF65-F5344CB8AC3E}">
+        <p14:creationId xmlns:p14="http://schemas.microsoft.com/office/powerpoint/2010/main" val="932303325"/>
+      </p:ext>
+    </p:extLst>
+  </p:cSld>
+  <p:clrMapOvr>
+    <a:masterClrMapping/>
+  </p:clrMapOvr>
+</p:sld>
+</file>
+
+<file path=ppt/slides/slide36.xml><?xml version="1.0" encoding="utf-8"?>
+<p:sld xmlns:a="http://schemas.openxmlformats.org/drawingml/2006/main" xmlns:r="http://schemas.openxmlformats.org/officeDocument/2006/relationships" xmlns:p="http://schemas.openxmlformats.org/presentationml/2006/main">
+  <p:cSld>
+    <p:spTree>
+      <p:nvGrpSpPr>
+        <p:cNvPr id="1" name=""/>
+        <p:cNvGrpSpPr/>
+        <p:nvPr/>
+      </p:nvGrpSpPr>
+      <p:grpSpPr>
+        <a:xfrm>
+          <a:off x="0" y="0"/>
+          <a:ext cx="0" cy="0"/>
+          <a:chOff x="0" y="0"/>
+          <a:chExt cx="0" cy="0"/>
+        </a:xfrm>
+      </p:grpSpPr>
+      <p:sp>
+        <p:nvSpPr>
+          <p:cNvPr id="3" name="Content Placeholder 2">
+            <a:extLst>
+              <a:ext uri="{FF2B5EF4-FFF2-40B4-BE49-F238E27FC236}">
+                <a16:creationId xmlns:a16="http://schemas.microsoft.com/office/drawing/2014/main" id="{7A5A1B61-D05F-4843-821A-81A355FF1740}"/>
+              </a:ext>
+            </a:extLst>
+          </p:cNvPr>
+          <p:cNvSpPr>
+            <a:spLocks noGrp="1"/>
+          </p:cNvSpPr>
+          <p:nvPr>
+            <p:ph idx="1"/>
+          </p:nvPr>
+        </p:nvSpPr>
+        <p:spPr/>
+        <p:txBody>
+          <a:bodyPr/>
+          <a:lstStyle/>
+          <a:p>
+            <a:r>
+              <a:rPr lang="en-US" dirty="0"/>
+              <a:t>Random Tree</a:t>
+            </a:r>
+          </a:p>
+          <a:p>
+            <a:pPr lvl="1"/>
+            <a:r>
+              <a:rPr lang="en-US" dirty="0"/>
+              <a:t>96.2% correct classified, 3.8% incorrectly classified</a:t>
+            </a:r>
+          </a:p>
+          <a:p>
+            <a:pPr lvl="1"/>
+            <a:r>
+              <a:rPr lang="en-US" dirty="0"/>
+              <a:t>Precision = .964</a:t>
+            </a:r>
+          </a:p>
+          <a:p>
+            <a:pPr lvl="1"/>
+            <a:r>
+              <a:rPr lang="en-US" dirty="0"/>
+              <a:t>Recall = .962</a:t>
+            </a:r>
+          </a:p>
+          <a:p>
+            <a:pPr lvl="1"/>
+            <a:r>
+              <a:rPr lang="en-US" dirty="0"/>
+              <a:t>F Measure = .961</a:t>
+            </a:r>
+          </a:p>
+          <a:p>
+            <a:pPr lvl="1"/>
+            <a:r>
+              <a:rPr lang="en-US" dirty="0"/>
+              <a:t>Really good!</a:t>
+            </a:r>
+          </a:p>
+          <a:p>
+            <a:endParaRPr lang="en-US" dirty="0"/>
+          </a:p>
+        </p:txBody>
+      </p:sp>
+      <p:pic>
+        <p:nvPicPr>
+          <p:cNvPr id="2" name="Picture 1">
+            <a:extLst>
+              <a:ext uri="{FF2B5EF4-FFF2-40B4-BE49-F238E27FC236}">
+                <a16:creationId xmlns:a16="http://schemas.microsoft.com/office/drawing/2014/main" id="{55853F85-24B1-45F4-B33A-8466E40A5FCD}"/>
+              </a:ext>
+            </a:extLst>
+          </p:cNvPr>
+          <p:cNvPicPr>
+            <a:picLocks noChangeAspect="1"/>
+          </p:cNvPicPr>
+          <p:nvPr/>
+        </p:nvPicPr>
+        <p:blipFill>
+          <a:blip r:embed="rId2"/>
+          <a:stretch>
+            <a:fillRect/>
+          </a:stretch>
+        </p:blipFill>
+        <p:spPr>
+          <a:xfrm>
+            <a:off x="4236598" y="3429000"/>
+            <a:ext cx="7556674" cy="2513486"/>
+          </a:xfrm>
+          <a:prstGeom prst="rect">
+            <a:avLst/>
+          </a:prstGeom>
+        </p:spPr>
+      </p:pic>
+      <p:sp>
+        <p:nvSpPr>
+          <p:cNvPr id="11" name="Title 1">
+            <a:extLst>
+              <a:ext uri="{FF2B5EF4-FFF2-40B4-BE49-F238E27FC236}">
+                <a16:creationId xmlns:a16="http://schemas.microsoft.com/office/drawing/2014/main" id="{A2255914-7031-4B32-B196-CAEBE5337AC3}"/>
+              </a:ext>
+            </a:extLst>
+          </p:cNvPr>
+          <p:cNvSpPr>
+            <a:spLocks noGrp="1"/>
+          </p:cNvSpPr>
+          <p:nvPr>
+            <p:ph type="title"/>
+          </p:nvPr>
+        </p:nvSpPr>
+        <p:spPr>
+          <a:xfrm>
+            <a:off x="677333" y="609600"/>
+            <a:ext cx="9155155" cy="1320800"/>
+          </a:xfrm>
+        </p:spPr>
+        <p:txBody>
+          <a:bodyPr>
+            <a:normAutofit/>
+          </a:bodyPr>
+          <a:lstStyle/>
+          <a:p>
+            <a:r>
+              <a:rPr lang="en-US" dirty="0"/>
+              <a:t>Traffic Crashes – Evaluation/Interpretation</a:t>
+            </a:r>
+            <a:br>
+              <a:rPr lang="en-US" dirty="0"/>
+            </a:br>
+            <a:r>
+              <a:rPr lang="en-US" dirty="0"/>
+              <a:t>Results of Classification (Training)</a:t>
+            </a:r>
+          </a:p>
+        </p:txBody>
+      </p:sp>
+    </p:spTree>
+    <p:extLst>
+      <p:ext uri="{BB962C8B-B14F-4D97-AF65-F5344CB8AC3E}">
+        <p14:creationId xmlns:p14="http://schemas.microsoft.com/office/powerpoint/2010/main" val="3055294389"/>
+      </p:ext>
+    </p:extLst>
+  </p:cSld>
+  <p:clrMapOvr>
+    <a:masterClrMapping/>
+  </p:clrMapOvr>
+</p:sld>
+</file>
+
+<file path=ppt/slides/slide37.xml><?xml version="1.0" encoding="utf-8"?>
+<p:sld xmlns:a="http://schemas.openxmlformats.org/drawingml/2006/main" xmlns:r="http://schemas.openxmlformats.org/officeDocument/2006/relationships" xmlns:p="http://schemas.openxmlformats.org/presentationml/2006/main">
+  <p:cSld>
+    <p:spTree>
+      <p:nvGrpSpPr>
+        <p:cNvPr id="1" name=""/>
+        <p:cNvGrpSpPr/>
+        <p:nvPr/>
+      </p:nvGrpSpPr>
+      <p:grpSpPr>
+        <a:xfrm>
+          <a:off x="0" y="0"/>
+          <a:ext cx="0" cy="0"/>
+          <a:chOff x="0" y="0"/>
+          <a:chExt cx="0" cy="0"/>
+        </a:xfrm>
+      </p:grpSpPr>
+      <p:sp>
+        <p:nvSpPr>
+          <p:cNvPr id="3" name="Content Placeholder 2">
+            <a:extLst>
+              <a:ext uri="{FF2B5EF4-FFF2-40B4-BE49-F238E27FC236}">
+                <a16:creationId xmlns:a16="http://schemas.microsoft.com/office/drawing/2014/main" id="{D9ADE2EA-0415-443D-B9D8-7FE5B3A9A82F}"/>
+              </a:ext>
+            </a:extLst>
+          </p:cNvPr>
+          <p:cNvSpPr>
+            <a:spLocks noGrp="1"/>
+          </p:cNvSpPr>
+          <p:nvPr>
+            <p:ph idx="1"/>
+          </p:nvPr>
+        </p:nvSpPr>
+        <p:spPr/>
+        <p:txBody>
+          <a:bodyPr/>
+          <a:lstStyle/>
+          <a:p>
+            <a:r>
+              <a:rPr lang="en-US" dirty="0"/>
+              <a:t>Random Forest</a:t>
+            </a:r>
+          </a:p>
+          <a:p>
+            <a:pPr lvl="1"/>
+            <a:r>
+              <a:rPr lang="en-US" dirty="0"/>
+              <a:t>98% correct classified, 2% incorrectly classified</a:t>
+            </a:r>
+          </a:p>
+          <a:p>
+            <a:pPr lvl="1"/>
+            <a:r>
+              <a:rPr lang="en-US" dirty="0"/>
+              <a:t>Precision = . 980</a:t>
+            </a:r>
+          </a:p>
+          <a:p>
+            <a:pPr lvl="1"/>
+            <a:r>
+              <a:rPr lang="en-US" dirty="0"/>
+              <a:t>Recall = .980</a:t>
+            </a:r>
+          </a:p>
+          <a:p>
+            <a:pPr lvl="1"/>
+            <a:r>
+              <a:rPr lang="en-US" dirty="0"/>
+              <a:t>F Measure = .980</a:t>
+            </a:r>
+          </a:p>
+          <a:p>
+            <a:pPr lvl="1"/>
+            <a:r>
+              <a:rPr lang="en-US" dirty="0"/>
+              <a:t>Excellent!</a:t>
+            </a:r>
+          </a:p>
+          <a:p>
+            <a:endParaRPr lang="en-US" dirty="0"/>
+          </a:p>
+        </p:txBody>
+      </p:sp>
+      <p:pic>
+        <p:nvPicPr>
+          <p:cNvPr id="2" name="Picture 1">
+            <a:extLst>
+              <a:ext uri="{FF2B5EF4-FFF2-40B4-BE49-F238E27FC236}">
+                <a16:creationId xmlns:a16="http://schemas.microsoft.com/office/drawing/2014/main" id="{9FA38AEA-0CB2-499D-9265-BA0DDF6541A3}"/>
+              </a:ext>
+            </a:extLst>
+          </p:cNvPr>
+          <p:cNvPicPr>
+            <a:picLocks noChangeAspect="1"/>
+          </p:cNvPicPr>
+          <p:nvPr/>
+        </p:nvPicPr>
+        <p:blipFill>
+          <a:blip r:embed="rId2"/>
+          <a:stretch>
+            <a:fillRect/>
+          </a:stretch>
+        </p:blipFill>
+        <p:spPr>
+          <a:xfrm>
+            <a:off x="5532233" y="3539892"/>
+            <a:ext cx="6427853" cy="2315624"/>
+          </a:xfrm>
+          <a:prstGeom prst="rect">
+            <a:avLst/>
+          </a:prstGeom>
+        </p:spPr>
+      </p:pic>
+      <p:sp>
+        <p:nvSpPr>
+          <p:cNvPr id="7" name="Title 1">
+            <a:extLst>
+              <a:ext uri="{FF2B5EF4-FFF2-40B4-BE49-F238E27FC236}">
+                <a16:creationId xmlns:a16="http://schemas.microsoft.com/office/drawing/2014/main" id="{B1FE5CCC-DC80-4F94-8379-44A8CB8F0CB6}"/>
+              </a:ext>
+            </a:extLst>
+          </p:cNvPr>
+          <p:cNvSpPr>
+            <a:spLocks noGrp="1"/>
+          </p:cNvSpPr>
+          <p:nvPr>
+            <p:ph type="title"/>
+          </p:nvPr>
+        </p:nvSpPr>
+        <p:spPr>
+          <a:xfrm>
+            <a:off x="677333" y="609600"/>
+            <a:ext cx="9155155" cy="1320800"/>
+          </a:xfrm>
+        </p:spPr>
+        <p:txBody>
+          <a:bodyPr>
+            <a:normAutofit/>
+          </a:bodyPr>
+          <a:lstStyle/>
+          <a:p>
+            <a:r>
+              <a:rPr lang="en-US" dirty="0"/>
+              <a:t>Traffic Crashes – Evaluation/Interpretation</a:t>
+            </a:r>
+            <a:br>
+              <a:rPr lang="en-US" dirty="0"/>
+            </a:br>
+            <a:r>
+              <a:rPr lang="en-US" dirty="0"/>
+              <a:t>Results of Classification (Training)</a:t>
+            </a:r>
+          </a:p>
+        </p:txBody>
+      </p:sp>
+    </p:spTree>
+    <p:extLst>
+      <p:ext uri="{BB962C8B-B14F-4D97-AF65-F5344CB8AC3E}">
+        <p14:creationId xmlns:p14="http://schemas.microsoft.com/office/powerpoint/2010/main" val="2645786327"/>
+      </p:ext>
+    </p:extLst>
+  </p:cSld>
+  <p:clrMapOvr>
+    <a:masterClrMapping/>
+  </p:clrMapOvr>
+</p:sld>
+</file>
+
+<file path=ppt/slides/slide38.xml><?xml version="1.0" encoding="utf-8"?>
+<p:sld xmlns:a="http://schemas.openxmlformats.org/drawingml/2006/main" xmlns:r="http://schemas.openxmlformats.org/officeDocument/2006/relationships" xmlns:p="http://schemas.openxmlformats.org/presentationml/2006/main">
+  <p:cSld>
+    <p:spTree>
+      <p:nvGrpSpPr>
+        <p:cNvPr id="1" name=""/>
+        <p:cNvGrpSpPr/>
+        <p:nvPr/>
+      </p:nvGrpSpPr>
+      <p:grpSpPr>
+        <a:xfrm>
+          <a:off x="0" y="0"/>
+          <a:ext cx="0" cy="0"/>
+          <a:chOff x="0" y="0"/>
+          <a:chExt cx="0" cy="0"/>
+        </a:xfrm>
+      </p:grpSpPr>
+      <p:sp>
+        <p:nvSpPr>
+          <p:cNvPr id="3" name="Content Placeholder 2">
+            <a:extLst>
+              <a:ext uri="{FF2B5EF4-FFF2-40B4-BE49-F238E27FC236}">
+                <a16:creationId xmlns:a16="http://schemas.microsoft.com/office/drawing/2014/main" id="{14A3A84E-5C4F-4B18-B7FE-94EFB82C896E}"/>
+              </a:ext>
+            </a:extLst>
+          </p:cNvPr>
+          <p:cNvSpPr>
+            <a:spLocks noGrp="1"/>
+          </p:cNvSpPr>
+          <p:nvPr>
+            <p:ph idx="1"/>
+          </p:nvPr>
+        </p:nvSpPr>
+        <p:spPr/>
+        <p:txBody>
+          <a:bodyPr/>
+          <a:lstStyle/>
+          <a:p>
+            <a:r>
+              <a:rPr lang="en-US" dirty="0"/>
+              <a:t>We now were ready for testing</a:t>
+            </a:r>
+          </a:p>
+          <a:p>
+            <a:r>
+              <a:rPr lang="en-US" dirty="0"/>
+              <a:t>Test data taken from Summer 2017</a:t>
+            </a:r>
+          </a:p>
+          <a:p>
+            <a:r>
+              <a:rPr lang="en-US" dirty="0"/>
+              <a:t>22k Crashes, 49k People</a:t>
+            </a:r>
+          </a:p>
+          <a:p>
+            <a:r>
+              <a:rPr lang="en-US" dirty="0"/>
+              <a:t>Followed same preprocessing steps, using the same mappings</a:t>
+            </a:r>
+          </a:p>
+          <a:p>
+            <a:r>
+              <a:rPr lang="en-US" dirty="0"/>
+              <a:t>Final Test Set: 49k People and their crashes, 20 features</a:t>
+            </a:r>
+          </a:p>
+        </p:txBody>
+      </p:sp>
+      <p:sp>
+        <p:nvSpPr>
+          <p:cNvPr id="6" name="Title 1">
+            <a:extLst>
+              <a:ext uri="{FF2B5EF4-FFF2-40B4-BE49-F238E27FC236}">
+                <a16:creationId xmlns:a16="http://schemas.microsoft.com/office/drawing/2014/main" id="{F2ED0C47-D8E1-4EAD-A01E-F75F07ACC23E}"/>
+              </a:ext>
+            </a:extLst>
+          </p:cNvPr>
+          <p:cNvSpPr>
+            <a:spLocks noGrp="1"/>
+          </p:cNvSpPr>
+          <p:nvPr>
+            <p:ph type="title"/>
+          </p:nvPr>
+        </p:nvSpPr>
+        <p:spPr>
+          <a:xfrm>
+            <a:off x="677333" y="609600"/>
+            <a:ext cx="9155155" cy="1320800"/>
+          </a:xfrm>
+        </p:spPr>
+        <p:txBody>
+          <a:bodyPr>
+            <a:normAutofit/>
+          </a:bodyPr>
+          <a:lstStyle/>
+          <a:p>
+            <a:r>
+              <a:rPr lang="en-US" dirty="0"/>
+              <a:t>Traffic Crashes – Evaluation/Interpretation</a:t>
+            </a:r>
+            <a:br>
+              <a:rPr lang="en-US" dirty="0"/>
+            </a:br>
+            <a:r>
+              <a:rPr lang="en-US" dirty="0"/>
+              <a:t>Next Steps</a:t>
+            </a:r>
+          </a:p>
+        </p:txBody>
+      </p:sp>
+      <p:pic>
+        <p:nvPicPr>
+          <p:cNvPr id="7" name="Picture 6">
+            <a:extLst>
+              <a:ext uri="{FF2B5EF4-FFF2-40B4-BE49-F238E27FC236}">
+                <a16:creationId xmlns:a16="http://schemas.microsoft.com/office/drawing/2014/main" id="{C887BF2F-A8DD-4F6B-BD88-92768A951A59}"/>
+              </a:ext>
+            </a:extLst>
+          </p:cNvPr>
+          <p:cNvPicPr>
+            <a:picLocks noChangeAspect="1"/>
+          </p:cNvPicPr>
+          <p:nvPr/>
+        </p:nvPicPr>
+        <p:blipFill>
+          <a:blip r:embed="rId3"/>
+          <a:stretch>
+            <a:fillRect/>
+          </a:stretch>
+        </p:blipFill>
+        <p:spPr>
+          <a:xfrm>
+            <a:off x="995081" y="4422993"/>
+            <a:ext cx="8330005" cy="2210236"/>
+          </a:xfrm>
+          <a:prstGeom prst="rect">
+            <a:avLst/>
+          </a:prstGeom>
+        </p:spPr>
+      </p:pic>
+    </p:spTree>
+    <p:extLst>
+      <p:ext uri="{BB962C8B-B14F-4D97-AF65-F5344CB8AC3E}">
+        <p14:creationId xmlns:p14="http://schemas.microsoft.com/office/powerpoint/2010/main" val="1834744739"/>
+      </p:ext>
+    </p:extLst>
+  </p:cSld>
+  <p:clrMapOvr>
+    <a:masterClrMapping/>
+  </p:clrMapOvr>
+</p:sld>
+</file>
+
+<file path=ppt/slides/slide39.xml><?xml version="1.0" encoding="utf-8"?>
+<p:sld xmlns:a="http://schemas.openxmlformats.org/drawingml/2006/main" xmlns:r="http://schemas.openxmlformats.org/officeDocument/2006/relationships" xmlns:p="http://schemas.openxmlformats.org/presentationml/2006/main">
+  <p:cSld>
+    <p:spTree>
+      <p:nvGrpSpPr>
+        <p:cNvPr id="1" name=""/>
+        <p:cNvGrpSpPr/>
+        <p:nvPr/>
+      </p:nvGrpSpPr>
+      <p:grpSpPr>
+        <a:xfrm>
+          <a:off x="0" y="0"/>
+          <a:ext cx="0" cy="0"/>
+          <a:chOff x="0" y="0"/>
+          <a:chExt cx="0" cy="0"/>
+        </a:xfrm>
+      </p:grpSpPr>
+      <p:sp>
+        <p:nvSpPr>
+          <p:cNvPr id="2" name="Title 1">
+            <a:extLst>
+              <a:ext uri="{FF2B5EF4-FFF2-40B4-BE49-F238E27FC236}">
+                <a16:creationId xmlns:a16="http://schemas.microsoft.com/office/drawing/2014/main" id="{2EA51BCD-9814-49B7-8EDE-0AF603BA4D12}"/>
+              </a:ext>
+            </a:extLst>
+          </p:cNvPr>
+          <p:cNvSpPr>
+            <a:spLocks noGrp="1"/>
+          </p:cNvSpPr>
+          <p:nvPr>
+            <p:ph type="title"/>
+          </p:nvPr>
+        </p:nvSpPr>
+        <p:spPr/>
+        <p:txBody>
+          <a:bodyPr/>
+          <a:lstStyle/>
+          <a:p>
+            <a:r>
+              <a:rPr lang="en-US" dirty="0"/>
+              <a:t>Naïve Bayes</a:t>
+            </a:r>
+          </a:p>
+        </p:txBody>
+      </p:sp>
+      <p:sp>
+        <p:nvSpPr>
+          <p:cNvPr id="3" name="Content Placeholder 2">
+            <a:extLst>
+              <a:ext uri="{FF2B5EF4-FFF2-40B4-BE49-F238E27FC236}">
+                <a16:creationId xmlns:a16="http://schemas.microsoft.com/office/drawing/2014/main" id="{F1AFAB6B-A0AE-426A-A0CB-F7E3FEEA95E8}"/>
+              </a:ext>
+            </a:extLst>
+          </p:cNvPr>
+          <p:cNvSpPr>
+            <a:spLocks noGrp="1"/>
+          </p:cNvSpPr>
+          <p:nvPr>
+            <p:ph idx="1"/>
+          </p:nvPr>
+        </p:nvSpPr>
+        <p:spPr/>
+        <p:txBody>
+          <a:bodyPr/>
+          <a:lstStyle/>
+          <a:p>
+            <a:pPr lvl="1"/>
+            <a:r>
+              <a:rPr lang="en-US" dirty="0"/>
+              <a:t>51.1% correct classified, 48.9% incorrectly classified</a:t>
+            </a:r>
+          </a:p>
+          <a:p>
+            <a:pPr lvl="1"/>
+            <a:r>
+              <a:rPr lang="en-US" dirty="0"/>
+              <a:t>Precision = .911 </a:t>
+            </a:r>
+          </a:p>
+          <a:p>
+            <a:pPr lvl="1"/>
+            <a:r>
+              <a:rPr lang="en-US" dirty="0"/>
+              <a:t>Recall = .512</a:t>
+            </a:r>
+          </a:p>
+          <a:p>
+            <a:pPr lvl="1"/>
+            <a:r>
+              <a:rPr lang="en-US" dirty="0"/>
+              <a:t>F Measure = .640</a:t>
+            </a:r>
+          </a:p>
+          <a:p>
+            <a:endParaRPr lang="en-US" dirty="0"/>
+          </a:p>
+        </p:txBody>
+      </p:sp>
+      <p:pic>
+        <p:nvPicPr>
+          <p:cNvPr id="4" name="Picture 3">
+            <a:extLst>
+              <a:ext uri="{FF2B5EF4-FFF2-40B4-BE49-F238E27FC236}">
+                <a16:creationId xmlns:a16="http://schemas.microsoft.com/office/drawing/2014/main" id="{06F427BC-8DFA-4320-A43E-4DC7096E090A}"/>
+              </a:ext>
+            </a:extLst>
+          </p:cNvPr>
+          <p:cNvPicPr>
+            <a:picLocks noChangeAspect="1"/>
+          </p:cNvPicPr>
+          <p:nvPr/>
+        </p:nvPicPr>
+        <p:blipFill>
+          <a:blip r:embed="rId2"/>
+          <a:stretch>
+            <a:fillRect/>
+          </a:stretch>
+        </p:blipFill>
+        <p:spPr>
+          <a:xfrm>
+            <a:off x="4180695" y="2983918"/>
+            <a:ext cx="7607987" cy="2552357"/>
+          </a:xfrm>
+          <a:prstGeom prst="rect">
+            <a:avLst/>
+          </a:prstGeom>
+        </p:spPr>
+      </p:pic>
+    </p:spTree>
+    <p:extLst>
+      <p:ext uri="{BB962C8B-B14F-4D97-AF65-F5344CB8AC3E}">
+        <p14:creationId xmlns:p14="http://schemas.microsoft.com/office/powerpoint/2010/main" val="283337453"/>
       </p:ext>
     </p:extLst>
   </p:cSld>
@@ -9421,10 +11682,203 @@
       </p:sp>
       <p:pic>
         <p:nvPicPr>
+          <p:cNvPr id="6" name="Picture 5">
+            <a:extLst>
+              <a:ext uri="{FF2B5EF4-FFF2-40B4-BE49-F238E27FC236}">
+                <a16:creationId xmlns:a16="http://schemas.microsoft.com/office/drawing/2014/main" id="{80CCADE5-DFEA-4E1E-8E25-18194F8B477C}"/>
+              </a:ext>
+            </a:extLst>
+          </p:cNvPr>
+          <p:cNvPicPr>
+            <a:picLocks noChangeAspect="1"/>
+          </p:cNvPicPr>
+          <p:nvPr/>
+        </p:nvPicPr>
+        <p:blipFill>
+          <a:blip r:embed="rId2">
+            <a:clrChange>
+              <a:clrFrom>
+                <a:srgbClr val="F8F8F8"/>
+              </a:clrFrom>
+              <a:clrTo>
+                <a:srgbClr val="F8F8F8">
+                  <a:alpha val="0"/>
+                </a:srgbClr>
+              </a:clrTo>
+            </a:clrChange>
+          </a:blip>
+          <a:stretch>
+            <a:fillRect/>
+          </a:stretch>
+        </p:blipFill>
+        <p:spPr>
+          <a:xfrm>
+            <a:off x="3490912" y="4460143"/>
+            <a:ext cx="4931381" cy="2307370"/>
+          </a:xfrm>
+          <a:prstGeom prst="rect">
+            <a:avLst/>
+          </a:prstGeom>
+        </p:spPr>
+      </p:pic>
+      <p:pic>
+        <p:nvPicPr>
+          <p:cNvPr id="7" name="Picture 6">
+            <a:extLst>
+              <a:ext uri="{FF2B5EF4-FFF2-40B4-BE49-F238E27FC236}">
+                <a16:creationId xmlns:a16="http://schemas.microsoft.com/office/drawing/2014/main" id="{36F43D06-6AA3-4AA9-BB3C-73E75F928F33}"/>
+              </a:ext>
+            </a:extLst>
+          </p:cNvPr>
+          <p:cNvPicPr>
+            <a:picLocks noChangeAspect="1"/>
+          </p:cNvPicPr>
+          <p:nvPr/>
+        </p:nvPicPr>
+        <p:blipFill>
+          <a:blip r:embed="rId3">
+            <a:clrChange>
+              <a:clrFrom>
+                <a:srgbClr val="F8F8F8"/>
+              </a:clrFrom>
+              <a:clrTo>
+                <a:srgbClr val="F8F8F8">
+                  <a:alpha val="0"/>
+                </a:srgbClr>
+              </a:clrTo>
+            </a:clrChange>
+          </a:blip>
+          <a:stretch>
+            <a:fillRect/>
+          </a:stretch>
+        </p:blipFill>
+        <p:spPr>
+          <a:xfrm>
+            <a:off x="960203" y="4450132"/>
+            <a:ext cx="2530709" cy="2317381"/>
+          </a:xfrm>
+          <a:prstGeom prst="rect">
+            <a:avLst/>
+          </a:prstGeom>
+        </p:spPr>
+      </p:pic>
+    </p:spTree>
+    <p:extLst>
+      <p:ext uri="{BB962C8B-B14F-4D97-AF65-F5344CB8AC3E}">
+        <p14:creationId xmlns:p14="http://schemas.microsoft.com/office/powerpoint/2010/main" val="3718197117"/>
+      </p:ext>
+    </p:extLst>
+  </p:cSld>
+  <p:clrMapOvr>
+    <a:masterClrMapping/>
+  </p:clrMapOvr>
+</p:sld>
+</file>
+
+<file path=ppt/slides/slide40.xml><?xml version="1.0" encoding="utf-8"?>
+<p:sld xmlns:a="http://schemas.openxmlformats.org/drawingml/2006/main" xmlns:r="http://schemas.openxmlformats.org/officeDocument/2006/relationships" xmlns:p="http://schemas.openxmlformats.org/presentationml/2006/main">
+  <p:cSld>
+    <p:spTree>
+      <p:nvGrpSpPr>
+        <p:cNvPr id="1" name=""/>
+        <p:cNvGrpSpPr/>
+        <p:nvPr/>
+      </p:nvGrpSpPr>
+      <p:grpSpPr>
+        <a:xfrm>
+          <a:off x="0" y="0"/>
+          <a:ext cx="0" cy="0"/>
+          <a:chOff x="0" y="0"/>
+          <a:chExt cx="0" cy="0"/>
+        </a:xfrm>
+      </p:grpSpPr>
+      <p:sp>
+        <p:nvSpPr>
+          <p:cNvPr id="2" name="Title 1">
+            <a:extLst>
+              <a:ext uri="{FF2B5EF4-FFF2-40B4-BE49-F238E27FC236}">
+                <a16:creationId xmlns:a16="http://schemas.microsoft.com/office/drawing/2014/main" id="{EEC0BFB7-2A8E-40B2-91C8-D1AA77EE33B5}"/>
+              </a:ext>
+            </a:extLst>
+          </p:cNvPr>
+          <p:cNvSpPr>
+            <a:spLocks noGrp="1"/>
+          </p:cNvSpPr>
+          <p:nvPr>
+            <p:ph type="title"/>
+          </p:nvPr>
+        </p:nvSpPr>
+        <p:spPr/>
+        <p:txBody>
+          <a:bodyPr/>
+          <a:lstStyle/>
+          <a:p>
+            <a:r>
+              <a:rPr lang="en-US" dirty="0"/>
+              <a:t>Random Tree</a:t>
+            </a:r>
+          </a:p>
+        </p:txBody>
+      </p:sp>
+      <p:sp>
+        <p:nvSpPr>
+          <p:cNvPr id="3" name="Content Placeholder 2">
+            <a:extLst>
+              <a:ext uri="{FF2B5EF4-FFF2-40B4-BE49-F238E27FC236}">
+                <a16:creationId xmlns:a16="http://schemas.microsoft.com/office/drawing/2014/main" id="{DD7D4540-752E-42D7-8B67-E3C83618E10B}"/>
+              </a:ext>
+            </a:extLst>
+          </p:cNvPr>
+          <p:cNvSpPr>
+            <a:spLocks noGrp="1"/>
+          </p:cNvSpPr>
+          <p:nvPr>
+            <p:ph idx="1"/>
+          </p:nvPr>
+        </p:nvSpPr>
+        <p:spPr/>
+        <p:txBody>
+          <a:bodyPr/>
+          <a:lstStyle/>
+          <a:p>
+            <a:pPr lvl="1"/>
+            <a:r>
+              <a:rPr lang="en-US" dirty="0"/>
+              <a:t>78.7% correct classified, 21.3% incorrectly classified</a:t>
+            </a:r>
+          </a:p>
+          <a:p>
+            <a:pPr lvl="1"/>
+            <a:r>
+              <a:rPr lang="en-US" dirty="0"/>
+              <a:t>Precision = .876</a:t>
+            </a:r>
+          </a:p>
+          <a:p>
+            <a:pPr lvl="1"/>
+            <a:r>
+              <a:rPr lang="en-US" dirty="0"/>
+              <a:t>Recall = .787</a:t>
+            </a:r>
+          </a:p>
+          <a:p>
+            <a:pPr lvl="1"/>
+            <a:r>
+              <a:rPr lang="en-US" dirty="0"/>
+              <a:t>F Measure = .828</a:t>
+            </a:r>
+          </a:p>
+          <a:p>
+            <a:endParaRPr lang="en-US" dirty="0"/>
+          </a:p>
+        </p:txBody>
+      </p:sp>
+      <p:pic>
+        <p:nvPicPr>
           <p:cNvPr id="4" name="Picture 3">
             <a:extLst>
               <a:ext uri="{FF2B5EF4-FFF2-40B4-BE49-F238E27FC236}">
-                <a16:creationId xmlns:a16="http://schemas.microsoft.com/office/drawing/2014/main" id="{4C320119-D0E9-4C44-A1BD-5D327D8D0FFA}"/>
+                <a16:creationId xmlns:a16="http://schemas.microsoft.com/office/drawing/2014/main" id="{73FC919A-5644-4402-935C-BA8705F86635}"/>
               </a:ext>
             </a:extLst>
           </p:cNvPr>
@@ -9441,20 +11895,117 @@
         </p:blipFill>
         <p:spPr>
           <a:xfrm>
-            <a:off x="3490912" y="4460143"/>
-            <a:ext cx="4931381" cy="2307370"/>
+            <a:off x="4154457" y="3137188"/>
+            <a:ext cx="7847333" cy="2748222"/>
           </a:xfrm>
           <a:prstGeom prst="rect">
             <a:avLst/>
           </a:prstGeom>
         </p:spPr>
       </p:pic>
+    </p:spTree>
+    <p:extLst>
+      <p:ext uri="{BB962C8B-B14F-4D97-AF65-F5344CB8AC3E}">
+        <p14:creationId xmlns:p14="http://schemas.microsoft.com/office/powerpoint/2010/main" val="2723678165"/>
+      </p:ext>
+    </p:extLst>
+  </p:cSld>
+  <p:clrMapOvr>
+    <a:masterClrMapping/>
+  </p:clrMapOvr>
+</p:sld>
+</file>
+
+<file path=ppt/slides/slide41.xml><?xml version="1.0" encoding="utf-8"?>
+<p:sld xmlns:a="http://schemas.openxmlformats.org/drawingml/2006/main" xmlns:r="http://schemas.openxmlformats.org/officeDocument/2006/relationships" xmlns:p="http://schemas.openxmlformats.org/presentationml/2006/main">
+  <p:cSld>
+    <p:spTree>
+      <p:nvGrpSpPr>
+        <p:cNvPr id="1" name=""/>
+        <p:cNvGrpSpPr/>
+        <p:nvPr/>
+      </p:nvGrpSpPr>
+      <p:grpSpPr>
+        <a:xfrm>
+          <a:off x="0" y="0"/>
+          <a:ext cx="0" cy="0"/>
+          <a:chOff x="0" y="0"/>
+          <a:chExt cx="0" cy="0"/>
+        </a:xfrm>
+      </p:grpSpPr>
+      <p:sp>
+        <p:nvSpPr>
+          <p:cNvPr id="2" name="Title 1">
+            <a:extLst>
+              <a:ext uri="{FF2B5EF4-FFF2-40B4-BE49-F238E27FC236}">
+                <a16:creationId xmlns:a16="http://schemas.microsoft.com/office/drawing/2014/main" id="{E10FA47F-27B1-466C-9EF3-61339A233E53}"/>
+              </a:ext>
+            </a:extLst>
+          </p:cNvPr>
+          <p:cNvSpPr>
+            <a:spLocks noGrp="1"/>
+          </p:cNvSpPr>
+          <p:nvPr>
+            <p:ph type="title"/>
+          </p:nvPr>
+        </p:nvSpPr>
+        <p:spPr/>
+        <p:txBody>
+          <a:bodyPr/>
+          <a:lstStyle/>
+          <a:p>
+            <a:r>
+              <a:rPr lang="en-US" dirty="0"/>
+              <a:t>Decision Stump</a:t>
+            </a:r>
+          </a:p>
+        </p:txBody>
+      </p:sp>
+      <p:sp>
+        <p:nvSpPr>
+          <p:cNvPr id="3" name="Content Placeholder 2">
+            <a:extLst>
+              <a:ext uri="{FF2B5EF4-FFF2-40B4-BE49-F238E27FC236}">
+                <a16:creationId xmlns:a16="http://schemas.microsoft.com/office/drawing/2014/main" id="{99F2473E-5D1B-440B-8088-C3FCA5C74956}"/>
+              </a:ext>
+            </a:extLst>
+          </p:cNvPr>
+          <p:cNvSpPr>
+            <a:spLocks noGrp="1"/>
+          </p:cNvSpPr>
+          <p:nvPr>
+            <p:ph idx="1"/>
+          </p:nvPr>
+        </p:nvSpPr>
+        <p:spPr/>
+        <p:txBody>
+          <a:bodyPr/>
+          <a:lstStyle/>
+          <a:p>
+            <a:pPr lvl="1"/>
+            <a:r>
+              <a:rPr lang="en-US" dirty="0"/>
+              <a:t>77.1% correct classified, 22.9% incorrectly classified</a:t>
+            </a:r>
+          </a:p>
+          <a:p>
+            <a:pPr lvl="1"/>
+            <a:r>
+              <a:rPr lang="en-US" dirty="0"/>
+              <a:t>Recall = .771</a:t>
+            </a:r>
+          </a:p>
+          <a:p>
+            <a:endParaRPr lang="en-US" dirty="0"/>
+          </a:p>
+        </p:txBody>
+      </p:sp>
       <p:pic>
         <p:nvPicPr>
-          <p:cNvPr id="5" name="Picture 4">
+          <p:cNvPr id="4" name="Picture 3">
             <a:extLst>
               <a:ext uri="{FF2B5EF4-FFF2-40B4-BE49-F238E27FC236}">
-                <a16:creationId xmlns:a16="http://schemas.microsoft.com/office/drawing/2014/main" id="{3032A925-DD3C-4B64-A657-F94F37F52A9F}"/>
+                <a16:creationId xmlns:a16="http://schemas.microsoft.com/office/drawing/2014/main" id="{DB3AE3C3-C0D4-48E3-AF6D-810D2B3521AC}"/>
               </a:ext>
             </a:extLst>
           </p:cNvPr>
@@ -9464,15 +12015,15 @@
           <p:nvPr/>
         </p:nvPicPr>
         <p:blipFill>
-          <a:blip r:embed="rId3"/>
+          <a:blip r:embed="rId2"/>
           <a:stretch>
             <a:fillRect/>
           </a:stretch>
         </p:blipFill>
         <p:spPr>
           <a:xfrm>
-            <a:off x="907816" y="4460143"/>
-            <a:ext cx="2530709" cy="2317381"/>
+            <a:off x="4307004" y="3429000"/>
+            <a:ext cx="7265884" cy="2401305"/>
           </a:xfrm>
           <a:prstGeom prst="rect">
             <a:avLst/>
@@ -9482,7 +12033,378 @@
     </p:spTree>
     <p:extLst>
       <p:ext uri="{BB962C8B-B14F-4D97-AF65-F5344CB8AC3E}">
-        <p14:creationId xmlns:p14="http://schemas.microsoft.com/office/powerpoint/2010/main" val="3718197117"/>
+        <p14:creationId xmlns:p14="http://schemas.microsoft.com/office/powerpoint/2010/main" val="918238741"/>
+      </p:ext>
+    </p:extLst>
+  </p:cSld>
+  <p:clrMapOvr>
+    <a:masterClrMapping/>
+  </p:clrMapOvr>
+</p:sld>
+</file>
+
+<file path=ppt/slides/slide42.xml><?xml version="1.0" encoding="utf-8"?>
+<p:sld xmlns:a="http://schemas.openxmlformats.org/drawingml/2006/main" xmlns:r="http://schemas.openxmlformats.org/officeDocument/2006/relationships" xmlns:p="http://schemas.openxmlformats.org/presentationml/2006/main">
+  <p:cSld>
+    <p:spTree>
+      <p:nvGrpSpPr>
+        <p:cNvPr id="1" name=""/>
+        <p:cNvGrpSpPr/>
+        <p:nvPr/>
+      </p:nvGrpSpPr>
+      <p:grpSpPr>
+        <a:xfrm>
+          <a:off x="0" y="0"/>
+          <a:ext cx="0" cy="0"/>
+          <a:chOff x="0" y="0"/>
+          <a:chExt cx="0" cy="0"/>
+        </a:xfrm>
+      </p:grpSpPr>
+      <p:sp>
+        <p:nvSpPr>
+          <p:cNvPr id="2" name="Title 1">
+            <a:extLst>
+              <a:ext uri="{FF2B5EF4-FFF2-40B4-BE49-F238E27FC236}">
+                <a16:creationId xmlns:a16="http://schemas.microsoft.com/office/drawing/2014/main" id="{A6AFD214-47DA-4272-9735-43B11E7836BF}"/>
+              </a:ext>
+            </a:extLst>
+          </p:cNvPr>
+          <p:cNvSpPr>
+            <a:spLocks noGrp="1"/>
+          </p:cNvSpPr>
+          <p:nvPr>
+            <p:ph type="title"/>
+          </p:nvPr>
+        </p:nvSpPr>
+        <p:spPr/>
+        <p:txBody>
+          <a:bodyPr/>
+          <a:lstStyle/>
+          <a:p>
+            <a:r>
+              <a:rPr lang="en-US" dirty="0"/>
+              <a:t>Random Forest</a:t>
+            </a:r>
+          </a:p>
+        </p:txBody>
+      </p:sp>
+      <p:sp>
+        <p:nvSpPr>
+          <p:cNvPr id="3" name="Content Placeholder 2">
+            <a:extLst>
+              <a:ext uri="{FF2B5EF4-FFF2-40B4-BE49-F238E27FC236}">
+                <a16:creationId xmlns:a16="http://schemas.microsoft.com/office/drawing/2014/main" id="{329B9DD7-582A-4AB7-AF41-A90828546B93}"/>
+              </a:ext>
+            </a:extLst>
+          </p:cNvPr>
+          <p:cNvSpPr>
+            <a:spLocks noGrp="1"/>
+          </p:cNvSpPr>
+          <p:nvPr>
+            <p:ph idx="1"/>
+          </p:nvPr>
+        </p:nvSpPr>
+        <p:spPr/>
+        <p:txBody>
+          <a:bodyPr/>
+          <a:lstStyle/>
+          <a:p>
+            <a:pPr lvl="1"/>
+            <a:r>
+              <a:rPr lang="en-US" dirty="0"/>
+              <a:t>88% correct classified, 12% incorrectly classified</a:t>
+            </a:r>
+          </a:p>
+          <a:p>
+            <a:pPr lvl="1"/>
+            <a:r>
+              <a:rPr lang="en-US" dirty="0"/>
+              <a:t>Precision = .877</a:t>
+            </a:r>
+          </a:p>
+          <a:p>
+            <a:pPr lvl="1"/>
+            <a:r>
+              <a:rPr lang="en-US" dirty="0"/>
+              <a:t>Recall = .880</a:t>
+            </a:r>
+          </a:p>
+          <a:p>
+            <a:pPr lvl="1"/>
+            <a:r>
+              <a:rPr lang="en-US" dirty="0"/>
+              <a:t>F Measure = .879</a:t>
+            </a:r>
+          </a:p>
+          <a:p>
+            <a:endParaRPr lang="en-US" dirty="0"/>
+          </a:p>
+        </p:txBody>
+      </p:sp>
+      <p:pic>
+        <p:nvPicPr>
+          <p:cNvPr id="4" name="Picture 3">
+            <a:extLst>
+              <a:ext uri="{FF2B5EF4-FFF2-40B4-BE49-F238E27FC236}">
+                <a16:creationId xmlns:a16="http://schemas.microsoft.com/office/drawing/2014/main" id="{5EB47477-AA4E-4215-91C6-27EDA331700F}"/>
+              </a:ext>
+            </a:extLst>
+          </p:cNvPr>
+          <p:cNvPicPr>
+            <a:picLocks noChangeAspect="1"/>
+          </p:cNvPicPr>
+          <p:nvPr/>
+        </p:nvPicPr>
+        <p:blipFill>
+          <a:blip r:embed="rId2"/>
+          <a:stretch>
+            <a:fillRect/>
+          </a:stretch>
+        </p:blipFill>
+        <p:spPr>
+          <a:xfrm>
+            <a:off x="3947853" y="3203690"/>
+            <a:ext cx="7814222" cy="2748222"/>
+          </a:xfrm>
+          <a:prstGeom prst="rect">
+            <a:avLst/>
+          </a:prstGeom>
+        </p:spPr>
+      </p:pic>
+    </p:spTree>
+    <p:extLst>
+      <p:ext uri="{BB962C8B-B14F-4D97-AF65-F5344CB8AC3E}">
+        <p14:creationId xmlns:p14="http://schemas.microsoft.com/office/powerpoint/2010/main" val="3991473381"/>
+      </p:ext>
+    </p:extLst>
+  </p:cSld>
+  <p:clrMapOvr>
+    <a:masterClrMapping/>
+  </p:clrMapOvr>
+</p:sld>
+</file>
+
+<file path=ppt/slides/slide43.xml><?xml version="1.0" encoding="utf-8"?>
+<p:sld xmlns:a="http://schemas.openxmlformats.org/drawingml/2006/main" xmlns:r="http://schemas.openxmlformats.org/officeDocument/2006/relationships" xmlns:p="http://schemas.openxmlformats.org/presentationml/2006/main">
+  <p:cSld>
+    <p:spTree>
+      <p:nvGrpSpPr>
+        <p:cNvPr id="1" name=""/>
+        <p:cNvGrpSpPr/>
+        <p:nvPr/>
+      </p:nvGrpSpPr>
+      <p:grpSpPr>
+        <a:xfrm>
+          <a:off x="0" y="0"/>
+          <a:ext cx="0" cy="0"/>
+          <a:chOff x="0" y="0"/>
+          <a:chExt cx="0" cy="0"/>
+        </a:xfrm>
+      </p:grpSpPr>
+      <p:sp>
+        <p:nvSpPr>
+          <p:cNvPr id="2" name="Title 1">
+            <a:extLst>
+              <a:ext uri="{FF2B5EF4-FFF2-40B4-BE49-F238E27FC236}">
+                <a16:creationId xmlns:a16="http://schemas.microsoft.com/office/drawing/2014/main" id="{6C07DC67-B9FD-45A3-8CA1-0BF8B57F2247}"/>
+              </a:ext>
+            </a:extLst>
+          </p:cNvPr>
+          <p:cNvSpPr>
+            <a:spLocks noGrp="1"/>
+          </p:cNvSpPr>
+          <p:nvPr>
+            <p:ph type="title"/>
+          </p:nvPr>
+        </p:nvSpPr>
+        <p:spPr/>
+        <p:txBody>
+          <a:bodyPr/>
+          <a:lstStyle/>
+          <a:p>
+            <a:r>
+              <a:rPr lang="en-US" dirty="0"/>
+              <a:t>Summary/Next Steps</a:t>
+            </a:r>
+          </a:p>
+        </p:txBody>
+      </p:sp>
+      <p:sp>
+        <p:nvSpPr>
+          <p:cNvPr id="3" name="Content Placeholder 2">
+            <a:extLst>
+              <a:ext uri="{FF2B5EF4-FFF2-40B4-BE49-F238E27FC236}">
+                <a16:creationId xmlns:a16="http://schemas.microsoft.com/office/drawing/2014/main" id="{ADBBD394-39AF-43C7-ACF6-06055C5971F4}"/>
+              </a:ext>
+            </a:extLst>
+          </p:cNvPr>
+          <p:cNvSpPr>
+            <a:spLocks noGrp="1"/>
+          </p:cNvSpPr>
+          <p:nvPr>
+            <p:ph idx="1"/>
+          </p:nvPr>
+        </p:nvSpPr>
+        <p:spPr/>
+        <p:txBody>
+          <a:bodyPr/>
+          <a:lstStyle/>
+          <a:p>
+            <a:r>
+              <a:rPr lang="en-US" dirty="0"/>
+              <a:t>Results were very interesting and not what we initially thought</a:t>
+            </a:r>
+          </a:p>
+          <a:p>
+            <a:pPr lvl="1"/>
+            <a:r>
+              <a:rPr lang="en-US" dirty="0"/>
+              <a:t>Alcohol rarely popped up in generated rules</a:t>
+            </a:r>
+          </a:p>
+          <a:p>
+            <a:pPr lvl="1"/>
+            <a:r>
+              <a:rPr lang="en-US" dirty="0"/>
+              <a:t>Likewise with texting</a:t>
+            </a:r>
+          </a:p>
+          <a:p>
+            <a:pPr lvl="1"/>
+            <a:r>
+              <a:rPr lang="en-US" dirty="0"/>
+              <a:t>Possible explanation: not as frequent as normal crashes</a:t>
+            </a:r>
+          </a:p>
+          <a:p>
+            <a:endParaRPr lang="en-US" dirty="0"/>
+          </a:p>
+          <a:p>
+            <a:r>
+              <a:rPr lang="en-US" dirty="0"/>
+              <a:t>Next Steps:</a:t>
+            </a:r>
+          </a:p>
+          <a:p>
+            <a:pPr lvl="1"/>
+            <a:r>
+              <a:rPr lang="en-US" dirty="0"/>
+              <a:t>Apply a similar algorithm to Fall/Winter/Spring Crashes</a:t>
+            </a:r>
+          </a:p>
+          <a:p>
+            <a:pPr lvl="1"/>
+            <a:r>
+              <a:rPr lang="en-US" dirty="0"/>
+              <a:t>Research more training data, from other counties/cities</a:t>
+            </a:r>
+          </a:p>
+          <a:p>
+            <a:pPr lvl="1"/>
+            <a:endParaRPr lang="en-US" dirty="0"/>
+          </a:p>
+        </p:txBody>
+      </p:sp>
+    </p:spTree>
+    <p:extLst>
+      <p:ext uri="{BB962C8B-B14F-4D97-AF65-F5344CB8AC3E}">
+        <p14:creationId xmlns:p14="http://schemas.microsoft.com/office/powerpoint/2010/main" val="2641994051"/>
+      </p:ext>
+    </p:extLst>
+  </p:cSld>
+  <p:clrMapOvr>
+    <a:masterClrMapping/>
+  </p:clrMapOvr>
+</p:sld>
+</file>
+
+<file path=ppt/slides/slide44.xml><?xml version="1.0" encoding="utf-8"?>
+<p:sld xmlns:a="http://schemas.openxmlformats.org/drawingml/2006/main" xmlns:r="http://schemas.openxmlformats.org/officeDocument/2006/relationships" xmlns:p="http://schemas.openxmlformats.org/presentationml/2006/main">
+  <p:cSld>
+    <p:spTree>
+      <p:nvGrpSpPr>
+        <p:cNvPr id="1" name=""/>
+        <p:cNvGrpSpPr/>
+        <p:nvPr/>
+      </p:nvGrpSpPr>
+      <p:grpSpPr>
+        <a:xfrm>
+          <a:off x="0" y="0"/>
+          <a:ext cx="0" cy="0"/>
+          <a:chOff x="0" y="0"/>
+          <a:chExt cx="0" cy="0"/>
+        </a:xfrm>
+      </p:grpSpPr>
+      <p:sp>
+        <p:nvSpPr>
+          <p:cNvPr id="2" name="Title 1">
+            <a:extLst>
+              <a:ext uri="{FF2B5EF4-FFF2-40B4-BE49-F238E27FC236}">
+                <a16:creationId xmlns:a16="http://schemas.microsoft.com/office/drawing/2014/main" id="{5BDFDA9C-9B64-4D7D-BA7C-6DE9FD01E149}"/>
+              </a:ext>
+            </a:extLst>
+          </p:cNvPr>
+          <p:cNvSpPr>
+            <a:spLocks noGrp="1"/>
+          </p:cNvSpPr>
+          <p:nvPr>
+            <p:ph type="title"/>
+          </p:nvPr>
+        </p:nvSpPr>
+        <p:spPr/>
+        <p:txBody>
+          <a:bodyPr/>
+          <a:lstStyle/>
+          <a:p>
+            <a:r>
+              <a:rPr lang="en-US" dirty="0"/>
+              <a:t>The End</a:t>
+            </a:r>
+          </a:p>
+        </p:txBody>
+      </p:sp>
+      <p:sp>
+        <p:nvSpPr>
+          <p:cNvPr id="3" name="Content Placeholder 2">
+            <a:extLst>
+              <a:ext uri="{FF2B5EF4-FFF2-40B4-BE49-F238E27FC236}">
+                <a16:creationId xmlns:a16="http://schemas.microsoft.com/office/drawing/2014/main" id="{3F7F1728-2AE1-400B-8840-BA33E98407CD}"/>
+              </a:ext>
+            </a:extLst>
+          </p:cNvPr>
+          <p:cNvSpPr>
+            <a:spLocks noGrp="1"/>
+          </p:cNvSpPr>
+          <p:nvPr>
+            <p:ph idx="1"/>
+          </p:nvPr>
+        </p:nvSpPr>
+        <p:spPr/>
+        <p:txBody>
+          <a:bodyPr/>
+          <a:lstStyle/>
+          <a:p>
+            <a:r>
+              <a:rPr lang="en-US" dirty="0"/>
+              <a:t>Check out the repo:</a:t>
+            </a:r>
+          </a:p>
+          <a:p>
+            <a:pPr lvl="1"/>
+            <a:r>
+              <a:rPr lang="en-US" dirty="0">
+                <a:hlinkClick r:id="rId2"/>
+              </a:rPr>
+              <a:t>https://github.com/ndarwich/Crash-Analysis</a:t>
+            </a:r>
+            <a:endParaRPr lang="en-US" dirty="0"/>
+          </a:p>
+        </p:txBody>
+      </p:sp>
+    </p:spTree>
+    <p:extLst>
+      <p:ext uri="{BB962C8B-B14F-4D97-AF65-F5344CB8AC3E}">
+        <p14:creationId xmlns:p14="http://schemas.microsoft.com/office/powerpoint/2010/main" val="3941158784"/>
       </p:ext>
     </p:extLst>
   </p:cSld>
@@ -9648,10 +12570,10 @@
       </p:sp>
       <p:pic>
         <p:nvPicPr>
-          <p:cNvPr id="4" name="Picture 3">
+          <p:cNvPr id="8" name="Picture 7">
             <a:extLst>
               <a:ext uri="{FF2B5EF4-FFF2-40B4-BE49-F238E27FC236}">
-                <a16:creationId xmlns:a16="http://schemas.microsoft.com/office/drawing/2014/main" id="{4C320119-D0E9-4C44-A1BD-5D327D8D0FFA}"/>
+                <a16:creationId xmlns:a16="http://schemas.microsoft.com/office/drawing/2014/main" id="{C07C10FA-9AC2-4C3A-883E-4268FC12908D}"/>
               </a:ext>
             </a:extLst>
           </p:cNvPr>
@@ -9661,7 +12583,18 @@
           <p:nvPr/>
         </p:nvPicPr>
         <p:blipFill>
-          <a:blip r:embed="rId2"/>
+          <a:blip r:embed="rId2">
+            <a:clrChange>
+              <a:clrFrom>
+                <a:srgbClr val="F8F8F8"/>
+              </a:clrFrom>
+              <a:clrTo>
+                <a:srgbClr val="F8F8F8">
+                  <a:alpha val="0"/>
+                </a:srgbClr>
+              </a:clrTo>
+            </a:clrChange>
+          </a:blip>
           <a:stretch>
             <a:fillRect/>
           </a:stretch>
@@ -9678,10 +12611,10 @@
       </p:pic>
       <p:pic>
         <p:nvPicPr>
-          <p:cNvPr id="5" name="Picture 4">
+          <p:cNvPr id="9" name="Picture 8">
             <a:extLst>
               <a:ext uri="{FF2B5EF4-FFF2-40B4-BE49-F238E27FC236}">
-                <a16:creationId xmlns:a16="http://schemas.microsoft.com/office/drawing/2014/main" id="{3032A925-DD3C-4B64-A657-F94F37F52A9F}"/>
+                <a16:creationId xmlns:a16="http://schemas.microsoft.com/office/drawing/2014/main" id="{F409E651-4AB3-492E-93DB-CE2A3D4B3467}"/>
               </a:ext>
             </a:extLst>
           </p:cNvPr>
@@ -9691,14 +12624,25 @@
           <p:nvPr/>
         </p:nvPicPr>
         <p:blipFill>
-          <a:blip r:embed="rId3"/>
+          <a:blip r:embed="rId3">
+            <a:clrChange>
+              <a:clrFrom>
+                <a:srgbClr val="F8F8F8"/>
+              </a:clrFrom>
+              <a:clrTo>
+                <a:srgbClr val="F8F8F8">
+                  <a:alpha val="0"/>
+                </a:srgbClr>
+              </a:clrTo>
+            </a:clrChange>
+          </a:blip>
           <a:stretch>
             <a:fillRect/>
           </a:stretch>
         </p:blipFill>
         <p:spPr>
           <a:xfrm>
-            <a:off x="907816" y="4460143"/>
+            <a:off x="960203" y="4450132"/>
             <a:ext cx="2530709" cy="2317381"/>
           </a:xfrm>
           <a:prstGeom prst="rect">
@@ -9930,7 +12874,18 @@
           <p:nvPr/>
         </p:nvPicPr>
         <p:blipFill>
-          <a:blip r:embed="rId2"/>
+          <a:blip r:embed="rId2">
+            <a:clrChange>
+              <a:clrFrom>
+                <a:srgbClr val="F8F8F8"/>
+              </a:clrFrom>
+              <a:clrTo>
+                <a:srgbClr val="F8F8F8">
+                  <a:alpha val="0"/>
+                </a:srgbClr>
+              </a:clrTo>
+            </a:clrChange>
+          </a:blip>
           <a:stretch>
             <a:fillRect/>
           </a:stretch>
@@ -9960,14 +12915,25 @@
           <p:nvPr/>
         </p:nvPicPr>
         <p:blipFill>
-          <a:blip r:embed="rId3"/>
+          <a:blip r:embed="rId3">
+            <a:clrChange>
+              <a:clrFrom>
+                <a:srgbClr val="F8F8F8"/>
+              </a:clrFrom>
+              <a:clrTo>
+                <a:srgbClr val="F8F8F8">
+                  <a:alpha val="0"/>
+                </a:srgbClr>
+              </a:clrTo>
+            </a:clrChange>
+          </a:blip>
           <a:stretch>
             <a:fillRect/>
           </a:stretch>
         </p:blipFill>
         <p:spPr>
           <a:xfrm>
-            <a:off x="907816" y="4460143"/>
+            <a:off x="960203" y="4450132"/>
             <a:ext cx="2530709" cy="2317381"/>
           </a:xfrm>
           <a:prstGeom prst="rect">
@@ -10028,7 +12994,7 @@
           <a:p>
             <a:r>
               <a:rPr lang="en-US" dirty="0"/>
-              <a:t>Traffic Crashes</a:t>
+              <a:t>Traffic Crashes – City of Chicago</a:t>
             </a:r>
           </a:p>
         </p:txBody>
@@ -10080,6 +13046,12 @@
             <a:r>
               <a:rPr lang="en-US" dirty="0"/>
               <a:t>Standardized</a:t>
+            </a:r>
+          </a:p>
+          <a:p>
+            <a:r>
+              <a:rPr lang="en-US" b="1" dirty="0"/>
+              <a:t>Informative</a:t>
             </a:r>
           </a:p>
         </p:txBody>

--- a/Slides/An Investigation.pptx
+++ b/Slides/An Investigation.pptx
@@ -5,7 +5,7 @@
     <p:sldMasterId id="2147483689" r:id="rId1"/>
   </p:sldMasterIdLst>
   <p:notesMasterIdLst>
-    <p:notesMasterId r:id="rId46"/>
+    <p:notesMasterId r:id="rId48"/>
   </p:notesMasterIdLst>
   <p:sldIdLst>
     <p:sldId id="256" r:id="rId2"/>
@@ -47,11 +47,13 @@
     <p:sldId id="296" r:id="rId38"/>
     <p:sldId id="297" r:id="rId39"/>
     <p:sldId id="307" r:id="rId40"/>
-    <p:sldId id="308" r:id="rId41"/>
-    <p:sldId id="309" r:id="rId42"/>
+    <p:sldId id="309" r:id="rId41"/>
+    <p:sldId id="308" r:id="rId42"/>
     <p:sldId id="310" r:id="rId43"/>
     <p:sldId id="260" r:id="rId44"/>
-    <p:sldId id="311" r:id="rId45"/>
+    <p:sldId id="314" r:id="rId45"/>
+    <p:sldId id="313" r:id="rId46"/>
+    <p:sldId id="311" r:id="rId47"/>
   </p:sldIdLst>
   <p:sldSz cx="12192000" cy="6858000"/>
   <p:notesSz cx="6858000" cy="9144000"/>
@@ -6638,7 +6640,12 @@
             <p:ph type="subTitle" idx="1"/>
           </p:nvPr>
         </p:nvSpPr>
-        <p:spPr/>
+        <p:spPr>
+          <a:xfrm>
+            <a:off x="935916" y="4050833"/>
+            <a:ext cx="8338088" cy="1096899"/>
+          </a:xfrm>
+        </p:spPr>
         <p:txBody>
           <a:bodyPr>
             <a:normAutofit/>
@@ -6653,7 +6660,7 @@
           <a:p>
             <a:r>
               <a:rPr lang="en-US" dirty="0"/>
-              <a:t>Using real crash data from the City of Chicago from the summer of 2018 </a:t>
+              <a:t>Using real crash data from the City of Chicago from the summer of 2017/2018 </a:t>
             </a:r>
           </a:p>
         </p:txBody>
@@ -9170,7 +9177,7 @@
             <a:pPr lvl="1"/>
             <a:r>
               <a:rPr lang="en-US" dirty="0"/>
-              <a:t>1: REPORTED INJURY, NOT EVIDENCE</a:t>
+              <a:t>1: REPORTED INJURY, NO EVIDENCE</a:t>
             </a:r>
           </a:p>
           <a:p>
@@ -9449,7 +9456,7 @@
           <a:p>
             <a:r>
               <a:rPr lang="en-US" dirty="0"/>
-              <a:t>Different algorithms required different data shapes</a:t>
+              <a:t>Different algorithms required different data types</a:t>
             </a:r>
           </a:p>
           <a:p>
@@ -11797,6 +11804,133 @@
           <p:cNvPr id="2" name="Title 1">
             <a:extLst>
               <a:ext uri="{FF2B5EF4-FFF2-40B4-BE49-F238E27FC236}">
+                <a16:creationId xmlns:a16="http://schemas.microsoft.com/office/drawing/2014/main" id="{E10FA47F-27B1-466C-9EF3-61339A233E53}"/>
+              </a:ext>
+            </a:extLst>
+          </p:cNvPr>
+          <p:cNvSpPr>
+            <a:spLocks noGrp="1"/>
+          </p:cNvSpPr>
+          <p:nvPr>
+            <p:ph type="title"/>
+          </p:nvPr>
+        </p:nvSpPr>
+        <p:spPr/>
+        <p:txBody>
+          <a:bodyPr/>
+          <a:lstStyle/>
+          <a:p>
+            <a:r>
+              <a:rPr lang="en-US" dirty="0"/>
+              <a:t>Decision Stump</a:t>
+            </a:r>
+          </a:p>
+        </p:txBody>
+      </p:sp>
+      <p:sp>
+        <p:nvSpPr>
+          <p:cNvPr id="3" name="Content Placeholder 2">
+            <a:extLst>
+              <a:ext uri="{FF2B5EF4-FFF2-40B4-BE49-F238E27FC236}">
+                <a16:creationId xmlns:a16="http://schemas.microsoft.com/office/drawing/2014/main" id="{99F2473E-5D1B-440B-8088-C3FCA5C74956}"/>
+              </a:ext>
+            </a:extLst>
+          </p:cNvPr>
+          <p:cNvSpPr>
+            <a:spLocks noGrp="1"/>
+          </p:cNvSpPr>
+          <p:nvPr>
+            <p:ph idx="1"/>
+          </p:nvPr>
+        </p:nvSpPr>
+        <p:spPr/>
+        <p:txBody>
+          <a:bodyPr/>
+          <a:lstStyle/>
+          <a:p>
+            <a:pPr lvl="1"/>
+            <a:r>
+              <a:rPr lang="en-US" dirty="0"/>
+              <a:t>77.1% correct classified, 22.9% incorrectly classified</a:t>
+            </a:r>
+          </a:p>
+          <a:p>
+            <a:pPr lvl="1"/>
+            <a:r>
+              <a:rPr lang="en-US" dirty="0"/>
+              <a:t>Recall = .771</a:t>
+            </a:r>
+          </a:p>
+          <a:p>
+            <a:endParaRPr lang="en-US" dirty="0"/>
+          </a:p>
+        </p:txBody>
+      </p:sp>
+      <p:pic>
+        <p:nvPicPr>
+          <p:cNvPr id="4" name="Picture 3">
+            <a:extLst>
+              <a:ext uri="{FF2B5EF4-FFF2-40B4-BE49-F238E27FC236}">
+                <a16:creationId xmlns:a16="http://schemas.microsoft.com/office/drawing/2014/main" id="{DB3AE3C3-C0D4-48E3-AF6D-810D2B3521AC}"/>
+              </a:ext>
+            </a:extLst>
+          </p:cNvPr>
+          <p:cNvPicPr>
+            <a:picLocks noChangeAspect="1"/>
+          </p:cNvPicPr>
+          <p:nvPr/>
+        </p:nvPicPr>
+        <p:blipFill>
+          <a:blip r:embed="rId2"/>
+          <a:stretch>
+            <a:fillRect/>
+          </a:stretch>
+        </p:blipFill>
+        <p:spPr>
+          <a:xfrm>
+            <a:off x="4307004" y="3429000"/>
+            <a:ext cx="7265884" cy="2401305"/>
+          </a:xfrm>
+          <a:prstGeom prst="rect">
+            <a:avLst/>
+          </a:prstGeom>
+        </p:spPr>
+      </p:pic>
+    </p:spTree>
+    <p:extLst>
+      <p:ext uri="{BB962C8B-B14F-4D97-AF65-F5344CB8AC3E}">
+        <p14:creationId xmlns:p14="http://schemas.microsoft.com/office/powerpoint/2010/main" val="918238741"/>
+      </p:ext>
+    </p:extLst>
+  </p:cSld>
+  <p:clrMapOvr>
+    <a:masterClrMapping/>
+  </p:clrMapOvr>
+</p:sld>
+</file>
+
+<file path=ppt/slides/slide41.xml><?xml version="1.0" encoding="utf-8"?>
+<p:sld xmlns:a="http://schemas.openxmlformats.org/drawingml/2006/main" xmlns:r="http://schemas.openxmlformats.org/officeDocument/2006/relationships" xmlns:p="http://schemas.openxmlformats.org/presentationml/2006/main">
+  <p:cSld>
+    <p:spTree>
+      <p:nvGrpSpPr>
+        <p:cNvPr id="1" name=""/>
+        <p:cNvGrpSpPr/>
+        <p:nvPr/>
+      </p:nvGrpSpPr>
+      <p:grpSpPr>
+        <a:xfrm>
+          <a:off x="0" y="0"/>
+          <a:ext cx="0" cy="0"/>
+          <a:chOff x="0" y="0"/>
+          <a:chExt cx="0" cy="0"/>
+        </a:xfrm>
+      </p:grpSpPr>
+      <p:sp>
+        <p:nvSpPr>
+          <p:cNvPr id="2" name="Title 1">
+            <a:extLst>
+              <a:ext uri="{FF2B5EF4-FFF2-40B4-BE49-F238E27FC236}">
                 <a16:creationId xmlns:a16="http://schemas.microsoft.com/office/drawing/2014/main" id="{EEC0BFB7-2A8E-40B2-91C8-D1AA77EE33B5}"/>
               </a:ext>
             </a:extLst>
@@ -11907,133 +12041,6 @@
     <p:extLst>
       <p:ext uri="{BB962C8B-B14F-4D97-AF65-F5344CB8AC3E}">
         <p14:creationId xmlns:p14="http://schemas.microsoft.com/office/powerpoint/2010/main" val="2723678165"/>
-      </p:ext>
-    </p:extLst>
-  </p:cSld>
-  <p:clrMapOvr>
-    <a:masterClrMapping/>
-  </p:clrMapOvr>
-</p:sld>
-</file>
-
-<file path=ppt/slides/slide41.xml><?xml version="1.0" encoding="utf-8"?>
-<p:sld xmlns:a="http://schemas.openxmlformats.org/drawingml/2006/main" xmlns:r="http://schemas.openxmlformats.org/officeDocument/2006/relationships" xmlns:p="http://schemas.openxmlformats.org/presentationml/2006/main">
-  <p:cSld>
-    <p:spTree>
-      <p:nvGrpSpPr>
-        <p:cNvPr id="1" name=""/>
-        <p:cNvGrpSpPr/>
-        <p:nvPr/>
-      </p:nvGrpSpPr>
-      <p:grpSpPr>
-        <a:xfrm>
-          <a:off x="0" y="0"/>
-          <a:ext cx="0" cy="0"/>
-          <a:chOff x="0" y="0"/>
-          <a:chExt cx="0" cy="0"/>
-        </a:xfrm>
-      </p:grpSpPr>
-      <p:sp>
-        <p:nvSpPr>
-          <p:cNvPr id="2" name="Title 1">
-            <a:extLst>
-              <a:ext uri="{FF2B5EF4-FFF2-40B4-BE49-F238E27FC236}">
-                <a16:creationId xmlns:a16="http://schemas.microsoft.com/office/drawing/2014/main" id="{E10FA47F-27B1-466C-9EF3-61339A233E53}"/>
-              </a:ext>
-            </a:extLst>
-          </p:cNvPr>
-          <p:cNvSpPr>
-            <a:spLocks noGrp="1"/>
-          </p:cNvSpPr>
-          <p:nvPr>
-            <p:ph type="title"/>
-          </p:nvPr>
-        </p:nvSpPr>
-        <p:spPr/>
-        <p:txBody>
-          <a:bodyPr/>
-          <a:lstStyle/>
-          <a:p>
-            <a:r>
-              <a:rPr lang="en-US" dirty="0"/>
-              <a:t>Decision Stump</a:t>
-            </a:r>
-          </a:p>
-        </p:txBody>
-      </p:sp>
-      <p:sp>
-        <p:nvSpPr>
-          <p:cNvPr id="3" name="Content Placeholder 2">
-            <a:extLst>
-              <a:ext uri="{FF2B5EF4-FFF2-40B4-BE49-F238E27FC236}">
-                <a16:creationId xmlns:a16="http://schemas.microsoft.com/office/drawing/2014/main" id="{99F2473E-5D1B-440B-8088-C3FCA5C74956}"/>
-              </a:ext>
-            </a:extLst>
-          </p:cNvPr>
-          <p:cNvSpPr>
-            <a:spLocks noGrp="1"/>
-          </p:cNvSpPr>
-          <p:nvPr>
-            <p:ph idx="1"/>
-          </p:nvPr>
-        </p:nvSpPr>
-        <p:spPr/>
-        <p:txBody>
-          <a:bodyPr/>
-          <a:lstStyle/>
-          <a:p>
-            <a:pPr lvl="1"/>
-            <a:r>
-              <a:rPr lang="en-US" dirty="0"/>
-              <a:t>77.1% correct classified, 22.9% incorrectly classified</a:t>
-            </a:r>
-          </a:p>
-          <a:p>
-            <a:pPr lvl="1"/>
-            <a:r>
-              <a:rPr lang="en-US" dirty="0"/>
-              <a:t>Recall = .771</a:t>
-            </a:r>
-          </a:p>
-          <a:p>
-            <a:endParaRPr lang="en-US" dirty="0"/>
-          </a:p>
-        </p:txBody>
-      </p:sp>
-      <p:pic>
-        <p:nvPicPr>
-          <p:cNvPr id="4" name="Picture 3">
-            <a:extLst>
-              <a:ext uri="{FF2B5EF4-FFF2-40B4-BE49-F238E27FC236}">
-                <a16:creationId xmlns:a16="http://schemas.microsoft.com/office/drawing/2014/main" id="{DB3AE3C3-C0D4-48E3-AF6D-810D2B3521AC}"/>
-              </a:ext>
-            </a:extLst>
-          </p:cNvPr>
-          <p:cNvPicPr>
-            <a:picLocks noChangeAspect="1"/>
-          </p:cNvPicPr>
-          <p:nvPr/>
-        </p:nvPicPr>
-        <p:blipFill>
-          <a:blip r:embed="rId2"/>
-          <a:stretch>
-            <a:fillRect/>
-          </a:stretch>
-        </p:blipFill>
-        <p:spPr>
-          <a:xfrm>
-            <a:off x="4307004" y="3429000"/>
-            <a:ext cx="7265884" cy="2401305"/>
-          </a:xfrm>
-          <a:prstGeom prst="rect">
-            <a:avLst/>
-          </a:prstGeom>
-        </p:spPr>
-      </p:pic>
-    </p:spTree>
-    <p:extLst>
-      <p:ext uri="{BB962C8B-B14F-4D97-AF65-F5344CB8AC3E}">
-        <p14:creationId xmlns:p14="http://schemas.microsoft.com/office/powerpoint/2010/main" val="918238741"/>
       </p:ext>
     </p:extLst>
   </p:cSld>
@@ -12224,20 +12231,50 @@
           <a:p>
             <a:r>
               <a:rPr lang="en-US" dirty="0"/>
-              <a:t>Summary/Next Steps</a:t>
-            </a:r>
-          </a:p>
-        </p:txBody>
-      </p:sp>
-      <p:sp>
-        <p:nvSpPr>
-          <p:cNvPr id="3" name="Content Placeholder 2">
+              <a:t>Interpretation</a:t>
+            </a:r>
+          </a:p>
+        </p:txBody>
+      </p:sp>
+      <p:pic>
+        <p:nvPicPr>
+          <p:cNvPr id="5" name="Picture 4">
             <a:extLst>
               <a:ext uri="{FF2B5EF4-FFF2-40B4-BE49-F238E27FC236}">
-                <a16:creationId xmlns:a16="http://schemas.microsoft.com/office/drawing/2014/main" id="{ADBBD394-39AF-43C7-ACF6-06055C5971F4}"/>
+                <a16:creationId xmlns:a16="http://schemas.microsoft.com/office/drawing/2014/main" id="{30E74A55-8283-4461-BD52-6E6C0DC289D3}"/>
               </a:ext>
             </a:extLst>
           </p:cNvPr>
+          <p:cNvPicPr>
+            <a:picLocks noChangeAspect="1"/>
+          </p:cNvPicPr>
+          <p:nvPr/>
+        </p:nvPicPr>
+        <p:blipFill>
+          <a:blip r:embed="rId2"/>
+          <a:stretch>
+            <a:fillRect/>
+          </a:stretch>
+        </p:blipFill>
+        <p:spPr>
+          <a:xfrm>
+            <a:off x="984907" y="2691234"/>
+            <a:ext cx="9694552" cy="3252366"/>
+          </a:xfrm>
+          <a:prstGeom prst="rect">
+            <a:avLst/>
+          </a:prstGeom>
+        </p:spPr>
+      </p:pic>
+      <p:sp>
+        <p:nvSpPr>
+          <p:cNvPr id="7" name="Content Placeholder 6">
+            <a:extLst>
+              <a:ext uri="{FF2B5EF4-FFF2-40B4-BE49-F238E27FC236}">
+                <a16:creationId xmlns:a16="http://schemas.microsoft.com/office/drawing/2014/main" id="{8D1198D8-8F92-4F81-A56C-A3FB57ED8766}"/>
+              </a:ext>
+            </a:extLst>
+          </p:cNvPr>
           <p:cNvSpPr>
             <a:spLocks noGrp="1"/>
           </p:cNvSpPr>
@@ -12245,63 +12282,25 @@
             <p:ph idx="1"/>
           </p:nvPr>
         </p:nvSpPr>
-        <p:spPr/>
-        <p:txBody>
-          <a:bodyPr/>
-          <a:lstStyle/>
-          <a:p>
-            <a:r>
-              <a:rPr lang="en-US" dirty="0"/>
-              <a:t>Results were very interesting and not what we initially thought</a:t>
-            </a:r>
-          </a:p>
-          <a:p>
-            <a:pPr lvl="1"/>
-            <a:r>
-              <a:rPr lang="en-US" dirty="0"/>
-              <a:t>Alcohol rarely popped up in generated rules</a:t>
-            </a:r>
-          </a:p>
-          <a:p>
-            <a:pPr lvl="1"/>
-            <a:r>
-              <a:rPr lang="en-US" dirty="0"/>
-              <a:t>Likewise with texting</a:t>
-            </a:r>
-          </a:p>
-          <a:p>
-            <a:pPr lvl="1"/>
-            <a:r>
-              <a:rPr lang="en-US" dirty="0"/>
-              <a:t>Possible explanation: not as frequent as normal crashes</a:t>
-            </a:r>
-          </a:p>
-          <a:p>
-            <a:endParaRPr lang="en-US" dirty="0"/>
-          </a:p>
-          <a:p>
-            <a:r>
-              <a:rPr lang="en-US" dirty="0"/>
-              <a:t>Next Steps:</a:t>
-            </a:r>
-          </a:p>
-          <a:p>
-            <a:pPr lvl="1"/>
-            <a:r>
-              <a:rPr lang="en-US" dirty="0"/>
-              <a:t>Apply a similar algorithm to Fall/Winter/Spring Crashes</a:t>
-            </a:r>
-          </a:p>
-          <a:p>
-            <a:pPr lvl="1"/>
-            <a:r>
-              <a:rPr lang="en-US" dirty="0"/>
-              <a:t>Research more training data, from other counties/cities</a:t>
-            </a:r>
-          </a:p>
-          <a:p>
-            <a:pPr lvl="1"/>
-            <a:endParaRPr lang="en-US" dirty="0"/>
+        <p:spPr>
+          <a:xfrm>
+            <a:off x="720364" y="1748119"/>
+            <a:ext cx="9959095" cy="656215"/>
+          </a:xfrm>
+        </p:spPr>
+        <p:txBody>
+          <a:bodyPr>
+            <a:normAutofit/>
+          </a:bodyPr>
+          <a:lstStyle/>
+          <a:p>
+            <a:pPr marL="0" indent="0" algn="ctr">
+              <a:buNone/>
+            </a:pPr>
+            <a:r>
+              <a:rPr lang="en-US" sz="2400" b="1" dirty="0"/>
+              <a:t>Nabil: Naïve Bayes (F-Score 0.64)</a:t>
+            </a:r>
           </a:p>
         </p:txBody>
       </p:sp>
@@ -12319,6 +12318,274 @@
 </file>
 
 <file path=ppt/slides/slide44.xml><?xml version="1.0" encoding="utf-8"?>
+<p:sld xmlns:a="http://schemas.openxmlformats.org/drawingml/2006/main" xmlns:r="http://schemas.openxmlformats.org/officeDocument/2006/relationships" xmlns:p="http://schemas.openxmlformats.org/presentationml/2006/main">
+  <p:cSld>
+    <p:spTree>
+      <p:nvGrpSpPr>
+        <p:cNvPr id="1" name=""/>
+        <p:cNvGrpSpPr/>
+        <p:nvPr/>
+      </p:nvGrpSpPr>
+      <p:grpSpPr>
+        <a:xfrm>
+          <a:off x="0" y="0"/>
+          <a:ext cx="0" cy="0"/>
+          <a:chOff x="0" y="0"/>
+          <a:chExt cx="0" cy="0"/>
+        </a:xfrm>
+      </p:grpSpPr>
+      <p:sp>
+        <p:nvSpPr>
+          <p:cNvPr id="2" name="Title 1">
+            <a:extLst>
+              <a:ext uri="{FF2B5EF4-FFF2-40B4-BE49-F238E27FC236}">
+                <a16:creationId xmlns:a16="http://schemas.microsoft.com/office/drawing/2014/main" id="{6C07DC67-B9FD-45A3-8CA1-0BF8B57F2247}"/>
+              </a:ext>
+            </a:extLst>
+          </p:cNvPr>
+          <p:cNvSpPr>
+            <a:spLocks noGrp="1"/>
+          </p:cNvSpPr>
+          <p:nvPr>
+            <p:ph type="title"/>
+          </p:nvPr>
+        </p:nvSpPr>
+        <p:spPr/>
+        <p:txBody>
+          <a:bodyPr/>
+          <a:lstStyle/>
+          <a:p>
+            <a:r>
+              <a:rPr lang="en-US" dirty="0"/>
+              <a:t>Interpretation</a:t>
+            </a:r>
+          </a:p>
+        </p:txBody>
+      </p:sp>
+      <p:sp>
+        <p:nvSpPr>
+          <p:cNvPr id="7" name="Content Placeholder 6">
+            <a:extLst>
+              <a:ext uri="{FF2B5EF4-FFF2-40B4-BE49-F238E27FC236}">
+                <a16:creationId xmlns:a16="http://schemas.microsoft.com/office/drawing/2014/main" id="{8D1198D8-8F92-4F81-A56C-A3FB57ED8766}"/>
+              </a:ext>
+            </a:extLst>
+          </p:cNvPr>
+          <p:cNvSpPr>
+            <a:spLocks noGrp="1"/>
+          </p:cNvSpPr>
+          <p:nvPr>
+            <p:ph idx="1"/>
+          </p:nvPr>
+        </p:nvSpPr>
+        <p:spPr>
+          <a:xfrm>
+            <a:off x="720364" y="1748119"/>
+            <a:ext cx="9959095" cy="656215"/>
+          </a:xfrm>
+        </p:spPr>
+        <p:txBody>
+          <a:bodyPr>
+            <a:normAutofit/>
+          </a:bodyPr>
+          <a:lstStyle/>
+          <a:p>
+            <a:pPr marL="0" indent="0" algn="ctr">
+              <a:buNone/>
+            </a:pPr>
+            <a:r>
+              <a:rPr lang="en-US" sz="2400" b="1" dirty="0"/>
+              <a:t>Hamza: Random Forest (F-Score 0.88)</a:t>
+            </a:r>
+          </a:p>
+        </p:txBody>
+      </p:sp>
+      <p:pic>
+        <p:nvPicPr>
+          <p:cNvPr id="6" name="Picture 5">
+            <a:extLst>
+              <a:ext uri="{FF2B5EF4-FFF2-40B4-BE49-F238E27FC236}">
+                <a16:creationId xmlns:a16="http://schemas.microsoft.com/office/drawing/2014/main" id="{7CD4C0A9-4EF4-4F27-9EB1-AC81CECA9808}"/>
+              </a:ext>
+            </a:extLst>
+          </p:cNvPr>
+          <p:cNvPicPr>
+            <a:picLocks noChangeAspect="1"/>
+          </p:cNvPicPr>
+          <p:nvPr/>
+        </p:nvPicPr>
+        <p:blipFill>
+          <a:blip r:embed="rId2"/>
+          <a:stretch>
+            <a:fillRect/>
+          </a:stretch>
+        </p:blipFill>
+        <p:spPr>
+          <a:xfrm>
+            <a:off x="969735" y="2641427"/>
+            <a:ext cx="9631928" cy="3387500"/>
+          </a:xfrm>
+          <a:prstGeom prst="rect">
+            <a:avLst/>
+          </a:prstGeom>
+        </p:spPr>
+      </p:pic>
+    </p:spTree>
+    <p:extLst>
+      <p:ext uri="{BB962C8B-B14F-4D97-AF65-F5344CB8AC3E}">
+        <p14:creationId xmlns:p14="http://schemas.microsoft.com/office/powerpoint/2010/main" val="962755014"/>
+      </p:ext>
+    </p:extLst>
+  </p:cSld>
+  <p:clrMapOvr>
+    <a:masterClrMapping/>
+  </p:clrMapOvr>
+</p:sld>
+</file>
+
+<file path=ppt/slides/slide45.xml><?xml version="1.0" encoding="utf-8"?>
+<p:sld xmlns:a="http://schemas.openxmlformats.org/drawingml/2006/main" xmlns:r="http://schemas.openxmlformats.org/officeDocument/2006/relationships" xmlns:p="http://schemas.openxmlformats.org/presentationml/2006/main">
+  <p:cSld>
+    <p:spTree>
+      <p:nvGrpSpPr>
+        <p:cNvPr id="1" name=""/>
+        <p:cNvGrpSpPr/>
+        <p:nvPr/>
+      </p:nvGrpSpPr>
+      <p:grpSpPr>
+        <a:xfrm>
+          <a:off x="0" y="0"/>
+          <a:ext cx="0" cy="0"/>
+          <a:chOff x="0" y="0"/>
+          <a:chExt cx="0" cy="0"/>
+        </a:xfrm>
+      </p:grpSpPr>
+      <p:sp>
+        <p:nvSpPr>
+          <p:cNvPr id="2" name="Title 1">
+            <a:extLst>
+              <a:ext uri="{FF2B5EF4-FFF2-40B4-BE49-F238E27FC236}">
+                <a16:creationId xmlns:a16="http://schemas.microsoft.com/office/drawing/2014/main" id="{6C07DC67-B9FD-45A3-8CA1-0BF8B57F2247}"/>
+              </a:ext>
+            </a:extLst>
+          </p:cNvPr>
+          <p:cNvSpPr>
+            <a:spLocks noGrp="1"/>
+          </p:cNvSpPr>
+          <p:nvPr>
+            <p:ph type="title"/>
+          </p:nvPr>
+        </p:nvSpPr>
+        <p:spPr/>
+        <p:txBody>
+          <a:bodyPr/>
+          <a:lstStyle/>
+          <a:p>
+            <a:r>
+              <a:rPr lang="en-US" dirty="0"/>
+              <a:t>Summary</a:t>
+            </a:r>
+          </a:p>
+        </p:txBody>
+      </p:sp>
+      <p:sp>
+        <p:nvSpPr>
+          <p:cNvPr id="3" name="Content Placeholder 2">
+            <a:extLst>
+              <a:ext uri="{FF2B5EF4-FFF2-40B4-BE49-F238E27FC236}">
+                <a16:creationId xmlns:a16="http://schemas.microsoft.com/office/drawing/2014/main" id="{ADBBD394-39AF-43C7-ACF6-06055C5971F4}"/>
+              </a:ext>
+            </a:extLst>
+          </p:cNvPr>
+          <p:cNvSpPr>
+            <a:spLocks noGrp="1"/>
+          </p:cNvSpPr>
+          <p:nvPr>
+            <p:ph idx="1"/>
+          </p:nvPr>
+        </p:nvSpPr>
+        <p:spPr>
+          <a:xfrm>
+            <a:off x="677334" y="2140772"/>
+            <a:ext cx="8596668" cy="4433094"/>
+          </a:xfrm>
+        </p:spPr>
+        <p:txBody>
+          <a:bodyPr/>
+          <a:lstStyle/>
+          <a:p>
+            <a:r>
+              <a:rPr lang="en-US" dirty="0"/>
+              <a:t>Results were very interesting and some were surprising</a:t>
+            </a:r>
+          </a:p>
+          <a:p>
+            <a:pPr lvl="1"/>
+            <a:r>
+              <a:rPr lang="en-US" dirty="0"/>
+              <a:t>Alcohol and texting rarely popped up in generated rules</a:t>
+            </a:r>
+          </a:p>
+          <a:p>
+            <a:pPr lvl="1"/>
+            <a:r>
+              <a:rPr lang="en-US"/>
+              <a:t>Possible explanation: </a:t>
+            </a:r>
+            <a:r>
+              <a:rPr lang="en-US" dirty="0"/>
+              <a:t>Laws work</a:t>
+            </a:r>
+          </a:p>
+          <a:p>
+            <a:pPr marL="457200" lvl="1" indent="0">
+              <a:buNone/>
+            </a:pPr>
+            <a:endParaRPr lang="en-US" dirty="0"/>
+          </a:p>
+          <a:p>
+            <a:r>
+              <a:rPr lang="en-US" dirty="0"/>
+              <a:t>Next Steps:</a:t>
+            </a:r>
+          </a:p>
+          <a:p>
+            <a:pPr lvl="1"/>
+            <a:r>
+              <a:rPr lang="en-US" dirty="0"/>
+              <a:t>Improve on the algorithm (Reported Injury vs. No Indication)</a:t>
+            </a:r>
+          </a:p>
+          <a:p>
+            <a:pPr lvl="1"/>
+            <a:r>
+              <a:rPr lang="en-US" dirty="0"/>
+              <a:t>Apply a similar algorithm to Fall/Winter/Spring Crashes</a:t>
+            </a:r>
+          </a:p>
+          <a:p>
+            <a:pPr lvl="1"/>
+            <a:r>
+              <a:rPr lang="en-US" dirty="0"/>
+              <a:t>More training data, from other counties/cities</a:t>
+            </a:r>
+          </a:p>
+        </p:txBody>
+      </p:sp>
+    </p:spTree>
+    <p:extLst>
+      <p:ext uri="{BB962C8B-B14F-4D97-AF65-F5344CB8AC3E}">
+        <p14:creationId xmlns:p14="http://schemas.microsoft.com/office/powerpoint/2010/main" val="1654485866"/>
+      </p:ext>
+    </p:extLst>
+  </p:cSld>
+  <p:clrMapOvr>
+    <a:masterClrMapping/>
+  </p:clrMapOvr>
+</p:sld>
+</file>
+
+<file path=ppt/slides/slide46.xml><?xml version="1.0" encoding="utf-8"?>
 <p:sld xmlns:a="http://schemas.openxmlformats.org/drawingml/2006/main" xmlns:r="http://schemas.openxmlformats.org/officeDocument/2006/relationships" xmlns:p="http://schemas.openxmlformats.org/presentationml/2006/main">
   <p:cSld>
     <p:spTree>

--- a/Slides/An Investigation.pptx
+++ b/Slides/An Investigation.pptx
@@ -5,7 +5,7 @@
     <p:sldMasterId id="2147483689" r:id="rId1"/>
   </p:sldMasterIdLst>
   <p:notesMasterIdLst>
-    <p:notesMasterId r:id="rId48"/>
+    <p:notesMasterId r:id="rId46"/>
   </p:notesMasterIdLst>
   <p:sldIdLst>
     <p:sldId id="256" r:id="rId2"/>
@@ -42,18 +42,16 @@
     <p:sldId id="290" r:id="rId33"/>
     <p:sldId id="291" r:id="rId34"/>
     <p:sldId id="293" r:id="rId35"/>
-    <p:sldId id="294" r:id="rId36"/>
-    <p:sldId id="295" r:id="rId37"/>
-    <p:sldId id="296" r:id="rId38"/>
-    <p:sldId id="297" r:id="rId39"/>
-    <p:sldId id="307" r:id="rId40"/>
-    <p:sldId id="309" r:id="rId41"/>
-    <p:sldId id="308" r:id="rId42"/>
-    <p:sldId id="310" r:id="rId43"/>
-    <p:sldId id="260" r:id="rId44"/>
-    <p:sldId id="314" r:id="rId45"/>
-    <p:sldId id="313" r:id="rId46"/>
-    <p:sldId id="311" r:id="rId47"/>
+    <p:sldId id="295" r:id="rId36"/>
+    <p:sldId id="296" r:id="rId37"/>
+    <p:sldId id="297" r:id="rId38"/>
+    <p:sldId id="307" r:id="rId39"/>
+    <p:sldId id="308" r:id="rId40"/>
+    <p:sldId id="310" r:id="rId41"/>
+    <p:sldId id="260" r:id="rId42"/>
+    <p:sldId id="314" r:id="rId43"/>
+    <p:sldId id="313" r:id="rId44"/>
+    <p:sldId id="311" r:id="rId45"/>
   </p:sldIdLst>
   <p:sldSz cx="12192000" cy="6858000"/>
   <p:notesSz cx="6858000" cy="9144000"/>
@@ -754,7 +752,7 @@
           <a:p>
             <a:fld id="{DD64920E-5384-4F8F-B917-AD70FEF637A3}" type="slidenum">
               <a:rPr lang="en-US" smtClean="0"/>
-              <a:t>31</a:t>
+              <a:t>26</a:t>
             </a:fld>
             <a:endParaRPr lang="en-US"/>
           </a:p>
@@ -763,7 +761,7 @@
     </p:spTree>
     <p:extLst>
       <p:ext uri="{BB962C8B-B14F-4D97-AF65-F5344CB8AC3E}">
-        <p14:creationId xmlns:p14="http://schemas.microsoft.com/office/powerpoint/2010/main" val="2628881268"/>
+        <p14:creationId xmlns:p14="http://schemas.microsoft.com/office/powerpoint/2010/main" val="2623946945"/>
       </p:ext>
     </p:extLst>
   </p:cSld>
@@ -838,7 +836,91 @@
           <a:p>
             <a:fld id="{DD64920E-5384-4F8F-B917-AD70FEF637A3}" type="slidenum">
               <a:rPr lang="en-US" smtClean="0"/>
-              <a:t>38</a:t>
+              <a:t>31</a:t>
+            </a:fld>
+            <a:endParaRPr lang="en-US"/>
+          </a:p>
+        </p:txBody>
+      </p:sp>
+    </p:spTree>
+    <p:extLst>
+      <p:ext uri="{BB962C8B-B14F-4D97-AF65-F5344CB8AC3E}">
+        <p14:creationId xmlns:p14="http://schemas.microsoft.com/office/powerpoint/2010/main" val="2628881268"/>
+      </p:ext>
+    </p:extLst>
+  </p:cSld>
+  <p:clrMapOvr>
+    <a:masterClrMapping/>
+  </p:clrMapOvr>
+</p:notes>
+</file>
+
+<file path=ppt/notesSlides/notesSlide5.xml><?xml version="1.0" encoding="utf-8"?>
+<p:notes xmlns:a="http://schemas.openxmlformats.org/drawingml/2006/main" xmlns:r="http://schemas.openxmlformats.org/officeDocument/2006/relationships" xmlns:p="http://schemas.openxmlformats.org/presentationml/2006/main">
+  <p:cSld>
+    <p:spTree>
+      <p:nvGrpSpPr>
+        <p:cNvPr id="1" name=""/>
+        <p:cNvGrpSpPr/>
+        <p:nvPr/>
+      </p:nvGrpSpPr>
+      <p:grpSpPr>
+        <a:xfrm>
+          <a:off x="0" y="0"/>
+          <a:ext cx="0" cy="0"/>
+          <a:chOff x="0" y="0"/>
+          <a:chExt cx="0" cy="0"/>
+        </a:xfrm>
+      </p:grpSpPr>
+      <p:sp>
+        <p:nvSpPr>
+          <p:cNvPr id="2" name="Slide Image Placeholder 1"/>
+          <p:cNvSpPr>
+            <a:spLocks noGrp="1" noRot="1" noChangeAspect="1"/>
+          </p:cNvSpPr>
+          <p:nvPr>
+            <p:ph type="sldImg"/>
+          </p:nvPr>
+        </p:nvSpPr>
+        <p:spPr/>
+      </p:sp>
+      <p:sp>
+        <p:nvSpPr>
+          <p:cNvPr id="3" name="Notes Placeholder 2"/>
+          <p:cNvSpPr>
+            <a:spLocks noGrp="1"/>
+          </p:cNvSpPr>
+          <p:nvPr>
+            <p:ph type="body" idx="1"/>
+          </p:nvPr>
+        </p:nvSpPr>
+        <p:spPr/>
+        <p:txBody>
+          <a:bodyPr/>
+          <a:lstStyle/>
+          <a:p>
+            <a:endParaRPr lang="en-US" dirty="0"/>
+          </a:p>
+        </p:txBody>
+      </p:sp>
+      <p:sp>
+        <p:nvSpPr>
+          <p:cNvPr id="4" name="Slide Number Placeholder 3"/>
+          <p:cNvSpPr>
+            <a:spLocks noGrp="1"/>
+          </p:cNvSpPr>
+          <p:nvPr>
+            <p:ph type="sldNum" sz="quarter" idx="5"/>
+          </p:nvPr>
+        </p:nvSpPr>
+        <p:spPr/>
+        <p:txBody>
+          <a:bodyPr/>
+          <a:lstStyle/>
+          <a:p>
+            <a:fld id="{DD64920E-5384-4F8F-B917-AD70FEF637A3}" type="slidenum">
+              <a:rPr lang="en-US" smtClean="0"/>
+              <a:t>37</a:t>
             </a:fld>
             <a:endParaRPr lang="en-US"/>
           </a:p>
@@ -9282,7 +9364,7 @@
           </p:nvPr>
         </p:nvPicPr>
         <p:blipFill>
-          <a:blip r:embed="rId2"/>
+          <a:blip r:embed="rId3"/>
           <a:stretch>
             <a:fillRect/>
           </a:stretch>
@@ -9312,7 +9394,7 @@
           <p:nvPr/>
         </p:nvPicPr>
         <p:blipFill>
-          <a:blip r:embed="rId3"/>
+          <a:blip r:embed="rId4"/>
           <a:stretch>
             <a:fillRect/>
           </a:stretch>
@@ -9901,7 +9983,7 @@
             <a:pPr lvl="1"/>
             <a:r>
               <a:rPr lang="en-US" dirty="0"/>
-              <a:t>Drivers were charged with DUI/DWI, but the Alcohol column indicated NO</a:t>
+              <a:t>Drivers were charged with DUI, but the Alcohol column indicated NO</a:t>
             </a:r>
           </a:p>
           <a:p>
@@ -9923,26 +10005,6 @@
             <a:r>
               <a:rPr lang="en-US" dirty="0"/>
               <a:t>No data on vehicle passengers/pedestrians involved in the crash</a:t>
-            </a:r>
-          </a:p>
-          <a:p>
-            <a:r>
-              <a:rPr lang="en-US" dirty="0"/>
-              <a:t>Lack of a standard format</a:t>
-            </a:r>
-          </a:p>
-          <a:p>
-            <a:pPr lvl="1"/>
-            <a:r>
-              <a:rPr lang="en-US" dirty="0"/>
-              <a:t>Violation info was sometimes entered by a human</a:t>
-            </a:r>
-          </a:p>
-          <a:p>
-            <a:pPr lvl="2"/>
-            <a:r>
-              <a:rPr lang="en-US" dirty="0"/>
-              <a:t>Descriptions sometimes included spelling errors</a:t>
             </a:r>
           </a:p>
           <a:p>
@@ -10503,21 +10565,7 @@
             <a:pPr lvl="2"/>
             <a:r>
               <a:rPr lang="en-US" dirty="0"/>
-              <a:t>Pretty fast!</a:t>
-            </a:r>
-          </a:p>
-          <a:p>
-            <a:pPr lvl="1"/>
-            <a:r>
-              <a:rPr lang="en-US" dirty="0"/>
-              <a:t>Decision Stump</a:t>
-            </a:r>
-          </a:p>
-          <a:p>
-            <a:pPr lvl="2"/>
-            <a:r>
-              <a:rPr lang="en-US" dirty="0"/>
-              <a:t>One level decision tree</a:t>
+              <a:t>Pretty fast! </a:t>
             </a:r>
           </a:p>
           <a:p>
@@ -10803,157 +10851,6 @@
           <p:cNvPr id="3" name="Content Placeholder 2">
             <a:extLst>
               <a:ext uri="{FF2B5EF4-FFF2-40B4-BE49-F238E27FC236}">
-                <a16:creationId xmlns:a16="http://schemas.microsoft.com/office/drawing/2014/main" id="{2C84F94A-2B40-49EC-972C-93BC3D7714E1}"/>
-              </a:ext>
-            </a:extLst>
-          </p:cNvPr>
-          <p:cNvSpPr>
-            <a:spLocks noGrp="1"/>
-          </p:cNvSpPr>
-          <p:nvPr>
-            <p:ph idx="1"/>
-          </p:nvPr>
-        </p:nvSpPr>
-        <p:spPr/>
-        <p:txBody>
-          <a:bodyPr/>
-          <a:lstStyle/>
-          <a:p>
-            <a:r>
-              <a:rPr lang="en-US" dirty="0"/>
-              <a:t>Decision Stump</a:t>
-            </a:r>
-          </a:p>
-          <a:p>
-            <a:pPr lvl="1"/>
-            <a:r>
-              <a:rPr lang="en-US" dirty="0"/>
-              <a:t>29.2% correct classified, 70.8% incorrectly classified</a:t>
-            </a:r>
-          </a:p>
-          <a:p>
-            <a:pPr lvl="1"/>
-            <a:r>
-              <a:rPr lang="en-US" dirty="0"/>
-              <a:t>Recall = .292</a:t>
-            </a:r>
-          </a:p>
-          <a:p>
-            <a:pPr lvl="1"/>
-            <a:r>
-              <a:rPr lang="en-US" dirty="0"/>
-              <a:t>Can be improved</a:t>
-            </a:r>
-          </a:p>
-        </p:txBody>
-      </p:sp>
-      <p:pic>
-        <p:nvPicPr>
-          <p:cNvPr id="2" name="Picture 1">
-            <a:extLst>
-              <a:ext uri="{FF2B5EF4-FFF2-40B4-BE49-F238E27FC236}">
-                <a16:creationId xmlns:a16="http://schemas.microsoft.com/office/drawing/2014/main" id="{A7504D72-74B9-435D-A43B-515958D49785}"/>
-              </a:ext>
-            </a:extLst>
-          </p:cNvPr>
-          <p:cNvPicPr>
-            <a:picLocks noChangeAspect="1"/>
-          </p:cNvPicPr>
-          <p:nvPr/>
-        </p:nvPicPr>
-        <p:blipFill>
-          <a:blip r:embed="rId2"/>
-          <a:stretch>
-            <a:fillRect/>
-          </a:stretch>
-        </p:blipFill>
-        <p:spPr>
-          <a:xfrm>
-            <a:off x="3905163" y="3284565"/>
-            <a:ext cx="7984945" cy="2667348"/>
-          </a:xfrm>
-          <a:prstGeom prst="rect">
-            <a:avLst/>
-          </a:prstGeom>
-        </p:spPr>
-      </p:pic>
-      <p:sp>
-        <p:nvSpPr>
-          <p:cNvPr id="15" name="Title 1">
-            <a:extLst>
-              <a:ext uri="{FF2B5EF4-FFF2-40B4-BE49-F238E27FC236}">
-                <a16:creationId xmlns:a16="http://schemas.microsoft.com/office/drawing/2014/main" id="{80C51760-CB3B-4A8E-9210-F678211BA676}"/>
-              </a:ext>
-            </a:extLst>
-          </p:cNvPr>
-          <p:cNvSpPr>
-            <a:spLocks noGrp="1"/>
-          </p:cNvSpPr>
-          <p:nvPr>
-            <p:ph type="title"/>
-          </p:nvPr>
-        </p:nvSpPr>
-        <p:spPr>
-          <a:xfrm>
-            <a:off x="677333" y="609600"/>
-            <a:ext cx="9155155" cy="1320800"/>
-          </a:xfrm>
-        </p:spPr>
-        <p:txBody>
-          <a:bodyPr>
-            <a:normAutofit/>
-          </a:bodyPr>
-          <a:lstStyle/>
-          <a:p>
-            <a:r>
-              <a:rPr lang="en-US" dirty="0"/>
-              <a:t>Traffic Crashes – Evaluation/Interpretation</a:t>
-            </a:r>
-            <a:br>
-              <a:rPr lang="en-US" dirty="0"/>
-            </a:br>
-            <a:r>
-              <a:rPr lang="en-US" dirty="0"/>
-              <a:t>Results of Classification (Training)</a:t>
-            </a:r>
-          </a:p>
-        </p:txBody>
-      </p:sp>
-    </p:spTree>
-    <p:extLst>
-      <p:ext uri="{BB962C8B-B14F-4D97-AF65-F5344CB8AC3E}">
-        <p14:creationId xmlns:p14="http://schemas.microsoft.com/office/powerpoint/2010/main" val="932303325"/>
-      </p:ext>
-    </p:extLst>
-  </p:cSld>
-  <p:clrMapOvr>
-    <a:masterClrMapping/>
-  </p:clrMapOvr>
-</p:sld>
-</file>
-
-<file path=ppt/slides/slide36.xml><?xml version="1.0" encoding="utf-8"?>
-<p:sld xmlns:a="http://schemas.openxmlformats.org/drawingml/2006/main" xmlns:r="http://schemas.openxmlformats.org/officeDocument/2006/relationships" xmlns:p="http://schemas.openxmlformats.org/presentationml/2006/main">
-  <p:cSld>
-    <p:spTree>
-      <p:nvGrpSpPr>
-        <p:cNvPr id="1" name=""/>
-        <p:cNvGrpSpPr/>
-        <p:nvPr/>
-      </p:nvGrpSpPr>
-      <p:grpSpPr>
-        <a:xfrm>
-          <a:off x="0" y="0"/>
-          <a:ext cx="0" cy="0"/>
-          <a:chOff x="0" y="0"/>
-          <a:chExt cx="0" cy="0"/>
-        </a:xfrm>
-      </p:grpSpPr>
-      <p:sp>
-        <p:nvSpPr>
-          <p:cNvPr id="3" name="Content Placeholder 2">
-            <a:extLst>
-              <a:ext uri="{FF2B5EF4-FFF2-40B4-BE49-F238E27FC236}">
                 <a16:creationId xmlns:a16="http://schemas.microsoft.com/office/drawing/2014/main" id="{7A5A1B61-D05F-4843-821A-81A355FF1740}"/>
               </a:ext>
             </a:extLst>
@@ -11100,7 +10997,7 @@
 </p:sld>
 </file>
 
-<file path=ppt/slides/slide37.xml><?xml version="1.0" encoding="utf-8"?>
+<file path=ppt/slides/slide36.xml><?xml version="1.0" encoding="utf-8"?>
 <p:sld xmlns:a="http://schemas.openxmlformats.org/drawingml/2006/main" xmlns:r="http://schemas.openxmlformats.org/officeDocument/2006/relationships" xmlns:p="http://schemas.openxmlformats.org/presentationml/2006/main">
   <p:cSld>
     <p:spTree>
@@ -11268,7 +11165,7 @@
 </p:sld>
 </file>
 
-<file path=ppt/slides/slide38.xml><?xml version="1.0" encoding="utf-8"?>
+<file path=ppt/slides/slide37.xml><?xml version="1.0" encoding="utf-8"?>
 <p:sld xmlns:a="http://schemas.openxmlformats.org/drawingml/2006/main" xmlns:r="http://schemas.openxmlformats.org/officeDocument/2006/relationships" xmlns:p="http://schemas.openxmlformats.org/presentationml/2006/main">
   <p:cSld>
     <p:spTree>
@@ -11422,7 +11319,7 @@
 </p:sld>
 </file>
 
-<file path=ppt/slides/slide39.xml><?xml version="1.0" encoding="utf-8"?>
+<file path=ppt/slides/slide38.xml><?xml version="1.0" encoding="utf-8"?>
 <p:sld xmlns:a="http://schemas.openxmlformats.org/drawingml/2006/main" xmlns:r="http://schemas.openxmlformats.org/officeDocument/2006/relationships" xmlns:p="http://schemas.openxmlformats.org/presentationml/2006/main">
   <p:cSld>
     <p:spTree>
@@ -11554,6 +11451,147 @@
     <p:extLst>
       <p:ext uri="{BB962C8B-B14F-4D97-AF65-F5344CB8AC3E}">
         <p14:creationId xmlns:p14="http://schemas.microsoft.com/office/powerpoint/2010/main" val="283337453"/>
+      </p:ext>
+    </p:extLst>
+  </p:cSld>
+  <p:clrMapOvr>
+    <a:masterClrMapping/>
+  </p:clrMapOvr>
+</p:sld>
+</file>
+
+<file path=ppt/slides/slide39.xml><?xml version="1.0" encoding="utf-8"?>
+<p:sld xmlns:a="http://schemas.openxmlformats.org/drawingml/2006/main" xmlns:r="http://schemas.openxmlformats.org/officeDocument/2006/relationships" xmlns:p="http://schemas.openxmlformats.org/presentationml/2006/main">
+  <p:cSld>
+    <p:spTree>
+      <p:nvGrpSpPr>
+        <p:cNvPr id="1" name=""/>
+        <p:cNvGrpSpPr/>
+        <p:nvPr/>
+      </p:nvGrpSpPr>
+      <p:grpSpPr>
+        <a:xfrm>
+          <a:off x="0" y="0"/>
+          <a:ext cx="0" cy="0"/>
+          <a:chOff x="0" y="0"/>
+          <a:chExt cx="0" cy="0"/>
+        </a:xfrm>
+      </p:grpSpPr>
+      <p:sp>
+        <p:nvSpPr>
+          <p:cNvPr id="2" name="Title 1">
+            <a:extLst>
+              <a:ext uri="{FF2B5EF4-FFF2-40B4-BE49-F238E27FC236}">
+                <a16:creationId xmlns:a16="http://schemas.microsoft.com/office/drawing/2014/main" id="{EEC0BFB7-2A8E-40B2-91C8-D1AA77EE33B5}"/>
+              </a:ext>
+            </a:extLst>
+          </p:cNvPr>
+          <p:cNvSpPr>
+            <a:spLocks noGrp="1"/>
+          </p:cNvSpPr>
+          <p:nvPr>
+            <p:ph type="title"/>
+          </p:nvPr>
+        </p:nvSpPr>
+        <p:spPr/>
+        <p:txBody>
+          <a:bodyPr/>
+          <a:lstStyle/>
+          <a:p>
+            <a:r>
+              <a:rPr lang="en-US" dirty="0"/>
+              <a:t>Random Tree</a:t>
+            </a:r>
+          </a:p>
+        </p:txBody>
+      </p:sp>
+      <p:sp>
+        <p:nvSpPr>
+          <p:cNvPr id="3" name="Content Placeholder 2">
+            <a:extLst>
+              <a:ext uri="{FF2B5EF4-FFF2-40B4-BE49-F238E27FC236}">
+                <a16:creationId xmlns:a16="http://schemas.microsoft.com/office/drawing/2014/main" id="{DD7D4540-752E-42D7-8B67-E3C83618E10B}"/>
+              </a:ext>
+            </a:extLst>
+          </p:cNvPr>
+          <p:cNvSpPr>
+            <a:spLocks noGrp="1"/>
+          </p:cNvSpPr>
+          <p:nvPr>
+            <p:ph idx="1"/>
+          </p:nvPr>
+        </p:nvSpPr>
+        <p:spPr/>
+        <p:txBody>
+          <a:bodyPr/>
+          <a:lstStyle/>
+          <a:p>
+            <a:pPr lvl="1"/>
+            <a:r>
+              <a:rPr lang="en-US" dirty="0"/>
+              <a:t>78.7% correct classified, 21.3% incorrectly classified</a:t>
+            </a:r>
+          </a:p>
+          <a:p>
+            <a:pPr lvl="1"/>
+            <a:r>
+              <a:rPr lang="en-US" dirty="0"/>
+              <a:t>Precision = .876</a:t>
+            </a:r>
+          </a:p>
+          <a:p>
+            <a:pPr lvl="1"/>
+            <a:r>
+              <a:rPr lang="en-US" dirty="0"/>
+              <a:t>Recall = .787</a:t>
+            </a:r>
+          </a:p>
+          <a:p>
+            <a:pPr lvl="1"/>
+            <a:r>
+              <a:rPr lang="en-US" dirty="0"/>
+              <a:t>F Measure = .828</a:t>
+            </a:r>
+          </a:p>
+          <a:p>
+            <a:endParaRPr lang="en-US" dirty="0"/>
+          </a:p>
+        </p:txBody>
+      </p:sp>
+      <p:pic>
+        <p:nvPicPr>
+          <p:cNvPr id="4" name="Picture 3">
+            <a:extLst>
+              <a:ext uri="{FF2B5EF4-FFF2-40B4-BE49-F238E27FC236}">
+                <a16:creationId xmlns:a16="http://schemas.microsoft.com/office/drawing/2014/main" id="{73FC919A-5644-4402-935C-BA8705F86635}"/>
+              </a:ext>
+            </a:extLst>
+          </p:cNvPr>
+          <p:cNvPicPr>
+            <a:picLocks noChangeAspect="1"/>
+          </p:cNvPicPr>
+          <p:nvPr/>
+        </p:nvPicPr>
+        <p:blipFill>
+          <a:blip r:embed="rId2"/>
+          <a:stretch>
+            <a:fillRect/>
+          </a:stretch>
+        </p:blipFill>
+        <p:spPr>
+          <a:xfrm>
+            <a:off x="4154457" y="3137188"/>
+            <a:ext cx="7847333" cy="2748222"/>
+          </a:xfrm>
+          <a:prstGeom prst="rect">
+            <a:avLst/>
+          </a:prstGeom>
+        </p:spPr>
+      </p:pic>
+    </p:spTree>
+    <p:extLst>
+      <p:ext uri="{BB962C8B-B14F-4D97-AF65-F5344CB8AC3E}">
+        <p14:creationId xmlns:p14="http://schemas.microsoft.com/office/powerpoint/2010/main" val="2723678165"/>
       </p:ext>
     </p:extLst>
   </p:cSld>
@@ -11804,274 +11842,6 @@
           <p:cNvPr id="2" name="Title 1">
             <a:extLst>
               <a:ext uri="{FF2B5EF4-FFF2-40B4-BE49-F238E27FC236}">
-                <a16:creationId xmlns:a16="http://schemas.microsoft.com/office/drawing/2014/main" id="{E10FA47F-27B1-466C-9EF3-61339A233E53}"/>
-              </a:ext>
-            </a:extLst>
-          </p:cNvPr>
-          <p:cNvSpPr>
-            <a:spLocks noGrp="1"/>
-          </p:cNvSpPr>
-          <p:nvPr>
-            <p:ph type="title"/>
-          </p:nvPr>
-        </p:nvSpPr>
-        <p:spPr/>
-        <p:txBody>
-          <a:bodyPr/>
-          <a:lstStyle/>
-          <a:p>
-            <a:r>
-              <a:rPr lang="en-US" dirty="0"/>
-              <a:t>Decision Stump</a:t>
-            </a:r>
-          </a:p>
-        </p:txBody>
-      </p:sp>
-      <p:sp>
-        <p:nvSpPr>
-          <p:cNvPr id="3" name="Content Placeholder 2">
-            <a:extLst>
-              <a:ext uri="{FF2B5EF4-FFF2-40B4-BE49-F238E27FC236}">
-                <a16:creationId xmlns:a16="http://schemas.microsoft.com/office/drawing/2014/main" id="{99F2473E-5D1B-440B-8088-C3FCA5C74956}"/>
-              </a:ext>
-            </a:extLst>
-          </p:cNvPr>
-          <p:cNvSpPr>
-            <a:spLocks noGrp="1"/>
-          </p:cNvSpPr>
-          <p:nvPr>
-            <p:ph idx="1"/>
-          </p:nvPr>
-        </p:nvSpPr>
-        <p:spPr/>
-        <p:txBody>
-          <a:bodyPr/>
-          <a:lstStyle/>
-          <a:p>
-            <a:pPr lvl="1"/>
-            <a:r>
-              <a:rPr lang="en-US" dirty="0"/>
-              <a:t>77.1% correct classified, 22.9% incorrectly classified</a:t>
-            </a:r>
-          </a:p>
-          <a:p>
-            <a:pPr lvl="1"/>
-            <a:r>
-              <a:rPr lang="en-US" dirty="0"/>
-              <a:t>Recall = .771</a:t>
-            </a:r>
-          </a:p>
-          <a:p>
-            <a:endParaRPr lang="en-US" dirty="0"/>
-          </a:p>
-        </p:txBody>
-      </p:sp>
-      <p:pic>
-        <p:nvPicPr>
-          <p:cNvPr id="4" name="Picture 3">
-            <a:extLst>
-              <a:ext uri="{FF2B5EF4-FFF2-40B4-BE49-F238E27FC236}">
-                <a16:creationId xmlns:a16="http://schemas.microsoft.com/office/drawing/2014/main" id="{DB3AE3C3-C0D4-48E3-AF6D-810D2B3521AC}"/>
-              </a:ext>
-            </a:extLst>
-          </p:cNvPr>
-          <p:cNvPicPr>
-            <a:picLocks noChangeAspect="1"/>
-          </p:cNvPicPr>
-          <p:nvPr/>
-        </p:nvPicPr>
-        <p:blipFill>
-          <a:blip r:embed="rId2"/>
-          <a:stretch>
-            <a:fillRect/>
-          </a:stretch>
-        </p:blipFill>
-        <p:spPr>
-          <a:xfrm>
-            <a:off x="4307004" y="3429000"/>
-            <a:ext cx="7265884" cy="2401305"/>
-          </a:xfrm>
-          <a:prstGeom prst="rect">
-            <a:avLst/>
-          </a:prstGeom>
-        </p:spPr>
-      </p:pic>
-    </p:spTree>
-    <p:extLst>
-      <p:ext uri="{BB962C8B-B14F-4D97-AF65-F5344CB8AC3E}">
-        <p14:creationId xmlns:p14="http://schemas.microsoft.com/office/powerpoint/2010/main" val="918238741"/>
-      </p:ext>
-    </p:extLst>
-  </p:cSld>
-  <p:clrMapOvr>
-    <a:masterClrMapping/>
-  </p:clrMapOvr>
-</p:sld>
-</file>
-
-<file path=ppt/slides/slide41.xml><?xml version="1.0" encoding="utf-8"?>
-<p:sld xmlns:a="http://schemas.openxmlformats.org/drawingml/2006/main" xmlns:r="http://schemas.openxmlformats.org/officeDocument/2006/relationships" xmlns:p="http://schemas.openxmlformats.org/presentationml/2006/main">
-  <p:cSld>
-    <p:spTree>
-      <p:nvGrpSpPr>
-        <p:cNvPr id="1" name=""/>
-        <p:cNvGrpSpPr/>
-        <p:nvPr/>
-      </p:nvGrpSpPr>
-      <p:grpSpPr>
-        <a:xfrm>
-          <a:off x="0" y="0"/>
-          <a:ext cx="0" cy="0"/>
-          <a:chOff x="0" y="0"/>
-          <a:chExt cx="0" cy="0"/>
-        </a:xfrm>
-      </p:grpSpPr>
-      <p:sp>
-        <p:nvSpPr>
-          <p:cNvPr id="2" name="Title 1">
-            <a:extLst>
-              <a:ext uri="{FF2B5EF4-FFF2-40B4-BE49-F238E27FC236}">
-                <a16:creationId xmlns:a16="http://schemas.microsoft.com/office/drawing/2014/main" id="{EEC0BFB7-2A8E-40B2-91C8-D1AA77EE33B5}"/>
-              </a:ext>
-            </a:extLst>
-          </p:cNvPr>
-          <p:cNvSpPr>
-            <a:spLocks noGrp="1"/>
-          </p:cNvSpPr>
-          <p:nvPr>
-            <p:ph type="title"/>
-          </p:nvPr>
-        </p:nvSpPr>
-        <p:spPr/>
-        <p:txBody>
-          <a:bodyPr/>
-          <a:lstStyle/>
-          <a:p>
-            <a:r>
-              <a:rPr lang="en-US" dirty="0"/>
-              <a:t>Random Tree</a:t>
-            </a:r>
-          </a:p>
-        </p:txBody>
-      </p:sp>
-      <p:sp>
-        <p:nvSpPr>
-          <p:cNvPr id="3" name="Content Placeholder 2">
-            <a:extLst>
-              <a:ext uri="{FF2B5EF4-FFF2-40B4-BE49-F238E27FC236}">
-                <a16:creationId xmlns:a16="http://schemas.microsoft.com/office/drawing/2014/main" id="{DD7D4540-752E-42D7-8B67-E3C83618E10B}"/>
-              </a:ext>
-            </a:extLst>
-          </p:cNvPr>
-          <p:cNvSpPr>
-            <a:spLocks noGrp="1"/>
-          </p:cNvSpPr>
-          <p:nvPr>
-            <p:ph idx="1"/>
-          </p:nvPr>
-        </p:nvSpPr>
-        <p:spPr/>
-        <p:txBody>
-          <a:bodyPr/>
-          <a:lstStyle/>
-          <a:p>
-            <a:pPr lvl="1"/>
-            <a:r>
-              <a:rPr lang="en-US" dirty="0"/>
-              <a:t>78.7% correct classified, 21.3% incorrectly classified</a:t>
-            </a:r>
-          </a:p>
-          <a:p>
-            <a:pPr lvl="1"/>
-            <a:r>
-              <a:rPr lang="en-US" dirty="0"/>
-              <a:t>Precision = .876</a:t>
-            </a:r>
-          </a:p>
-          <a:p>
-            <a:pPr lvl="1"/>
-            <a:r>
-              <a:rPr lang="en-US" dirty="0"/>
-              <a:t>Recall = .787</a:t>
-            </a:r>
-          </a:p>
-          <a:p>
-            <a:pPr lvl="1"/>
-            <a:r>
-              <a:rPr lang="en-US" dirty="0"/>
-              <a:t>F Measure = .828</a:t>
-            </a:r>
-          </a:p>
-          <a:p>
-            <a:endParaRPr lang="en-US" dirty="0"/>
-          </a:p>
-        </p:txBody>
-      </p:sp>
-      <p:pic>
-        <p:nvPicPr>
-          <p:cNvPr id="4" name="Picture 3">
-            <a:extLst>
-              <a:ext uri="{FF2B5EF4-FFF2-40B4-BE49-F238E27FC236}">
-                <a16:creationId xmlns:a16="http://schemas.microsoft.com/office/drawing/2014/main" id="{73FC919A-5644-4402-935C-BA8705F86635}"/>
-              </a:ext>
-            </a:extLst>
-          </p:cNvPr>
-          <p:cNvPicPr>
-            <a:picLocks noChangeAspect="1"/>
-          </p:cNvPicPr>
-          <p:nvPr/>
-        </p:nvPicPr>
-        <p:blipFill>
-          <a:blip r:embed="rId2"/>
-          <a:stretch>
-            <a:fillRect/>
-          </a:stretch>
-        </p:blipFill>
-        <p:spPr>
-          <a:xfrm>
-            <a:off x="4154457" y="3137188"/>
-            <a:ext cx="7847333" cy="2748222"/>
-          </a:xfrm>
-          <a:prstGeom prst="rect">
-            <a:avLst/>
-          </a:prstGeom>
-        </p:spPr>
-      </p:pic>
-    </p:spTree>
-    <p:extLst>
-      <p:ext uri="{BB962C8B-B14F-4D97-AF65-F5344CB8AC3E}">
-        <p14:creationId xmlns:p14="http://schemas.microsoft.com/office/powerpoint/2010/main" val="2723678165"/>
-      </p:ext>
-    </p:extLst>
-  </p:cSld>
-  <p:clrMapOvr>
-    <a:masterClrMapping/>
-  </p:clrMapOvr>
-</p:sld>
-</file>
-
-<file path=ppt/slides/slide42.xml><?xml version="1.0" encoding="utf-8"?>
-<p:sld xmlns:a="http://schemas.openxmlformats.org/drawingml/2006/main" xmlns:r="http://schemas.openxmlformats.org/officeDocument/2006/relationships" xmlns:p="http://schemas.openxmlformats.org/presentationml/2006/main">
-  <p:cSld>
-    <p:spTree>
-      <p:nvGrpSpPr>
-        <p:cNvPr id="1" name=""/>
-        <p:cNvGrpSpPr/>
-        <p:nvPr/>
-      </p:nvGrpSpPr>
-      <p:grpSpPr>
-        <a:xfrm>
-          <a:off x="0" y="0"/>
-          <a:ext cx="0" cy="0"/>
-          <a:chOff x="0" y="0"/>
-          <a:chExt cx="0" cy="0"/>
-        </a:xfrm>
-      </p:grpSpPr>
-      <p:sp>
-        <p:nvSpPr>
-          <p:cNvPr id="2" name="Title 1">
-            <a:extLst>
-              <a:ext uri="{FF2B5EF4-FFF2-40B4-BE49-F238E27FC236}">
                 <a16:creationId xmlns:a16="http://schemas.microsoft.com/office/drawing/2014/main" id="{A6AFD214-47DA-4272-9735-43B11E7836BF}"/>
               </a:ext>
             </a:extLst>
@@ -12191,7 +11961,7 @@
 </p:sld>
 </file>
 
-<file path=ppt/slides/slide43.xml><?xml version="1.0" encoding="utf-8"?>
+<file path=ppt/slides/slide41.xml><?xml version="1.0" encoding="utf-8"?>
 <p:sld xmlns:a="http://schemas.openxmlformats.org/drawingml/2006/main" xmlns:r="http://schemas.openxmlformats.org/officeDocument/2006/relationships" xmlns:p="http://schemas.openxmlformats.org/presentationml/2006/main">
   <p:cSld>
     <p:spTree>
@@ -12299,7 +12069,7 @@
             </a:pPr>
             <a:r>
               <a:rPr lang="en-US" sz="2400" b="1" dirty="0"/>
-              <a:t>Nabil: Naïve Bayes (F-Score 0.64)</a:t>
+              <a:t>Naïve Bayes (F-Score 0.64)</a:t>
             </a:r>
           </a:p>
         </p:txBody>
@@ -12317,7 +12087,7 @@
 </p:sld>
 </file>
 
-<file path=ppt/slides/slide44.xml><?xml version="1.0" encoding="utf-8"?>
+<file path=ppt/slides/slide42.xml><?xml version="1.0" encoding="utf-8"?>
 <p:sld xmlns:a="http://schemas.openxmlformats.org/drawingml/2006/main" xmlns:r="http://schemas.openxmlformats.org/officeDocument/2006/relationships" xmlns:p="http://schemas.openxmlformats.org/presentationml/2006/main">
   <p:cSld>
     <p:spTree>
@@ -12395,7 +12165,7 @@
             </a:pPr>
             <a:r>
               <a:rPr lang="en-US" sz="2400" b="1" dirty="0"/>
-              <a:t>Hamza: Random Forest (F-Score 0.88)</a:t>
+              <a:t>Random Forest (F-Score 0.88)</a:t>
             </a:r>
           </a:p>
         </p:txBody>
@@ -12443,7 +12213,7 @@
 </p:sld>
 </file>
 
-<file path=ppt/slides/slide45.xml><?xml version="1.0" encoding="utf-8"?>
+<file path=ppt/slides/slide43.xml><?xml version="1.0" encoding="utf-8"?>
 <p:sld xmlns:a="http://schemas.openxmlformats.org/drawingml/2006/main" xmlns:r="http://schemas.openxmlformats.org/officeDocument/2006/relationships" xmlns:p="http://schemas.openxmlformats.org/presentationml/2006/main">
   <p:cSld>
     <p:spTree>
@@ -12516,6 +12286,12 @@
           <a:p>
             <a:r>
               <a:rPr lang="en-US" dirty="0"/>
+              <a:t>Overall. overfitting didn’t occur as it worked on never seen before 2017 data</a:t>
+            </a:r>
+          </a:p>
+          <a:p>
+            <a:r>
+              <a:rPr lang="en-US" dirty="0"/>
               <a:t>Results were very interesting and some were surprising</a:t>
             </a:r>
           </a:p>
@@ -12529,12 +12305,8 @@
           <a:p>
             <a:pPr lvl="1"/>
             <a:r>
-              <a:rPr lang="en-US"/>
-              <a:t>Possible explanation: </a:t>
-            </a:r>
-            <a:r>
-              <a:rPr lang="en-US" dirty="0"/>
-              <a:t>Laws work</a:t>
+              <a:rPr lang="en-US" dirty="0"/>
+              <a:t>Possible explanation: Laws work</a:t>
             </a:r>
           </a:p>
           <a:p>
@@ -12585,7 +12357,7 @@
 </p:sld>
 </file>
 
-<file path=ppt/slides/slide46.xml><?xml version="1.0" encoding="utf-8"?>
+<file path=ppt/slides/slide44.xml><?xml version="1.0" encoding="utf-8"?>
 <p:sld xmlns:a="http://schemas.openxmlformats.org/drawingml/2006/main" xmlns:r="http://schemas.openxmlformats.org/officeDocument/2006/relationships" xmlns:p="http://schemas.openxmlformats.org/presentationml/2006/main">
   <p:cSld>
     <p:spTree>

--- a/Slides/An Investigation.pptx
+++ b/Slides/An Investigation.pptx
@@ -563,7 +563,10 @@
           <a:bodyPr/>
           <a:lstStyle/>
           <a:p>
-            <a:endParaRPr lang="en-US" dirty="0"/>
+            <a:r>
+              <a:rPr lang="en-US" dirty="0"/>
+              <a:t>2 minutes</a:t>
+            </a:r>
           </a:p>
         </p:txBody>
       </p:sp>
@@ -584,7 +587,7 @@
           <a:p>
             <a:fld id="{DD64920E-5384-4F8F-B917-AD70FEF637A3}" type="slidenum">
               <a:rPr lang="en-US" smtClean="0"/>
-              <a:t>12</a:t>
+              <a:t>7</a:t>
             </a:fld>
             <a:endParaRPr lang="en-US"/>
           </a:p>
@@ -593,7 +596,439 @@
     </p:spTree>
     <p:extLst>
       <p:ext uri="{BB962C8B-B14F-4D97-AF65-F5344CB8AC3E}">
-        <p14:creationId xmlns:p14="http://schemas.microsoft.com/office/powerpoint/2010/main" val="3307588133"/>
+        <p14:creationId xmlns:p14="http://schemas.microsoft.com/office/powerpoint/2010/main" val="310306875"/>
+      </p:ext>
+    </p:extLst>
+  </p:cSld>
+  <p:clrMapOvr>
+    <a:masterClrMapping/>
+  </p:clrMapOvr>
+</p:notes>
+</file>
+
+<file path=ppt/notesSlides/notesSlide10.xml><?xml version="1.0" encoding="utf-8"?>
+<p:notes xmlns:a="http://schemas.openxmlformats.org/drawingml/2006/main" xmlns:r="http://schemas.openxmlformats.org/officeDocument/2006/relationships" xmlns:p="http://schemas.openxmlformats.org/presentationml/2006/main">
+  <p:cSld>
+    <p:spTree>
+      <p:nvGrpSpPr>
+        <p:cNvPr id="1" name=""/>
+        <p:cNvGrpSpPr/>
+        <p:nvPr/>
+      </p:nvGrpSpPr>
+      <p:grpSpPr>
+        <a:xfrm>
+          <a:off x="0" y="0"/>
+          <a:ext cx="0" cy="0"/>
+          <a:chOff x="0" y="0"/>
+          <a:chExt cx="0" cy="0"/>
+        </a:xfrm>
+      </p:grpSpPr>
+      <p:sp>
+        <p:nvSpPr>
+          <p:cNvPr id="2" name="Slide Image Placeholder 1"/>
+          <p:cNvSpPr>
+            <a:spLocks noGrp="1" noRot="1" noChangeAspect="1"/>
+          </p:cNvSpPr>
+          <p:nvPr>
+            <p:ph type="sldImg"/>
+          </p:nvPr>
+        </p:nvSpPr>
+        <p:spPr/>
+      </p:sp>
+      <p:sp>
+        <p:nvSpPr>
+          <p:cNvPr id="3" name="Notes Placeholder 2"/>
+          <p:cNvSpPr>
+            <a:spLocks noGrp="1"/>
+          </p:cNvSpPr>
+          <p:nvPr>
+            <p:ph type="body" idx="1"/>
+          </p:nvPr>
+        </p:nvSpPr>
+        <p:spPr/>
+        <p:txBody>
+          <a:bodyPr/>
+          <a:lstStyle/>
+          <a:p>
+            <a:r>
+              <a:rPr lang="en-US" dirty="0"/>
+              <a:t>6:30</a:t>
+            </a:r>
+          </a:p>
+        </p:txBody>
+      </p:sp>
+      <p:sp>
+        <p:nvSpPr>
+          <p:cNvPr id="4" name="Slide Number Placeholder 3"/>
+          <p:cNvSpPr>
+            <a:spLocks noGrp="1"/>
+          </p:cNvSpPr>
+          <p:nvPr>
+            <p:ph type="sldNum" sz="quarter" idx="5"/>
+          </p:nvPr>
+        </p:nvSpPr>
+        <p:spPr/>
+        <p:txBody>
+          <a:bodyPr/>
+          <a:lstStyle/>
+          <a:p>
+            <a:fld id="{DD64920E-5384-4F8F-B917-AD70FEF637A3}" type="slidenum">
+              <a:rPr lang="en-US" smtClean="0"/>
+              <a:t>32</a:t>
+            </a:fld>
+            <a:endParaRPr lang="en-US"/>
+          </a:p>
+        </p:txBody>
+      </p:sp>
+    </p:spTree>
+    <p:extLst>
+      <p:ext uri="{BB962C8B-B14F-4D97-AF65-F5344CB8AC3E}">
+        <p14:creationId xmlns:p14="http://schemas.microsoft.com/office/powerpoint/2010/main" val="4156105331"/>
+      </p:ext>
+    </p:extLst>
+  </p:cSld>
+  <p:clrMapOvr>
+    <a:masterClrMapping/>
+  </p:clrMapOvr>
+</p:notes>
+</file>
+
+<file path=ppt/notesSlides/notesSlide11.xml><?xml version="1.0" encoding="utf-8"?>
+<p:notes xmlns:a="http://schemas.openxmlformats.org/drawingml/2006/main" xmlns:r="http://schemas.openxmlformats.org/officeDocument/2006/relationships" xmlns:p="http://schemas.openxmlformats.org/presentationml/2006/main">
+  <p:cSld>
+    <p:spTree>
+      <p:nvGrpSpPr>
+        <p:cNvPr id="1" name=""/>
+        <p:cNvGrpSpPr/>
+        <p:nvPr/>
+      </p:nvGrpSpPr>
+      <p:grpSpPr>
+        <a:xfrm>
+          <a:off x="0" y="0"/>
+          <a:ext cx="0" cy="0"/>
+          <a:chOff x="0" y="0"/>
+          <a:chExt cx="0" cy="0"/>
+        </a:xfrm>
+      </p:grpSpPr>
+      <p:sp>
+        <p:nvSpPr>
+          <p:cNvPr id="2" name="Slide Image Placeholder 1"/>
+          <p:cNvSpPr>
+            <a:spLocks noGrp="1" noRot="1" noChangeAspect="1"/>
+          </p:cNvSpPr>
+          <p:nvPr>
+            <p:ph type="sldImg"/>
+          </p:nvPr>
+        </p:nvSpPr>
+        <p:spPr/>
+      </p:sp>
+      <p:sp>
+        <p:nvSpPr>
+          <p:cNvPr id="3" name="Notes Placeholder 2"/>
+          <p:cNvSpPr>
+            <a:spLocks noGrp="1"/>
+          </p:cNvSpPr>
+          <p:nvPr>
+            <p:ph type="body" idx="1"/>
+          </p:nvPr>
+        </p:nvSpPr>
+        <p:spPr/>
+        <p:txBody>
+          <a:bodyPr/>
+          <a:lstStyle/>
+          <a:p>
+            <a:endParaRPr lang="en-US" dirty="0"/>
+          </a:p>
+        </p:txBody>
+      </p:sp>
+      <p:sp>
+        <p:nvSpPr>
+          <p:cNvPr id="4" name="Slide Number Placeholder 3"/>
+          <p:cNvSpPr>
+            <a:spLocks noGrp="1"/>
+          </p:cNvSpPr>
+          <p:nvPr>
+            <p:ph type="sldNum" sz="quarter" idx="5"/>
+          </p:nvPr>
+        </p:nvSpPr>
+        <p:spPr/>
+        <p:txBody>
+          <a:bodyPr/>
+          <a:lstStyle/>
+          <a:p>
+            <a:fld id="{DD64920E-5384-4F8F-B917-AD70FEF637A3}" type="slidenum">
+              <a:rPr lang="en-US" smtClean="0"/>
+              <a:t>37</a:t>
+            </a:fld>
+            <a:endParaRPr lang="en-US"/>
+          </a:p>
+        </p:txBody>
+      </p:sp>
+    </p:spTree>
+    <p:extLst>
+      <p:ext uri="{BB962C8B-B14F-4D97-AF65-F5344CB8AC3E}">
+        <p14:creationId xmlns:p14="http://schemas.microsoft.com/office/powerpoint/2010/main" val="2049605612"/>
+      </p:ext>
+    </p:extLst>
+  </p:cSld>
+  <p:clrMapOvr>
+    <a:masterClrMapping/>
+  </p:clrMapOvr>
+</p:notes>
+</file>
+
+<file path=ppt/notesSlides/notesSlide12.xml><?xml version="1.0" encoding="utf-8"?>
+<p:notes xmlns:a="http://schemas.openxmlformats.org/drawingml/2006/main" xmlns:r="http://schemas.openxmlformats.org/officeDocument/2006/relationships" xmlns:p="http://schemas.openxmlformats.org/presentationml/2006/main">
+  <p:cSld>
+    <p:spTree>
+      <p:nvGrpSpPr>
+        <p:cNvPr id="1" name=""/>
+        <p:cNvGrpSpPr/>
+        <p:nvPr/>
+      </p:nvGrpSpPr>
+      <p:grpSpPr>
+        <a:xfrm>
+          <a:off x="0" y="0"/>
+          <a:ext cx="0" cy="0"/>
+          <a:chOff x="0" y="0"/>
+          <a:chExt cx="0" cy="0"/>
+        </a:xfrm>
+      </p:grpSpPr>
+      <p:sp>
+        <p:nvSpPr>
+          <p:cNvPr id="2" name="Slide Image Placeholder 1"/>
+          <p:cNvSpPr>
+            <a:spLocks noGrp="1" noRot="1" noChangeAspect="1"/>
+          </p:cNvSpPr>
+          <p:nvPr>
+            <p:ph type="sldImg"/>
+          </p:nvPr>
+        </p:nvSpPr>
+        <p:spPr/>
+      </p:sp>
+      <p:sp>
+        <p:nvSpPr>
+          <p:cNvPr id="3" name="Notes Placeholder 2"/>
+          <p:cNvSpPr>
+            <a:spLocks noGrp="1"/>
+          </p:cNvSpPr>
+          <p:nvPr>
+            <p:ph type="body" idx="1"/>
+          </p:nvPr>
+        </p:nvSpPr>
+        <p:spPr/>
+        <p:txBody>
+          <a:bodyPr/>
+          <a:lstStyle/>
+          <a:p>
+            <a:r>
+              <a:rPr lang="en-US" dirty="0"/>
+              <a:t>8 minutes</a:t>
+            </a:r>
+          </a:p>
+        </p:txBody>
+      </p:sp>
+      <p:sp>
+        <p:nvSpPr>
+          <p:cNvPr id="4" name="Slide Number Placeholder 3"/>
+          <p:cNvSpPr>
+            <a:spLocks noGrp="1"/>
+          </p:cNvSpPr>
+          <p:nvPr>
+            <p:ph type="sldNum" sz="quarter" idx="5"/>
+          </p:nvPr>
+        </p:nvSpPr>
+        <p:spPr/>
+        <p:txBody>
+          <a:bodyPr/>
+          <a:lstStyle/>
+          <a:p>
+            <a:fld id="{DD64920E-5384-4F8F-B917-AD70FEF637A3}" type="slidenum">
+              <a:rPr lang="en-US" smtClean="0"/>
+              <a:t>40</a:t>
+            </a:fld>
+            <a:endParaRPr lang="en-US"/>
+          </a:p>
+        </p:txBody>
+      </p:sp>
+    </p:spTree>
+    <p:extLst>
+      <p:ext uri="{BB962C8B-B14F-4D97-AF65-F5344CB8AC3E}">
+        <p14:creationId xmlns:p14="http://schemas.microsoft.com/office/powerpoint/2010/main" val="3066518556"/>
+      </p:ext>
+    </p:extLst>
+  </p:cSld>
+  <p:clrMapOvr>
+    <a:masterClrMapping/>
+  </p:clrMapOvr>
+</p:notes>
+</file>
+
+<file path=ppt/notesSlides/notesSlide13.xml><?xml version="1.0" encoding="utf-8"?>
+<p:notes xmlns:a="http://schemas.openxmlformats.org/drawingml/2006/main" xmlns:r="http://schemas.openxmlformats.org/officeDocument/2006/relationships" xmlns:p="http://schemas.openxmlformats.org/presentationml/2006/main">
+  <p:cSld>
+    <p:spTree>
+      <p:nvGrpSpPr>
+        <p:cNvPr id="1" name=""/>
+        <p:cNvGrpSpPr/>
+        <p:nvPr/>
+      </p:nvGrpSpPr>
+      <p:grpSpPr>
+        <a:xfrm>
+          <a:off x="0" y="0"/>
+          <a:ext cx="0" cy="0"/>
+          <a:chOff x="0" y="0"/>
+          <a:chExt cx="0" cy="0"/>
+        </a:xfrm>
+      </p:grpSpPr>
+      <p:sp>
+        <p:nvSpPr>
+          <p:cNvPr id="2" name="Slide Image Placeholder 1"/>
+          <p:cNvSpPr>
+            <a:spLocks noGrp="1" noRot="1" noChangeAspect="1"/>
+          </p:cNvSpPr>
+          <p:nvPr>
+            <p:ph type="sldImg"/>
+          </p:nvPr>
+        </p:nvSpPr>
+        <p:spPr/>
+      </p:sp>
+      <p:sp>
+        <p:nvSpPr>
+          <p:cNvPr id="3" name="Notes Placeholder 2"/>
+          <p:cNvSpPr>
+            <a:spLocks noGrp="1"/>
+          </p:cNvSpPr>
+          <p:nvPr>
+            <p:ph type="body" idx="1"/>
+          </p:nvPr>
+        </p:nvSpPr>
+        <p:spPr/>
+        <p:txBody>
+          <a:bodyPr/>
+          <a:lstStyle/>
+          <a:p>
+            <a:r>
+              <a:rPr lang="en-US" dirty="0"/>
+              <a:t>9 minutes</a:t>
+            </a:r>
+          </a:p>
+        </p:txBody>
+      </p:sp>
+      <p:sp>
+        <p:nvSpPr>
+          <p:cNvPr id="4" name="Slide Number Placeholder 3"/>
+          <p:cNvSpPr>
+            <a:spLocks noGrp="1"/>
+          </p:cNvSpPr>
+          <p:nvPr>
+            <p:ph type="sldNum" sz="quarter" idx="5"/>
+          </p:nvPr>
+        </p:nvSpPr>
+        <p:spPr/>
+        <p:txBody>
+          <a:bodyPr/>
+          <a:lstStyle/>
+          <a:p>
+            <a:fld id="{DD64920E-5384-4F8F-B917-AD70FEF637A3}" type="slidenum">
+              <a:rPr lang="en-US" smtClean="0"/>
+              <a:t>42</a:t>
+            </a:fld>
+            <a:endParaRPr lang="en-US"/>
+          </a:p>
+        </p:txBody>
+      </p:sp>
+    </p:spTree>
+    <p:extLst>
+      <p:ext uri="{BB962C8B-B14F-4D97-AF65-F5344CB8AC3E}">
+        <p14:creationId xmlns:p14="http://schemas.microsoft.com/office/powerpoint/2010/main" val="242961623"/>
+      </p:ext>
+    </p:extLst>
+  </p:cSld>
+  <p:clrMapOvr>
+    <a:masterClrMapping/>
+  </p:clrMapOvr>
+</p:notes>
+</file>
+
+<file path=ppt/notesSlides/notesSlide14.xml><?xml version="1.0" encoding="utf-8"?>
+<p:notes xmlns:a="http://schemas.openxmlformats.org/drawingml/2006/main" xmlns:r="http://schemas.openxmlformats.org/officeDocument/2006/relationships" xmlns:p="http://schemas.openxmlformats.org/presentationml/2006/main">
+  <p:cSld>
+    <p:spTree>
+      <p:nvGrpSpPr>
+        <p:cNvPr id="1" name=""/>
+        <p:cNvGrpSpPr/>
+        <p:nvPr/>
+      </p:nvGrpSpPr>
+      <p:grpSpPr>
+        <a:xfrm>
+          <a:off x="0" y="0"/>
+          <a:ext cx="0" cy="0"/>
+          <a:chOff x="0" y="0"/>
+          <a:chExt cx="0" cy="0"/>
+        </a:xfrm>
+      </p:grpSpPr>
+      <p:sp>
+        <p:nvSpPr>
+          <p:cNvPr id="2" name="Slide Image Placeholder 1"/>
+          <p:cNvSpPr>
+            <a:spLocks noGrp="1" noRot="1" noChangeAspect="1"/>
+          </p:cNvSpPr>
+          <p:nvPr>
+            <p:ph type="sldImg"/>
+          </p:nvPr>
+        </p:nvSpPr>
+        <p:spPr/>
+      </p:sp>
+      <p:sp>
+        <p:nvSpPr>
+          <p:cNvPr id="3" name="Notes Placeholder 2"/>
+          <p:cNvSpPr>
+            <a:spLocks noGrp="1"/>
+          </p:cNvSpPr>
+          <p:nvPr>
+            <p:ph type="body" idx="1"/>
+          </p:nvPr>
+        </p:nvSpPr>
+        <p:spPr/>
+        <p:txBody>
+          <a:bodyPr/>
+          <a:lstStyle/>
+          <a:p>
+            <a:r>
+              <a:rPr lang="en-US" dirty="0"/>
+              <a:t>10 minutes</a:t>
+            </a:r>
+          </a:p>
+        </p:txBody>
+      </p:sp>
+      <p:sp>
+        <p:nvSpPr>
+          <p:cNvPr id="4" name="Slide Number Placeholder 3"/>
+          <p:cNvSpPr>
+            <a:spLocks noGrp="1"/>
+          </p:cNvSpPr>
+          <p:nvPr>
+            <p:ph type="sldNum" sz="quarter" idx="5"/>
+          </p:nvPr>
+        </p:nvSpPr>
+        <p:spPr/>
+        <p:txBody>
+          <a:bodyPr/>
+          <a:lstStyle/>
+          <a:p>
+            <a:fld id="{DD64920E-5384-4F8F-B917-AD70FEF637A3}" type="slidenum">
+              <a:rPr lang="en-US" smtClean="0"/>
+              <a:t>43</a:t>
+            </a:fld>
+            <a:endParaRPr lang="en-US"/>
+          </a:p>
+        </p:txBody>
+      </p:sp>
+    </p:spTree>
+    <p:extLst>
+      <p:ext uri="{BB962C8B-B14F-4D97-AF65-F5344CB8AC3E}">
+        <p14:creationId xmlns:p14="http://schemas.microsoft.com/office/powerpoint/2010/main" val="3324877163"/>
       </p:ext>
     </p:extLst>
   </p:cSld>
@@ -647,7 +1082,10 @@
           <a:bodyPr/>
           <a:lstStyle/>
           <a:p>
-            <a:endParaRPr lang="en-US" dirty="0"/>
+            <a:r>
+              <a:rPr lang="en-US" dirty="0"/>
+              <a:t>3 minutes</a:t>
+            </a:r>
           </a:p>
         </p:txBody>
       </p:sp>
@@ -668,7 +1106,7 @@
           <a:p>
             <a:fld id="{DD64920E-5384-4F8F-B917-AD70FEF637A3}" type="slidenum">
               <a:rPr lang="en-US" smtClean="0"/>
-              <a:t>21</a:t>
+              <a:t>11</a:t>
             </a:fld>
             <a:endParaRPr lang="en-US"/>
           </a:p>
@@ -677,7 +1115,7 @@
     </p:spTree>
     <p:extLst>
       <p:ext uri="{BB962C8B-B14F-4D97-AF65-F5344CB8AC3E}">
-        <p14:creationId xmlns:p14="http://schemas.microsoft.com/office/powerpoint/2010/main" val="1811259062"/>
+        <p14:creationId xmlns:p14="http://schemas.microsoft.com/office/powerpoint/2010/main" val="3423189457"/>
       </p:ext>
     </p:extLst>
   </p:cSld>
@@ -752,7 +1190,7 @@
           <a:p>
             <a:fld id="{DD64920E-5384-4F8F-B917-AD70FEF637A3}" type="slidenum">
               <a:rPr lang="en-US" smtClean="0"/>
-              <a:t>26</a:t>
+              <a:t>12</a:t>
             </a:fld>
             <a:endParaRPr lang="en-US"/>
           </a:p>
@@ -761,7 +1199,7 @@
     </p:spTree>
     <p:extLst>
       <p:ext uri="{BB962C8B-B14F-4D97-AF65-F5344CB8AC3E}">
-        <p14:creationId xmlns:p14="http://schemas.microsoft.com/office/powerpoint/2010/main" val="2623946945"/>
+        <p14:creationId xmlns:p14="http://schemas.microsoft.com/office/powerpoint/2010/main" val="3307588133"/>
       </p:ext>
     </p:extLst>
   </p:cSld>
@@ -836,7 +1274,7 @@
           <a:p>
             <a:fld id="{DD64920E-5384-4F8F-B917-AD70FEF637A3}" type="slidenum">
               <a:rPr lang="en-US" smtClean="0"/>
-              <a:t>31</a:t>
+              <a:t>21</a:t>
             </a:fld>
             <a:endParaRPr lang="en-US"/>
           </a:p>
@@ -845,7 +1283,7 @@
     </p:spTree>
     <p:extLst>
       <p:ext uri="{BB962C8B-B14F-4D97-AF65-F5344CB8AC3E}">
-        <p14:creationId xmlns:p14="http://schemas.microsoft.com/office/powerpoint/2010/main" val="2628881268"/>
+        <p14:creationId xmlns:p14="http://schemas.microsoft.com/office/powerpoint/2010/main" val="1811259062"/>
       </p:ext>
     </p:extLst>
   </p:cSld>
@@ -899,7 +1337,10 @@
           <a:bodyPr/>
           <a:lstStyle/>
           <a:p>
-            <a:endParaRPr lang="en-US" dirty="0"/>
+            <a:r>
+              <a:rPr lang="en-US" dirty="0"/>
+              <a:t>4:30</a:t>
+            </a:r>
           </a:p>
         </p:txBody>
       </p:sp>
@@ -920,7 +1361,7 @@
           <a:p>
             <a:fld id="{DD64920E-5384-4F8F-B917-AD70FEF637A3}" type="slidenum">
               <a:rPr lang="en-US" smtClean="0"/>
-              <a:t>37</a:t>
+              <a:t>23</a:t>
             </a:fld>
             <a:endParaRPr lang="en-US"/>
           </a:p>
@@ -929,7 +1370,352 @@
     </p:spTree>
     <p:extLst>
       <p:ext uri="{BB962C8B-B14F-4D97-AF65-F5344CB8AC3E}">
-        <p14:creationId xmlns:p14="http://schemas.microsoft.com/office/powerpoint/2010/main" val="2049605612"/>
+        <p14:creationId xmlns:p14="http://schemas.microsoft.com/office/powerpoint/2010/main" val="941407022"/>
+      </p:ext>
+    </p:extLst>
+  </p:cSld>
+  <p:clrMapOvr>
+    <a:masterClrMapping/>
+  </p:clrMapOvr>
+</p:notes>
+</file>
+
+<file path=ppt/notesSlides/notesSlide6.xml><?xml version="1.0" encoding="utf-8"?>
+<p:notes xmlns:a="http://schemas.openxmlformats.org/drawingml/2006/main" xmlns:r="http://schemas.openxmlformats.org/officeDocument/2006/relationships" xmlns:p="http://schemas.openxmlformats.org/presentationml/2006/main">
+  <p:cSld>
+    <p:spTree>
+      <p:nvGrpSpPr>
+        <p:cNvPr id="1" name=""/>
+        <p:cNvGrpSpPr/>
+        <p:nvPr/>
+      </p:nvGrpSpPr>
+      <p:grpSpPr>
+        <a:xfrm>
+          <a:off x="0" y="0"/>
+          <a:ext cx="0" cy="0"/>
+          <a:chOff x="0" y="0"/>
+          <a:chExt cx="0" cy="0"/>
+        </a:xfrm>
+      </p:grpSpPr>
+      <p:sp>
+        <p:nvSpPr>
+          <p:cNvPr id="2" name="Slide Image Placeholder 1"/>
+          <p:cNvSpPr>
+            <a:spLocks noGrp="1" noRot="1" noChangeAspect="1"/>
+          </p:cNvSpPr>
+          <p:nvPr>
+            <p:ph type="sldImg"/>
+          </p:nvPr>
+        </p:nvSpPr>
+        <p:spPr/>
+      </p:sp>
+      <p:sp>
+        <p:nvSpPr>
+          <p:cNvPr id="3" name="Notes Placeholder 2"/>
+          <p:cNvSpPr>
+            <a:spLocks noGrp="1"/>
+          </p:cNvSpPr>
+          <p:nvPr>
+            <p:ph type="body" idx="1"/>
+          </p:nvPr>
+        </p:nvSpPr>
+        <p:spPr/>
+        <p:txBody>
+          <a:bodyPr/>
+          <a:lstStyle/>
+          <a:p>
+            <a:r>
+              <a:rPr lang="en-US" dirty="0"/>
+              <a:t>5 minutes</a:t>
+            </a:r>
+          </a:p>
+        </p:txBody>
+      </p:sp>
+      <p:sp>
+        <p:nvSpPr>
+          <p:cNvPr id="4" name="Slide Number Placeholder 3"/>
+          <p:cNvSpPr>
+            <a:spLocks noGrp="1"/>
+          </p:cNvSpPr>
+          <p:nvPr>
+            <p:ph type="sldNum" sz="quarter" idx="5"/>
+          </p:nvPr>
+        </p:nvSpPr>
+        <p:spPr/>
+        <p:txBody>
+          <a:bodyPr/>
+          <a:lstStyle/>
+          <a:p>
+            <a:fld id="{DD64920E-5384-4F8F-B917-AD70FEF637A3}" type="slidenum">
+              <a:rPr lang="en-US" smtClean="0"/>
+              <a:t>25</a:t>
+            </a:fld>
+            <a:endParaRPr lang="en-US"/>
+          </a:p>
+        </p:txBody>
+      </p:sp>
+    </p:spTree>
+    <p:extLst>
+      <p:ext uri="{BB962C8B-B14F-4D97-AF65-F5344CB8AC3E}">
+        <p14:creationId xmlns:p14="http://schemas.microsoft.com/office/powerpoint/2010/main" val="1700299795"/>
+      </p:ext>
+    </p:extLst>
+  </p:cSld>
+  <p:clrMapOvr>
+    <a:masterClrMapping/>
+  </p:clrMapOvr>
+</p:notes>
+</file>
+
+<file path=ppt/notesSlides/notesSlide7.xml><?xml version="1.0" encoding="utf-8"?>
+<p:notes xmlns:a="http://schemas.openxmlformats.org/drawingml/2006/main" xmlns:r="http://schemas.openxmlformats.org/officeDocument/2006/relationships" xmlns:p="http://schemas.openxmlformats.org/presentationml/2006/main">
+  <p:cSld>
+    <p:spTree>
+      <p:nvGrpSpPr>
+        <p:cNvPr id="1" name=""/>
+        <p:cNvGrpSpPr/>
+        <p:nvPr/>
+      </p:nvGrpSpPr>
+      <p:grpSpPr>
+        <a:xfrm>
+          <a:off x="0" y="0"/>
+          <a:ext cx="0" cy="0"/>
+          <a:chOff x="0" y="0"/>
+          <a:chExt cx="0" cy="0"/>
+        </a:xfrm>
+      </p:grpSpPr>
+      <p:sp>
+        <p:nvSpPr>
+          <p:cNvPr id="2" name="Slide Image Placeholder 1"/>
+          <p:cNvSpPr>
+            <a:spLocks noGrp="1" noRot="1" noChangeAspect="1"/>
+          </p:cNvSpPr>
+          <p:nvPr>
+            <p:ph type="sldImg"/>
+          </p:nvPr>
+        </p:nvSpPr>
+        <p:spPr/>
+      </p:sp>
+      <p:sp>
+        <p:nvSpPr>
+          <p:cNvPr id="3" name="Notes Placeholder 2"/>
+          <p:cNvSpPr>
+            <a:spLocks noGrp="1"/>
+          </p:cNvSpPr>
+          <p:nvPr>
+            <p:ph type="body" idx="1"/>
+          </p:nvPr>
+        </p:nvSpPr>
+        <p:spPr/>
+        <p:txBody>
+          <a:bodyPr/>
+          <a:lstStyle/>
+          <a:p>
+            <a:endParaRPr lang="en-US" dirty="0"/>
+          </a:p>
+        </p:txBody>
+      </p:sp>
+      <p:sp>
+        <p:nvSpPr>
+          <p:cNvPr id="4" name="Slide Number Placeholder 3"/>
+          <p:cNvSpPr>
+            <a:spLocks noGrp="1"/>
+          </p:cNvSpPr>
+          <p:nvPr>
+            <p:ph type="sldNum" sz="quarter" idx="5"/>
+          </p:nvPr>
+        </p:nvSpPr>
+        <p:spPr/>
+        <p:txBody>
+          <a:bodyPr/>
+          <a:lstStyle/>
+          <a:p>
+            <a:fld id="{DD64920E-5384-4F8F-B917-AD70FEF637A3}" type="slidenum">
+              <a:rPr lang="en-US" smtClean="0"/>
+              <a:t>26</a:t>
+            </a:fld>
+            <a:endParaRPr lang="en-US"/>
+          </a:p>
+        </p:txBody>
+      </p:sp>
+    </p:spTree>
+    <p:extLst>
+      <p:ext uri="{BB962C8B-B14F-4D97-AF65-F5344CB8AC3E}">
+        <p14:creationId xmlns:p14="http://schemas.microsoft.com/office/powerpoint/2010/main" val="2623946945"/>
+      </p:ext>
+    </p:extLst>
+  </p:cSld>
+  <p:clrMapOvr>
+    <a:masterClrMapping/>
+  </p:clrMapOvr>
+</p:notes>
+</file>
+
+<file path=ppt/notesSlides/notesSlide8.xml><?xml version="1.0" encoding="utf-8"?>
+<p:notes xmlns:a="http://schemas.openxmlformats.org/drawingml/2006/main" xmlns:r="http://schemas.openxmlformats.org/officeDocument/2006/relationships" xmlns:p="http://schemas.openxmlformats.org/presentationml/2006/main">
+  <p:cSld>
+    <p:spTree>
+      <p:nvGrpSpPr>
+        <p:cNvPr id="1" name=""/>
+        <p:cNvGrpSpPr/>
+        <p:nvPr/>
+      </p:nvGrpSpPr>
+      <p:grpSpPr>
+        <a:xfrm>
+          <a:off x="0" y="0"/>
+          <a:ext cx="0" cy="0"/>
+          <a:chOff x="0" y="0"/>
+          <a:chExt cx="0" cy="0"/>
+        </a:xfrm>
+      </p:grpSpPr>
+      <p:sp>
+        <p:nvSpPr>
+          <p:cNvPr id="2" name="Slide Image Placeholder 1"/>
+          <p:cNvSpPr>
+            <a:spLocks noGrp="1" noRot="1" noChangeAspect="1"/>
+          </p:cNvSpPr>
+          <p:nvPr>
+            <p:ph type="sldImg"/>
+          </p:nvPr>
+        </p:nvSpPr>
+        <p:spPr/>
+      </p:sp>
+      <p:sp>
+        <p:nvSpPr>
+          <p:cNvPr id="3" name="Notes Placeholder 2"/>
+          <p:cNvSpPr>
+            <a:spLocks noGrp="1"/>
+          </p:cNvSpPr>
+          <p:nvPr>
+            <p:ph type="body" idx="1"/>
+          </p:nvPr>
+        </p:nvSpPr>
+        <p:spPr/>
+        <p:txBody>
+          <a:bodyPr/>
+          <a:lstStyle/>
+          <a:p>
+            <a:r>
+              <a:rPr lang="en-US" dirty="0"/>
+              <a:t>5:30</a:t>
+            </a:r>
+          </a:p>
+        </p:txBody>
+      </p:sp>
+      <p:sp>
+        <p:nvSpPr>
+          <p:cNvPr id="4" name="Slide Number Placeholder 3"/>
+          <p:cNvSpPr>
+            <a:spLocks noGrp="1"/>
+          </p:cNvSpPr>
+          <p:nvPr>
+            <p:ph type="sldNum" sz="quarter" idx="5"/>
+          </p:nvPr>
+        </p:nvSpPr>
+        <p:spPr/>
+        <p:txBody>
+          <a:bodyPr/>
+          <a:lstStyle/>
+          <a:p>
+            <a:fld id="{DD64920E-5384-4F8F-B917-AD70FEF637A3}" type="slidenum">
+              <a:rPr lang="en-US" smtClean="0"/>
+              <a:t>29</a:t>
+            </a:fld>
+            <a:endParaRPr lang="en-US"/>
+          </a:p>
+        </p:txBody>
+      </p:sp>
+    </p:spTree>
+    <p:extLst>
+      <p:ext uri="{BB962C8B-B14F-4D97-AF65-F5344CB8AC3E}">
+        <p14:creationId xmlns:p14="http://schemas.microsoft.com/office/powerpoint/2010/main" val="4019406322"/>
+      </p:ext>
+    </p:extLst>
+  </p:cSld>
+  <p:clrMapOvr>
+    <a:masterClrMapping/>
+  </p:clrMapOvr>
+</p:notes>
+</file>
+
+<file path=ppt/notesSlides/notesSlide9.xml><?xml version="1.0" encoding="utf-8"?>
+<p:notes xmlns:a="http://schemas.openxmlformats.org/drawingml/2006/main" xmlns:r="http://schemas.openxmlformats.org/officeDocument/2006/relationships" xmlns:p="http://schemas.openxmlformats.org/presentationml/2006/main">
+  <p:cSld>
+    <p:spTree>
+      <p:nvGrpSpPr>
+        <p:cNvPr id="1" name=""/>
+        <p:cNvGrpSpPr/>
+        <p:nvPr/>
+      </p:nvGrpSpPr>
+      <p:grpSpPr>
+        <a:xfrm>
+          <a:off x="0" y="0"/>
+          <a:ext cx="0" cy="0"/>
+          <a:chOff x="0" y="0"/>
+          <a:chExt cx="0" cy="0"/>
+        </a:xfrm>
+      </p:grpSpPr>
+      <p:sp>
+        <p:nvSpPr>
+          <p:cNvPr id="2" name="Slide Image Placeholder 1"/>
+          <p:cNvSpPr>
+            <a:spLocks noGrp="1" noRot="1" noChangeAspect="1"/>
+          </p:cNvSpPr>
+          <p:nvPr>
+            <p:ph type="sldImg"/>
+          </p:nvPr>
+        </p:nvSpPr>
+        <p:spPr/>
+      </p:sp>
+      <p:sp>
+        <p:nvSpPr>
+          <p:cNvPr id="3" name="Notes Placeholder 2"/>
+          <p:cNvSpPr>
+            <a:spLocks noGrp="1"/>
+          </p:cNvSpPr>
+          <p:nvPr>
+            <p:ph type="body" idx="1"/>
+          </p:nvPr>
+        </p:nvSpPr>
+        <p:spPr/>
+        <p:txBody>
+          <a:bodyPr/>
+          <a:lstStyle/>
+          <a:p>
+            <a:r>
+              <a:rPr lang="en-US" dirty="0"/>
+              <a:t>6 minutes</a:t>
+            </a:r>
+          </a:p>
+        </p:txBody>
+      </p:sp>
+      <p:sp>
+        <p:nvSpPr>
+          <p:cNvPr id="4" name="Slide Number Placeholder 3"/>
+          <p:cNvSpPr>
+            <a:spLocks noGrp="1"/>
+          </p:cNvSpPr>
+          <p:nvPr>
+            <p:ph type="sldNum" sz="quarter" idx="5"/>
+          </p:nvPr>
+        </p:nvSpPr>
+        <p:spPr/>
+        <p:txBody>
+          <a:bodyPr/>
+          <a:lstStyle/>
+          <a:p>
+            <a:fld id="{DD64920E-5384-4F8F-B917-AD70FEF637A3}" type="slidenum">
+              <a:rPr lang="en-US" smtClean="0"/>
+              <a:t>31</a:t>
+            </a:fld>
+            <a:endParaRPr lang="en-US"/>
+          </a:p>
+        </p:txBody>
+      </p:sp>
+    </p:spTree>
+    <p:extLst>
+      <p:ext uri="{BB962C8B-B14F-4D97-AF65-F5344CB8AC3E}">
+        <p14:creationId xmlns:p14="http://schemas.microsoft.com/office/powerpoint/2010/main" val="2628881268"/>
       </p:ext>
     </p:extLst>
   </p:cSld>
@@ -7034,7 +7820,7 @@
           <p:nvPr/>
         </p:nvPicPr>
         <p:blipFill>
-          <a:blip r:embed="rId2">
+          <a:blip r:embed="rId3">
             <a:clrChange>
               <a:clrFrom>
                 <a:srgbClr val="FFFFFF"/>
@@ -9856,7 +10642,7 @@
           </p:nvPr>
         </p:nvPicPr>
         <p:blipFill rotWithShape="1">
-          <a:blip r:embed="rId2">
+          <a:blip r:embed="rId3">
             <a:clrChange>
               <a:clrFrom>
                 <a:srgbClr val="FFFFFF"/>
@@ -11933,7 +12719,7 @@
           <p:nvPr/>
         </p:nvPicPr>
         <p:blipFill>
-          <a:blip r:embed="rId2"/>
+          <a:blip r:embed="rId3"/>
           <a:stretch>
             <a:fillRect/>
           </a:stretch>
@@ -12185,7 +12971,7 @@
           <p:nvPr/>
         </p:nvPicPr>
         <p:blipFill>
-          <a:blip r:embed="rId2"/>
+          <a:blip r:embed="rId3"/>
           <a:stretch>
             <a:fillRect/>
           </a:stretch>
@@ -13110,7 +13896,7 @@
           <p:nvPr/>
         </p:nvPicPr>
         <p:blipFill>
-          <a:blip r:embed="rId2"/>
+          <a:blip r:embed="rId3"/>
           <a:stretch>
             <a:fillRect/>
           </a:stretch>

--- a/Slides/An Investigation.pptx
+++ b/Slides/An Investigation.pptx
@@ -5,7 +5,7 @@
     <p:sldMasterId id="2147483689" r:id="rId1"/>
   </p:sldMasterIdLst>
   <p:notesMasterIdLst>
-    <p:notesMasterId r:id="rId46"/>
+    <p:notesMasterId r:id="rId47"/>
   </p:notesMasterIdLst>
   <p:sldIdLst>
     <p:sldId id="256" r:id="rId2"/>
@@ -51,7 +51,8 @@
     <p:sldId id="260" r:id="rId42"/>
     <p:sldId id="314" r:id="rId43"/>
     <p:sldId id="313" r:id="rId44"/>
-    <p:sldId id="311" r:id="rId45"/>
+    <p:sldId id="315" r:id="rId45"/>
+    <p:sldId id="311" r:id="rId46"/>
   </p:sldIdLst>
   <p:sldSz cx="12192000" cy="6858000"/>
   <p:notesSz cx="6858000" cy="9144000"/>
@@ -995,10 +996,7 @@
           <a:bodyPr/>
           <a:lstStyle/>
           <a:p>
-            <a:r>
-              <a:rPr lang="en-US" dirty="0"/>
-              <a:t>10 minutes</a:t>
-            </a:r>
+            <a:endParaRPr lang="en-US" dirty="0"/>
           </a:p>
         </p:txBody>
       </p:sp>
@@ -1029,6 +1027,113 @@
     <p:extLst>
       <p:ext uri="{BB962C8B-B14F-4D97-AF65-F5344CB8AC3E}">
         <p14:creationId xmlns:p14="http://schemas.microsoft.com/office/powerpoint/2010/main" val="3324877163"/>
+      </p:ext>
+    </p:extLst>
+  </p:cSld>
+  <p:clrMapOvr>
+    <a:masterClrMapping/>
+  </p:clrMapOvr>
+</p:notes>
+</file>
+
+<file path=ppt/notesSlides/notesSlide15.xml><?xml version="1.0" encoding="utf-8"?>
+<p:notes xmlns:a="http://schemas.openxmlformats.org/drawingml/2006/main" xmlns:r="http://schemas.openxmlformats.org/officeDocument/2006/relationships" xmlns:p="http://schemas.openxmlformats.org/presentationml/2006/main">
+  <p:cSld>
+    <p:spTree>
+      <p:nvGrpSpPr>
+        <p:cNvPr id="1" name=""/>
+        <p:cNvGrpSpPr/>
+        <p:nvPr/>
+      </p:nvGrpSpPr>
+      <p:grpSpPr>
+        <a:xfrm>
+          <a:off x="0" y="0"/>
+          <a:ext cx="0" cy="0"/>
+          <a:chOff x="0" y="0"/>
+          <a:chExt cx="0" cy="0"/>
+        </a:xfrm>
+      </p:grpSpPr>
+      <p:sp>
+        <p:nvSpPr>
+          <p:cNvPr id="2" name="Slide Image Placeholder 1"/>
+          <p:cNvSpPr>
+            <a:spLocks noGrp="1" noRot="1" noChangeAspect="1"/>
+          </p:cNvSpPr>
+          <p:nvPr>
+            <p:ph type="sldImg"/>
+          </p:nvPr>
+        </p:nvSpPr>
+        <p:spPr/>
+      </p:sp>
+      <p:sp>
+        <p:nvSpPr>
+          <p:cNvPr id="3" name="Notes Placeholder 2"/>
+          <p:cNvSpPr>
+            <a:spLocks noGrp="1"/>
+          </p:cNvSpPr>
+          <p:nvPr>
+            <p:ph type="body" idx="1"/>
+          </p:nvPr>
+        </p:nvSpPr>
+        <p:spPr/>
+        <p:txBody>
+          <a:bodyPr/>
+          <a:lstStyle/>
+          <a:p>
+            <a:pPr marL="0" marR="0" lvl="0" indent="0" algn="l" defTabSz="914400" rtl="0" eaLnBrk="1" fontAlgn="auto" latinLnBrk="0" hangingPunct="1">
+              <a:lnSpc>
+                <a:spcPct val="100000"/>
+              </a:lnSpc>
+              <a:spcBef>
+                <a:spcPts val="0"/>
+              </a:spcBef>
+              <a:spcAft>
+                <a:spcPts val="0"/>
+              </a:spcAft>
+              <a:buClrTx/>
+              <a:buSzTx/>
+              <a:buFontTx/>
+              <a:buNone/>
+              <a:tabLst/>
+              <a:defRPr/>
+            </a:pPr>
+            <a:r>
+              <a:rPr lang="en-US" dirty="0"/>
+              <a:t>10 minutes</a:t>
+            </a:r>
+          </a:p>
+          <a:p>
+            <a:endParaRPr lang="en-US" dirty="0"/>
+          </a:p>
+        </p:txBody>
+      </p:sp>
+      <p:sp>
+        <p:nvSpPr>
+          <p:cNvPr id="4" name="Slide Number Placeholder 3"/>
+          <p:cNvSpPr>
+            <a:spLocks noGrp="1"/>
+          </p:cNvSpPr>
+          <p:nvPr>
+            <p:ph type="sldNum" sz="quarter" idx="5"/>
+          </p:nvPr>
+        </p:nvSpPr>
+        <p:spPr/>
+        <p:txBody>
+          <a:bodyPr/>
+          <a:lstStyle/>
+          <a:p>
+            <a:fld id="{DD64920E-5384-4F8F-B917-AD70FEF637A3}" type="slidenum">
+              <a:rPr lang="en-US" smtClean="0"/>
+              <a:t>44</a:t>
+            </a:fld>
+            <a:endParaRPr lang="en-US"/>
+          </a:p>
+        </p:txBody>
+      </p:sp>
+    </p:spTree>
+    <p:extLst>
+      <p:ext uri="{BB962C8B-B14F-4D97-AF65-F5344CB8AC3E}">
+        <p14:creationId xmlns:p14="http://schemas.microsoft.com/office/powerpoint/2010/main" val="3982723740"/>
       </p:ext>
     </p:extLst>
   </p:cSld>
@@ -7968,51 +8073,6 @@
             </a:r>
           </a:p>
           <a:p>
-            <a:r>
-              <a:rPr lang="en-US" dirty="0"/>
-              <a:t>Challenges Faced:</a:t>
-            </a:r>
-          </a:p>
-          <a:p>
-            <a:pPr lvl="1"/>
-            <a:r>
-              <a:rPr lang="en-US" dirty="0"/>
-              <a:t>Scaling down the data for a feasible project</a:t>
-            </a:r>
-          </a:p>
-          <a:p>
-            <a:pPr lvl="1"/>
-            <a:r>
-              <a:rPr lang="en-US" dirty="0"/>
-              <a:t>Combining Crash/People/Vehicle datasets</a:t>
-            </a:r>
-          </a:p>
-          <a:p>
-            <a:pPr lvl="1"/>
-            <a:r>
-              <a:rPr lang="en-US" dirty="0"/>
-              <a:t>Making the data interpretable by an algorithm</a:t>
-            </a:r>
-          </a:p>
-          <a:p>
-            <a:pPr lvl="2"/>
-            <a:r>
-              <a:rPr lang="en-US" dirty="0"/>
-              <a:t>Handling empty entries</a:t>
-            </a:r>
-          </a:p>
-          <a:p>
-            <a:pPr lvl="1"/>
-            <a:r>
-              <a:rPr lang="en-US" dirty="0"/>
-              <a:t>Reducing the number of features</a:t>
-            </a:r>
-          </a:p>
-          <a:p>
-            <a:pPr lvl="1"/>
-            <a:endParaRPr lang="en-US" dirty="0"/>
-          </a:p>
-          <a:p>
             <a:endParaRPr lang="en-US" dirty="0"/>
           </a:p>
           <a:p>
@@ -13095,39 +13155,6 @@
               <a:t>Possible explanation: Laws work</a:t>
             </a:r>
           </a:p>
-          <a:p>
-            <a:pPr marL="457200" lvl="1" indent="0">
-              <a:buNone/>
-            </a:pPr>
-            <a:endParaRPr lang="en-US" dirty="0"/>
-          </a:p>
-          <a:p>
-            <a:r>
-              <a:rPr lang="en-US" dirty="0"/>
-              <a:t>Next Steps:</a:t>
-            </a:r>
-          </a:p>
-          <a:p>
-            <a:pPr lvl="1"/>
-            <a:r>
-              <a:rPr lang="en-US" dirty="0"/>
-              <a:t>Improve on the algorithm (Reported Injury vs. No Indication)</a:t>
-            </a:r>
-          </a:p>
-          <a:p>
-            <a:pPr lvl="1"/>
-            <a:r>
-              <a:rPr lang="en-US" dirty="0"/>
-              <a:t>Apply a similar algorithm to Fall/Winter/Spring Crashes</a:t>
-            </a:r>
-          </a:p>
-          <a:p>
-            <a:pPr lvl="1"/>
-            <a:r>
-              <a:rPr lang="en-US" dirty="0"/>
-              <a:t>More training data, from other counties/cities</a:t>
-            </a:r>
-          </a:p>
         </p:txBody>
       </p:sp>
     </p:spTree>
@@ -13144,6 +13171,110 @@
 </file>
 
 <file path=ppt/slides/slide44.xml><?xml version="1.0" encoding="utf-8"?>
+<p:sld xmlns:a="http://schemas.openxmlformats.org/drawingml/2006/main" xmlns:r="http://schemas.openxmlformats.org/officeDocument/2006/relationships" xmlns:p="http://schemas.openxmlformats.org/presentationml/2006/main">
+  <p:cSld>
+    <p:spTree>
+      <p:nvGrpSpPr>
+        <p:cNvPr id="1" name=""/>
+        <p:cNvGrpSpPr/>
+        <p:nvPr/>
+      </p:nvGrpSpPr>
+      <p:grpSpPr>
+        <a:xfrm>
+          <a:off x="0" y="0"/>
+          <a:ext cx="0" cy="0"/>
+          <a:chOff x="0" y="0"/>
+          <a:chExt cx="0" cy="0"/>
+        </a:xfrm>
+      </p:grpSpPr>
+      <p:sp>
+        <p:nvSpPr>
+          <p:cNvPr id="2" name="Title 1">
+            <a:extLst>
+              <a:ext uri="{FF2B5EF4-FFF2-40B4-BE49-F238E27FC236}">
+                <a16:creationId xmlns:a16="http://schemas.microsoft.com/office/drawing/2014/main" id="{F0921FEB-3057-4763-B0D9-3A8939E82E81}"/>
+              </a:ext>
+            </a:extLst>
+          </p:cNvPr>
+          <p:cNvSpPr>
+            <a:spLocks noGrp="1"/>
+          </p:cNvSpPr>
+          <p:nvPr>
+            <p:ph type="title"/>
+          </p:nvPr>
+        </p:nvSpPr>
+        <p:spPr/>
+        <p:txBody>
+          <a:bodyPr/>
+          <a:lstStyle/>
+          <a:p>
+            <a:r>
+              <a:rPr lang="en-US" dirty="0"/>
+              <a:t>Next Steps</a:t>
+            </a:r>
+          </a:p>
+        </p:txBody>
+      </p:sp>
+      <p:sp>
+        <p:nvSpPr>
+          <p:cNvPr id="3" name="Content Placeholder 2">
+            <a:extLst>
+              <a:ext uri="{FF2B5EF4-FFF2-40B4-BE49-F238E27FC236}">
+                <a16:creationId xmlns:a16="http://schemas.microsoft.com/office/drawing/2014/main" id="{62220A98-F976-42C6-B4B9-ED510DCCF8AD}"/>
+              </a:ext>
+            </a:extLst>
+          </p:cNvPr>
+          <p:cNvSpPr>
+            <a:spLocks noGrp="1"/>
+          </p:cNvSpPr>
+          <p:nvPr>
+            <p:ph idx="1"/>
+          </p:nvPr>
+        </p:nvSpPr>
+        <p:spPr/>
+        <p:txBody>
+          <a:bodyPr/>
+          <a:lstStyle/>
+          <a:p>
+            <a:r>
+              <a:rPr lang="en-US" dirty="0"/>
+              <a:t>Improve on the algorithm (Reported Injury vs. No Indication)</a:t>
+            </a:r>
+          </a:p>
+          <a:p>
+            <a:r>
+              <a:rPr lang="en-US" dirty="0"/>
+              <a:t>Apply a similar algorithm to Fall/Winter/Spring Crashes</a:t>
+            </a:r>
+          </a:p>
+          <a:p>
+            <a:r>
+              <a:rPr lang="en-US" dirty="0"/>
+              <a:t>More training data, from other counties/cities</a:t>
+            </a:r>
+          </a:p>
+          <a:p>
+            <a:pPr marL="0" indent="0">
+              <a:buNone/>
+            </a:pPr>
+            <a:endParaRPr lang="en-US" dirty="0"/>
+          </a:p>
+        </p:txBody>
+      </p:sp>
+    </p:spTree>
+    <p:extLst>
+      <p:ext uri="{BB962C8B-B14F-4D97-AF65-F5344CB8AC3E}">
+        <p14:creationId xmlns:p14="http://schemas.microsoft.com/office/powerpoint/2010/main" val="4098103386"/>
+      </p:ext>
+    </p:extLst>
+  </p:cSld>
+  <p:clrMapOvr>
+    <a:masterClrMapping/>
+  </p:clrMapOvr>
+</p:sld>
+</file>
+
+<file path=ppt/slides/slide45.xml><?xml version="1.0" encoding="utf-8"?>
 <p:sld xmlns:a="http://schemas.openxmlformats.org/drawingml/2006/main" xmlns:r="http://schemas.openxmlformats.org/officeDocument/2006/relationships" xmlns:p="http://schemas.openxmlformats.org/presentationml/2006/main">
   <p:cSld>
     <p:spTree>

--- a/Slides/An Investigation.pptx
+++ b/Slides/An Investigation.pptx
@@ -5,54 +5,52 @@
     <p:sldMasterId id="2147483689" r:id="rId1"/>
   </p:sldMasterIdLst>
   <p:notesMasterIdLst>
-    <p:notesMasterId r:id="rId47"/>
+    <p:notesMasterId r:id="rId45"/>
   </p:notesMasterIdLst>
   <p:sldIdLst>
     <p:sldId id="256" r:id="rId2"/>
     <p:sldId id="257" r:id="rId3"/>
     <p:sldId id="258" r:id="rId4"/>
-    <p:sldId id="259" r:id="rId5"/>
-    <p:sldId id="261" r:id="rId6"/>
-    <p:sldId id="262" r:id="rId7"/>
-    <p:sldId id="263" r:id="rId8"/>
-    <p:sldId id="264" r:id="rId9"/>
-    <p:sldId id="280" r:id="rId10"/>
-    <p:sldId id="283" r:id="rId11"/>
-    <p:sldId id="282" r:id="rId12"/>
-    <p:sldId id="279" r:id="rId13"/>
-    <p:sldId id="265" r:id="rId14"/>
-    <p:sldId id="266" r:id="rId15"/>
-    <p:sldId id="304" r:id="rId16"/>
-    <p:sldId id="286" r:id="rId17"/>
-    <p:sldId id="267" r:id="rId18"/>
-    <p:sldId id="303" r:id="rId19"/>
-    <p:sldId id="285" r:id="rId20"/>
-    <p:sldId id="302" r:id="rId21"/>
-    <p:sldId id="268" r:id="rId22"/>
-    <p:sldId id="284" r:id="rId23"/>
-    <p:sldId id="287" r:id="rId24"/>
-    <p:sldId id="305" r:id="rId25"/>
-    <p:sldId id="306" r:id="rId26"/>
-    <p:sldId id="269" r:id="rId27"/>
-    <p:sldId id="301" r:id="rId28"/>
-    <p:sldId id="312" r:id="rId29"/>
-    <p:sldId id="298" r:id="rId30"/>
-    <p:sldId id="271" r:id="rId31"/>
-    <p:sldId id="288" r:id="rId32"/>
-    <p:sldId id="290" r:id="rId33"/>
-    <p:sldId id="291" r:id="rId34"/>
-    <p:sldId id="293" r:id="rId35"/>
-    <p:sldId id="295" r:id="rId36"/>
-    <p:sldId id="296" r:id="rId37"/>
-    <p:sldId id="297" r:id="rId38"/>
-    <p:sldId id="307" r:id="rId39"/>
-    <p:sldId id="308" r:id="rId40"/>
-    <p:sldId id="310" r:id="rId41"/>
-    <p:sldId id="260" r:id="rId42"/>
-    <p:sldId id="314" r:id="rId43"/>
-    <p:sldId id="313" r:id="rId44"/>
-    <p:sldId id="315" r:id="rId45"/>
-    <p:sldId id="311" r:id="rId46"/>
+    <p:sldId id="262" r:id="rId5"/>
+    <p:sldId id="263" r:id="rId6"/>
+    <p:sldId id="264" r:id="rId7"/>
+    <p:sldId id="280" r:id="rId8"/>
+    <p:sldId id="283" r:id="rId9"/>
+    <p:sldId id="282" r:id="rId10"/>
+    <p:sldId id="279" r:id="rId11"/>
+    <p:sldId id="265" r:id="rId12"/>
+    <p:sldId id="266" r:id="rId13"/>
+    <p:sldId id="304" r:id="rId14"/>
+    <p:sldId id="286" r:id="rId15"/>
+    <p:sldId id="267" r:id="rId16"/>
+    <p:sldId id="303" r:id="rId17"/>
+    <p:sldId id="285" r:id="rId18"/>
+    <p:sldId id="302" r:id="rId19"/>
+    <p:sldId id="268" r:id="rId20"/>
+    <p:sldId id="284" r:id="rId21"/>
+    <p:sldId id="287" r:id="rId22"/>
+    <p:sldId id="305" r:id="rId23"/>
+    <p:sldId id="306" r:id="rId24"/>
+    <p:sldId id="269" r:id="rId25"/>
+    <p:sldId id="301" r:id="rId26"/>
+    <p:sldId id="312" r:id="rId27"/>
+    <p:sldId id="298" r:id="rId28"/>
+    <p:sldId id="271" r:id="rId29"/>
+    <p:sldId id="288" r:id="rId30"/>
+    <p:sldId id="290" r:id="rId31"/>
+    <p:sldId id="291" r:id="rId32"/>
+    <p:sldId id="293" r:id="rId33"/>
+    <p:sldId id="295" r:id="rId34"/>
+    <p:sldId id="296" r:id="rId35"/>
+    <p:sldId id="297" r:id="rId36"/>
+    <p:sldId id="307" r:id="rId37"/>
+    <p:sldId id="308" r:id="rId38"/>
+    <p:sldId id="310" r:id="rId39"/>
+    <p:sldId id="260" r:id="rId40"/>
+    <p:sldId id="314" r:id="rId41"/>
+    <p:sldId id="313" r:id="rId42"/>
+    <p:sldId id="315" r:id="rId43"/>
+    <p:sldId id="311" r:id="rId44"/>
   </p:sldIdLst>
   <p:sldSz cx="12192000" cy="6858000"/>
   <p:notesSz cx="6858000" cy="9144000"/>
@@ -588,7 +586,7 @@
           <a:p>
             <a:fld id="{DD64920E-5384-4F8F-B917-AD70FEF637A3}" type="slidenum">
               <a:rPr lang="en-US" smtClean="0"/>
-              <a:t>7</a:t>
+              <a:t>5</a:t>
             </a:fld>
             <a:endParaRPr lang="en-US"/>
           </a:p>
@@ -675,7 +673,7 @@
           <a:p>
             <a:fld id="{DD64920E-5384-4F8F-B917-AD70FEF637A3}" type="slidenum">
               <a:rPr lang="en-US" smtClean="0"/>
-              <a:t>32</a:t>
+              <a:t>30</a:t>
             </a:fld>
             <a:endParaRPr lang="en-US"/>
           </a:p>
@@ -759,7 +757,7 @@
           <a:p>
             <a:fld id="{DD64920E-5384-4F8F-B917-AD70FEF637A3}" type="slidenum">
               <a:rPr lang="en-US" smtClean="0"/>
-              <a:t>37</a:t>
+              <a:t>35</a:t>
             </a:fld>
             <a:endParaRPr lang="en-US"/>
           </a:p>
@@ -846,7 +844,7 @@
           <a:p>
             <a:fld id="{DD64920E-5384-4F8F-B917-AD70FEF637A3}" type="slidenum">
               <a:rPr lang="en-US" smtClean="0"/>
-              <a:t>40</a:t>
+              <a:t>38</a:t>
             </a:fld>
             <a:endParaRPr lang="en-US"/>
           </a:p>
@@ -933,7 +931,7 @@
           <a:p>
             <a:fld id="{DD64920E-5384-4F8F-B917-AD70FEF637A3}" type="slidenum">
               <a:rPr lang="en-US" smtClean="0"/>
-              <a:t>42</a:t>
+              <a:t>40</a:t>
             </a:fld>
             <a:endParaRPr lang="en-US"/>
           </a:p>
@@ -1017,7 +1015,7 @@
           <a:p>
             <a:fld id="{DD64920E-5384-4F8F-B917-AD70FEF637A3}" type="slidenum">
               <a:rPr lang="en-US" smtClean="0"/>
-              <a:t>43</a:t>
+              <a:t>41</a:t>
             </a:fld>
             <a:endParaRPr lang="en-US"/>
           </a:p>
@@ -1124,7 +1122,7 @@
           <a:p>
             <a:fld id="{DD64920E-5384-4F8F-B917-AD70FEF637A3}" type="slidenum">
               <a:rPr lang="en-US" smtClean="0"/>
-              <a:t>44</a:t>
+              <a:t>42</a:t>
             </a:fld>
             <a:endParaRPr lang="en-US"/>
           </a:p>
@@ -1211,7 +1209,7 @@
           <a:p>
             <a:fld id="{DD64920E-5384-4F8F-B917-AD70FEF637A3}" type="slidenum">
               <a:rPr lang="en-US" smtClean="0"/>
-              <a:t>11</a:t>
+              <a:t>9</a:t>
             </a:fld>
             <a:endParaRPr lang="en-US"/>
           </a:p>
@@ -1295,7 +1293,7 @@
           <a:p>
             <a:fld id="{DD64920E-5384-4F8F-B917-AD70FEF637A3}" type="slidenum">
               <a:rPr lang="en-US" smtClean="0"/>
-              <a:t>12</a:t>
+              <a:t>10</a:t>
             </a:fld>
             <a:endParaRPr lang="en-US"/>
           </a:p>
@@ -1379,7 +1377,7 @@
           <a:p>
             <a:fld id="{DD64920E-5384-4F8F-B917-AD70FEF637A3}" type="slidenum">
               <a:rPr lang="en-US" smtClean="0"/>
-              <a:t>21</a:t>
+              <a:t>19</a:t>
             </a:fld>
             <a:endParaRPr lang="en-US"/>
           </a:p>
@@ -1466,7 +1464,7 @@
           <a:p>
             <a:fld id="{DD64920E-5384-4F8F-B917-AD70FEF637A3}" type="slidenum">
               <a:rPr lang="en-US" smtClean="0"/>
-              <a:t>23</a:t>
+              <a:t>21</a:t>
             </a:fld>
             <a:endParaRPr lang="en-US"/>
           </a:p>
@@ -1531,7 +1529,7 @@
           <a:p>
             <a:r>
               <a:rPr lang="en-US" dirty="0"/>
-              <a:t>5 minutes</a:t>
+              <a:t>5:30 minutes</a:t>
             </a:r>
           </a:p>
         </p:txBody>
@@ -1553,7 +1551,7 @@
           <a:p>
             <a:fld id="{DD64920E-5384-4F8F-B917-AD70FEF637A3}" type="slidenum">
               <a:rPr lang="en-US" smtClean="0"/>
-              <a:t>25</a:t>
+              <a:t>23</a:t>
             </a:fld>
             <a:endParaRPr lang="en-US"/>
           </a:p>
@@ -1637,7 +1635,7 @@
           <a:p>
             <a:fld id="{DD64920E-5384-4F8F-B917-AD70FEF637A3}" type="slidenum">
               <a:rPr lang="en-US" smtClean="0"/>
-              <a:t>26</a:t>
+              <a:t>24</a:t>
             </a:fld>
             <a:endParaRPr lang="en-US"/>
           </a:p>
@@ -1702,7 +1700,7 @@
           <a:p>
             <a:r>
               <a:rPr lang="en-US" dirty="0"/>
-              <a:t>5:30</a:t>
+              <a:t>6:00</a:t>
             </a:r>
           </a:p>
         </p:txBody>
@@ -1724,7 +1722,7 @@
           <a:p>
             <a:fld id="{DD64920E-5384-4F8F-B917-AD70FEF637A3}" type="slidenum">
               <a:rPr lang="en-US" smtClean="0"/>
-              <a:t>29</a:t>
+              <a:t>27</a:t>
             </a:fld>
             <a:endParaRPr lang="en-US"/>
           </a:p>
@@ -1789,7 +1787,7 @@
           <a:p>
             <a:r>
               <a:rPr lang="en-US" dirty="0"/>
-              <a:t>6 minutes</a:t>
+              <a:t>6:00 minutes</a:t>
             </a:r>
           </a:p>
         </p:txBody>
@@ -1811,7 +1809,7 @@
           <a:p>
             <a:fld id="{DD64920E-5384-4F8F-B917-AD70FEF637A3}" type="slidenum">
               <a:rPr lang="en-US" smtClean="0"/>
-              <a:t>31</a:t>
+              <a:t>29</a:t>
             </a:fld>
             <a:endParaRPr lang="en-US"/>
           </a:p>
@@ -7691,7 +7689,7 @@
           <a:p>
             <a:r>
               <a:rPr lang="en-US" dirty="0"/>
-              <a:t>Traffic Crashes - Visualization</a:t>
+              <a:t>Traffic Crashes - Preprocessing</a:t>
             </a:r>
           </a:p>
         </p:txBody>
@@ -7714,8 +7712,8 @@
         </p:nvSpPr>
         <p:spPr>
           <a:xfrm>
-            <a:off x="677334" y="1576389"/>
-            <a:ext cx="8596668" cy="4464974"/>
+            <a:off x="677333" y="1814513"/>
+            <a:ext cx="8596667" cy="4672012"/>
           </a:xfrm>
         </p:spPr>
         <p:txBody>
@@ -7724,80 +7722,48 @@
           <a:p>
             <a:r>
               <a:rPr lang="en-US" dirty="0"/>
-              <a:t>Plot crash geolocations on graph</a:t>
-            </a:r>
-          </a:p>
-          <a:p>
-            <a:r>
-              <a:rPr lang="en-US" dirty="0"/>
-              <a:t>Not very meaningful, plot against a map</a:t>
+              <a:t>Crashes dataset was 200k+ crash entries, 48 features</a:t>
             </a:r>
           </a:p>
           <a:p>
             <a:pPr lvl="1"/>
             <a:r>
               <a:rPr lang="en-US" dirty="0"/>
-              <a:t>More details, Southeast Chicago seemed to be free from crashes</a:t>
-            </a:r>
-          </a:p>
-          <a:p>
-            <a:r>
-              <a:rPr lang="en-US" dirty="0"/>
-              <a:t>Plot Chicago population density data</a:t>
-            </a:r>
-          </a:p>
-        </p:txBody>
-      </p:sp>
-      <p:pic>
-        <p:nvPicPr>
-          <p:cNvPr id="6" name="Picture 5">
-            <a:extLst>
-              <a:ext uri="{FF2B5EF4-FFF2-40B4-BE49-F238E27FC236}">
-                <a16:creationId xmlns:a16="http://schemas.microsoft.com/office/drawing/2014/main" id="{6DFD3FC2-8FB3-4107-8D04-5925EC329DE9}"/>
-              </a:ext>
-            </a:extLst>
-          </p:cNvPr>
-          <p:cNvPicPr>
-            <a:picLocks noChangeAspect="1"/>
-          </p:cNvPicPr>
-          <p:nvPr/>
-        </p:nvPicPr>
-        <p:blipFill>
-          <a:blip r:embed="rId2">
-            <a:clrChange>
-              <a:clrFrom>
-                <a:srgbClr val="FFFFFF"/>
-              </a:clrFrom>
-              <a:clrTo>
-                <a:srgbClr val="FFFFFF">
-                  <a:alpha val="0"/>
-                </a:srgbClr>
-              </a:clrTo>
-            </a:clrChange>
-            <a:extLst>
-              <a:ext uri="{28A0092B-C50C-407E-A947-70E740481C1C}">
-                <a14:useLocalDpi xmlns:a14="http://schemas.microsoft.com/office/drawing/2010/main" val="0"/>
-              </a:ext>
-            </a:extLst>
-          </a:blip>
-          <a:stretch>
-            <a:fillRect/>
-          </a:stretch>
-        </p:blipFill>
-        <p:spPr>
-          <a:xfrm>
-            <a:off x="2753845" y="3062460"/>
-            <a:ext cx="4999506" cy="3730281"/>
-          </a:xfrm>
-          <a:prstGeom prst="rect">
-            <a:avLst/>
-          </a:prstGeom>
-        </p:spPr>
-      </p:pic>
+              <a:t>From 2014 to today</a:t>
+            </a:r>
+          </a:p>
+          <a:p>
+            <a:r>
+              <a:rPr lang="en-US" dirty="0"/>
+              <a:t> Also had two other datasets</a:t>
+            </a:r>
+          </a:p>
+          <a:p>
+            <a:pPr lvl="1"/>
+            <a:r>
+              <a:rPr lang="en-US" dirty="0"/>
+              <a:t>Vehicles involved (450k+ entries, 71 features)</a:t>
+            </a:r>
+          </a:p>
+          <a:p>
+            <a:pPr lvl="1"/>
+            <a:r>
+              <a:rPr lang="en-US" dirty="0"/>
+              <a:t>People involved (500k+ entries, 29 features)</a:t>
+            </a:r>
+          </a:p>
+          <a:p>
+            <a:endParaRPr lang="en-US" dirty="0"/>
+          </a:p>
+          <a:p>
+            <a:endParaRPr lang="en-US" dirty="0"/>
+          </a:p>
+        </p:txBody>
+      </p:sp>
     </p:spTree>
     <p:extLst>
       <p:ext uri="{BB962C8B-B14F-4D97-AF65-F5344CB8AC3E}">
-        <p14:creationId xmlns:p14="http://schemas.microsoft.com/office/powerpoint/2010/main" val="1581875124"/>
+        <p14:creationId xmlns:p14="http://schemas.microsoft.com/office/powerpoint/2010/main" val="928332689"/>
       </p:ext>
     </p:extLst>
   </p:cSld>
@@ -7847,7 +7813,14 @@
           <a:p>
             <a:r>
               <a:rPr lang="en-US" dirty="0"/>
-              <a:t>Traffic Crashes - Visualization</a:t>
+              <a:t>Traffic Crashes – Preprocessing</a:t>
+            </a:r>
+            <a:br>
+              <a:rPr lang="en-US" dirty="0"/>
+            </a:br>
+            <a:r>
+              <a:rPr lang="en-US" dirty="0"/>
+              <a:t>Challenges</a:t>
             </a:r>
           </a:p>
         </p:txBody>
@@ -7868,98 +7841,47 @@
             <p:ph idx="1"/>
           </p:nvPr>
         </p:nvSpPr>
-        <p:spPr>
-          <a:xfrm>
-            <a:off x="677334" y="1576389"/>
-            <a:ext cx="8596668" cy="4464974"/>
-          </a:xfrm>
-        </p:spPr>
-        <p:txBody>
-          <a:bodyPr/>
-          <a:lstStyle/>
-          <a:p>
-            <a:r>
-              <a:rPr lang="en-US" dirty="0"/>
-              <a:t>Plot crash geolocations on graph</a:t>
-            </a:r>
-          </a:p>
-          <a:p>
-            <a:r>
-              <a:rPr lang="en-US" dirty="0"/>
-              <a:t>Not very meaningful, plot against a map</a:t>
+        <p:spPr/>
+        <p:txBody>
+          <a:bodyPr/>
+          <a:lstStyle/>
+          <a:p>
+            <a:r>
+              <a:rPr lang="en-US" b="1" dirty="0"/>
+              <a:t>Scaling down the data for a feasible project</a:t>
+            </a:r>
+          </a:p>
+          <a:p>
+            <a:r>
+              <a:rPr lang="en-US" dirty="0"/>
+              <a:t>Combining Crash/People/Vehicle datasets</a:t>
+            </a:r>
+          </a:p>
+          <a:p>
+            <a:r>
+              <a:rPr lang="en-US" dirty="0"/>
+              <a:t>Making the data interpretable by an algorithm</a:t>
             </a:r>
           </a:p>
           <a:p>
             <a:pPr lvl="1"/>
             <a:r>
               <a:rPr lang="en-US" dirty="0"/>
-              <a:t>More details, Southeast Chicago seemed to be free from crashes</a:t>
-            </a:r>
-          </a:p>
-          <a:p>
-            <a:r>
-              <a:rPr lang="en-US" dirty="0"/>
-              <a:t>Plot Chicago population density data</a:t>
-            </a:r>
-          </a:p>
-          <a:p>
-            <a:r>
-              <a:rPr lang="en-US" dirty="0"/>
-              <a:t>Plot crashes with population densities</a:t>
-            </a:r>
-          </a:p>
-        </p:txBody>
-      </p:sp>
-      <p:pic>
-        <p:nvPicPr>
-          <p:cNvPr id="7" name="Picture 6">
-            <a:extLst>
-              <a:ext uri="{FF2B5EF4-FFF2-40B4-BE49-F238E27FC236}">
-                <a16:creationId xmlns:a16="http://schemas.microsoft.com/office/drawing/2014/main" id="{FAF69CC2-CA6F-4458-85BE-F0727416BFF3}"/>
-              </a:ext>
-            </a:extLst>
-          </p:cNvPr>
-          <p:cNvPicPr>
-            <a:picLocks noChangeAspect="1"/>
-          </p:cNvPicPr>
-          <p:nvPr/>
-        </p:nvPicPr>
-        <p:blipFill>
-          <a:blip r:embed="rId3">
-            <a:clrChange>
-              <a:clrFrom>
-                <a:srgbClr val="FFFFFF"/>
-              </a:clrFrom>
-              <a:clrTo>
-                <a:srgbClr val="FFFFFF">
-                  <a:alpha val="0"/>
-                </a:srgbClr>
-              </a:clrTo>
-            </a:clrChange>
-            <a:extLst>
-              <a:ext uri="{28A0092B-C50C-407E-A947-70E740481C1C}">
-                <a14:useLocalDpi xmlns:a14="http://schemas.microsoft.com/office/drawing/2010/main" val="0"/>
-              </a:ext>
-            </a:extLst>
-          </a:blip>
-          <a:stretch>
-            <a:fillRect/>
-          </a:stretch>
-        </p:blipFill>
-        <p:spPr>
-          <a:xfrm>
-            <a:off x="2940585" y="3167041"/>
-            <a:ext cx="4812766" cy="3590948"/>
-          </a:xfrm>
-          <a:prstGeom prst="rect">
-            <a:avLst/>
-          </a:prstGeom>
-        </p:spPr>
-      </p:pic>
+              <a:t>Handling empty entries</a:t>
+            </a:r>
+          </a:p>
+          <a:p>
+            <a:r>
+              <a:rPr lang="en-US" dirty="0"/>
+              <a:t>Reducing the number of features</a:t>
+            </a:r>
+          </a:p>
+        </p:txBody>
+      </p:sp>
     </p:spTree>
     <p:extLst>
       <p:ext uri="{BB962C8B-B14F-4D97-AF65-F5344CB8AC3E}">
-        <p14:creationId xmlns:p14="http://schemas.microsoft.com/office/powerpoint/2010/main" val="875460362"/>
+        <p14:creationId xmlns:p14="http://schemas.microsoft.com/office/powerpoint/2010/main" val="1456674226"/>
       </p:ext>
     </p:extLst>
   </p:cSld>
@@ -8009,7 +7931,14 @@
           <a:p>
             <a:r>
               <a:rPr lang="en-US" dirty="0"/>
-              <a:t>Traffic Crashes - Preprocessing</a:t>
+              <a:t>Traffic Crashes – Preprocessing</a:t>
+            </a:r>
+            <a:br>
+              <a:rPr lang="en-US" dirty="0"/>
+            </a:br>
+            <a:r>
+              <a:rPr lang="en-US" dirty="0"/>
+              <a:t>Scaling down the data</a:t>
             </a:r>
           </a:p>
         </p:txBody>
@@ -8032,50 +7961,92 @@
         </p:nvSpPr>
         <p:spPr>
           <a:xfrm>
-            <a:off x="677333" y="1814513"/>
-            <a:ext cx="8596667" cy="4672012"/>
+            <a:off x="677334" y="2160588"/>
+            <a:ext cx="8596668" cy="4616729"/>
           </a:xfrm>
         </p:spPr>
         <p:txBody>
-          <a:bodyPr/>
-          <a:lstStyle/>
-          <a:p>
-            <a:r>
-              <a:rPr lang="en-US" dirty="0"/>
-              <a:t>Crashes dataset was 200k+ crash entries, 48 features</a:t>
+          <a:bodyPr>
+            <a:normAutofit/>
+          </a:bodyPr>
+          <a:lstStyle/>
+          <a:p>
+            <a:r>
+              <a:rPr lang="en-US" dirty="0"/>
+              <a:t>Vehicle data was</a:t>
             </a:r>
           </a:p>
           <a:p>
             <a:pPr lvl="1"/>
             <a:r>
               <a:rPr lang="en-US" dirty="0"/>
-              <a:t>From 2014 to today</a:t>
-            </a:r>
-          </a:p>
-          <a:p>
-            <a:r>
-              <a:rPr lang="en-US" dirty="0"/>
-              <a:t> Also had two other datasets</a:t>
+              <a:t>Very sparse</a:t>
             </a:r>
           </a:p>
           <a:p>
             <a:pPr lvl="1"/>
             <a:r>
               <a:rPr lang="en-US" dirty="0"/>
-              <a:t>Vehicles involved (450k+ entries, 71 features)</a:t>
+              <a:t>Hard to discretize w/o vehicle database</a:t>
+            </a:r>
+          </a:p>
+          <a:p>
+            <a:r>
+              <a:rPr lang="en-US" dirty="0"/>
+              <a:t>Different years meant</a:t>
             </a:r>
           </a:p>
           <a:p>
             <a:pPr lvl="1"/>
             <a:r>
               <a:rPr lang="en-US" dirty="0"/>
-              <a:t>People involved (500k+ entries, 29 features)</a:t>
+              <a:t>Different road systems, road conditions, laws</a:t>
+            </a:r>
+          </a:p>
+          <a:p>
+            <a:pPr lvl="1"/>
+            <a:r>
+              <a:rPr lang="en-US" dirty="0"/>
+              <a:t>Different safety standards</a:t>
+            </a:r>
+          </a:p>
+          <a:p>
+            <a:r>
+              <a:rPr lang="en-US" dirty="0"/>
+              <a:t>Different seasons meant</a:t>
+            </a:r>
+          </a:p>
+          <a:p>
+            <a:pPr lvl="1"/>
+            <a:r>
+              <a:rPr lang="en-US" dirty="0"/>
+              <a:t>Different weather conditions</a:t>
+            </a:r>
+          </a:p>
+          <a:p>
+            <a:pPr lvl="1"/>
+            <a:r>
+              <a:rPr lang="en-US" dirty="0"/>
+              <a:t>Different common reasons for crashes</a:t>
+            </a:r>
+          </a:p>
+          <a:p>
+            <a:pPr lvl="1"/>
+            <a:r>
+              <a:rPr lang="en-US" dirty="0"/>
+              <a:t>Different severity levels for crashes</a:t>
             </a:r>
           </a:p>
           <a:p>
             <a:endParaRPr lang="en-US" dirty="0"/>
           </a:p>
           <a:p>
+            <a:endParaRPr lang="en-US" dirty="0"/>
+          </a:p>
+          <a:p>
+            <a:pPr marL="0" indent="0">
+              <a:buNone/>
+            </a:pPr>
             <a:endParaRPr lang="en-US" dirty="0"/>
           </a:p>
         </p:txBody>
@@ -8083,7 +8054,7 @@
     </p:spTree>
     <p:extLst>
       <p:ext uri="{BB962C8B-B14F-4D97-AF65-F5344CB8AC3E}">
-        <p14:creationId xmlns:p14="http://schemas.microsoft.com/office/powerpoint/2010/main" val="928332689"/>
+        <p14:creationId xmlns:p14="http://schemas.microsoft.com/office/powerpoint/2010/main" val="4090872295"/>
       </p:ext>
     </p:extLst>
   </p:cSld>
@@ -8140,7 +8111,7 @@
             </a:br>
             <a:r>
               <a:rPr lang="en-US" dirty="0"/>
-              <a:t>Challenges</a:t>
+              <a:t>Scaling down the data</a:t>
             </a:r>
           </a:p>
         </p:txBody>
@@ -8161,39 +8132,99 @@
             <p:ph idx="1"/>
           </p:nvPr>
         </p:nvSpPr>
-        <p:spPr/>
-        <p:txBody>
-          <a:bodyPr/>
-          <a:lstStyle/>
-          <a:p>
+        <p:spPr>
+          <a:xfrm>
+            <a:off x="677334" y="2160588"/>
+            <a:ext cx="8596668" cy="4616729"/>
+          </a:xfrm>
+        </p:spPr>
+        <p:txBody>
+          <a:bodyPr>
+            <a:normAutofit lnSpcReduction="10000"/>
+          </a:bodyPr>
+          <a:lstStyle/>
+          <a:p>
+            <a:r>
+              <a:rPr lang="en-US" dirty="0"/>
+              <a:t>Vehicle data was</a:t>
+            </a:r>
+          </a:p>
+          <a:p>
+            <a:pPr lvl="1"/>
+            <a:r>
+              <a:rPr lang="en-US" dirty="0"/>
+              <a:t>Very sparse</a:t>
+            </a:r>
+          </a:p>
+          <a:p>
+            <a:pPr lvl="1"/>
+            <a:r>
+              <a:rPr lang="en-US" dirty="0"/>
+              <a:t>Hard to discretize w/o vehicle database</a:t>
+            </a:r>
+          </a:p>
+          <a:p>
+            <a:r>
+              <a:rPr lang="en-US" dirty="0"/>
+              <a:t>Different years meant</a:t>
+            </a:r>
+          </a:p>
+          <a:p>
+            <a:pPr lvl="1"/>
+            <a:r>
+              <a:rPr lang="en-US" dirty="0"/>
+              <a:t>Different road systems, road condition, laws</a:t>
+            </a:r>
+          </a:p>
+          <a:p>
+            <a:pPr lvl="1"/>
+            <a:r>
+              <a:rPr lang="en-US" dirty="0"/>
+              <a:t>Different safety standards</a:t>
+            </a:r>
+          </a:p>
+          <a:p>
+            <a:r>
+              <a:rPr lang="en-US" dirty="0"/>
+              <a:t>Different seasons meant</a:t>
+            </a:r>
+          </a:p>
+          <a:p>
+            <a:pPr lvl="1"/>
+            <a:r>
+              <a:rPr lang="en-US" dirty="0"/>
+              <a:t>Different weather conditions</a:t>
+            </a:r>
+          </a:p>
+          <a:p>
+            <a:pPr lvl="1"/>
+            <a:r>
+              <a:rPr lang="en-US" dirty="0"/>
+              <a:t>Different common reasons for crashes</a:t>
+            </a:r>
+          </a:p>
+          <a:p>
+            <a:pPr lvl="1"/>
+            <a:r>
+              <a:rPr lang="en-US" dirty="0"/>
+              <a:t>Different severity levels for crashes</a:t>
+            </a:r>
+          </a:p>
+          <a:p>
+            <a:endParaRPr lang="en-US" dirty="0"/>
+          </a:p>
+          <a:p>
+            <a:r>
+              <a:rPr lang="en-US" dirty="0"/>
+              <a:t>Solution: High level decision of only using </a:t>
+            </a:r>
             <a:r>
               <a:rPr lang="en-US" b="1" dirty="0"/>
-              <a:t>Scaling down the data for a feasible project</a:t>
-            </a:r>
-          </a:p>
-          <a:p>
-            <a:r>
-              <a:rPr lang="en-US" dirty="0"/>
-              <a:t>Combining Crash/People/Vehicle datasets</a:t>
-            </a:r>
-          </a:p>
-          <a:p>
-            <a:r>
-              <a:rPr lang="en-US" dirty="0"/>
-              <a:t>Making the data interpretable by an algorithm</a:t>
-            </a:r>
-          </a:p>
-          <a:p>
-            <a:pPr lvl="1"/>
-            <a:r>
-              <a:rPr lang="en-US" dirty="0"/>
-              <a:t>Handling empty entries</a:t>
-            </a:r>
-          </a:p>
-          <a:p>
-            <a:r>
-              <a:rPr lang="en-US" dirty="0"/>
-              <a:t>Reducing the number of features</a:t>
+              <a:t>Crashes &amp; People </a:t>
+            </a:r>
+            <a:r>
+              <a:rPr lang="en-US" dirty="0"/>
+              <a:t>datasets from summer 2018 as training (30k crash entries, 67k people entries)</a:t>
             </a:r>
           </a:p>
         </p:txBody>
@@ -8201,7 +8232,7 @@
     </p:spTree>
     <p:extLst>
       <p:ext uri="{BB962C8B-B14F-4D97-AF65-F5344CB8AC3E}">
-        <p14:creationId xmlns:p14="http://schemas.microsoft.com/office/powerpoint/2010/main" val="1456674226"/>
+        <p14:creationId xmlns:p14="http://schemas.microsoft.com/office/powerpoint/2010/main" val="175587349"/>
       </p:ext>
     </p:extLst>
   </p:cSld>
@@ -8258,7 +8289,7 @@
             </a:br>
             <a:r>
               <a:rPr lang="en-US" dirty="0"/>
-              <a:t>Scaling down the data</a:t>
+              <a:t>Challenges</a:t>
             </a:r>
           </a:p>
         </p:txBody>
@@ -8279,102 +8310,47 @@
             <p:ph idx="1"/>
           </p:nvPr>
         </p:nvSpPr>
-        <p:spPr>
-          <a:xfrm>
-            <a:off x="677334" y="2160588"/>
-            <a:ext cx="8596668" cy="4616729"/>
-          </a:xfrm>
-        </p:spPr>
-        <p:txBody>
-          <a:bodyPr>
-            <a:normAutofit/>
-          </a:bodyPr>
-          <a:lstStyle/>
-          <a:p>
-            <a:r>
-              <a:rPr lang="en-US" dirty="0"/>
-              <a:t>Vehicle data was</a:t>
+        <p:spPr/>
+        <p:txBody>
+          <a:bodyPr/>
+          <a:lstStyle/>
+          <a:p>
+            <a:r>
+              <a:rPr lang="en-US" dirty="0"/>
+              <a:t>Scaling down the data for a feasible project</a:t>
+            </a:r>
+          </a:p>
+          <a:p>
+            <a:r>
+              <a:rPr lang="en-US" b="1" dirty="0"/>
+              <a:t>Combining Crash/People datasets</a:t>
+            </a:r>
+          </a:p>
+          <a:p>
+            <a:r>
+              <a:rPr lang="en-US" dirty="0"/>
+              <a:t>Making the data interpretable by an algorithm</a:t>
             </a:r>
           </a:p>
           <a:p>
             <a:pPr lvl="1"/>
             <a:r>
               <a:rPr lang="en-US" dirty="0"/>
-              <a:t>Very sparse</a:t>
-            </a:r>
-          </a:p>
-          <a:p>
-            <a:pPr lvl="1"/>
-            <a:r>
-              <a:rPr lang="en-US" dirty="0"/>
-              <a:t>Hard to discretize w/o vehicle database</a:t>
-            </a:r>
-          </a:p>
-          <a:p>
-            <a:r>
-              <a:rPr lang="en-US" dirty="0"/>
-              <a:t>Different years meant</a:t>
-            </a:r>
-          </a:p>
-          <a:p>
-            <a:pPr lvl="1"/>
-            <a:r>
-              <a:rPr lang="en-US" dirty="0"/>
-              <a:t>Different road systems, road conditions, laws</a:t>
-            </a:r>
-          </a:p>
-          <a:p>
-            <a:pPr lvl="1"/>
-            <a:r>
-              <a:rPr lang="en-US" dirty="0"/>
-              <a:t>Different safety standards</a:t>
-            </a:r>
-          </a:p>
-          <a:p>
-            <a:r>
-              <a:rPr lang="en-US" dirty="0"/>
-              <a:t>Different seasons meant</a:t>
-            </a:r>
-          </a:p>
-          <a:p>
-            <a:pPr lvl="1"/>
-            <a:r>
-              <a:rPr lang="en-US" dirty="0"/>
-              <a:t>Different weather conditions</a:t>
-            </a:r>
-          </a:p>
-          <a:p>
-            <a:pPr lvl="1"/>
-            <a:r>
-              <a:rPr lang="en-US" dirty="0"/>
-              <a:t>Different common reasons for crashes</a:t>
-            </a:r>
-          </a:p>
-          <a:p>
-            <a:pPr lvl="1"/>
-            <a:r>
-              <a:rPr lang="en-US" dirty="0"/>
-              <a:t>Different severity levels for crashes</a:t>
-            </a:r>
-          </a:p>
-          <a:p>
-            <a:endParaRPr lang="en-US" dirty="0"/>
-          </a:p>
-          <a:p>
-            <a:endParaRPr lang="en-US" dirty="0"/>
-          </a:p>
-          <a:p>
-            <a:pPr marL="0" indent="0">
-              <a:buNone/>
-            </a:pPr>
-            <a:endParaRPr lang="en-US" dirty="0"/>
+              <a:t>Handling empty entries</a:t>
+            </a:r>
+          </a:p>
+          <a:p>
+            <a:r>
+              <a:rPr lang="en-US" dirty="0"/>
+              <a:t>Reducing the number of features</a:t>
+            </a:r>
           </a:p>
         </p:txBody>
       </p:sp>
     </p:spTree>
     <p:extLst>
       <p:ext uri="{BB962C8B-B14F-4D97-AF65-F5344CB8AC3E}">
-        <p14:creationId xmlns:p14="http://schemas.microsoft.com/office/powerpoint/2010/main" val="4090872295"/>
+        <p14:creationId xmlns:p14="http://schemas.microsoft.com/office/powerpoint/2010/main" val="1441721528"/>
       </p:ext>
     </p:extLst>
   </p:cSld>
@@ -8431,7 +8407,7 @@
             </a:br>
             <a:r>
               <a:rPr lang="en-US" dirty="0"/>
-              <a:t>Scaling down the data</a:t>
+              <a:t>Combining crashes/people</a:t>
             </a:r>
           </a:p>
         </p:txBody>
@@ -8454,97 +8430,39 @@
         </p:nvSpPr>
         <p:spPr>
           <a:xfrm>
-            <a:off x="677334" y="2160588"/>
-            <a:ext cx="8596668" cy="4616729"/>
+            <a:off x="677333" y="2160589"/>
+            <a:ext cx="9104841" cy="3880773"/>
           </a:xfrm>
         </p:spPr>
         <p:txBody>
           <a:bodyPr>
-            <a:normAutofit lnSpcReduction="10000"/>
+            <a:normAutofit/>
           </a:bodyPr>
           <a:lstStyle/>
           <a:p>
             <a:r>
               <a:rPr lang="en-US" dirty="0"/>
-              <a:t>Vehicle data was</a:t>
+              <a:t>Both crashes and people included the report number (RD_NO) column</a:t>
             </a:r>
           </a:p>
           <a:p>
             <a:pPr lvl="1"/>
             <a:r>
               <a:rPr lang="en-US" dirty="0"/>
-              <a:t>Very sparse</a:t>
+              <a:t>Can be used as unifier</a:t>
+            </a:r>
+          </a:p>
+          <a:p>
+            <a:r>
+              <a:rPr lang="en-US" dirty="0"/>
+              <a:t>Multiple people can be involved in a single crash</a:t>
             </a:r>
           </a:p>
           <a:p>
             <a:pPr lvl="1"/>
             <a:r>
               <a:rPr lang="en-US" dirty="0"/>
-              <a:t>Hard to discretize w/o vehicle database</a:t>
-            </a:r>
-          </a:p>
-          <a:p>
-            <a:r>
-              <a:rPr lang="en-US" dirty="0"/>
-              <a:t>Different years meant</a:t>
-            </a:r>
-          </a:p>
-          <a:p>
-            <a:pPr lvl="1"/>
-            <a:r>
-              <a:rPr lang="en-US" dirty="0"/>
-              <a:t>Different road systems, road condition, laws</a:t>
-            </a:r>
-          </a:p>
-          <a:p>
-            <a:pPr lvl="1"/>
-            <a:r>
-              <a:rPr lang="en-US" dirty="0"/>
-              <a:t>Different safety standards</a:t>
-            </a:r>
-          </a:p>
-          <a:p>
-            <a:r>
-              <a:rPr lang="en-US" dirty="0"/>
-              <a:t>Different seasons meant</a:t>
-            </a:r>
-          </a:p>
-          <a:p>
-            <a:pPr lvl="1"/>
-            <a:r>
-              <a:rPr lang="en-US" dirty="0"/>
-              <a:t>Different weather conditions</a:t>
-            </a:r>
-          </a:p>
-          <a:p>
-            <a:pPr lvl="1"/>
-            <a:r>
-              <a:rPr lang="en-US" dirty="0"/>
-              <a:t>Different common reasons for crashes</a:t>
-            </a:r>
-          </a:p>
-          <a:p>
-            <a:pPr lvl="1"/>
-            <a:r>
-              <a:rPr lang="en-US" dirty="0"/>
-              <a:t>Different severity levels for crashes</a:t>
-            </a:r>
-          </a:p>
-          <a:p>
-            <a:endParaRPr lang="en-US" dirty="0"/>
-          </a:p>
-          <a:p>
-            <a:r>
-              <a:rPr lang="en-US" dirty="0"/>
-              <a:t>Solution: High level decision of only using </a:t>
-            </a:r>
-            <a:r>
-              <a:rPr lang="en-US" b="1" dirty="0"/>
-              <a:t>Crashes &amp; People </a:t>
-            </a:r>
-            <a:r>
-              <a:rPr lang="en-US" dirty="0"/>
-              <a:t>datasets from summer 2018 as training (30k crash entries, 67k people entries)</a:t>
+              <a:t>RD_NO showed up multiple times in People table</a:t>
             </a:r>
           </a:p>
         </p:txBody>
@@ -8552,7 +8470,7 @@
     </p:spTree>
     <p:extLst>
       <p:ext uri="{BB962C8B-B14F-4D97-AF65-F5344CB8AC3E}">
-        <p14:creationId xmlns:p14="http://schemas.microsoft.com/office/powerpoint/2010/main" val="175587349"/>
+        <p14:creationId xmlns:p14="http://schemas.microsoft.com/office/powerpoint/2010/main" val="4056633995"/>
       </p:ext>
     </p:extLst>
   </p:cSld>
@@ -8609,7 +8527,7 @@
             </a:br>
             <a:r>
               <a:rPr lang="en-US" dirty="0"/>
-              <a:t>Challenges</a:t>
+              <a:t>Combining crashes/people</a:t>
             </a:r>
           </a:p>
         </p:txBody>
@@ -8630,47 +8548,82 @@
             <p:ph idx="1"/>
           </p:nvPr>
         </p:nvSpPr>
-        <p:spPr/>
-        <p:txBody>
-          <a:bodyPr/>
-          <a:lstStyle/>
-          <a:p>
-            <a:r>
-              <a:rPr lang="en-US" dirty="0"/>
-              <a:t>Scaling down the data for a feasible project</a:t>
-            </a:r>
-          </a:p>
-          <a:p>
+        <p:spPr>
+          <a:xfrm>
+            <a:off x="677333" y="2160589"/>
+            <a:ext cx="9104841" cy="3880773"/>
+          </a:xfrm>
+        </p:spPr>
+        <p:txBody>
+          <a:bodyPr>
+            <a:normAutofit/>
+          </a:bodyPr>
+          <a:lstStyle/>
+          <a:p>
+            <a:r>
+              <a:rPr lang="en-US" dirty="0"/>
+              <a:t>Both crashes and people included the report number (RD_NO) column</a:t>
+            </a:r>
+          </a:p>
+          <a:p>
+            <a:pPr lvl="1"/>
+            <a:r>
+              <a:rPr lang="en-US" dirty="0"/>
+              <a:t>Can be used as unifier</a:t>
+            </a:r>
+          </a:p>
+          <a:p>
+            <a:r>
+              <a:rPr lang="en-US" dirty="0"/>
+              <a:t>Multiple people can be involved in a single crash</a:t>
+            </a:r>
+          </a:p>
+          <a:p>
+            <a:pPr lvl="1"/>
+            <a:r>
+              <a:rPr lang="en-US" dirty="0"/>
+              <a:t>RD_NO showed up multiple times in People table</a:t>
+            </a:r>
+          </a:p>
+          <a:p>
+            <a:endParaRPr lang="en-US" dirty="0"/>
+          </a:p>
+          <a:p>
+            <a:r>
+              <a:rPr lang="en-US" dirty="0"/>
+              <a:t>Solution: Join people on crashes</a:t>
+            </a:r>
+          </a:p>
+          <a:p>
+            <a:pPr lvl="1"/>
+            <a:r>
+              <a:rPr lang="en-US" dirty="0"/>
+              <a:t>Use Excel formula to append crash information to every person that has the same RD_NO</a:t>
+            </a:r>
+          </a:p>
+          <a:p>
+            <a:pPr lvl="2"/>
+            <a:r>
+              <a:rPr lang="en-US" dirty="0"/>
+              <a:t>This is similar to a left outer join from people on crashes, with the condition being RD_NO</a:t>
+            </a:r>
+          </a:p>
+          <a:p>
+            <a:pPr lvl="1"/>
             <a:r>
               <a:rPr lang="en-US" b="1" dirty="0"/>
-              <a:t>Combining Crash/People datasets</a:t>
-            </a:r>
-          </a:p>
-          <a:p>
-            <a:r>
-              <a:rPr lang="en-US" dirty="0"/>
-              <a:t>Making the data interpretable by an algorithm</a:t>
-            </a:r>
-          </a:p>
-          <a:p>
-            <a:pPr lvl="1"/>
-            <a:r>
-              <a:rPr lang="en-US" dirty="0"/>
-              <a:t>Handling empty entries</a:t>
-            </a:r>
-          </a:p>
-          <a:p>
-            <a:r>
-              <a:rPr lang="en-US" dirty="0"/>
-              <a:t>Reducing the number of features</a:t>
-            </a:r>
+              <a:t>New table entries: People merged with Crashes they were in</a:t>
+            </a:r>
+          </a:p>
+          <a:p>
+            <a:endParaRPr lang="en-US" dirty="0"/>
           </a:p>
         </p:txBody>
       </p:sp>
     </p:spTree>
     <p:extLst>
       <p:ext uri="{BB962C8B-B14F-4D97-AF65-F5344CB8AC3E}">
-        <p14:creationId xmlns:p14="http://schemas.microsoft.com/office/powerpoint/2010/main" val="1441721528"/>
+        <p14:creationId xmlns:p14="http://schemas.microsoft.com/office/powerpoint/2010/main" val="3415824794"/>
       </p:ext>
     </p:extLst>
   </p:cSld>
@@ -8727,279 +8680,6 @@
             </a:br>
             <a:r>
               <a:rPr lang="en-US" dirty="0"/>
-              <a:t>Combining crashes/people</a:t>
-            </a:r>
-          </a:p>
-        </p:txBody>
-      </p:sp>
-      <p:sp>
-        <p:nvSpPr>
-          <p:cNvPr id="3" name="Content Placeholder 2">
-            <a:extLst>
-              <a:ext uri="{FF2B5EF4-FFF2-40B4-BE49-F238E27FC236}">
-                <a16:creationId xmlns:a16="http://schemas.microsoft.com/office/drawing/2014/main" id="{73001722-97A6-4F0C-B3DB-4072E006E7E9}"/>
-              </a:ext>
-            </a:extLst>
-          </p:cNvPr>
-          <p:cNvSpPr>
-            <a:spLocks noGrp="1"/>
-          </p:cNvSpPr>
-          <p:nvPr>
-            <p:ph idx="1"/>
-          </p:nvPr>
-        </p:nvSpPr>
-        <p:spPr>
-          <a:xfrm>
-            <a:off x="677333" y="2160589"/>
-            <a:ext cx="9104841" cy="3880773"/>
-          </a:xfrm>
-        </p:spPr>
-        <p:txBody>
-          <a:bodyPr>
-            <a:normAutofit/>
-          </a:bodyPr>
-          <a:lstStyle/>
-          <a:p>
-            <a:r>
-              <a:rPr lang="en-US" dirty="0"/>
-              <a:t>Both crashes and people included the report number (RD_NO) column</a:t>
-            </a:r>
-          </a:p>
-          <a:p>
-            <a:pPr lvl="1"/>
-            <a:r>
-              <a:rPr lang="en-US" dirty="0"/>
-              <a:t>Can be used as unifier</a:t>
-            </a:r>
-          </a:p>
-          <a:p>
-            <a:r>
-              <a:rPr lang="en-US" dirty="0"/>
-              <a:t>Multiple people can be involved in a single crash</a:t>
-            </a:r>
-          </a:p>
-          <a:p>
-            <a:pPr lvl="1"/>
-            <a:r>
-              <a:rPr lang="en-US" dirty="0"/>
-              <a:t>RD_NO showed up multiple times in People table</a:t>
-            </a:r>
-          </a:p>
-        </p:txBody>
-      </p:sp>
-    </p:spTree>
-    <p:extLst>
-      <p:ext uri="{BB962C8B-B14F-4D97-AF65-F5344CB8AC3E}">
-        <p14:creationId xmlns:p14="http://schemas.microsoft.com/office/powerpoint/2010/main" val="4056633995"/>
-      </p:ext>
-    </p:extLst>
-  </p:cSld>
-  <p:clrMapOvr>
-    <a:masterClrMapping/>
-  </p:clrMapOvr>
-</p:sld>
-</file>
-
-<file path=ppt/slides/slide18.xml><?xml version="1.0" encoding="utf-8"?>
-<p:sld xmlns:a="http://schemas.openxmlformats.org/drawingml/2006/main" xmlns:r="http://schemas.openxmlformats.org/officeDocument/2006/relationships" xmlns:p="http://schemas.openxmlformats.org/presentationml/2006/main">
-  <p:cSld>
-    <p:spTree>
-      <p:nvGrpSpPr>
-        <p:cNvPr id="1" name=""/>
-        <p:cNvGrpSpPr/>
-        <p:nvPr/>
-      </p:nvGrpSpPr>
-      <p:grpSpPr>
-        <a:xfrm>
-          <a:off x="0" y="0"/>
-          <a:ext cx="0" cy="0"/>
-          <a:chOff x="0" y="0"/>
-          <a:chExt cx="0" cy="0"/>
-        </a:xfrm>
-      </p:grpSpPr>
-      <p:sp>
-        <p:nvSpPr>
-          <p:cNvPr id="2" name="Title 1">
-            <a:extLst>
-              <a:ext uri="{FF2B5EF4-FFF2-40B4-BE49-F238E27FC236}">
-                <a16:creationId xmlns:a16="http://schemas.microsoft.com/office/drawing/2014/main" id="{C5F73921-064B-4F8F-8A2C-9102B144ADD5}"/>
-              </a:ext>
-            </a:extLst>
-          </p:cNvPr>
-          <p:cNvSpPr>
-            <a:spLocks noGrp="1"/>
-          </p:cNvSpPr>
-          <p:nvPr>
-            <p:ph type="title"/>
-          </p:nvPr>
-        </p:nvSpPr>
-        <p:spPr/>
-        <p:txBody>
-          <a:bodyPr/>
-          <a:lstStyle/>
-          <a:p>
-            <a:r>
-              <a:rPr lang="en-US" dirty="0"/>
-              <a:t>Traffic Crashes – Preprocessing</a:t>
-            </a:r>
-            <a:br>
-              <a:rPr lang="en-US" dirty="0"/>
-            </a:br>
-            <a:r>
-              <a:rPr lang="en-US" dirty="0"/>
-              <a:t>Combining crashes/people</a:t>
-            </a:r>
-          </a:p>
-        </p:txBody>
-      </p:sp>
-      <p:sp>
-        <p:nvSpPr>
-          <p:cNvPr id="3" name="Content Placeholder 2">
-            <a:extLst>
-              <a:ext uri="{FF2B5EF4-FFF2-40B4-BE49-F238E27FC236}">
-                <a16:creationId xmlns:a16="http://schemas.microsoft.com/office/drawing/2014/main" id="{73001722-97A6-4F0C-B3DB-4072E006E7E9}"/>
-              </a:ext>
-            </a:extLst>
-          </p:cNvPr>
-          <p:cNvSpPr>
-            <a:spLocks noGrp="1"/>
-          </p:cNvSpPr>
-          <p:nvPr>
-            <p:ph idx="1"/>
-          </p:nvPr>
-        </p:nvSpPr>
-        <p:spPr>
-          <a:xfrm>
-            <a:off x="677333" y="2160589"/>
-            <a:ext cx="9104841" cy="3880773"/>
-          </a:xfrm>
-        </p:spPr>
-        <p:txBody>
-          <a:bodyPr>
-            <a:normAutofit/>
-          </a:bodyPr>
-          <a:lstStyle/>
-          <a:p>
-            <a:r>
-              <a:rPr lang="en-US" dirty="0"/>
-              <a:t>Both crashes and people included the report number (RD_NO) column</a:t>
-            </a:r>
-          </a:p>
-          <a:p>
-            <a:pPr lvl="1"/>
-            <a:r>
-              <a:rPr lang="en-US" dirty="0"/>
-              <a:t>Can be used as unifier</a:t>
-            </a:r>
-          </a:p>
-          <a:p>
-            <a:r>
-              <a:rPr lang="en-US" dirty="0"/>
-              <a:t>Multiple people can be involved in a single crash</a:t>
-            </a:r>
-          </a:p>
-          <a:p>
-            <a:pPr lvl="1"/>
-            <a:r>
-              <a:rPr lang="en-US" dirty="0"/>
-              <a:t>RD_NO showed up multiple times in People table</a:t>
-            </a:r>
-          </a:p>
-          <a:p>
-            <a:endParaRPr lang="en-US" dirty="0"/>
-          </a:p>
-          <a:p>
-            <a:r>
-              <a:rPr lang="en-US" dirty="0"/>
-              <a:t>Solution: Join people on crashes</a:t>
-            </a:r>
-          </a:p>
-          <a:p>
-            <a:pPr lvl="1"/>
-            <a:r>
-              <a:rPr lang="en-US" dirty="0"/>
-              <a:t>Use Excel formula to append crash information to every person that has the same RD_NO</a:t>
-            </a:r>
-          </a:p>
-          <a:p>
-            <a:pPr lvl="2"/>
-            <a:r>
-              <a:rPr lang="en-US" dirty="0"/>
-              <a:t>This is similar to a left outer join from people on crashes, with the condition being RD_NO</a:t>
-            </a:r>
-          </a:p>
-          <a:p>
-            <a:pPr lvl="1"/>
-            <a:r>
-              <a:rPr lang="en-US" b="1" dirty="0"/>
-              <a:t>New table entries: People merged with Crashes they were in</a:t>
-            </a:r>
-          </a:p>
-          <a:p>
-            <a:endParaRPr lang="en-US" dirty="0"/>
-          </a:p>
-        </p:txBody>
-      </p:sp>
-    </p:spTree>
-    <p:extLst>
-      <p:ext uri="{BB962C8B-B14F-4D97-AF65-F5344CB8AC3E}">
-        <p14:creationId xmlns:p14="http://schemas.microsoft.com/office/powerpoint/2010/main" val="3415824794"/>
-      </p:ext>
-    </p:extLst>
-  </p:cSld>
-  <p:clrMapOvr>
-    <a:masterClrMapping/>
-  </p:clrMapOvr>
-</p:sld>
-</file>
-
-<file path=ppt/slides/slide19.xml><?xml version="1.0" encoding="utf-8"?>
-<p:sld xmlns:a="http://schemas.openxmlformats.org/drawingml/2006/main" xmlns:r="http://schemas.openxmlformats.org/officeDocument/2006/relationships" xmlns:p="http://schemas.openxmlformats.org/presentationml/2006/main">
-  <p:cSld>
-    <p:spTree>
-      <p:nvGrpSpPr>
-        <p:cNvPr id="1" name=""/>
-        <p:cNvGrpSpPr/>
-        <p:nvPr/>
-      </p:nvGrpSpPr>
-      <p:grpSpPr>
-        <a:xfrm>
-          <a:off x="0" y="0"/>
-          <a:ext cx="0" cy="0"/>
-          <a:chOff x="0" y="0"/>
-          <a:chExt cx="0" cy="0"/>
-        </a:xfrm>
-      </p:grpSpPr>
-      <p:sp>
-        <p:nvSpPr>
-          <p:cNvPr id="2" name="Title 1">
-            <a:extLst>
-              <a:ext uri="{FF2B5EF4-FFF2-40B4-BE49-F238E27FC236}">
-                <a16:creationId xmlns:a16="http://schemas.microsoft.com/office/drawing/2014/main" id="{C5F73921-064B-4F8F-8A2C-9102B144ADD5}"/>
-              </a:ext>
-            </a:extLst>
-          </p:cNvPr>
-          <p:cNvSpPr>
-            <a:spLocks noGrp="1"/>
-          </p:cNvSpPr>
-          <p:nvPr>
-            <p:ph type="title"/>
-          </p:nvPr>
-        </p:nvSpPr>
-        <p:spPr/>
-        <p:txBody>
-          <a:bodyPr/>
-          <a:lstStyle/>
-          <a:p>
-            <a:r>
-              <a:rPr lang="en-US" dirty="0"/>
-              <a:t>Traffic Crashes – Preprocessing</a:t>
-            </a:r>
-            <a:br>
-              <a:rPr lang="en-US" dirty="0"/>
-            </a:br>
-            <a:r>
-              <a:rPr lang="en-US" dirty="0"/>
               <a:t>Challenges</a:t>
             </a:r>
           </a:p>
@@ -9071,194 +8751,7 @@
 </p:sld>
 </file>
 
-<file path=ppt/slides/slide2.xml><?xml version="1.0" encoding="utf-8"?>
-<p:sld xmlns:a="http://schemas.openxmlformats.org/drawingml/2006/main" xmlns:r="http://schemas.openxmlformats.org/officeDocument/2006/relationships" xmlns:p="http://schemas.openxmlformats.org/presentationml/2006/main">
-  <p:cSld>
-    <p:spTree>
-      <p:nvGrpSpPr>
-        <p:cNvPr id="1" name=""/>
-        <p:cNvGrpSpPr/>
-        <p:nvPr/>
-      </p:nvGrpSpPr>
-      <p:grpSpPr>
-        <a:xfrm>
-          <a:off x="0" y="0"/>
-          <a:ext cx="0" cy="0"/>
-          <a:chOff x="0" y="0"/>
-          <a:chExt cx="0" cy="0"/>
-        </a:xfrm>
-      </p:grpSpPr>
-      <p:sp>
-        <p:nvSpPr>
-          <p:cNvPr id="2" name="Title 1">
-            <a:extLst>
-              <a:ext uri="{FF2B5EF4-FFF2-40B4-BE49-F238E27FC236}">
-                <a16:creationId xmlns:a16="http://schemas.microsoft.com/office/drawing/2014/main" id="{0D16215D-F569-450C-8D36-4F315D5DDE3B}"/>
-              </a:ext>
-            </a:extLst>
-          </p:cNvPr>
-          <p:cNvSpPr>
-            <a:spLocks noGrp="1"/>
-          </p:cNvSpPr>
-          <p:nvPr>
-            <p:ph type="title"/>
-          </p:nvPr>
-        </p:nvSpPr>
-        <p:spPr/>
-        <p:txBody>
-          <a:bodyPr/>
-          <a:lstStyle/>
-          <a:p>
-            <a:r>
-              <a:rPr lang="en-US" dirty="0"/>
-              <a:t>Finding a Good Dataset</a:t>
-            </a:r>
-          </a:p>
-        </p:txBody>
-      </p:sp>
-      <p:sp>
-        <p:nvSpPr>
-          <p:cNvPr id="3" name="Content Placeholder 2">
-            <a:extLst>
-              <a:ext uri="{FF2B5EF4-FFF2-40B4-BE49-F238E27FC236}">
-                <a16:creationId xmlns:a16="http://schemas.microsoft.com/office/drawing/2014/main" id="{609A0E88-98FE-4678-8CEA-5DFCC6BA0641}"/>
-              </a:ext>
-            </a:extLst>
-          </p:cNvPr>
-          <p:cNvSpPr>
-            <a:spLocks noGrp="1"/>
-          </p:cNvSpPr>
-          <p:nvPr>
-            <p:ph idx="1"/>
-          </p:nvPr>
-        </p:nvSpPr>
-        <p:spPr>
-          <a:xfrm>
-            <a:off x="314326" y="1581150"/>
-            <a:ext cx="9510712" cy="5314950"/>
-          </a:xfrm>
-        </p:spPr>
-        <p:txBody>
-          <a:bodyPr>
-            <a:normAutofit/>
-          </a:bodyPr>
-          <a:lstStyle/>
-          <a:p>
-            <a:r>
-              <a:rPr lang="en-US" dirty="0"/>
-              <a:t>Original Data: Montgomery County’s Traffic Violations</a:t>
-            </a:r>
-            <a:br>
-              <a:rPr lang="en-US" dirty="0"/>
-            </a:br>
-            <a:r>
-              <a:rPr lang="en-US" dirty="0">
-                <a:hlinkClick r:id="rId2"/>
-              </a:rPr>
-              <a:t>https://data.montgomerycountymd.gov/Public-Safety/Traffic-Violations/4mse-ku6q</a:t>
-            </a:r>
-            <a:endParaRPr lang="en-US" dirty="0"/>
-          </a:p>
-          <a:p>
-            <a:pPr lvl="1"/>
-            <a:r>
-              <a:rPr lang="en-US" dirty="0"/>
-              <a:t>Violation info from all electronic traffic violations in Montgomery County</a:t>
-            </a:r>
-          </a:p>
-          <a:p>
-            <a:pPr lvl="1"/>
-            <a:r>
-              <a:rPr lang="en-US" dirty="0"/>
-              <a:t>1m+ records</a:t>
-            </a:r>
-          </a:p>
-          <a:p>
-            <a:pPr lvl="1"/>
-            <a:r>
-              <a:rPr lang="en-US" dirty="0"/>
-              <a:t>Significant Columns:</a:t>
-            </a:r>
-          </a:p>
-          <a:p>
-            <a:pPr lvl="2"/>
-            <a:r>
-              <a:rPr lang="en-US" sz="1600" dirty="0"/>
-              <a:t>Geolocation</a:t>
-            </a:r>
-          </a:p>
-          <a:p>
-            <a:pPr lvl="2"/>
-            <a:r>
-              <a:rPr lang="en-US" sz="1600" dirty="0"/>
-              <a:t>Time of stop</a:t>
-            </a:r>
-          </a:p>
-          <a:p>
-            <a:pPr lvl="2"/>
-            <a:r>
-              <a:rPr lang="en-US" sz="1600" dirty="0"/>
-              <a:t>Accident (Y/N)</a:t>
-            </a:r>
-          </a:p>
-          <a:p>
-            <a:pPr lvl="2"/>
-            <a:r>
-              <a:rPr lang="en-US" sz="1600" dirty="0"/>
-              <a:t>Belts (Y/N)</a:t>
-            </a:r>
-          </a:p>
-          <a:p>
-            <a:pPr lvl="2"/>
-            <a:r>
-              <a:rPr lang="en-US" sz="1600" dirty="0"/>
-              <a:t>Personal Injury (Y/N)</a:t>
-            </a:r>
-          </a:p>
-          <a:p>
-            <a:pPr lvl="2"/>
-            <a:r>
-              <a:rPr lang="en-US" sz="1600" dirty="0"/>
-              <a:t>Fatal (Y/N)</a:t>
-            </a:r>
-          </a:p>
-          <a:p>
-            <a:pPr lvl="2"/>
-            <a:r>
-              <a:rPr lang="en-US" sz="1600" dirty="0"/>
-              <a:t>Alcohol (Y/N)</a:t>
-            </a:r>
-          </a:p>
-          <a:p>
-            <a:pPr lvl="2"/>
-            <a:r>
-              <a:rPr lang="en-US" sz="1600" dirty="0"/>
-              <a:t>Driver race/gender/city/state</a:t>
-            </a:r>
-          </a:p>
-          <a:p>
-            <a:pPr lvl="2"/>
-            <a:r>
-              <a:rPr lang="en-US" sz="1600" dirty="0"/>
-              <a:t>Vehicle make/model/year/type</a:t>
-            </a:r>
-          </a:p>
-        </p:txBody>
-      </p:sp>
-    </p:spTree>
-    <p:extLst>
-      <p:ext uri="{BB962C8B-B14F-4D97-AF65-F5344CB8AC3E}">
-        <p14:creationId xmlns:p14="http://schemas.microsoft.com/office/powerpoint/2010/main" val="1849332104"/>
-      </p:ext>
-    </p:extLst>
-  </p:cSld>
-  <p:clrMapOvr>
-    <a:masterClrMapping/>
-  </p:clrMapOvr>
-</p:sld>
-</file>
-
-<file path=ppt/slides/slide20.xml><?xml version="1.0" encoding="utf-8"?>
+<file path=ppt/slides/slide18.xml><?xml version="1.0" encoding="utf-8"?>
 <p:sld xmlns:a="http://schemas.openxmlformats.org/drawingml/2006/main" xmlns:r="http://schemas.openxmlformats.org/officeDocument/2006/relationships" xmlns:p="http://schemas.openxmlformats.org/presentationml/2006/main">
   <p:cSld>
     <p:spTree>
@@ -9405,7 +8898,7 @@
 </p:sld>
 </file>
 
-<file path=ppt/slides/slide21.xml><?xml version="1.0" encoding="utf-8"?>
+<file path=ppt/slides/slide19.xml><?xml version="1.0" encoding="utf-8"?>
 <p:sld xmlns:a="http://schemas.openxmlformats.org/drawingml/2006/main" xmlns:r="http://schemas.openxmlformats.org/officeDocument/2006/relationships" xmlns:p="http://schemas.openxmlformats.org/presentationml/2006/main">
   <p:cSld>
     <p:spTree>
@@ -9592,6 +9085,433 @@
 </p:sld>
 </file>
 
+<file path=ppt/slides/slide2.xml><?xml version="1.0" encoding="utf-8"?>
+<p:sld xmlns:a="http://schemas.openxmlformats.org/drawingml/2006/main" xmlns:r="http://schemas.openxmlformats.org/officeDocument/2006/relationships" xmlns:p="http://schemas.openxmlformats.org/presentationml/2006/main">
+  <p:cSld>
+    <p:spTree>
+      <p:nvGrpSpPr>
+        <p:cNvPr id="1" name=""/>
+        <p:cNvGrpSpPr/>
+        <p:nvPr/>
+      </p:nvGrpSpPr>
+      <p:grpSpPr>
+        <a:xfrm>
+          <a:off x="0" y="0"/>
+          <a:ext cx="0" cy="0"/>
+          <a:chOff x="0" y="0"/>
+          <a:chExt cx="0" cy="0"/>
+        </a:xfrm>
+      </p:grpSpPr>
+      <p:sp>
+        <p:nvSpPr>
+          <p:cNvPr id="2" name="Title 1">
+            <a:extLst>
+              <a:ext uri="{FF2B5EF4-FFF2-40B4-BE49-F238E27FC236}">
+                <a16:creationId xmlns:a16="http://schemas.microsoft.com/office/drawing/2014/main" id="{0D16215D-F569-450C-8D36-4F315D5DDE3B}"/>
+              </a:ext>
+            </a:extLst>
+          </p:cNvPr>
+          <p:cNvSpPr>
+            <a:spLocks noGrp="1"/>
+          </p:cNvSpPr>
+          <p:nvPr>
+            <p:ph type="title"/>
+          </p:nvPr>
+        </p:nvSpPr>
+        <p:spPr/>
+        <p:txBody>
+          <a:bodyPr/>
+          <a:lstStyle/>
+          <a:p>
+            <a:r>
+              <a:rPr lang="en-US" dirty="0"/>
+              <a:t>Finding a Good Dataset</a:t>
+            </a:r>
+          </a:p>
+        </p:txBody>
+      </p:sp>
+      <p:sp>
+        <p:nvSpPr>
+          <p:cNvPr id="3" name="Content Placeholder 2">
+            <a:extLst>
+              <a:ext uri="{FF2B5EF4-FFF2-40B4-BE49-F238E27FC236}">
+                <a16:creationId xmlns:a16="http://schemas.microsoft.com/office/drawing/2014/main" id="{609A0E88-98FE-4678-8CEA-5DFCC6BA0641}"/>
+              </a:ext>
+            </a:extLst>
+          </p:cNvPr>
+          <p:cNvSpPr>
+            <a:spLocks noGrp="1"/>
+          </p:cNvSpPr>
+          <p:nvPr>
+            <p:ph idx="1"/>
+          </p:nvPr>
+        </p:nvSpPr>
+        <p:spPr>
+          <a:xfrm>
+            <a:off x="314326" y="1581150"/>
+            <a:ext cx="9510712" cy="5314950"/>
+          </a:xfrm>
+        </p:spPr>
+        <p:txBody>
+          <a:bodyPr>
+            <a:normAutofit/>
+          </a:bodyPr>
+          <a:lstStyle/>
+          <a:p>
+            <a:r>
+              <a:rPr lang="en-US" dirty="0"/>
+              <a:t>Original Data: Montgomery County’s Traffic Violations</a:t>
+            </a:r>
+            <a:br>
+              <a:rPr lang="en-US" dirty="0"/>
+            </a:br>
+            <a:r>
+              <a:rPr lang="en-US" dirty="0">
+                <a:hlinkClick r:id="rId2"/>
+              </a:rPr>
+              <a:t>https://data.montgomerycountymd.gov/Public-Safety/Traffic-Violations/4mse-ku6q</a:t>
+            </a:r>
+            <a:endParaRPr lang="en-US" dirty="0"/>
+          </a:p>
+          <a:p>
+            <a:pPr lvl="1"/>
+            <a:r>
+              <a:rPr lang="en-US" dirty="0"/>
+              <a:t>Violation info from all electronic traffic violations in Montgomery County</a:t>
+            </a:r>
+          </a:p>
+          <a:p>
+            <a:pPr lvl="1"/>
+            <a:r>
+              <a:rPr lang="en-US" dirty="0"/>
+              <a:t>1m+ records</a:t>
+            </a:r>
+          </a:p>
+          <a:p>
+            <a:pPr lvl="1"/>
+            <a:r>
+              <a:rPr lang="en-US" dirty="0"/>
+              <a:t>Significant Columns:</a:t>
+            </a:r>
+          </a:p>
+          <a:p>
+            <a:pPr lvl="2"/>
+            <a:r>
+              <a:rPr lang="en-US" sz="1600" dirty="0"/>
+              <a:t>Geolocation</a:t>
+            </a:r>
+          </a:p>
+          <a:p>
+            <a:pPr lvl="2"/>
+            <a:r>
+              <a:rPr lang="en-US" sz="1600" dirty="0"/>
+              <a:t>Time of stop</a:t>
+            </a:r>
+          </a:p>
+          <a:p>
+            <a:pPr lvl="2"/>
+            <a:r>
+              <a:rPr lang="en-US" sz="1600" dirty="0"/>
+              <a:t>Accident (Y/N)</a:t>
+            </a:r>
+          </a:p>
+          <a:p>
+            <a:pPr lvl="2"/>
+            <a:r>
+              <a:rPr lang="en-US" sz="1600" dirty="0"/>
+              <a:t>Belts (Y/N)</a:t>
+            </a:r>
+          </a:p>
+          <a:p>
+            <a:pPr lvl="2"/>
+            <a:r>
+              <a:rPr lang="en-US" sz="1600" dirty="0"/>
+              <a:t>Personal Injury (Y/N)</a:t>
+            </a:r>
+          </a:p>
+          <a:p>
+            <a:pPr lvl="2"/>
+            <a:r>
+              <a:rPr lang="en-US" sz="1600" dirty="0"/>
+              <a:t>Fatal (Y/N)</a:t>
+            </a:r>
+          </a:p>
+          <a:p>
+            <a:pPr lvl="2"/>
+            <a:r>
+              <a:rPr lang="en-US" sz="1600" dirty="0"/>
+              <a:t>Alcohol (Y/N)</a:t>
+            </a:r>
+          </a:p>
+          <a:p>
+            <a:pPr lvl="2"/>
+            <a:r>
+              <a:rPr lang="en-US" sz="1600" dirty="0"/>
+              <a:t>Driver race/gender/city/state</a:t>
+            </a:r>
+          </a:p>
+          <a:p>
+            <a:pPr lvl="2"/>
+            <a:r>
+              <a:rPr lang="en-US" sz="1600" dirty="0"/>
+              <a:t>Vehicle make/model/year/type</a:t>
+            </a:r>
+          </a:p>
+        </p:txBody>
+      </p:sp>
+    </p:spTree>
+    <p:extLst>
+      <p:ext uri="{BB962C8B-B14F-4D97-AF65-F5344CB8AC3E}">
+        <p14:creationId xmlns:p14="http://schemas.microsoft.com/office/powerpoint/2010/main" val="1849332104"/>
+      </p:ext>
+    </p:extLst>
+  </p:cSld>
+  <p:clrMapOvr>
+    <a:masterClrMapping/>
+  </p:clrMapOvr>
+</p:sld>
+</file>
+
+<file path=ppt/slides/slide20.xml><?xml version="1.0" encoding="utf-8"?>
+<p:sld xmlns:a="http://schemas.openxmlformats.org/drawingml/2006/main" xmlns:r="http://schemas.openxmlformats.org/officeDocument/2006/relationships" xmlns:p="http://schemas.openxmlformats.org/presentationml/2006/main">
+  <p:cSld>
+    <p:spTree>
+      <p:nvGrpSpPr>
+        <p:cNvPr id="1" name=""/>
+        <p:cNvGrpSpPr/>
+        <p:nvPr/>
+      </p:nvGrpSpPr>
+      <p:grpSpPr>
+        <a:xfrm>
+          <a:off x="0" y="0"/>
+          <a:ext cx="0" cy="0"/>
+          <a:chOff x="0" y="0"/>
+          <a:chExt cx="0" cy="0"/>
+        </a:xfrm>
+      </p:grpSpPr>
+      <p:sp>
+        <p:nvSpPr>
+          <p:cNvPr id="2" name="Title 1">
+            <a:extLst>
+              <a:ext uri="{FF2B5EF4-FFF2-40B4-BE49-F238E27FC236}">
+                <a16:creationId xmlns:a16="http://schemas.microsoft.com/office/drawing/2014/main" id="{C5F73921-064B-4F8F-8A2C-9102B144ADD5}"/>
+              </a:ext>
+            </a:extLst>
+          </p:cNvPr>
+          <p:cNvSpPr>
+            <a:spLocks noGrp="1"/>
+          </p:cNvSpPr>
+          <p:nvPr>
+            <p:ph type="title"/>
+          </p:nvPr>
+        </p:nvSpPr>
+        <p:spPr/>
+        <p:txBody>
+          <a:bodyPr>
+            <a:normAutofit/>
+          </a:bodyPr>
+          <a:lstStyle/>
+          <a:p>
+            <a:r>
+              <a:rPr lang="en-US" dirty="0"/>
+              <a:t>Traffic Crashes – Preprocessing</a:t>
+            </a:r>
+            <a:br>
+              <a:rPr lang="en-US" dirty="0"/>
+            </a:br>
+            <a:r>
+              <a:rPr lang="en-US" dirty="0"/>
+              <a:t>Challenges</a:t>
+            </a:r>
+          </a:p>
+        </p:txBody>
+      </p:sp>
+      <p:sp>
+        <p:nvSpPr>
+          <p:cNvPr id="3" name="Content Placeholder 2">
+            <a:extLst>
+              <a:ext uri="{FF2B5EF4-FFF2-40B4-BE49-F238E27FC236}">
+                <a16:creationId xmlns:a16="http://schemas.microsoft.com/office/drawing/2014/main" id="{73001722-97A6-4F0C-B3DB-4072E006E7E9}"/>
+              </a:ext>
+            </a:extLst>
+          </p:cNvPr>
+          <p:cNvSpPr>
+            <a:spLocks noGrp="1"/>
+          </p:cNvSpPr>
+          <p:nvPr>
+            <p:ph idx="1"/>
+          </p:nvPr>
+        </p:nvSpPr>
+        <p:spPr/>
+        <p:txBody>
+          <a:bodyPr/>
+          <a:lstStyle/>
+          <a:p>
+            <a:r>
+              <a:rPr lang="en-US" dirty="0"/>
+              <a:t>Scaling down the data for a feasible project</a:t>
+            </a:r>
+          </a:p>
+          <a:p>
+            <a:r>
+              <a:rPr lang="en-US" dirty="0"/>
+              <a:t>Combining Crash/People datasets</a:t>
+            </a:r>
+          </a:p>
+          <a:p>
+            <a:r>
+              <a:rPr lang="en-US" dirty="0"/>
+              <a:t>Making the data interpretable by an algorithm</a:t>
+            </a:r>
+          </a:p>
+          <a:p>
+            <a:pPr lvl="1"/>
+            <a:r>
+              <a:rPr lang="en-US" dirty="0"/>
+              <a:t>Handling empty entries</a:t>
+            </a:r>
+          </a:p>
+          <a:p>
+            <a:r>
+              <a:rPr lang="en-US" b="1" dirty="0"/>
+              <a:t>Reducing the number of features</a:t>
+            </a:r>
+          </a:p>
+        </p:txBody>
+      </p:sp>
+    </p:spTree>
+    <p:extLst>
+      <p:ext uri="{BB962C8B-B14F-4D97-AF65-F5344CB8AC3E}">
+        <p14:creationId xmlns:p14="http://schemas.microsoft.com/office/powerpoint/2010/main" val="3325585201"/>
+      </p:ext>
+    </p:extLst>
+  </p:cSld>
+  <p:clrMapOvr>
+    <a:masterClrMapping/>
+  </p:clrMapOvr>
+</p:sld>
+</file>
+
+<file path=ppt/slides/slide21.xml><?xml version="1.0" encoding="utf-8"?>
+<p:sld xmlns:a="http://schemas.openxmlformats.org/drawingml/2006/main" xmlns:r="http://schemas.openxmlformats.org/officeDocument/2006/relationships" xmlns:p="http://schemas.openxmlformats.org/presentationml/2006/main">
+  <p:cSld>
+    <p:spTree>
+      <p:nvGrpSpPr>
+        <p:cNvPr id="1" name=""/>
+        <p:cNvGrpSpPr/>
+        <p:nvPr/>
+      </p:nvGrpSpPr>
+      <p:grpSpPr>
+        <a:xfrm>
+          <a:off x="0" y="0"/>
+          <a:ext cx="0" cy="0"/>
+          <a:chOff x="0" y="0"/>
+          <a:chExt cx="0" cy="0"/>
+        </a:xfrm>
+      </p:grpSpPr>
+      <p:sp>
+        <p:nvSpPr>
+          <p:cNvPr id="2" name="Title 1">
+            <a:extLst>
+              <a:ext uri="{FF2B5EF4-FFF2-40B4-BE49-F238E27FC236}">
+                <a16:creationId xmlns:a16="http://schemas.microsoft.com/office/drawing/2014/main" id="{C5F73921-064B-4F8F-8A2C-9102B144ADD5}"/>
+              </a:ext>
+            </a:extLst>
+          </p:cNvPr>
+          <p:cNvSpPr>
+            <a:spLocks noGrp="1"/>
+          </p:cNvSpPr>
+          <p:nvPr>
+            <p:ph type="title"/>
+          </p:nvPr>
+        </p:nvSpPr>
+        <p:spPr/>
+        <p:txBody>
+          <a:bodyPr/>
+          <a:lstStyle/>
+          <a:p>
+            <a:r>
+              <a:rPr lang="en-US" dirty="0"/>
+              <a:t>Traffic Crashes – Preprocessing</a:t>
+            </a:r>
+            <a:br>
+              <a:rPr lang="en-US" dirty="0"/>
+            </a:br>
+            <a:r>
+              <a:rPr lang="en-US" dirty="0"/>
+              <a:t>Feature Reduction</a:t>
+            </a:r>
+          </a:p>
+        </p:txBody>
+      </p:sp>
+      <p:sp>
+        <p:nvSpPr>
+          <p:cNvPr id="3" name="Content Placeholder 2">
+            <a:extLst>
+              <a:ext uri="{FF2B5EF4-FFF2-40B4-BE49-F238E27FC236}">
+                <a16:creationId xmlns:a16="http://schemas.microsoft.com/office/drawing/2014/main" id="{73001722-97A6-4F0C-B3DB-4072E006E7E9}"/>
+              </a:ext>
+            </a:extLst>
+          </p:cNvPr>
+          <p:cNvSpPr>
+            <a:spLocks noGrp="1"/>
+          </p:cNvSpPr>
+          <p:nvPr>
+            <p:ph idx="1"/>
+          </p:nvPr>
+        </p:nvSpPr>
+        <p:spPr>
+          <a:xfrm>
+            <a:off x="677334" y="1807286"/>
+            <a:ext cx="8596668" cy="5050714"/>
+          </a:xfrm>
+        </p:spPr>
+        <p:txBody>
+          <a:bodyPr/>
+          <a:lstStyle/>
+          <a:p>
+            <a:r>
+              <a:rPr lang="en-US" dirty="0"/>
+              <a:t>Many features were redundant/irrelevant/consequents</a:t>
+            </a:r>
+          </a:p>
+          <a:p>
+            <a:pPr lvl="1"/>
+            <a:r>
+              <a:rPr lang="en-US" dirty="0"/>
+              <a:t>CRASH_DATE was repeated twice</a:t>
+            </a:r>
+          </a:p>
+          <a:p>
+            <a:pPr lvl="1"/>
+            <a:r>
+              <a:rPr lang="en-US" dirty="0"/>
+              <a:t>Pedestrians/Bicyclists don’t have a VEHICLE_NO</a:t>
+            </a:r>
+          </a:p>
+          <a:p>
+            <a:pPr lvl="1"/>
+            <a:r>
+              <a:rPr lang="en-US" dirty="0"/>
+              <a:t>Whether or not they were transported to an ER is a consequent</a:t>
+            </a:r>
+            <a:endParaRPr lang="en-US" b="1" dirty="0"/>
+          </a:p>
+        </p:txBody>
+      </p:sp>
+    </p:spTree>
+    <p:extLst>
+      <p:ext uri="{BB962C8B-B14F-4D97-AF65-F5344CB8AC3E}">
+        <p14:creationId xmlns:p14="http://schemas.microsoft.com/office/powerpoint/2010/main" val="4234966077"/>
+      </p:ext>
+    </p:extLst>
+  </p:cSld>
+  <p:clrMapOvr>
+    <a:masterClrMapping/>
+  </p:clrMapOvr>
+</p:sld>
+</file>
+
 <file path=ppt/slides/slide22.xml><?xml version="1.0" encoding="utf-8"?>
 <p:sld xmlns:a="http://schemas.openxmlformats.org/drawingml/2006/main" xmlns:r="http://schemas.openxmlformats.org/officeDocument/2006/relationships" xmlns:p="http://schemas.openxmlformats.org/presentationml/2006/main">
   <p:cSld>
@@ -9627,9 +9547,7 @@
         </p:nvSpPr>
         <p:spPr/>
         <p:txBody>
-          <a:bodyPr>
-            <a:normAutofit/>
-          </a:bodyPr>
+          <a:bodyPr/>
           <a:lstStyle/>
           <a:p>
             <a:r>
@@ -9641,7 +9559,7 @@
             </a:br>
             <a:r>
               <a:rPr lang="en-US" dirty="0"/>
-              <a:t>Challenges</a:t>
+              <a:t>Feature Reduction</a:t>
             </a:r>
           </a:p>
         </p:txBody>
@@ -9662,47 +9580,61 @@
             <p:ph idx="1"/>
           </p:nvPr>
         </p:nvSpPr>
-        <p:spPr/>
-        <p:txBody>
-          <a:bodyPr/>
-          <a:lstStyle/>
-          <a:p>
-            <a:r>
-              <a:rPr lang="en-US" dirty="0"/>
-              <a:t>Scaling down the data for a feasible project</a:t>
-            </a:r>
-          </a:p>
-          <a:p>
-            <a:r>
-              <a:rPr lang="en-US" dirty="0"/>
-              <a:t>Combining Crash/People datasets</a:t>
-            </a:r>
-          </a:p>
-          <a:p>
-            <a:r>
-              <a:rPr lang="en-US" dirty="0"/>
-              <a:t>Making the data interpretable by an algorithm</a:t>
+        <p:spPr>
+          <a:xfrm>
+            <a:off x="677334" y="1807286"/>
+            <a:ext cx="8596668" cy="5050714"/>
+          </a:xfrm>
+        </p:spPr>
+        <p:txBody>
+          <a:bodyPr/>
+          <a:lstStyle/>
+          <a:p>
+            <a:r>
+              <a:rPr lang="en-US" dirty="0"/>
+              <a:t>Many features were redundant/irrelevant/consequents</a:t>
             </a:r>
           </a:p>
           <a:p>
             <a:pPr lvl="1"/>
             <a:r>
               <a:rPr lang="en-US" dirty="0"/>
-              <a:t>Handling empty entries</a:t>
-            </a:r>
-          </a:p>
-          <a:p>
-            <a:r>
-              <a:rPr lang="en-US" b="1" dirty="0"/>
-              <a:t>Reducing the number of features</a:t>
-            </a:r>
+              <a:t>CRASH_DATE was repeated twice</a:t>
+            </a:r>
+          </a:p>
+          <a:p>
+            <a:pPr lvl="1"/>
+            <a:r>
+              <a:rPr lang="en-US" dirty="0"/>
+              <a:t>Pedestrians/Bicyclists don’t have a VEHICLE_NO</a:t>
+            </a:r>
+          </a:p>
+          <a:p>
+            <a:pPr lvl="1"/>
+            <a:r>
+              <a:rPr lang="en-US" dirty="0"/>
+              <a:t>Whether or not they were transported to an ER is a consequent</a:t>
+            </a:r>
+          </a:p>
+          <a:p>
+            <a:pPr marL="0" indent="0">
+              <a:buNone/>
+            </a:pPr>
+            <a:endParaRPr lang="en-US" dirty="0"/>
+          </a:p>
+          <a:p>
+            <a:r>
+              <a:rPr lang="en-US" dirty="0"/>
+              <a:t>Solution: Delete such columns, continue feature reduction when data mining</a:t>
+            </a:r>
+            <a:endParaRPr lang="en-US" b="1" dirty="0"/>
           </a:p>
         </p:txBody>
       </p:sp>
     </p:spTree>
     <p:extLst>
       <p:ext uri="{BB962C8B-B14F-4D97-AF65-F5344CB8AC3E}">
-        <p14:creationId xmlns:p14="http://schemas.microsoft.com/office/powerpoint/2010/main" val="3325585201"/>
+        <p14:creationId xmlns:p14="http://schemas.microsoft.com/office/powerpoint/2010/main" val="27618036"/>
       </p:ext>
     </p:extLst>
   </p:cSld>
@@ -9787,258 +9719,6 @@
           </a:xfrm>
         </p:spPr>
         <p:txBody>
-          <a:bodyPr/>
-          <a:lstStyle/>
-          <a:p>
-            <a:r>
-              <a:rPr lang="en-US" dirty="0"/>
-              <a:t>Many features were redundant/irrelevant/consequents</a:t>
-            </a:r>
-          </a:p>
-          <a:p>
-            <a:pPr lvl="1"/>
-            <a:r>
-              <a:rPr lang="en-US" dirty="0"/>
-              <a:t>CRASH_DATE was repeated twice</a:t>
-            </a:r>
-          </a:p>
-          <a:p>
-            <a:pPr lvl="1"/>
-            <a:r>
-              <a:rPr lang="en-US" dirty="0"/>
-              <a:t>Pedestrians/Bicyclists don’t have a VEHICLE_NO</a:t>
-            </a:r>
-          </a:p>
-          <a:p>
-            <a:pPr lvl="1"/>
-            <a:r>
-              <a:rPr lang="en-US" dirty="0"/>
-              <a:t>Whether or not they were transported to an ER is a consequent</a:t>
-            </a:r>
-            <a:endParaRPr lang="en-US" b="1" dirty="0"/>
-          </a:p>
-        </p:txBody>
-      </p:sp>
-    </p:spTree>
-    <p:extLst>
-      <p:ext uri="{BB962C8B-B14F-4D97-AF65-F5344CB8AC3E}">
-        <p14:creationId xmlns:p14="http://schemas.microsoft.com/office/powerpoint/2010/main" val="4234966077"/>
-      </p:ext>
-    </p:extLst>
-  </p:cSld>
-  <p:clrMapOvr>
-    <a:masterClrMapping/>
-  </p:clrMapOvr>
-</p:sld>
-</file>
-
-<file path=ppt/slides/slide24.xml><?xml version="1.0" encoding="utf-8"?>
-<p:sld xmlns:a="http://schemas.openxmlformats.org/drawingml/2006/main" xmlns:r="http://schemas.openxmlformats.org/officeDocument/2006/relationships" xmlns:p="http://schemas.openxmlformats.org/presentationml/2006/main">
-  <p:cSld>
-    <p:spTree>
-      <p:nvGrpSpPr>
-        <p:cNvPr id="1" name=""/>
-        <p:cNvGrpSpPr/>
-        <p:nvPr/>
-      </p:nvGrpSpPr>
-      <p:grpSpPr>
-        <a:xfrm>
-          <a:off x="0" y="0"/>
-          <a:ext cx="0" cy="0"/>
-          <a:chOff x="0" y="0"/>
-          <a:chExt cx="0" cy="0"/>
-        </a:xfrm>
-      </p:grpSpPr>
-      <p:sp>
-        <p:nvSpPr>
-          <p:cNvPr id="2" name="Title 1">
-            <a:extLst>
-              <a:ext uri="{FF2B5EF4-FFF2-40B4-BE49-F238E27FC236}">
-                <a16:creationId xmlns:a16="http://schemas.microsoft.com/office/drawing/2014/main" id="{C5F73921-064B-4F8F-8A2C-9102B144ADD5}"/>
-              </a:ext>
-            </a:extLst>
-          </p:cNvPr>
-          <p:cNvSpPr>
-            <a:spLocks noGrp="1"/>
-          </p:cNvSpPr>
-          <p:nvPr>
-            <p:ph type="title"/>
-          </p:nvPr>
-        </p:nvSpPr>
-        <p:spPr/>
-        <p:txBody>
-          <a:bodyPr/>
-          <a:lstStyle/>
-          <a:p>
-            <a:r>
-              <a:rPr lang="en-US" dirty="0"/>
-              <a:t>Traffic Crashes – Preprocessing</a:t>
-            </a:r>
-            <a:br>
-              <a:rPr lang="en-US" dirty="0"/>
-            </a:br>
-            <a:r>
-              <a:rPr lang="en-US" dirty="0"/>
-              <a:t>Feature Reduction</a:t>
-            </a:r>
-          </a:p>
-        </p:txBody>
-      </p:sp>
-      <p:sp>
-        <p:nvSpPr>
-          <p:cNvPr id="3" name="Content Placeholder 2">
-            <a:extLst>
-              <a:ext uri="{FF2B5EF4-FFF2-40B4-BE49-F238E27FC236}">
-                <a16:creationId xmlns:a16="http://schemas.microsoft.com/office/drawing/2014/main" id="{73001722-97A6-4F0C-B3DB-4072E006E7E9}"/>
-              </a:ext>
-            </a:extLst>
-          </p:cNvPr>
-          <p:cNvSpPr>
-            <a:spLocks noGrp="1"/>
-          </p:cNvSpPr>
-          <p:nvPr>
-            <p:ph idx="1"/>
-          </p:nvPr>
-        </p:nvSpPr>
-        <p:spPr>
-          <a:xfrm>
-            <a:off x="677334" y="1807286"/>
-            <a:ext cx="8596668" cy="5050714"/>
-          </a:xfrm>
-        </p:spPr>
-        <p:txBody>
-          <a:bodyPr/>
-          <a:lstStyle/>
-          <a:p>
-            <a:r>
-              <a:rPr lang="en-US" dirty="0"/>
-              <a:t>Many features were redundant/irrelevant/consequents</a:t>
-            </a:r>
-          </a:p>
-          <a:p>
-            <a:pPr lvl="1"/>
-            <a:r>
-              <a:rPr lang="en-US" dirty="0"/>
-              <a:t>CRASH_DATE was repeated twice</a:t>
-            </a:r>
-          </a:p>
-          <a:p>
-            <a:pPr lvl="1"/>
-            <a:r>
-              <a:rPr lang="en-US" dirty="0"/>
-              <a:t>Pedestrians/Bicyclists don’t have a VEHICLE_NO</a:t>
-            </a:r>
-          </a:p>
-          <a:p>
-            <a:pPr lvl="1"/>
-            <a:r>
-              <a:rPr lang="en-US" dirty="0"/>
-              <a:t>Whether or not they were transported to an ER is a consequent</a:t>
-            </a:r>
-          </a:p>
-          <a:p>
-            <a:pPr marL="0" indent="0">
-              <a:buNone/>
-            </a:pPr>
-            <a:endParaRPr lang="en-US" dirty="0"/>
-          </a:p>
-          <a:p>
-            <a:r>
-              <a:rPr lang="en-US" dirty="0"/>
-              <a:t>Solution: Delete such columns, continue feature reduction when data mining</a:t>
-            </a:r>
-            <a:endParaRPr lang="en-US" b="1" dirty="0"/>
-          </a:p>
-        </p:txBody>
-      </p:sp>
-    </p:spTree>
-    <p:extLst>
-      <p:ext uri="{BB962C8B-B14F-4D97-AF65-F5344CB8AC3E}">
-        <p14:creationId xmlns:p14="http://schemas.microsoft.com/office/powerpoint/2010/main" val="27618036"/>
-      </p:ext>
-    </p:extLst>
-  </p:cSld>
-  <p:clrMapOvr>
-    <a:masterClrMapping/>
-  </p:clrMapOvr>
-</p:sld>
-</file>
-
-<file path=ppt/slides/slide25.xml><?xml version="1.0" encoding="utf-8"?>
-<p:sld xmlns:a="http://schemas.openxmlformats.org/drawingml/2006/main" xmlns:r="http://schemas.openxmlformats.org/officeDocument/2006/relationships" xmlns:p="http://schemas.openxmlformats.org/presentationml/2006/main">
-  <p:cSld>
-    <p:spTree>
-      <p:nvGrpSpPr>
-        <p:cNvPr id="1" name=""/>
-        <p:cNvGrpSpPr/>
-        <p:nvPr/>
-      </p:nvGrpSpPr>
-      <p:grpSpPr>
-        <a:xfrm>
-          <a:off x="0" y="0"/>
-          <a:ext cx="0" cy="0"/>
-          <a:chOff x="0" y="0"/>
-          <a:chExt cx="0" cy="0"/>
-        </a:xfrm>
-      </p:grpSpPr>
-      <p:sp>
-        <p:nvSpPr>
-          <p:cNvPr id="2" name="Title 1">
-            <a:extLst>
-              <a:ext uri="{FF2B5EF4-FFF2-40B4-BE49-F238E27FC236}">
-                <a16:creationId xmlns:a16="http://schemas.microsoft.com/office/drawing/2014/main" id="{C5F73921-064B-4F8F-8A2C-9102B144ADD5}"/>
-              </a:ext>
-            </a:extLst>
-          </p:cNvPr>
-          <p:cNvSpPr>
-            <a:spLocks noGrp="1"/>
-          </p:cNvSpPr>
-          <p:nvPr>
-            <p:ph type="title"/>
-          </p:nvPr>
-        </p:nvSpPr>
-        <p:spPr/>
-        <p:txBody>
-          <a:bodyPr/>
-          <a:lstStyle/>
-          <a:p>
-            <a:r>
-              <a:rPr lang="en-US" dirty="0"/>
-              <a:t>Traffic Crashes – Preprocessing</a:t>
-            </a:r>
-            <a:br>
-              <a:rPr lang="en-US" dirty="0"/>
-            </a:br>
-            <a:r>
-              <a:rPr lang="en-US" dirty="0"/>
-              <a:t>Feature Reduction</a:t>
-            </a:r>
-          </a:p>
-        </p:txBody>
-      </p:sp>
-      <p:sp>
-        <p:nvSpPr>
-          <p:cNvPr id="3" name="Content Placeholder 2">
-            <a:extLst>
-              <a:ext uri="{FF2B5EF4-FFF2-40B4-BE49-F238E27FC236}">
-                <a16:creationId xmlns:a16="http://schemas.microsoft.com/office/drawing/2014/main" id="{73001722-97A6-4F0C-B3DB-4072E006E7E9}"/>
-              </a:ext>
-            </a:extLst>
-          </p:cNvPr>
-          <p:cNvSpPr>
-            <a:spLocks noGrp="1"/>
-          </p:cNvSpPr>
-          <p:nvPr>
-            <p:ph idx="1"/>
-          </p:nvPr>
-        </p:nvSpPr>
-        <p:spPr>
-          <a:xfrm>
-            <a:off x="677334" y="1807286"/>
-            <a:ext cx="8596668" cy="5050714"/>
-          </a:xfrm>
-        </p:spPr>
-        <p:txBody>
           <a:bodyPr>
             <a:normAutofit lnSpcReduction="10000"/>
           </a:bodyPr>
@@ -10148,7 +9828,7 @@
 </p:sld>
 </file>
 
-<file path=ppt/slides/slide26.xml><?xml version="1.0" encoding="utf-8"?>
+<file path=ppt/slides/slide24.xml><?xml version="1.0" encoding="utf-8"?>
 <p:sld xmlns:a="http://schemas.openxmlformats.org/drawingml/2006/main" xmlns:r="http://schemas.openxmlformats.org/officeDocument/2006/relationships" xmlns:p="http://schemas.openxmlformats.org/presentationml/2006/main">
   <p:cSld>
     <p:spTree>
@@ -10268,7 +9948,7 @@
 </p:sld>
 </file>
 
-<file path=ppt/slides/slide27.xml><?xml version="1.0" encoding="utf-8"?>
+<file path=ppt/slides/slide25.xml><?xml version="1.0" encoding="utf-8"?>
 <p:sld xmlns:a="http://schemas.openxmlformats.org/drawingml/2006/main" xmlns:r="http://schemas.openxmlformats.org/officeDocument/2006/relationships" xmlns:p="http://schemas.openxmlformats.org/presentationml/2006/main">
   <p:cSld>
     <p:spTree>
@@ -10357,7 +10037,7 @@
             <a:pPr lvl="1"/>
             <a:r>
               <a:rPr lang="en-US" dirty="0"/>
-              <a:t>61k had no indication of injuries (91%)</a:t>
+              <a:t>61k had no injuries (91%)</a:t>
             </a:r>
           </a:p>
           <a:p>
@@ -10424,7 +10104,7 @@
 </p:sld>
 </file>
 
-<file path=ppt/slides/slide28.xml><?xml version="1.0" encoding="utf-8"?>
+<file path=ppt/slides/slide26.xml><?xml version="1.0" encoding="utf-8"?>
 <p:sld xmlns:a="http://schemas.openxmlformats.org/drawingml/2006/main" xmlns:r="http://schemas.openxmlformats.org/officeDocument/2006/relationships" xmlns:p="http://schemas.openxmlformats.org/presentationml/2006/main">
   <p:cSld>
     <p:spTree>
@@ -10631,7 +10311,7 @@
 </p:sld>
 </file>
 
-<file path=ppt/slides/slide29.xml><?xml version="1.0" encoding="utf-8"?>
+<file path=ppt/slides/slide27.xml><?xml version="1.0" encoding="utf-8"?>
 <p:sld xmlns:a="http://schemas.openxmlformats.org/drawingml/2006/main" xmlns:r="http://schemas.openxmlformats.org/officeDocument/2006/relationships" xmlns:p="http://schemas.openxmlformats.org/presentationml/2006/main">
   <p:cSld>
     <p:spTree>
@@ -10740,147 +10420,7 @@
 </p:sld>
 </file>
 
-<file path=ppt/slides/slide3.xml><?xml version="1.0" encoding="utf-8"?>
-<p:sld xmlns:a="http://schemas.openxmlformats.org/drawingml/2006/main" xmlns:r="http://schemas.openxmlformats.org/officeDocument/2006/relationships" xmlns:p="http://schemas.openxmlformats.org/presentationml/2006/main">
-  <p:cSld>
-    <p:spTree>
-      <p:nvGrpSpPr>
-        <p:cNvPr id="1" name=""/>
-        <p:cNvGrpSpPr/>
-        <p:nvPr/>
-      </p:nvGrpSpPr>
-      <p:grpSpPr>
-        <a:xfrm>
-          <a:off x="0" y="0"/>
-          <a:ext cx="0" cy="0"/>
-          <a:chOff x="0" y="0"/>
-          <a:chExt cx="0" cy="0"/>
-        </a:xfrm>
-      </p:grpSpPr>
-      <p:sp>
-        <p:nvSpPr>
-          <p:cNvPr id="2" name="Title 1">
-            <a:extLst>
-              <a:ext uri="{FF2B5EF4-FFF2-40B4-BE49-F238E27FC236}">
-                <a16:creationId xmlns:a16="http://schemas.microsoft.com/office/drawing/2014/main" id="{01755627-4487-43FF-902E-4B527228A362}"/>
-              </a:ext>
-            </a:extLst>
-          </p:cNvPr>
-          <p:cNvSpPr>
-            <a:spLocks noGrp="1"/>
-          </p:cNvSpPr>
-          <p:nvPr>
-            <p:ph type="title"/>
-          </p:nvPr>
-        </p:nvSpPr>
-        <p:spPr/>
-        <p:txBody>
-          <a:bodyPr/>
-          <a:lstStyle/>
-          <a:p>
-            <a:r>
-              <a:rPr lang="en-US" dirty="0"/>
-              <a:t>Why We Switched</a:t>
-            </a:r>
-          </a:p>
-        </p:txBody>
-      </p:sp>
-      <p:sp>
-        <p:nvSpPr>
-          <p:cNvPr id="3" name="Content Placeholder 2">
-            <a:extLst>
-              <a:ext uri="{FF2B5EF4-FFF2-40B4-BE49-F238E27FC236}">
-                <a16:creationId xmlns:a16="http://schemas.microsoft.com/office/drawing/2014/main" id="{9B08F546-1843-4A81-987F-0B4787CB4BC4}"/>
-              </a:ext>
-            </a:extLst>
-          </p:cNvPr>
-          <p:cNvSpPr>
-            <a:spLocks noGrp="1"/>
-          </p:cNvSpPr>
-          <p:nvPr>
-            <p:ph idx="1"/>
-          </p:nvPr>
-        </p:nvSpPr>
-        <p:spPr>
-          <a:xfrm>
-            <a:off x="642938" y="1719263"/>
-            <a:ext cx="8631064" cy="4322099"/>
-          </a:xfrm>
-        </p:spPr>
-        <p:txBody>
-          <a:bodyPr>
-            <a:normAutofit/>
-          </a:bodyPr>
-          <a:lstStyle/>
-          <a:p>
-            <a:r>
-              <a:rPr lang="en-US" dirty="0"/>
-              <a:t>Many Inconsistencies, lack of good management/validation</a:t>
-            </a:r>
-          </a:p>
-          <a:p>
-            <a:pPr lvl="1"/>
-            <a:r>
-              <a:rPr lang="en-US" dirty="0"/>
-              <a:t>The Accident Column never had a YES, even when fatalities occurred</a:t>
-            </a:r>
-          </a:p>
-          <a:p>
-            <a:pPr lvl="1"/>
-            <a:r>
-              <a:rPr lang="en-US" dirty="0"/>
-              <a:t>Drivers were charged with DUI, but the Alcohol column indicated NO</a:t>
-            </a:r>
-          </a:p>
-          <a:p>
-            <a:pPr lvl="1"/>
-            <a:r>
-              <a:rPr lang="en-US" dirty="0"/>
-              <a:t>Seatbelt violations when Seatbelt column indicated a seatbelt was worn</a:t>
-            </a:r>
-          </a:p>
-          <a:p>
-            <a:pPr lvl="1"/>
-            <a:r>
-              <a:rPr lang="en-US" dirty="0"/>
-              <a:t>Overall improperly recorded data</a:t>
-            </a:r>
-          </a:p>
-          <a:p>
-            <a:pPr lvl="1"/>
-            <a:r>
-              <a:rPr lang="en-US" dirty="0"/>
-              <a:t>No data on vehicle passengers/pedestrians involved in the crash</a:t>
-            </a:r>
-          </a:p>
-          <a:p>
-            <a:r>
-              <a:rPr lang="en-US" dirty="0"/>
-              <a:t>Too many non-accidents, useless for our problem statement</a:t>
-            </a:r>
-          </a:p>
-          <a:p>
-            <a:r>
-              <a:rPr lang="en-US" dirty="0"/>
-              <a:t>Not enough relevant columns to build a good model</a:t>
-            </a:r>
-          </a:p>
-        </p:txBody>
-      </p:sp>
-    </p:spTree>
-    <p:extLst>
-      <p:ext uri="{BB962C8B-B14F-4D97-AF65-F5344CB8AC3E}">
-        <p14:creationId xmlns:p14="http://schemas.microsoft.com/office/powerpoint/2010/main" val="3058796774"/>
-      </p:ext>
-    </p:extLst>
-  </p:cSld>
-  <p:clrMapOvr>
-    <a:masterClrMapping/>
-  </p:clrMapOvr>
-</p:sld>
-</file>
-
-<file path=ppt/slides/slide30.xml><?xml version="1.0" encoding="utf-8"?>
+<file path=ppt/slides/slide28.xml><?xml version="1.0" encoding="utf-8"?>
 <p:sld xmlns:a="http://schemas.openxmlformats.org/drawingml/2006/main" xmlns:r="http://schemas.openxmlformats.org/officeDocument/2006/relationships" xmlns:p="http://schemas.openxmlformats.org/presentationml/2006/main">
   <p:cSld>
     <p:spTree>
@@ -11021,6 +10561,475 @@
 </p:sld>
 </file>
 
+<file path=ppt/slides/slide29.xml><?xml version="1.0" encoding="utf-8"?>
+<p:sld xmlns:a="http://schemas.openxmlformats.org/drawingml/2006/main" xmlns:r="http://schemas.openxmlformats.org/officeDocument/2006/relationships" xmlns:p="http://schemas.openxmlformats.org/presentationml/2006/main">
+  <p:cSld>
+    <p:spTree>
+      <p:nvGrpSpPr>
+        <p:cNvPr id="1" name=""/>
+        <p:cNvGrpSpPr/>
+        <p:nvPr/>
+      </p:nvGrpSpPr>
+      <p:grpSpPr>
+        <a:xfrm>
+          <a:off x="0" y="0"/>
+          <a:ext cx="0" cy="0"/>
+          <a:chOff x="0" y="0"/>
+          <a:chExt cx="0" cy="0"/>
+        </a:xfrm>
+      </p:grpSpPr>
+      <p:sp>
+        <p:nvSpPr>
+          <p:cNvPr id="2" name="Title 1">
+            <a:extLst>
+              <a:ext uri="{FF2B5EF4-FFF2-40B4-BE49-F238E27FC236}">
+                <a16:creationId xmlns:a16="http://schemas.microsoft.com/office/drawing/2014/main" id="{12AA5096-EC40-4FE4-9DE8-C7442AB4EF7C}"/>
+              </a:ext>
+            </a:extLst>
+          </p:cNvPr>
+          <p:cNvSpPr>
+            <a:spLocks noGrp="1"/>
+          </p:cNvSpPr>
+          <p:nvPr>
+            <p:ph type="title"/>
+          </p:nvPr>
+        </p:nvSpPr>
+        <p:spPr/>
+        <p:txBody>
+          <a:bodyPr/>
+          <a:lstStyle/>
+          <a:p>
+            <a:r>
+              <a:rPr lang="en-US" dirty="0"/>
+              <a:t>Traffic Crashes – Data Mining</a:t>
+            </a:r>
+            <a:br>
+              <a:rPr lang="en-US" dirty="0"/>
+            </a:br>
+            <a:r>
+              <a:rPr lang="en-US" dirty="0"/>
+              <a:t>Association Analysis</a:t>
+            </a:r>
+          </a:p>
+        </p:txBody>
+      </p:sp>
+      <p:sp>
+        <p:nvSpPr>
+          <p:cNvPr id="3" name="Content Placeholder 2">
+            <a:extLst>
+              <a:ext uri="{FF2B5EF4-FFF2-40B4-BE49-F238E27FC236}">
+                <a16:creationId xmlns:a16="http://schemas.microsoft.com/office/drawing/2014/main" id="{D2404599-D483-4FFB-8B69-991CC567A8E1}"/>
+              </a:ext>
+            </a:extLst>
+          </p:cNvPr>
+          <p:cNvSpPr>
+            <a:spLocks noGrp="1"/>
+          </p:cNvSpPr>
+          <p:nvPr>
+            <p:ph idx="1"/>
+          </p:nvPr>
+        </p:nvSpPr>
+        <p:spPr/>
+        <p:txBody>
+          <a:bodyPr>
+            <a:normAutofit/>
+          </a:bodyPr>
+          <a:lstStyle/>
+          <a:p>
+            <a:r>
+              <a:rPr lang="en-US" dirty="0"/>
+              <a:t>We were curious as to see what rules were generated that lead to injuries/fatalities	</a:t>
+            </a:r>
+          </a:p>
+          <a:p>
+            <a:pPr lvl="1"/>
+            <a:r>
+              <a:rPr lang="en-US" dirty="0"/>
+              <a:t>Achieved by using Weka</a:t>
+            </a:r>
+          </a:p>
+          <a:p>
+            <a:r>
+              <a:rPr lang="en-US" dirty="0"/>
+              <a:t>Initial data made it difficult to find interesting rules to our problem</a:t>
+            </a:r>
+          </a:p>
+          <a:p>
+            <a:pPr lvl="1"/>
+            <a:r>
+              <a:rPr lang="en-US" dirty="0"/>
+              <a:t>Rules were found to be infrequent</a:t>
+            </a:r>
+          </a:p>
+          <a:p>
+            <a:pPr lvl="2"/>
+            <a:r>
+              <a:rPr lang="en-US" dirty="0"/>
+              <a:t>Never showed up despite increasing number of rules to generate and the lower bound</a:t>
+            </a:r>
+          </a:p>
+          <a:p>
+            <a:pPr lvl="1"/>
+            <a:r>
+              <a:rPr lang="en-US" dirty="0"/>
+              <a:t>Oversampling helped immensely</a:t>
+            </a:r>
+          </a:p>
+          <a:p>
+            <a:pPr lvl="1"/>
+            <a:r>
+              <a:rPr lang="en-US" dirty="0"/>
+              <a:t>Consequent is </a:t>
+            </a:r>
+            <a:r>
+              <a:rPr lang="en-US" b="1" dirty="0"/>
+              <a:t>INJURY_CLASSIFICATION</a:t>
+            </a:r>
+          </a:p>
+          <a:p>
+            <a:pPr lvl="2"/>
+            <a:r>
+              <a:rPr lang="en-US" dirty="0"/>
+              <a:t>To have only one consequent, only confidence was WEKA’s output</a:t>
+            </a:r>
+          </a:p>
+          <a:p>
+            <a:r>
+              <a:rPr lang="en-US" dirty="0"/>
+              <a:t>Attempted classification with a 10 fold split on the oversampled training data</a:t>
+            </a:r>
+          </a:p>
+          <a:p>
+            <a:endParaRPr lang="en-US" dirty="0"/>
+          </a:p>
+          <a:p>
+            <a:endParaRPr lang="en-US" dirty="0"/>
+          </a:p>
+          <a:p>
+            <a:endParaRPr lang="en-US" dirty="0"/>
+          </a:p>
+        </p:txBody>
+      </p:sp>
+    </p:spTree>
+    <p:extLst>
+      <p:ext uri="{BB962C8B-B14F-4D97-AF65-F5344CB8AC3E}">
+        <p14:creationId xmlns:p14="http://schemas.microsoft.com/office/powerpoint/2010/main" val="3610820468"/>
+      </p:ext>
+    </p:extLst>
+  </p:cSld>
+  <p:clrMapOvr>
+    <a:masterClrMapping/>
+  </p:clrMapOvr>
+</p:sld>
+</file>
+
+<file path=ppt/slides/slide3.xml><?xml version="1.0" encoding="utf-8"?>
+<p:sld xmlns:a="http://schemas.openxmlformats.org/drawingml/2006/main" xmlns:r="http://schemas.openxmlformats.org/officeDocument/2006/relationships" xmlns:p="http://schemas.openxmlformats.org/presentationml/2006/main">
+  <p:cSld>
+    <p:spTree>
+      <p:nvGrpSpPr>
+        <p:cNvPr id="1" name=""/>
+        <p:cNvGrpSpPr/>
+        <p:nvPr/>
+      </p:nvGrpSpPr>
+      <p:grpSpPr>
+        <a:xfrm>
+          <a:off x="0" y="0"/>
+          <a:ext cx="0" cy="0"/>
+          <a:chOff x="0" y="0"/>
+          <a:chExt cx="0" cy="0"/>
+        </a:xfrm>
+      </p:grpSpPr>
+      <p:sp>
+        <p:nvSpPr>
+          <p:cNvPr id="2" name="Title 1">
+            <a:extLst>
+              <a:ext uri="{FF2B5EF4-FFF2-40B4-BE49-F238E27FC236}">
+                <a16:creationId xmlns:a16="http://schemas.microsoft.com/office/drawing/2014/main" id="{01755627-4487-43FF-902E-4B527228A362}"/>
+              </a:ext>
+            </a:extLst>
+          </p:cNvPr>
+          <p:cNvSpPr>
+            <a:spLocks noGrp="1"/>
+          </p:cNvSpPr>
+          <p:nvPr>
+            <p:ph type="title"/>
+          </p:nvPr>
+        </p:nvSpPr>
+        <p:spPr/>
+        <p:txBody>
+          <a:bodyPr/>
+          <a:lstStyle/>
+          <a:p>
+            <a:r>
+              <a:rPr lang="en-US" dirty="0"/>
+              <a:t>Why We Switched</a:t>
+            </a:r>
+          </a:p>
+        </p:txBody>
+      </p:sp>
+      <p:sp>
+        <p:nvSpPr>
+          <p:cNvPr id="3" name="Content Placeholder 2">
+            <a:extLst>
+              <a:ext uri="{FF2B5EF4-FFF2-40B4-BE49-F238E27FC236}">
+                <a16:creationId xmlns:a16="http://schemas.microsoft.com/office/drawing/2014/main" id="{9B08F546-1843-4A81-987F-0B4787CB4BC4}"/>
+              </a:ext>
+            </a:extLst>
+          </p:cNvPr>
+          <p:cNvSpPr>
+            <a:spLocks noGrp="1"/>
+          </p:cNvSpPr>
+          <p:nvPr>
+            <p:ph idx="1"/>
+          </p:nvPr>
+        </p:nvSpPr>
+        <p:spPr>
+          <a:xfrm>
+            <a:off x="642938" y="1719263"/>
+            <a:ext cx="8631064" cy="4322099"/>
+          </a:xfrm>
+        </p:spPr>
+        <p:txBody>
+          <a:bodyPr>
+            <a:normAutofit/>
+          </a:bodyPr>
+          <a:lstStyle/>
+          <a:p>
+            <a:r>
+              <a:rPr lang="en-US" dirty="0"/>
+              <a:t>Many Inconsistencies, lack of good management/validation</a:t>
+            </a:r>
+          </a:p>
+          <a:p>
+            <a:pPr lvl="1"/>
+            <a:r>
+              <a:rPr lang="en-US" dirty="0"/>
+              <a:t>The Accident Column never had a YES, even when fatalities occurred</a:t>
+            </a:r>
+          </a:p>
+          <a:p>
+            <a:pPr lvl="1"/>
+            <a:r>
+              <a:rPr lang="en-US" dirty="0"/>
+              <a:t>Drivers were charged with DUI, but the Alcohol column indicated NO</a:t>
+            </a:r>
+          </a:p>
+          <a:p>
+            <a:pPr lvl="1"/>
+            <a:r>
+              <a:rPr lang="en-US" dirty="0"/>
+              <a:t>Seatbelt violations when Seatbelt column indicated a seatbelt was worn</a:t>
+            </a:r>
+          </a:p>
+          <a:p>
+            <a:pPr lvl="1"/>
+            <a:r>
+              <a:rPr lang="en-US" dirty="0"/>
+              <a:t>Overall improperly recorded data</a:t>
+            </a:r>
+          </a:p>
+          <a:p>
+            <a:pPr lvl="1"/>
+            <a:r>
+              <a:rPr lang="en-US" dirty="0"/>
+              <a:t>No data on vehicle passengers/pedestrians involved in the crash</a:t>
+            </a:r>
+          </a:p>
+          <a:p>
+            <a:r>
+              <a:rPr lang="en-US" dirty="0"/>
+              <a:t>Too many non-accidents, useless for our problem statement</a:t>
+            </a:r>
+          </a:p>
+          <a:p>
+            <a:r>
+              <a:rPr lang="en-US" dirty="0"/>
+              <a:t>Not enough relevant columns to build a good model</a:t>
+            </a:r>
+          </a:p>
+        </p:txBody>
+      </p:sp>
+    </p:spTree>
+    <p:extLst>
+      <p:ext uri="{BB962C8B-B14F-4D97-AF65-F5344CB8AC3E}">
+        <p14:creationId xmlns:p14="http://schemas.microsoft.com/office/powerpoint/2010/main" val="3058796774"/>
+      </p:ext>
+    </p:extLst>
+  </p:cSld>
+  <p:clrMapOvr>
+    <a:masterClrMapping/>
+  </p:clrMapOvr>
+</p:sld>
+</file>
+
+<file path=ppt/slides/slide30.xml><?xml version="1.0" encoding="utf-8"?>
+<p:sld xmlns:a="http://schemas.openxmlformats.org/drawingml/2006/main" xmlns:r="http://schemas.openxmlformats.org/officeDocument/2006/relationships" xmlns:p="http://schemas.openxmlformats.org/presentationml/2006/main">
+  <p:cSld>
+    <p:spTree>
+      <p:nvGrpSpPr>
+        <p:cNvPr id="1" name=""/>
+        <p:cNvGrpSpPr/>
+        <p:nvPr/>
+      </p:nvGrpSpPr>
+      <p:grpSpPr>
+        <a:xfrm>
+          <a:off x="0" y="0"/>
+          <a:ext cx="0" cy="0"/>
+          <a:chOff x="0" y="0"/>
+          <a:chExt cx="0" cy="0"/>
+        </a:xfrm>
+      </p:grpSpPr>
+      <p:sp>
+        <p:nvSpPr>
+          <p:cNvPr id="2" name="Title 1">
+            <a:extLst>
+              <a:ext uri="{FF2B5EF4-FFF2-40B4-BE49-F238E27FC236}">
+                <a16:creationId xmlns:a16="http://schemas.microsoft.com/office/drawing/2014/main" id="{B115359A-F1AC-47F0-B95B-F4D96FEF0496}"/>
+              </a:ext>
+            </a:extLst>
+          </p:cNvPr>
+          <p:cNvSpPr>
+            <a:spLocks noGrp="1"/>
+          </p:cNvSpPr>
+          <p:nvPr>
+            <p:ph type="title"/>
+          </p:nvPr>
+        </p:nvSpPr>
+        <p:spPr>
+          <a:xfrm>
+            <a:off x="757517" y="431448"/>
+            <a:ext cx="10515600" cy="1325563"/>
+          </a:xfrm>
+        </p:spPr>
+        <p:txBody>
+          <a:bodyPr/>
+          <a:lstStyle/>
+          <a:p>
+            <a:r>
+              <a:rPr lang="en-US" dirty="0"/>
+              <a:t>Traffic Crashes – Data Mining</a:t>
+            </a:r>
+            <a:br>
+              <a:rPr lang="en-US" dirty="0"/>
+            </a:br>
+            <a:r>
+              <a:rPr lang="en-US" dirty="0"/>
+              <a:t>A few interesting rules found…</a:t>
+            </a:r>
+          </a:p>
+        </p:txBody>
+      </p:sp>
+      <p:sp>
+        <p:nvSpPr>
+          <p:cNvPr id="3" name="Content Placeholder 2">
+            <a:extLst>
+              <a:ext uri="{FF2B5EF4-FFF2-40B4-BE49-F238E27FC236}">
+                <a16:creationId xmlns:a16="http://schemas.microsoft.com/office/drawing/2014/main" id="{3202C2F2-46AC-4071-9375-4AAECF6A0D83}"/>
+              </a:ext>
+            </a:extLst>
+          </p:cNvPr>
+          <p:cNvSpPr>
+            <a:spLocks noGrp="1"/>
+          </p:cNvSpPr>
+          <p:nvPr>
+            <p:ph idx="1"/>
+          </p:nvPr>
+        </p:nvSpPr>
+        <p:spPr>
+          <a:xfrm>
+            <a:off x="838200" y="1968649"/>
+            <a:ext cx="10515600" cy="4629598"/>
+          </a:xfrm>
+        </p:spPr>
+        <p:txBody>
+          <a:bodyPr>
+            <a:normAutofit/>
+          </a:bodyPr>
+          <a:lstStyle/>
+          <a:p>
+            <a:r>
+              <a:rPr lang="en-US" dirty="0"/>
+              <a:t>LIGHTING_CONDITION=DAYLIGHT FIRST_CRASH_TYPE=ANIMAL ==&gt; INJURY_CLASSIFICATION=FATAL </a:t>
+            </a:r>
+          </a:p>
+          <a:p>
+            <a:pPr lvl="1"/>
+            <a:r>
+              <a:rPr lang="en-US" sz="1800" dirty="0"/>
+              <a:t>0.33 confidence</a:t>
+            </a:r>
+          </a:p>
+          <a:p>
+            <a:pPr lvl="1"/>
+            <a:r>
+              <a:rPr lang="en-US" sz="1800" dirty="0"/>
+              <a:t>Crashing into an animal in daylight indicates is likely to be fatal</a:t>
+            </a:r>
+          </a:p>
+          <a:p>
+            <a:r>
+              <a:rPr lang="en-US" dirty="0"/>
+              <a:t>TRAFFIC_CONTROL_DEVICE=NO_CONTROLS LIGHTING_CONDITION=DARKNESS LIGHTED ROAD ROAD_DEFECT=NO DEFECTS SEX=M ==&gt; INJURY_CLASSIFICATION=FATAL</a:t>
+            </a:r>
+          </a:p>
+          <a:p>
+            <a:pPr lvl="1"/>
+            <a:r>
+              <a:rPr lang="en-US" sz="1800" dirty="0"/>
+              <a:t>0.87 confidence</a:t>
+            </a:r>
+          </a:p>
+          <a:p>
+            <a:pPr lvl="1"/>
+            <a:r>
+              <a:rPr lang="en-US" sz="1800" dirty="0"/>
+              <a:t>In a lighted non-defective road at night, males are likely to die in a crash</a:t>
+            </a:r>
+          </a:p>
+          <a:p>
+            <a:r>
+              <a:rPr lang="en-US" dirty="0"/>
+              <a:t>FIRST_CRASH_TYPE=FIXED OBJECT SEX=M DRIVER_VISION=UNKNOWN ==&gt; INJURY_CLASSIFICATION=FATAL</a:t>
+            </a:r>
+          </a:p>
+          <a:p>
+            <a:pPr lvl="1"/>
+            <a:r>
+              <a:rPr lang="en-US" sz="1800" dirty="0"/>
+              <a:t>0.85 confidence</a:t>
+            </a:r>
+          </a:p>
+          <a:p>
+            <a:pPr lvl="1"/>
+            <a:r>
+              <a:rPr lang="en-US" sz="1800" dirty="0"/>
+              <a:t>Crashing into a fixed object (</a:t>
+            </a:r>
+            <a:r>
+              <a:rPr lang="en-US" sz="1800" dirty="0" err="1"/>
+              <a:t>e.g</a:t>
+            </a:r>
+            <a:r>
+              <a:rPr lang="en-US" sz="1800" dirty="0"/>
+              <a:t>: tree) and being male means a likely death</a:t>
+            </a:r>
+          </a:p>
+        </p:txBody>
+      </p:sp>
+    </p:spTree>
+    <p:extLst>
+      <p:ext uri="{BB962C8B-B14F-4D97-AF65-F5344CB8AC3E}">
+        <p14:creationId xmlns:p14="http://schemas.microsoft.com/office/powerpoint/2010/main" val="1935454137"/>
+      </p:ext>
+    </p:extLst>
+  </p:cSld>
+  <p:clrMapOvr>
+    <a:masterClrMapping/>
+  </p:clrMapOvr>
+</p:sld>
+</file>
+
 <file path=ppt/slides/slide31.xml><?xml version="1.0" encoding="utf-8"?>
 <p:sld xmlns:a="http://schemas.openxmlformats.org/drawingml/2006/main" xmlns:r="http://schemas.openxmlformats.org/officeDocument/2006/relationships" xmlns:p="http://schemas.openxmlformats.org/presentationml/2006/main">
   <p:cSld>
@@ -11040,335 +11049,6 @@
       </p:grpSpPr>
       <p:sp>
         <p:nvSpPr>
-          <p:cNvPr id="2" name="Title 1">
-            <a:extLst>
-              <a:ext uri="{FF2B5EF4-FFF2-40B4-BE49-F238E27FC236}">
-                <a16:creationId xmlns:a16="http://schemas.microsoft.com/office/drawing/2014/main" id="{12AA5096-EC40-4FE4-9DE8-C7442AB4EF7C}"/>
-              </a:ext>
-            </a:extLst>
-          </p:cNvPr>
-          <p:cNvSpPr>
-            <a:spLocks noGrp="1"/>
-          </p:cNvSpPr>
-          <p:nvPr>
-            <p:ph type="title"/>
-          </p:nvPr>
-        </p:nvSpPr>
-        <p:spPr/>
-        <p:txBody>
-          <a:bodyPr/>
-          <a:lstStyle/>
-          <a:p>
-            <a:r>
-              <a:rPr lang="en-US" dirty="0"/>
-              <a:t>Traffic Crashes – Data Mining</a:t>
-            </a:r>
-            <a:br>
-              <a:rPr lang="en-US" dirty="0"/>
-            </a:br>
-            <a:r>
-              <a:rPr lang="en-US" dirty="0"/>
-              <a:t>Association Analysis</a:t>
-            </a:r>
-          </a:p>
-        </p:txBody>
-      </p:sp>
-      <p:sp>
-        <p:nvSpPr>
-          <p:cNvPr id="3" name="Content Placeholder 2">
-            <a:extLst>
-              <a:ext uri="{FF2B5EF4-FFF2-40B4-BE49-F238E27FC236}">
-                <a16:creationId xmlns:a16="http://schemas.microsoft.com/office/drawing/2014/main" id="{D2404599-D483-4FFB-8B69-991CC567A8E1}"/>
-              </a:ext>
-            </a:extLst>
-          </p:cNvPr>
-          <p:cNvSpPr>
-            <a:spLocks noGrp="1"/>
-          </p:cNvSpPr>
-          <p:nvPr>
-            <p:ph idx="1"/>
-          </p:nvPr>
-        </p:nvSpPr>
-        <p:spPr/>
-        <p:txBody>
-          <a:bodyPr>
-            <a:normAutofit/>
-          </a:bodyPr>
-          <a:lstStyle/>
-          <a:p>
-            <a:r>
-              <a:rPr lang="en-US" dirty="0"/>
-              <a:t>Considering our problem statement we were curious as to see what interesting rules were generated to lead to fatalities	</a:t>
-            </a:r>
-          </a:p>
-          <a:p>
-            <a:pPr lvl="1"/>
-            <a:r>
-              <a:rPr lang="en-US" dirty="0"/>
-              <a:t>Achieved by using Weka</a:t>
-            </a:r>
-          </a:p>
-          <a:p>
-            <a:r>
-              <a:rPr lang="en-US" dirty="0"/>
-              <a:t>Initial data made it difficult to find interesting rules to our problem</a:t>
-            </a:r>
-          </a:p>
-          <a:p>
-            <a:pPr lvl="1"/>
-            <a:r>
-              <a:rPr lang="en-US" dirty="0"/>
-              <a:t>Rules were found to be infrequent</a:t>
-            </a:r>
-          </a:p>
-          <a:p>
-            <a:pPr lvl="2"/>
-            <a:r>
-              <a:rPr lang="en-US" dirty="0"/>
-              <a:t>Never showed up despite increasing number of rules to generate and the lower bound</a:t>
-            </a:r>
-          </a:p>
-          <a:p>
-            <a:pPr lvl="1"/>
-            <a:r>
-              <a:rPr lang="en-US" dirty="0"/>
-              <a:t>Oversampling helped immensely</a:t>
-            </a:r>
-          </a:p>
-          <a:p>
-            <a:pPr lvl="1"/>
-            <a:r>
-              <a:rPr lang="en-US" dirty="0"/>
-              <a:t>Consequent is </a:t>
-            </a:r>
-            <a:r>
-              <a:rPr lang="en-US" b="1" dirty="0"/>
-              <a:t>INJURY_CLASSIFICATION</a:t>
-            </a:r>
-          </a:p>
-          <a:p>
-            <a:pPr lvl="2"/>
-            <a:r>
-              <a:rPr lang="en-US" dirty="0"/>
-              <a:t>To have only one consequent, only confidence was WEKA’s output</a:t>
-            </a:r>
-          </a:p>
-          <a:p>
-            <a:r>
-              <a:rPr lang="en-US" dirty="0"/>
-              <a:t>Attempted classification with a 10 fold split on the oversampled training data</a:t>
-            </a:r>
-          </a:p>
-          <a:p>
-            <a:endParaRPr lang="en-US" dirty="0"/>
-          </a:p>
-          <a:p>
-            <a:endParaRPr lang="en-US" dirty="0"/>
-          </a:p>
-          <a:p>
-            <a:endParaRPr lang="en-US" dirty="0"/>
-          </a:p>
-        </p:txBody>
-      </p:sp>
-    </p:spTree>
-    <p:extLst>
-      <p:ext uri="{BB962C8B-B14F-4D97-AF65-F5344CB8AC3E}">
-        <p14:creationId xmlns:p14="http://schemas.microsoft.com/office/powerpoint/2010/main" val="3610820468"/>
-      </p:ext>
-    </p:extLst>
-  </p:cSld>
-  <p:clrMapOvr>
-    <a:masterClrMapping/>
-  </p:clrMapOvr>
-</p:sld>
-</file>
-
-<file path=ppt/slides/slide32.xml><?xml version="1.0" encoding="utf-8"?>
-<p:sld xmlns:a="http://schemas.openxmlformats.org/drawingml/2006/main" xmlns:r="http://schemas.openxmlformats.org/officeDocument/2006/relationships" xmlns:p="http://schemas.openxmlformats.org/presentationml/2006/main">
-  <p:cSld>
-    <p:spTree>
-      <p:nvGrpSpPr>
-        <p:cNvPr id="1" name=""/>
-        <p:cNvGrpSpPr/>
-        <p:nvPr/>
-      </p:nvGrpSpPr>
-      <p:grpSpPr>
-        <a:xfrm>
-          <a:off x="0" y="0"/>
-          <a:ext cx="0" cy="0"/>
-          <a:chOff x="0" y="0"/>
-          <a:chExt cx="0" cy="0"/>
-        </a:xfrm>
-      </p:grpSpPr>
-      <p:sp>
-        <p:nvSpPr>
-          <p:cNvPr id="2" name="Title 1">
-            <a:extLst>
-              <a:ext uri="{FF2B5EF4-FFF2-40B4-BE49-F238E27FC236}">
-                <a16:creationId xmlns:a16="http://schemas.microsoft.com/office/drawing/2014/main" id="{B115359A-F1AC-47F0-B95B-F4D96FEF0496}"/>
-              </a:ext>
-            </a:extLst>
-          </p:cNvPr>
-          <p:cNvSpPr>
-            <a:spLocks noGrp="1"/>
-          </p:cNvSpPr>
-          <p:nvPr>
-            <p:ph type="title"/>
-          </p:nvPr>
-        </p:nvSpPr>
-        <p:spPr>
-          <a:xfrm>
-            <a:off x="757517" y="431448"/>
-            <a:ext cx="10515600" cy="1325563"/>
-          </a:xfrm>
-        </p:spPr>
-        <p:txBody>
-          <a:bodyPr/>
-          <a:lstStyle/>
-          <a:p>
-            <a:r>
-              <a:rPr lang="en-US" dirty="0"/>
-              <a:t>Traffic Crashes – Data Mining</a:t>
-            </a:r>
-            <a:br>
-              <a:rPr lang="en-US" dirty="0"/>
-            </a:br>
-            <a:r>
-              <a:rPr lang="en-US" dirty="0"/>
-              <a:t>A few interesting rules found…</a:t>
-            </a:r>
-          </a:p>
-        </p:txBody>
-      </p:sp>
-      <p:sp>
-        <p:nvSpPr>
-          <p:cNvPr id="3" name="Content Placeholder 2">
-            <a:extLst>
-              <a:ext uri="{FF2B5EF4-FFF2-40B4-BE49-F238E27FC236}">
-                <a16:creationId xmlns:a16="http://schemas.microsoft.com/office/drawing/2014/main" id="{3202C2F2-46AC-4071-9375-4AAECF6A0D83}"/>
-              </a:ext>
-            </a:extLst>
-          </p:cNvPr>
-          <p:cNvSpPr>
-            <a:spLocks noGrp="1"/>
-          </p:cNvSpPr>
-          <p:nvPr>
-            <p:ph idx="1"/>
-          </p:nvPr>
-        </p:nvSpPr>
-        <p:spPr>
-          <a:xfrm>
-            <a:off x="838200" y="1968649"/>
-            <a:ext cx="10515600" cy="4629598"/>
-          </a:xfrm>
-        </p:spPr>
-        <p:txBody>
-          <a:bodyPr>
-            <a:normAutofit/>
-          </a:bodyPr>
-          <a:lstStyle/>
-          <a:p>
-            <a:r>
-              <a:rPr lang="en-US" dirty="0"/>
-              <a:t>LIGHTING_CONDITION=DAYLIGHT FIRST_CRASH_TYPE=ANIMAL CRASH_TYPE=INJURY AND / OR TOW DUE TO CRASH 2 ==&gt; INJURY_CLASSIFICATION=FATAL </a:t>
-            </a:r>
-          </a:p>
-          <a:p>
-            <a:pPr lvl="1"/>
-            <a:r>
-              <a:rPr lang="en-US" sz="1800" dirty="0"/>
-              <a:t>0.33 confidence</a:t>
-            </a:r>
-          </a:p>
-          <a:p>
-            <a:pPr lvl="1"/>
-            <a:r>
-              <a:rPr lang="en-US" sz="1800" dirty="0"/>
-              <a:t>Crashing into an animal indicates is likely to be fatal</a:t>
-            </a:r>
-          </a:p>
-          <a:p>
-            <a:r>
-              <a:rPr lang="en-US" dirty="0"/>
-              <a:t>TRAFFIC_CONTROL_DEVICE=NO_CONTROLS LIGHTING_CONDITION=DARKNESS LIGHTED ROAD ROAD_DEFECT=NO DEFECTS SEX=M ==&gt; INJURY_CLASSIFICATION=FATAL</a:t>
-            </a:r>
-          </a:p>
-          <a:p>
-            <a:pPr lvl="1"/>
-            <a:r>
-              <a:rPr lang="en-US" sz="1800" dirty="0"/>
-              <a:t>0.87 confidence</a:t>
-            </a:r>
-          </a:p>
-          <a:p>
-            <a:pPr lvl="1"/>
-            <a:r>
-              <a:rPr lang="en-US" sz="1800" dirty="0"/>
-              <a:t>In a lighted non-defective road at night, males are likely to die in a crash</a:t>
-            </a:r>
-          </a:p>
-          <a:p>
-            <a:r>
-              <a:rPr lang="en-US" dirty="0"/>
-              <a:t>FIRST_CRASH_TYPE=FIXED OBJECT SEX=M DRIVER_VISION=UNKNOWN ==&gt; INJURY_CLASSIFICATION=FATAL</a:t>
-            </a:r>
-          </a:p>
-          <a:p>
-            <a:pPr lvl="1"/>
-            <a:r>
-              <a:rPr lang="en-US" sz="1800" dirty="0"/>
-              <a:t>0.85 confidence</a:t>
-            </a:r>
-          </a:p>
-          <a:p>
-            <a:pPr lvl="1"/>
-            <a:r>
-              <a:rPr lang="en-US" sz="1800" dirty="0"/>
-              <a:t>Crashing into a fixed object (</a:t>
-            </a:r>
-            <a:r>
-              <a:rPr lang="en-US" sz="1800" dirty="0" err="1"/>
-              <a:t>e.g</a:t>
-            </a:r>
-            <a:r>
-              <a:rPr lang="en-US" sz="1800" dirty="0"/>
-              <a:t>: tree) and being male means a likely death</a:t>
-            </a:r>
-          </a:p>
-        </p:txBody>
-      </p:sp>
-    </p:spTree>
-    <p:extLst>
-      <p:ext uri="{BB962C8B-B14F-4D97-AF65-F5344CB8AC3E}">
-        <p14:creationId xmlns:p14="http://schemas.microsoft.com/office/powerpoint/2010/main" val="1935454137"/>
-      </p:ext>
-    </p:extLst>
-  </p:cSld>
-  <p:clrMapOvr>
-    <a:masterClrMapping/>
-  </p:clrMapOvr>
-</p:sld>
-</file>
-
-<file path=ppt/slides/slide33.xml><?xml version="1.0" encoding="utf-8"?>
-<p:sld xmlns:a="http://schemas.openxmlformats.org/drawingml/2006/main" xmlns:r="http://schemas.openxmlformats.org/officeDocument/2006/relationships" xmlns:p="http://schemas.openxmlformats.org/presentationml/2006/main">
-  <p:cSld>
-    <p:spTree>
-      <p:nvGrpSpPr>
-        <p:cNvPr id="1" name=""/>
-        <p:cNvGrpSpPr/>
-        <p:nvPr/>
-      </p:nvGrpSpPr>
-      <p:grpSpPr>
-        <a:xfrm>
-          <a:off x="0" y="0"/>
-          <a:ext cx="0" cy="0"/>
-          <a:chOff x="0" y="0"/>
-          <a:chExt cx="0" cy="0"/>
-        </a:xfrm>
-      </p:grpSpPr>
-      <p:sp>
-        <p:nvSpPr>
           <p:cNvPr id="3" name="Content Placeholder 2">
             <a:extLst>
               <a:ext uri="{FF2B5EF4-FFF2-40B4-BE49-F238E27FC236}">
@@ -11506,7 +11186,7 @@
 </p:sld>
 </file>
 
-<file path=ppt/slides/slide34.xml><?xml version="1.0" encoding="utf-8"?>
+<file path=ppt/slides/slide32.xml><?xml version="1.0" encoding="utf-8"?>
 <p:sld xmlns:a="http://schemas.openxmlformats.org/drawingml/2006/main" xmlns:r="http://schemas.openxmlformats.org/officeDocument/2006/relationships" xmlns:p="http://schemas.openxmlformats.org/presentationml/2006/main">
   <p:cSld>
     <p:spTree>
@@ -11675,7 +11355,7 @@
 </p:sld>
 </file>
 
-<file path=ppt/slides/slide35.xml><?xml version="1.0" encoding="utf-8"?>
+<file path=ppt/slides/slide33.xml><?xml version="1.0" encoding="utf-8"?>
 <p:sld xmlns:a="http://schemas.openxmlformats.org/drawingml/2006/main" xmlns:r="http://schemas.openxmlformats.org/officeDocument/2006/relationships" xmlns:p="http://schemas.openxmlformats.org/presentationml/2006/main">
   <p:cSld>
     <p:spTree>
@@ -11843,7 +11523,7 @@
 </p:sld>
 </file>
 
-<file path=ppt/slides/slide36.xml><?xml version="1.0" encoding="utf-8"?>
+<file path=ppt/slides/slide34.xml><?xml version="1.0" encoding="utf-8"?>
 <p:sld xmlns:a="http://schemas.openxmlformats.org/drawingml/2006/main" xmlns:r="http://schemas.openxmlformats.org/officeDocument/2006/relationships" xmlns:p="http://schemas.openxmlformats.org/presentationml/2006/main">
   <p:cSld>
     <p:spTree>
@@ -12011,7 +11691,7 @@
 </p:sld>
 </file>
 
-<file path=ppt/slides/slide37.xml><?xml version="1.0" encoding="utf-8"?>
+<file path=ppt/slides/slide35.xml><?xml version="1.0" encoding="utf-8"?>
 <p:sld xmlns:a="http://schemas.openxmlformats.org/drawingml/2006/main" xmlns:r="http://schemas.openxmlformats.org/officeDocument/2006/relationships" xmlns:p="http://schemas.openxmlformats.org/presentationml/2006/main">
   <p:cSld>
     <p:spTree>
@@ -12165,7 +11845,7 @@
 </p:sld>
 </file>
 
-<file path=ppt/slides/slide38.xml><?xml version="1.0" encoding="utf-8"?>
+<file path=ppt/slides/slide36.xml><?xml version="1.0" encoding="utf-8"?>
 <p:sld xmlns:a="http://schemas.openxmlformats.org/drawingml/2006/main" xmlns:r="http://schemas.openxmlformats.org/officeDocument/2006/relationships" xmlns:p="http://schemas.openxmlformats.org/presentationml/2006/main">
   <p:cSld>
     <p:spTree>
@@ -12306,7 +11986,7 @@
 </p:sld>
 </file>
 
-<file path=ppt/slides/slide39.xml><?xml version="1.0" encoding="utf-8"?>
+<file path=ppt/slides/slide37.xml><?xml version="1.0" encoding="utf-8"?>
 <p:sld xmlns:a="http://schemas.openxmlformats.org/drawingml/2006/main" xmlns:r="http://schemas.openxmlformats.org/officeDocument/2006/relationships" xmlns:p="http://schemas.openxmlformats.org/presentationml/2006/main">
   <p:cSld>
     <p:spTree>
@@ -12447,226 +12127,7 @@
 </p:sld>
 </file>
 
-<file path=ppt/slides/slide4.xml><?xml version="1.0" encoding="utf-8"?>
-<p:sld xmlns:a="http://schemas.openxmlformats.org/drawingml/2006/main" xmlns:r="http://schemas.openxmlformats.org/officeDocument/2006/relationships" xmlns:p="http://schemas.openxmlformats.org/presentationml/2006/main">
-  <p:cSld>
-    <p:spTree>
-      <p:nvGrpSpPr>
-        <p:cNvPr id="1" name=""/>
-        <p:cNvGrpSpPr/>
-        <p:nvPr/>
-      </p:nvGrpSpPr>
-      <p:grpSpPr>
-        <a:xfrm>
-          <a:off x="0" y="0"/>
-          <a:ext cx="0" cy="0"/>
-          <a:chOff x="0" y="0"/>
-          <a:chExt cx="0" cy="0"/>
-        </a:xfrm>
-      </p:grpSpPr>
-      <p:sp>
-        <p:nvSpPr>
-          <p:cNvPr id="2" name="Title 1">
-            <a:extLst>
-              <a:ext uri="{FF2B5EF4-FFF2-40B4-BE49-F238E27FC236}">
-                <a16:creationId xmlns:a16="http://schemas.microsoft.com/office/drawing/2014/main" id="{355F2EEC-B739-407C-A4AE-8049B495820B}"/>
-              </a:ext>
-            </a:extLst>
-          </p:cNvPr>
-          <p:cNvSpPr>
-            <a:spLocks noGrp="1"/>
-          </p:cNvSpPr>
-          <p:nvPr>
-            <p:ph type="title"/>
-          </p:nvPr>
-        </p:nvSpPr>
-        <p:spPr/>
-        <p:txBody>
-          <a:bodyPr/>
-          <a:lstStyle/>
-          <a:p>
-            <a:r>
-              <a:rPr lang="en-US" dirty="0"/>
-              <a:t>New Data: Traffic Crashes from the City of Chicago</a:t>
-            </a:r>
-          </a:p>
-        </p:txBody>
-      </p:sp>
-      <p:sp>
-        <p:nvSpPr>
-          <p:cNvPr id="3" name="Content Placeholder 2">
-            <a:extLst>
-              <a:ext uri="{FF2B5EF4-FFF2-40B4-BE49-F238E27FC236}">
-                <a16:creationId xmlns:a16="http://schemas.microsoft.com/office/drawing/2014/main" id="{EFB3A03A-F689-433F-9518-125495FE4541}"/>
-              </a:ext>
-            </a:extLst>
-          </p:cNvPr>
-          <p:cNvSpPr>
-            <a:spLocks noGrp="1"/>
-          </p:cNvSpPr>
-          <p:nvPr>
-            <p:ph idx="1"/>
-          </p:nvPr>
-        </p:nvSpPr>
-        <p:spPr>
-          <a:xfrm>
-            <a:off x="677334" y="1885455"/>
-            <a:ext cx="8596668" cy="3880773"/>
-          </a:xfrm>
-        </p:spPr>
-        <p:txBody>
-          <a:bodyPr/>
-          <a:lstStyle/>
-          <a:p>
-            <a:r>
-              <a:rPr lang="en-US" dirty="0"/>
-              <a:t>Not only one dataset, but 3</a:t>
-            </a:r>
-          </a:p>
-          <a:p>
-            <a:pPr lvl="1"/>
-            <a:r>
-              <a:rPr lang="en-US" dirty="0"/>
-              <a:t>Dataset about the crash</a:t>
-            </a:r>
-          </a:p>
-          <a:p>
-            <a:pPr lvl="2"/>
-            <a:r>
-              <a:rPr lang="en-US" dirty="0"/>
-              <a:t>RD_NO, DATE, ROAD_DEFECT, </a:t>
-            </a:r>
-            <a:r>
-              <a:rPr lang="en-US" b="1" dirty="0"/>
-              <a:t>TYPE</a:t>
-            </a:r>
-            <a:r>
-              <a:rPr lang="en-US" dirty="0"/>
-              <a:t>, </a:t>
-            </a:r>
-            <a:r>
-              <a:rPr lang="en-US" b="1" dirty="0"/>
-              <a:t>WEATHER</a:t>
-            </a:r>
-            <a:r>
-              <a:rPr lang="en-US" dirty="0"/>
-              <a:t>. </a:t>
-            </a:r>
-            <a:r>
-              <a:rPr lang="en-US" b="1" dirty="0"/>
-              <a:t>LIGHTING</a:t>
-            </a:r>
-            <a:r>
-              <a:rPr lang="en-US" dirty="0"/>
-              <a:t>, </a:t>
-            </a:r>
-            <a:r>
-              <a:rPr lang="en-US" b="1" dirty="0"/>
-              <a:t>PRIM_CAUSE</a:t>
-            </a:r>
-            <a:r>
-              <a:rPr lang="en-US" dirty="0"/>
-              <a:t>, …</a:t>
-            </a:r>
-          </a:p>
-        </p:txBody>
-      </p:sp>
-      <p:pic>
-        <p:nvPicPr>
-          <p:cNvPr id="6" name="Picture 5">
-            <a:extLst>
-              <a:ext uri="{FF2B5EF4-FFF2-40B4-BE49-F238E27FC236}">
-                <a16:creationId xmlns:a16="http://schemas.microsoft.com/office/drawing/2014/main" id="{80CCADE5-DFEA-4E1E-8E25-18194F8B477C}"/>
-              </a:ext>
-            </a:extLst>
-          </p:cNvPr>
-          <p:cNvPicPr>
-            <a:picLocks noChangeAspect="1"/>
-          </p:cNvPicPr>
-          <p:nvPr/>
-        </p:nvPicPr>
-        <p:blipFill>
-          <a:blip r:embed="rId2">
-            <a:clrChange>
-              <a:clrFrom>
-                <a:srgbClr val="F8F8F8"/>
-              </a:clrFrom>
-              <a:clrTo>
-                <a:srgbClr val="F8F8F8">
-                  <a:alpha val="0"/>
-                </a:srgbClr>
-              </a:clrTo>
-            </a:clrChange>
-          </a:blip>
-          <a:stretch>
-            <a:fillRect/>
-          </a:stretch>
-        </p:blipFill>
-        <p:spPr>
-          <a:xfrm>
-            <a:off x="3490912" y="4460143"/>
-            <a:ext cx="4931381" cy="2307370"/>
-          </a:xfrm>
-          <a:prstGeom prst="rect">
-            <a:avLst/>
-          </a:prstGeom>
-        </p:spPr>
-      </p:pic>
-      <p:pic>
-        <p:nvPicPr>
-          <p:cNvPr id="7" name="Picture 6">
-            <a:extLst>
-              <a:ext uri="{FF2B5EF4-FFF2-40B4-BE49-F238E27FC236}">
-                <a16:creationId xmlns:a16="http://schemas.microsoft.com/office/drawing/2014/main" id="{36F43D06-6AA3-4AA9-BB3C-73E75F928F33}"/>
-              </a:ext>
-            </a:extLst>
-          </p:cNvPr>
-          <p:cNvPicPr>
-            <a:picLocks noChangeAspect="1"/>
-          </p:cNvPicPr>
-          <p:nvPr/>
-        </p:nvPicPr>
-        <p:blipFill>
-          <a:blip r:embed="rId3">
-            <a:clrChange>
-              <a:clrFrom>
-                <a:srgbClr val="F8F8F8"/>
-              </a:clrFrom>
-              <a:clrTo>
-                <a:srgbClr val="F8F8F8">
-                  <a:alpha val="0"/>
-                </a:srgbClr>
-              </a:clrTo>
-            </a:clrChange>
-          </a:blip>
-          <a:stretch>
-            <a:fillRect/>
-          </a:stretch>
-        </p:blipFill>
-        <p:spPr>
-          <a:xfrm>
-            <a:off x="960203" y="4450132"/>
-            <a:ext cx="2530709" cy="2317381"/>
-          </a:xfrm>
-          <a:prstGeom prst="rect">
-            <a:avLst/>
-          </a:prstGeom>
-        </p:spPr>
-      </p:pic>
-    </p:spTree>
-    <p:extLst>
-      <p:ext uri="{BB962C8B-B14F-4D97-AF65-F5344CB8AC3E}">
-        <p14:creationId xmlns:p14="http://schemas.microsoft.com/office/powerpoint/2010/main" val="3718197117"/>
-      </p:ext>
-    </p:extLst>
-  </p:cSld>
-  <p:clrMapOvr>
-    <a:masterClrMapping/>
-  </p:clrMapOvr>
-</p:sld>
-</file>
-
-<file path=ppt/slides/slide40.xml><?xml version="1.0" encoding="utf-8"?>
+<file path=ppt/slides/slide38.xml><?xml version="1.0" encoding="utf-8"?>
 <p:sld xmlns:a="http://schemas.openxmlformats.org/drawingml/2006/main" xmlns:r="http://schemas.openxmlformats.org/officeDocument/2006/relationships" xmlns:p="http://schemas.openxmlformats.org/presentationml/2006/main">
   <p:cSld>
     <p:spTree>
@@ -12807,7 +12268,7 @@
 </p:sld>
 </file>
 
-<file path=ppt/slides/slide41.xml><?xml version="1.0" encoding="utf-8"?>
+<file path=ppt/slides/slide39.xml><?xml version="1.0" encoding="utf-8"?>
 <p:sld xmlns:a="http://schemas.openxmlformats.org/drawingml/2006/main" xmlns:r="http://schemas.openxmlformats.org/officeDocument/2006/relationships" xmlns:p="http://schemas.openxmlformats.org/presentationml/2006/main">
   <p:cSld>
     <p:spTree>
@@ -12933,693 +12394,7 @@
 </p:sld>
 </file>
 
-<file path=ppt/slides/slide42.xml><?xml version="1.0" encoding="utf-8"?>
-<p:sld xmlns:a="http://schemas.openxmlformats.org/drawingml/2006/main" xmlns:r="http://schemas.openxmlformats.org/officeDocument/2006/relationships" xmlns:p="http://schemas.openxmlformats.org/presentationml/2006/main">
-  <p:cSld>
-    <p:spTree>
-      <p:nvGrpSpPr>
-        <p:cNvPr id="1" name=""/>
-        <p:cNvGrpSpPr/>
-        <p:nvPr/>
-      </p:nvGrpSpPr>
-      <p:grpSpPr>
-        <a:xfrm>
-          <a:off x="0" y="0"/>
-          <a:ext cx="0" cy="0"/>
-          <a:chOff x="0" y="0"/>
-          <a:chExt cx="0" cy="0"/>
-        </a:xfrm>
-      </p:grpSpPr>
-      <p:sp>
-        <p:nvSpPr>
-          <p:cNvPr id="2" name="Title 1">
-            <a:extLst>
-              <a:ext uri="{FF2B5EF4-FFF2-40B4-BE49-F238E27FC236}">
-                <a16:creationId xmlns:a16="http://schemas.microsoft.com/office/drawing/2014/main" id="{6C07DC67-B9FD-45A3-8CA1-0BF8B57F2247}"/>
-              </a:ext>
-            </a:extLst>
-          </p:cNvPr>
-          <p:cNvSpPr>
-            <a:spLocks noGrp="1"/>
-          </p:cNvSpPr>
-          <p:nvPr>
-            <p:ph type="title"/>
-          </p:nvPr>
-        </p:nvSpPr>
-        <p:spPr/>
-        <p:txBody>
-          <a:bodyPr/>
-          <a:lstStyle/>
-          <a:p>
-            <a:r>
-              <a:rPr lang="en-US" dirty="0"/>
-              <a:t>Interpretation</a:t>
-            </a:r>
-          </a:p>
-        </p:txBody>
-      </p:sp>
-      <p:sp>
-        <p:nvSpPr>
-          <p:cNvPr id="7" name="Content Placeholder 6">
-            <a:extLst>
-              <a:ext uri="{FF2B5EF4-FFF2-40B4-BE49-F238E27FC236}">
-                <a16:creationId xmlns:a16="http://schemas.microsoft.com/office/drawing/2014/main" id="{8D1198D8-8F92-4F81-A56C-A3FB57ED8766}"/>
-              </a:ext>
-            </a:extLst>
-          </p:cNvPr>
-          <p:cNvSpPr>
-            <a:spLocks noGrp="1"/>
-          </p:cNvSpPr>
-          <p:nvPr>
-            <p:ph idx="1"/>
-          </p:nvPr>
-        </p:nvSpPr>
-        <p:spPr>
-          <a:xfrm>
-            <a:off x="720364" y="1748119"/>
-            <a:ext cx="9959095" cy="656215"/>
-          </a:xfrm>
-        </p:spPr>
-        <p:txBody>
-          <a:bodyPr>
-            <a:normAutofit/>
-          </a:bodyPr>
-          <a:lstStyle/>
-          <a:p>
-            <a:pPr marL="0" indent="0" algn="ctr">
-              <a:buNone/>
-            </a:pPr>
-            <a:r>
-              <a:rPr lang="en-US" sz="2400" b="1" dirty="0"/>
-              <a:t>Random Forest (F-Score 0.88)</a:t>
-            </a:r>
-          </a:p>
-        </p:txBody>
-      </p:sp>
-      <p:pic>
-        <p:nvPicPr>
-          <p:cNvPr id="6" name="Picture 5">
-            <a:extLst>
-              <a:ext uri="{FF2B5EF4-FFF2-40B4-BE49-F238E27FC236}">
-                <a16:creationId xmlns:a16="http://schemas.microsoft.com/office/drawing/2014/main" id="{7CD4C0A9-4EF4-4F27-9EB1-AC81CECA9808}"/>
-              </a:ext>
-            </a:extLst>
-          </p:cNvPr>
-          <p:cNvPicPr>
-            <a:picLocks noChangeAspect="1"/>
-          </p:cNvPicPr>
-          <p:nvPr/>
-        </p:nvPicPr>
-        <p:blipFill>
-          <a:blip r:embed="rId3"/>
-          <a:stretch>
-            <a:fillRect/>
-          </a:stretch>
-        </p:blipFill>
-        <p:spPr>
-          <a:xfrm>
-            <a:off x="969735" y="2641427"/>
-            <a:ext cx="9631928" cy="3387500"/>
-          </a:xfrm>
-          <a:prstGeom prst="rect">
-            <a:avLst/>
-          </a:prstGeom>
-        </p:spPr>
-      </p:pic>
-    </p:spTree>
-    <p:extLst>
-      <p:ext uri="{BB962C8B-B14F-4D97-AF65-F5344CB8AC3E}">
-        <p14:creationId xmlns:p14="http://schemas.microsoft.com/office/powerpoint/2010/main" val="962755014"/>
-      </p:ext>
-    </p:extLst>
-  </p:cSld>
-  <p:clrMapOvr>
-    <a:masterClrMapping/>
-  </p:clrMapOvr>
-</p:sld>
-</file>
-
-<file path=ppt/slides/slide43.xml><?xml version="1.0" encoding="utf-8"?>
-<p:sld xmlns:a="http://schemas.openxmlformats.org/drawingml/2006/main" xmlns:r="http://schemas.openxmlformats.org/officeDocument/2006/relationships" xmlns:p="http://schemas.openxmlformats.org/presentationml/2006/main">
-  <p:cSld>
-    <p:spTree>
-      <p:nvGrpSpPr>
-        <p:cNvPr id="1" name=""/>
-        <p:cNvGrpSpPr/>
-        <p:nvPr/>
-      </p:nvGrpSpPr>
-      <p:grpSpPr>
-        <a:xfrm>
-          <a:off x="0" y="0"/>
-          <a:ext cx="0" cy="0"/>
-          <a:chOff x="0" y="0"/>
-          <a:chExt cx="0" cy="0"/>
-        </a:xfrm>
-      </p:grpSpPr>
-      <p:sp>
-        <p:nvSpPr>
-          <p:cNvPr id="2" name="Title 1">
-            <a:extLst>
-              <a:ext uri="{FF2B5EF4-FFF2-40B4-BE49-F238E27FC236}">
-                <a16:creationId xmlns:a16="http://schemas.microsoft.com/office/drawing/2014/main" id="{6C07DC67-B9FD-45A3-8CA1-0BF8B57F2247}"/>
-              </a:ext>
-            </a:extLst>
-          </p:cNvPr>
-          <p:cNvSpPr>
-            <a:spLocks noGrp="1"/>
-          </p:cNvSpPr>
-          <p:nvPr>
-            <p:ph type="title"/>
-          </p:nvPr>
-        </p:nvSpPr>
-        <p:spPr/>
-        <p:txBody>
-          <a:bodyPr/>
-          <a:lstStyle/>
-          <a:p>
-            <a:r>
-              <a:rPr lang="en-US" dirty="0"/>
-              <a:t>Summary</a:t>
-            </a:r>
-          </a:p>
-        </p:txBody>
-      </p:sp>
-      <p:sp>
-        <p:nvSpPr>
-          <p:cNvPr id="3" name="Content Placeholder 2">
-            <a:extLst>
-              <a:ext uri="{FF2B5EF4-FFF2-40B4-BE49-F238E27FC236}">
-                <a16:creationId xmlns:a16="http://schemas.microsoft.com/office/drawing/2014/main" id="{ADBBD394-39AF-43C7-ACF6-06055C5971F4}"/>
-              </a:ext>
-            </a:extLst>
-          </p:cNvPr>
-          <p:cNvSpPr>
-            <a:spLocks noGrp="1"/>
-          </p:cNvSpPr>
-          <p:nvPr>
-            <p:ph idx="1"/>
-          </p:nvPr>
-        </p:nvSpPr>
-        <p:spPr>
-          <a:xfrm>
-            <a:off x="677334" y="2140772"/>
-            <a:ext cx="8596668" cy="4433094"/>
-          </a:xfrm>
-        </p:spPr>
-        <p:txBody>
-          <a:bodyPr/>
-          <a:lstStyle/>
-          <a:p>
-            <a:r>
-              <a:rPr lang="en-US" dirty="0"/>
-              <a:t>Overall. overfitting didn’t occur as it worked on never seen before 2017 data</a:t>
-            </a:r>
-          </a:p>
-          <a:p>
-            <a:r>
-              <a:rPr lang="en-US" dirty="0"/>
-              <a:t>Results were very interesting and some were surprising</a:t>
-            </a:r>
-          </a:p>
-          <a:p>
-            <a:pPr lvl="1"/>
-            <a:r>
-              <a:rPr lang="en-US" dirty="0"/>
-              <a:t>Alcohol and texting rarely popped up in generated rules</a:t>
-            </a:r>
-          </a:p>
-          <a:p>
-            <a:pPr lvl="1"/>
-            <a:r>
-              <a:rPr lang="en-US" dirty="0"/>
-              <a:t>Possible explanation: Laws work</a:t>
-            </a:r>
-          </a:p>
-        </p:txBody>
-      </p:sp>
-    </p:spTree>
-    <p:extLst>
-      <p:ext uri="{BB962C8B-B14F-4D97-AF65-F5344CB8AC3E}">
-        <p14:creationId xmlns:p14="http://schemas.microsoft.com/office/powerpoint/2010/main" val="1654485866"/>
-      </p:ext>
-    </p:extLst>
-  </p:cSld>
-  <p:clrMapOvr>
-    <a:masterClrMapping/>
-  </p:clrMapOvr>
-</p:sld>
-</file>
-
-<file path=ppt/slides/slide44.xml><?xml version="1.0" encoding="utf-8"?>
-<p:sld xmlns:a="http://schemas.openxmlformats.org/drawingml/2006/main" xmlns:r="http://schemas.openxmlformats.org/officeDocument/2006/relationships" xmlns:p="http://schemas.openxmlformats.org/presentationml/2006/main">
-  <p:cSld>
-    <p:spTree>
-      <p:nvGrpSpPr>
-        <p:cNvPr id="1" name=""/>
-        <p:cNvGrpSpPr/>
-        <p:nvPr/>
-      </p:nvGrpSpPr>
-      <p:grpSpPr>
-        <a:xfrm>
-          <a:off x="0" y="0"/>
-          <a:ext cx="0" cy="0"/>
-          <a:chOff x="0" y="0"/>
-          <a:chExt cx="0" cy="0"/>
-        </a:xfrm>
-      </p:grpSpPr>
-      <p:sp>
-        <p:nvSpPr>
-          <p:cNvPr id="2" name="Title 1">
-            <a:extLst>
-              <a:ext uri="{FF2B5EF4-FFF2-40B4-BE49-F238E27FC236}">
-                <a16:creationId xmlns:a16="http://schemas.microsoft.com/office/drawing/2014/main" id="{F0921FEB-3057-4763-B0D9-3A8939E82E81}"/>
-              </a:ext>
-            </a:extLst>
-          </p:cNvPr>
-          <p:cNvSpPr>
-            <a:spLocks noGrp="1"/>
-          </p:cNvSpPr>
-          <p:nvPr>
-            <p:ph type="title"/>
-          </p:nvPr>
-        </p:nvSpPr>
-        <p:spPr/>
-        <p:txBody>
-          <a:bodyPr/>
-          <a:lstStyle/>
-          <a:p>
-            <a:r>
-              <a:rPr lang="en-US" dirty="0"/>
-              <a:t>Next Steps</a:t>
-            </a:r>
-          </a:p>
-        </p:txBody>
-      </p:sp>
-      <p:sp>
-        <p:nvSpPr>
-          <p:cNvPr id="3" name="Content Placeholder 2">
-            <a:extLst>
-              <a:ext uri="{FF2B5EF4-FFF2-40B4-BE49-F238E27FC236}">
-                <a16:creationId xmlns:a16="http://schemas.microsoft.com/office/drawing/2014/main" id="{62220A98-F976-42C6-B4B9-ED510DCCF8AD}"/>
-              </a:ext>
-            </a:extLst>
-          </p:cNvPr>
-          <p:cNvSpPr>
-            <a:spLocks noGrp="1"/>
-          </p:cNvSpPr>
-          <p:nvPr>
-            <p:ph idx="1"/>
-          </p:nvPr>
-        </p:nvSpPr>
-        <p:spPr/>
-        <p:txBody>
-          <a:bodyPr/>
-          <a:lstStyle/>
-          <a:p>
-            <a:r>
-              <a:rPr lang="en-US" dirty="0"/>
-              <a:t>Improve on the algorithm (Reported Injury vs. No Indication)</a:t>
-            </a:r>
-          </a:p>
-          <a:p>
-            <a:r>
-              <a:rPr lang="en-US" dirty="0"/>
-              <a:t>Apply a similar algorithm to Fall/Winter/Spring Crashes</a:t>
-            </a:r>
-          </a:p>
-          <a:p>
-            <a:r>
-              <a:rPr lang="en-US" dirty="0"/>
-              <a:t>More training data, from other counties/cities</a:t>
-            </a:r>
-          </a:p>
-          <a:p>
-            <a:pPr marL="0" indent="0">
-              <a:buNone/>
-            </a:pPr>
-            <a:endParaRPr lang="en-US" dirty="0"/>
-          </a:p>
-        </p:txBody>
-      </p:sp>
-    </p:spTree>
-    <p:extLst>
-      <p:ext uri="{BB962C8B-B14F-4D97-AF65-F5344CB8AC3E}">
-        <p14:creationId xmlns:p14="http://schemas.microsoft.com/office/powerpoint/2010/main" val="4098103386"/>
-      </p:ext>
-    </p:extLst>
-  </p:cSld>
-  <p:clrMapOvr>
-    <a:masterClrMapping/>
-  </p:clrMapOvr>
-</p:sld>
-</file>
-
-<file path=ppt/slides/slide45.xml><?xml version="1.0" encoding="utf-8"?>
-<p:sld xmlns:a="http://schemas.openxmlformats.org/drawingml/2006/main" xmlns:r="http://schemas.openxmlformats.org/officeDocument/2006/relationships" xmlns:p="http://schemas.openxmlformats.org/presentationml/2006/main">
-  <p:cSld>
-    <p:spTree>
-      <p:nvGrpSpPr>
-        <p:cNvPr id="1" name=""/>
-        <p:cNvGrpSpPr/>
-        <p:nvPr/>
-      </p:nvGrpSpPr>
-      <p:grpSpPr>
-        <a:xfrm>
-          <a:off x="0" y="0"/>
-          <a:ext cx="0" cy="0"/>
-          <a:chOff x="0" y="0"/>
-          <a:chExt cx="0" cy="0"/>
-        </a:xfrm>
-      </p:grpSpPr>
-      <p:sp>
-        <p:nvSpPr>
-          <p:cNvPr id="2" name="Title 1">
-            <a:extLst>
-              <a:ext uri="{FF2B5EF4-FFF2-40B4-BE49-F238E27FC236}">
-                <a16:creationId xmlns:a16="http://schemas.microsoft.com/office/drawing/2014/main" id="{5BDFDA9C-9B64-4D7D-BA7C-6DE9FD01E149}"/>
-              </a:ext>
-            </a:extLst>
-          </p:cNvPr>
-          <p:cNvSpPr>
-            <a:spLocks noGrp="1"/>
-          </p:cNvSpPr>
-          <p:nvPr>
-            <p:ph type="title"/>
-          </p:nvPr>
-        </p:nvSpPr>
-        <p:spPr/>
-        <p:txBody>
-          <a:bodyPr/>
-          <a:lstStyle/>
-          <a:p>
-            <a:r>
-              <a:rPr lang="en-US" dirty="0"/>
-              <a:t>The End</a:t>
-            </a:r>
-          </a:p>
-        </p:txBody>
-      </p:sp>
-      <p:sp>
-        <p:nvSpPr>
-          <p:cNvPr id="3" name="Content Placeholder 2">
-            <a:extLst>
-              <a:ext uri="{FF2B5EF4-FFF2-40B4-BE49-F238E27FC236}">
-                <a16:creationId xmlns:a16="http://schemas.microsoft.com/office/drawing/2014/main" id="{3F7F1728-2AE1-400B-8840-BA33E98407CD}"/>
-              </a:ext>
-            </a:extLst>
-          </p:cNvPr>
-          <p:cNvSpPr>
-            <a:spLocks noGrp="1"/>
-          </p:cNvSpPr>
-          <p:nvPr>
-            <p:ph idx="1"/>
-          </p:nvPr>
-        </p:nvSpPr>
-        <p:spPr/>
-        <p:txBody>
-          <a:bodyPr/>
-          <a:lstStyle/>
-          <a:p>
-            <a:r>
-              <a:rPr lang="en-US" dirty="0"/>
-              <a:t>Check out the repo:</a:t>
-            </a:r>
-          </a:p>
-          <a:p>
-            <a:pPr lvl="1"/>
-            <a:r>
-              <a:rPr lang="en-US" dirty="0">
-                <a:hlinkClick r:id="rId2"/>
-              </a:rPr>
-              <a:t>https://github.com/ndarwich/Crash-Analysis</a:t>
-            </a:r>
-            <a:endParaRPr lang="en-US" dirty="0"/>
-          </a:p>
-        </p:txBody>
-      </p:sp>
-    </p:spTree>
-    <p:extLst>
-      <p:ext uri="{BB962C8B-B14F-4D97-AF65-F5344CB8AC3E}">
-        <p14:creationId xmlns:p14="http://schemas.microsoft.com/office/powerpoint/2010/main" val="3941158784"/>
-      </p:ext>
-    </p:extLst>
-  </p:cSld>
-  <p:clrMapOvr>
-    <a:masterClrMapping/>
-  </p:clrMapOvr>
-</p:sld>
-</file>
-
-<file path=ppt/slides/slide5.xml><?xml version="1.0" encoding="utf-8"?>
-<p:sld xmlns:a="http://schemas.openxmlformats.org/drawingml/2006/main" xmlns:r="http://schemas.openxmlformats.org/officeDocument/2006/relationships" xmlns:p="http://schemas.openxmlformats.org/presentationml/2006/main">
-  <p:cSld>
-    <p:spTree>
-      <p:nvGrpSpPr>
-        <p:cNvPr id="1" name=""/>
-        <p:cNvGrpSpPr/>
-        <p:nvPr/>
-      </p:nvGrpSpPr>
-      <p:grpSpPr>
-        <a:xfrm>
-          <a:off x="0" y="0"/>
-          <a:ext cx="0" cy="0"/>
-          <a:chOff x="0" y="0"/>
-          <a:chExt cx="0" cy="0"/>
-        </a:xfrm>
-      </p:grpSpPr>
-      <p:sp>
-        <p:nvSpPr>
-          <p:cNvPr id="2" name="Title 1">
-            <a:extLst>
-              <a:ext uri="{FF2B5EF4-FFF2-40B4-BE49-F238E27FC236}">
-                <a16:creationId xmlns:a16="http://schemas.microsoft.com/office/drawing/2014/main" id="{355F2EEC-B739-407C-A4AE-8049B495820B}"/>
-              </a:ext>
-            </a:extLst>
-          </p:cNvPr>
-          <p:cNvSpPr>
-            <a:spLocks noGrp="1"/>
-          </p:cNvSpPr>
-          <p:nvPr>
-            <p:ph type="title"/>
-          </p:nvPr>
-        </p:nvSpPr>
-        <p:spPr/>
-        <p:txBody>
-          <a:bodyPr/>
-          <a:lstStyle/>
-          <a:p>
-            <a:r>
-              <a:rPr lang="en-US" dirty="0"/>
-              <a:t>New Data: Traffic Crashes from the City of Chicago</a:t>
-            </a:r>
-          </a:p>
-        </p:txBody>
-      </p:sp>
-      <p:sp>
-        <p:nvSpPr>
-          <p:cNvPr id="3" name="Content Placeholder 2">
-            <a:extLst>
-              <a:ext uri="{FF2B5EF4-FFF2-40B4-BE49-F238E27FC236}">
-                <a16:creationId xmlns:a16="http://schemas.microsoft.com/office/drawing/2014/main" id="{EFB3A03A-F689-433F-9518-125495FE4541}"/>
-              </a:ext>
-            </a:extLst>
-          </p:cNvPr>
-          <p:cNvSpPr>
-            <a:spLocks noGrp="1"/>
-          </p:cNvSpPr>
-          <p:nvPr>
-            <p:ph idx="1"/>
-          </p:nvPr>
-        </p:nvSpPr>
-        <p:spPr>
-          <a:xfrm>
-            <a:off x="677334" y="1885455"/>
-            <a:ext cx="8596668" cy="3880773"/>
-          </a:xfrm>
-        </p:spPr>
-        <p:txBody>
-          <a:bodyPr/>
-          <a:lstStyle/>
-          <a:p>
-            <a:r>
-              <a:rPr lang="en-US" dirty="0"/>
-              <a:t>Not only one dataset, but 3</a:t>
-            </a:r>
-          </a:p>
-          <a:p>
-            <a:pPr lvl="1"/>
-            <a:r>
-              <a:rPr lang="en-US" dirty="0"/>
-              <a:t>Dataset about the crash</a:t>
-            </a:r>
-          </a:p>
-          <a:p>
-            <a:pPr lvl="2"/>
-            <a:r>
-              <a:rPr lang="en-US" dirty="0"/>
-              <a:t>RD_NO, DATE, ROAD_DEFECT, </a:t>
-            </a:r>
-            <a:r>
-              <a:rPr lang="en-US" b="1" dirty="0"/>
-              <a:t>TYPE</a:t>
-            </a:r>
-            <a:r>
-              <a:rPr lang="en-US" dirty="0"/>
-              <a:t>, </a:t>
-            </a:r>
-            <a:r>
-              <a:rPr lang="en-US" b="1" dirty="0"/>
-              <a:t>WEATHER</a:t>
-            </a:r>
-            <a:r>
-              <a:rPr lang="en-US" dirty="0"/>
-              <a:t>. </a:t>
-            </a:r>
-            <a:r>
-              <a:rPr lang="en-US" b="1" dirty="0"/>
-              <a:t>LIGHTING</a:t>
-            </a:r>
-            <a:r>
-              <a:rPr lang="en-US" dirty="0"/>
-              <a:t>, </a:t>
-            </a:r>
-            <a:r>
-              <a:rPr lang="en-US" b="1" dirty="0"/>
-              <a:t>PRIM_CAUSE</a:t>
-            </a:r>
-            <a:r>
-              <a:rPr lang="en-US" dirty="0"/>
-              <a:t>, …</a:t>
-            </a:r>
-          </a:p>
-          <a:p>
-            <a:pPr lvl="1"/>
-            <a:r>
-              <a:rPr lang="en-US" dirty="0"/>
-              <a:t>Dataset about the vehicles involved</a:t>
-            </a:r>
-          </a:p>
-          <a:p>
-            <a:pPr lvl="2"/>
-            <a:r>
-              <a:rPr lang="en-US" dirty="0"/>
-              <a:t>RD_NO, </a:t>
-            </a:r>
-            <a:r>
-              <a:rPr lang="en-US" b="1" dirty="0"/>
-              <a:t>NUM_PASSENGERS</a:t>
-            </a:r>
-            <a:r>
-              <a:rPr lang="en-US" dirty="0"/>
-              <a:t>, MAKE, MODEL, </a:t>
-            </a:r>
-            <a:r>
-              <a:rPr lang="en-US" b="1" dirty="0"/>
-              <a:t>EXCEED_SPEED_LIMIT</a:t>
-            </a:r>
-            <a:r>
-              <a:rPr lang="en-US" dirty="0"/>
-              <a:t>, …</a:t>
-            </a:r>
-          </a:p>
-        </p:txBody>
-      </p:sp>
-      <p:pic>
-        <p:nvPicPr>
-          <p:cNvPr id="8" name="Picture 7">
-            <a:extLst>
-              <a:ext uri="{FF2B5EF4-FFF2-40B4-BE49-F238E27FC236}">
-                <a16:creationId xmlns:a16="http://schemas.microsoft.com/office/drawing/2014/main" id="{C07C10FA-9AC2-4C3A-883E-4268FC12908D}"/>
-              </a:ext>
-            </a:extLst>
-          </p:cNvPr>
-          <p:cNvPicPr>
-            <a:picLocks noChangeAspect="1"/>
-          </p:cNvPicPr>
-          <p:nvPr/>
-        </p:nvPicPr>
-        <p:blipFill>
-          <a:blip r:embed="rId2">
-            <a:clrChange>
-              <a:clrFrom>
-                <a:srgbClr val="F8F8F8"/>
-              </a:clrFrom>
-              <a:clrTo>
-                <a:srgbClr val="F8F8F8">
-                  <a:alpha val="0"/>
-                </a:srgbClr>
-              </a:clrTo>
-            </a:clrChange>
-          </a:blip>
-          <a:stretch>
-            <a:fillRect/>
-          </a:stretch>
-        </p:blipFill>
-        <p:spPr>
-          <a:xfrm>
-            <a:off x="3490912" y="4460143"/>
-            <a:ext cx="4931381" cy="2307370"/>
-          </a:xfrm>
-          <a:prstGeom prst="rect">
-            <a:avLst/>
-          </a:prstGeom>
-        </p:spPr>
-      </p:pic>
-      <p:pic>
-        <p:nvPicPr>
-          <p:cNvPr id="9" name="Picture 8">
-            <a:extLst>
-              <a:ext uri="{FF2B5EF4-FFF2-40B4-BE49-F238E27FC236}">
-                <a16:creationId xmlns:a16="http://schemas.microsoft.com/office/drawing/2014/main" id="{F409E651-4AB3-492E-93DB-CE2A3D4B3467}"/>
-              </a:ext>
-            </a:extLst>
-          </p:cNvPr>
-          <p:cNvPicPr>
-            <a:picLocks noChangeAspect="1"/>
-          </p:cNvPicPr>
-          <p:nvPr/>
-        </p:nvPicPr>
-        <p:blipFill>
-          <a:blip r:embed="rId3">
-            <a:clrChange>
-              <a:clrFrom>
-                <a:srgbClr val="F8F8F8"/>
-              </a:clrFrom>
-              <a:clrTo>
-                <a:srgbClr val="F8F8F8">
-                  <a:alpha val="0"/>
-                </a:srgbClr>
-              </a:clrTo>
-            </a:clrChange>
-          </a:blip>
-          <a:stretch>
-            <a:fillRect/>
-          </a:stretch>
-        </p:blipFill>
-        <p:spPr>
-          <a:xfrm>
-            <a:off x="960203" y="4450132"/>
-            <a:ext cx="2530709" cy="2317381"/>
-          </a:xfrm>
-          <a:prstGeom prst="rect">
-            <a:avLst/>
-          </a:prstGeom>
-        </p:spPr>
-      </p:pic>
-    </p:spTree>
-    <p:extLst>
-      <p:ext uri="{BB962C8B-B14F-4D97-AF65-F5344CB8AC3E}">
-        <p14:creationId xmlns:p14="http://schemas.microsoft.com/office/powerpoint/2010/main" val="1956245196"/>
-      </p:ext>
-    </p:extLst>
-  </p:cSld>
-  <p:clrMapOvr>
-    <a:masterClrMapping/>
-  </p:clrMapOvr>
-</p:sld>
-</file>
-
-<file path=ppt/slides/slide6.xml><?xml version="1.0" encoding="utf-8"?>
+<file path=ppt/slides/slide4.xml><?xml version="1.0" encoding="utf-8"?>
 <p:sld xmlns:a="http://schemas.openxmlformats.org/drawingml/2006/main" xmlns:r="http://schemas.openxmlformats.org/officeDocument/2006/relationships" xmlns:p="http://schemas.openxmlformats.org/presentationml/2006/main">
   <p:cSld>
     <p:spTree>
@@ -13910,7 +12685,444 @@
 </p:sld>
 </file>
 
-<file path=ppt/slides/slide7.xml><?xml version="1.0" encoding="utf-8"?>
+<file path=ppt/slides/slide40.xml><?xml version="1.0" encoding="utf-8"?>
+<p:sld xmlns:a="http://schemas.openxmlformats.org/drawingml/2006/main" xmlns:r="http://schemas.openxmlformats.org/officeDocument/2006/relationships" xmlns:p="http://schemas.openxmlformats.org/presentationml/2006/main">
+  <p:cSld>
+    <p:spTree>
+      <p:nvGrpSpPr>
+        <p:cNvPr id="1" name=""/>
+        <p:cNvGrpSpPr/>
+        <p:nvPr/>
+      </p:nvGrpSpPr>
+      <p:grpSpPr>
+        <a:xfrm>
+          <a:off x="0" y="0"/>
+          <a:ext cx="0" cy="0"/>
+          <a:chOff x="0" y="0"/>
+          <a:chExt cx="0" cy="0"/>
+        </a:xfrm>
+      </p:grpSpPr>
+      <p:sp>
+        <p:nvSpPr>
+          <p:cNvPr id="2" name="Title 1">
+            <a:extLst>
+              <a:ext uri="{FF2B5EF4-FFF2-40B4-BE49-F238E27FC236}">
+                <a16:creationId xmlns:a16="http://schemas.microsoft.com/office/drawing/2014/main" id="{6C07DC67-B9FD-45A3-8CA1-0BF8B57F2247}"/>
+              </a:ext>
+            </a:extLst>
+          </p:cNvPr>
+          <p:cNvSpPr>
+            <a:spLocks noGrp="1"/>
+          </p:cNvSpPr>
+          <p:nvPr>
+            <p:ph type="title"/>
+          </p:nvPr>
+        </p:nvSpPr>
+        <p:spPr/>
+        <p:txBody>
+          <a:bodyPr/>
+          <a:lstStyle/>
+          <a:p>
+            <a:r>
+              <a:rPr lang="en-US" dirty="0"/>
+              <a:t>Interpretation</a:t>
+            </a:r>
+          </a:p>
+        </p:txBody>
+      </p:sp>
+      <p:sp>
+        <p:nvSpPr>
+          <p:cNvPr id="7" name="Content Placeholder 6">
+            <a:extLst>
+              <a:ext uri="{FF2B5EF4-FFF2-40B4-BE49-F238E27FC236}">
+                <a16:creationId xmlns:a16="http://schemas.microsoft.com/office/drawing/2014/main" id="{8D1198D8-8F92-4F81-A56C-A3FB57ED8766}"/>
+              </a:ext>
+            </a:extLst>
+          </p:cNvPr>
+          <p:cNvSpPr>
+            <a:spLocks noGrp="1"/>
+          </p:cNvSpPr>
+          <p:nvPr>
+            <p:ph idx="1"/>
+          </p:nvPr>
+        </p:nvSpPr>
+        <p:spPr>
+          <a:xfrm>
+            <a:off x="720364" y="1748119"/>
+            <a:ext cx="9959095" cy="656215"/>
+          </a:xfrm>
+        </p:spPr>
+        <p:txBody>
+          <a:bodyPr>
+            <a:normAutofit/>
+          </a:bodyPr>
+          <a:lstStyle/>
+          <a:p>
+            <a:pPr marL="0" indent="0" algn="ctr">
+              <a:buNone/>
+            </a:pPr>
+            <a:r>
+              <a:rPr lang="en-US" sz="2400" b="1" dirty="0"/>
+              <a:t>Random Forest (F-Score 0.88)</a:t>
+            </a:r>
+          </a:p>
+        </p:txBody>
+      </p:sp>
+      <p:pic>
+        <p:nvPicPr>
+          <p:cNvPr id="6" name="Picture 5">
+            <a:extLst>
+              <a:ext uri="{FF2B5EF4-FFF2-40B4-BE49-F238E27FC236}">
+                <a16:creationId xmlns:a16="http://schemas.microsoft.com/office/drawing/2014/main" id="{7CD4C0A9-4EF4-4F27-9EB1-AC81CECA9808}"/>
+              </a:ext>
+            </a:extLst>
+          </p:cNvPr>
+          <p:cNvPicPr>
+            <a:picLocks noChangeAspect="1"/>
+          </p:cNvPicPr>
+          <p:nvPr/>
+        </p:nvPicPr>
+        <p:blipFill>
+          <a:blip r:embed="rId3"/>
+          <a:stretch>
+            <a:fillRect/>
+          </a:stretch>
+        </p:blipFill>
+        <p:spPr>
+          <a:xfrm>
+            <a:off x="969735" y="2641427"/>
+            <a:ext cx="9631928" cy="3387500"/>
+          </a:xfrm>
+          <a:prstGeom prst="rect">
+            <a:avLst/>
+          </a:prstGeom>
+        </p:spPr>
+      </p:pic>
+    </p:spTree>
+    <p:extLst>
+      <p:ext uri="{BB962C8B-B14F-4D97-AF65-F5344CB8AC3E}">
+        <p14:creationId xmlns:p14="http://schemas.microsoft.com/office/powerpoint/2010/main" val="962755014"/>
+      </p:ext>
+    </p:extLst>
+  </p:cSld>
+  <p:clrMapOvr>
+    <a:masterClrMapping/>
+  </p:clrMapOvr>
+</p:sld>
+</file>
+
+<file path=ppt/slides/slide41.xml><?xml version="1.0" encoding="utf-8"?>
+<p:sld xmlns:a="http://schemas.openxmlformats.org/drawingml/2006/main" xmlns:r="http://schemas.openxmlformats.org/officeDocument/2006/relationships" xmlns:p="http://schemas.openxmlformats.org/presentationml/2006/main">
+  <p:cSld>
+    <p:spTree>
+      <p:nvGrpSpPr>
+        <p:cNvPr id="1" name=""/>
+        <p:cNvGrpSpPr/>
+        <p:nvPr/>
+      </p:nvGrpSpPr>
+      <p:grpSpPr>
+        <a:xfrm>
+          <a:off x="0" y="0"/>
+          <a:ext cx="0" cy="0"/>
+          <a:chOff x="0" y="0"/>
+          <a:chExt cx="0" cy="0"/>
+        </a:xfrm>
+      </p:grpSpPr>
+      <p:sp>
+        <p:nvSpPr>
+          <p:cNvPr id="2" name="Title 1">
+            <a:extLst>
+              <a:ext uri="{FF2B5EF4-FFF2-40B4-BE49-F238E27FC236}">
+                <a16:creationId xmlns:a16="http://schemas.microsoft.com/office/drawing/2014/main" id="{6C07DC67-B9FD-45A3-8CA1-0BF8B57F2247}"/>
+              </a:ext>
+            </a:extLst>
+          </p:cNvPr>
+          <p:cNvSpPr>
+            <a:spLocks noGrp="1"/>
+          </p:cNvSpPr>
+          <p:nvPr>
+            <p:ph type="title"/>
+          </p:nvPr>
+        </p:nvSpPr>
+        <p:spPr/>
+        <p:txBody>
+          <a:bodyPr/>
+          <a:lstStyle/>
+          <a:p>
+            <a:r>
+              <a:rPr lang="en-US" dirty="0"/>
+              <a:t>Summary</a:t>
+            </a:r>
+          </a:p>
+        </p:txBody>
+      </p:sp>
+      <p:sp>
+        <p:nvSpPr>
+          <p:cNvPr id="3" name="Content Placeholder 2">
+            <a:extLst>
+              <a:ext uri="{FF2B5EF4-FFF2-40B4-BE49-F238E27FC236}">
+                <a16:creationId xmlns:a16="http://schemas.microsoft.com/office/drawing/2014/main" id="{ADBBD394-39AF-43C7-ACF6-06055C5971F4}"/>
+              </a:ext>
+            </a:extLst>
+          </p:cNvPr>
+          <p:cNvSpPr>
+            <a:spLocks noGrp="1"/>
+          </p:cNvSpPr>
+          <p:nvPr>
+            <p:ph idx="1"/>
+          </p:nvPr>
+        </p:nvSpPr>
+        <p:spPr>
+          <a:xfrm>
+            <a:off x="677334" y="2140772"/>
+            <a:ext cx="8596668" cy="4433094"/>
+          </a:xfrm>
+        </p:spPr>
+        <p:txBody>
+          <a:bodyPr/>
+          <a:lstStyle/>
+          <a:p>
+            <a:r>
+              <a:rPr lang="en-US" dirty="0"/>
+              <a:t>Overall. overfitting didn’t occur as it worked on never seen before 2017 data</a:t>
+            </a:r>
+          </a:p>
+          <a:p>
+            <a:r>
+              <a:rPr lang="en-US" dirty="0"/>
+              <a:t>Results were very interesting and some were surprising</a:t>
+            </a:r>
+          </a:p>
+          <a:p>
+            <a:pPr lvl="1"/>
+            <a:r>
+              <a:rPr lang="en-US" dirty="0"/>
+              <a:t>Alcohol and texting rarely popped up in generated rules</a:t>
+            </a:r>
+          </a:p>
+          <a:p>
+            <a:pPr lvl="1"/>
+            <a:r>
+              <a:rPr lang="en-US" dirty="0"/>
+              <a:t>Possible explanation: Laws work</a:t>
+            </a:r>
+          </a:p>
+        </p:txBody>
+      </p:sp>
+    </p:spTree>
+    <p:extLst>
+      <p:ext uri="{BB962C8B-B14F-4D97-AF65-F5344CB8AC3E}">
+        <p14:creationId xmlns:p14="http://schemas.microsoft.com/office/powerpoint/2010/main" val="1654485866"/>
+      </p:ext>
+    </p:extLst>
+  </p:cSld>
+  <p:clrMapOvr>
+    <a:masterClrMapping/>
+  </p:clrMapOvr>
+</p:sld>
+</file>
+
+<file path=ppt/slides/slide42.xml><?xml version="1.0" encoding="utf-8"?>
+<p:sld xmlns:a="http://schemas.openxmlformats.org/drawingml/2006/main" xmlns:r="http://schemas.openxmlformats.org/officeDocument/2006/relationships" xmlns:p="http://schemas.openxmlformats.org/presentationml/2006/main">
+  <p:cSld>
+    <p:spTree>
+      <p:nvGrpSpPr>
+        <p:cNvPr id="1" name=""/>
+        <p:cNvGrpSpPr/>
+        <p:nvPr/>
+      </p:nvGrpSpPr>
+      <p:grpSpPr>
+        <a:xfrm>
+          <a:off x="0" y="0"/>
+          <a:ext cx="0" cy="0"/>
+          <a:chOff x="0" y="0"/>
+          <a:chExt cx="0" cy="0"/>
+        </a:xfrm>
+      </p:grpSpPr>
+      <p:sp>
+        <p:nvSpPr>
+          <p:cNvPr id="2" name="Title 1">
+            <a:extLst>
+              <a:ext uri="{FF2B5EF4-FFF2-40B4-BE49-F238E27FC236}">
+                <a16:creationId xmlns:a16="http://schemas.microsoft.com/office/drawing/2014/main" id="{F0921FEB-3057-4763-B0D9-3A8939E82E81}"/>
+              </a:ext>
+            </a:extLst>
+          </p:cNvPr>
+          <p:cNvSpPr>
+            <a:spLocks noGrp="1"/>
+          </p:cNvSpPr>
+          <p:nvPr>
+            <p:ph type="title"/>
+          </p:nvPr>
+        </p:nvSpPr>
+        <p:spPr/>
+        <p:txBody>
+          <a:bodyPr/>
+          <a:lstStyle/>
+          <a:p>
+            <a:r>
+              <a:rPr lang="en-US" dirty="0"/>
+              <a:t>Next Steps</a:t>
+            </a:r>
+          </a:p>
+        </p:txBody>
+      </p:sp>
+      <p:sp>
+        <p:nvSpPr>
+          <p:cNvPr id="3" name="Content Placeholder 2">
+            <a:extLst>
+              <a:ext uri="{FF2B5EF4-FFF2-40B4-BE49-F238E27FC236}">
+                <a16:creationId xmlns:a16="http://schemas.microsoft.com/office/drawing/2014/main" id="{62220A98-F976-42C6-B4B9-ED510DCCF8AD}"/>
+              </a:ext>
+            </a:extLst>
+          </p:cNvPr>
+          <p:cNvSpPr>
+            <a:spLocks noGrp="1"/>
+          </p:cNvSpPr>
+          <p:nvPr>
+            <p:ph idx="1"/>
+          </p:nvPr>
+        </p:nvSpPr>
+        <p:spPr/>
+        <p:txBody>
+          <a:bodyPr/>
+          <a:lstStyle/>
+          <a:p>
+            <a:r>
+              <a:rPr lang="en-US" dirty="0"/>
+              <a:t>Improve on the algorithm (Reported Injury vs. No Indication)</a:t>
+            </a:r>
+          </a:p>
+          <a:p>
+            <a:r>
+              <a:rPr lang="en-US" dirty="0"/>
+              <a:t>Apply a similar algorithm to Fall/Winter/Spring Crashes</a:t>
+            </a:r>
+          </a:p>
+          <a:p>
+            <a:r>
+              <a:rPr lang="en-US" dirty="0"/>
+              <a:t>More training data, from other counties/cities</a:t>
+            </a:r>
+          </a:p>
+          <a:p>
+            <a:pPr marL="0" indent="0">
+              <a:buNone/>
+            </a:pPr>
+            <a:endParaRPr lang="en-US" dirty="0"/>
+          </a:p>
+        </p:txBody>
+      </p:sp>
+    </p:spTree>
+    <p:extLst>
+      <p:ext uri="{BB962C8B-B14F-4D97-AF65-F5344CB8AC3E}">
+        <p14:creationId xmlns:p14="http://schemas.microsoft.com/office/powerpoint/2010/main" val="4098103386"/>
+      </p:ext>
+    </p:extLst>
+  </p:cSld>
+  <p:clrMapOvr>
+    <a:masterClrMapping/>
+  </p:clrMapOvr>
+</p:sld>
+</file>
+
+<file path=ppt/slides/slide43.xml><?xml version="1.0" encoding="utf-8"?>
+<p:sld xmlns:a="http://schemas.openxmlformats.org/drawingml/2006/main" xmlns:r="http://schemas.openxmlformats.org/officeDocument/2006/relationships" xmlns:p="http://schemas.openxmlformats.org/presentationml/2006/main">
+  <p:cSld>
+    <p:spTree>
+      <p:nvGrpSpPr>
+        <p:cNvPr id="1" name=""/>
+        <p:cNvGrpSpPr/>
+        <p:nvPr/>
+      </p:nvGrpSpPr>
+      <p:grpSpPr>
+        <a:xfrm>
+          <a:off x="0" y="0"/>
+          <a:ext cx="0" cy="0"/>
+          <a:chOff x="0" y="0"/>
+          <a:chExt cx="0" cy="0"/>
+        </a:xfrm>
+      </p:grpSpPr>
+      <p:sp>
+        <p:nvSpPr>
+          <p:cNvPr id="2" name="Title 1">
+            <a:extLst>
+              <a:ext uri="{FF2B5EF4-FFF2-40B4-BE49-F238E27FC236}">
+                <a16:creationId xmlns:a16="http://schemas.microsoft.com/office/drawing/2014/main" id="{5BDFDA9C-9B64-4D7D-BA7C-6DE9FD01E149}"/>
+              </a:ext>
+            </a:extLst>
+          </p:cNvPr>
+          <p:cNvSpPr>
+            <a:spLocks noGrp="1"/>
+          </p:cNvSpPr>
+          <p:nvPr>
+            <p:ph type="title"/>
+          </p:nvPr>
+        </p:nvSpPr>
+        <p:spPr/>
+        <p:txBody>
+          <a:bodyPr/>
+          <a:lstStyle/>
+          <a:p>
+            <a:r>
+              <a:rPr lang="en-US" dirty="0"/>
+              <a:t>The End</a:t>
+            </a:r>
+          </a:p>
+        </p:txBody>
+      </p:sp>
+      <p:sp>
+        <p:nvSpPr>
+          <p:cNvPr id="3" name="Content Placeholder 2">
+            <a:extLst>
+              <a:ext uri="{FF2B5EF4-FFF2-40B4-BE49-F238E27FC236}">
+                <a16:creationId xmlns:a16="http://schemas.microsoft.com/office/drawing/2014/main" id="{3F7F1728-2AE1-400B-8840-BA33E98407CD}"/>
+              </a:ext>
+            </a:extLst>
+          </p:cNvPr>
+          <p:cNvSpPr>
+            <a:spLocks noGrp="1"/>
+          </p:cNvSpPr>
+          <p:nvPr>
+            <p:ph idx="1"/>
+          </p:nvPr>
+        </p:nvSpPr>
+        <p:spPr/>
+        <p:txBody>
+          <a:bodyPr/>
+          <a:lstStyle/>
+          <a:p>
+            <a:r>
+              <a:rPr lang="en-US" dirty="0"/>
+              <a:t>Check out the repo:</a:t>
+            </a:r>
+          </a:p>
+          <a:p>
+            <a:pPr lvl="1"/>
+            <a:r>
+              <a:rPr lang="en-US" dirty="0">
+                <a:hlinkClick r:id="rId2"/>
+              </a:rPr>
+              <a:t>https://github.com/ndarwich/Crash-Analysis</a:t>
+            </a:r>
+            <a:endParaRPr lang="en-US" dirty="0"/>
+          </a:p>
+        </p:txBody>
+      </p:sp>
+    </p:spTree>
+    <p:extLst>
+      <p:ext uri="{BB962C8B-B14F-4D97-AF65-F5344CB8AC3E}">
+        <p14:creationId xmlns:p14="http://schemas.microsoft.com/office/powerpoint/2010/main" val="3941158784"/>
+      </p:ext>
+    </p:extLst>
+  </p:cSld>
+  <p:clrMapOvr>
+    <a:masterClrMapping/>
+  </p:clrMapOvr>
+</p:sld>
+</file>
+
+<file path=ppt/slides/slide5.xml><?xml version="1.0" encoding="utf-8"?>
 <p:sld xmlns:a="http://schemas.openxmlformats.org/drawingml/2006/main" xmlns:r="http://schemas.openxmlformats.org/officeDocument/2006/relationships" xmlns:p="http://schemas.openxmlformats.org/presentationml/2006/main">
   <p:cSld>
     <p:spTree>
@@ -14085,7 +13297,7 @@
 </p:sld>
 </file>
 
-<file path=ppt/slides/slide8.xml><?xml version="1.0" encoding="utf-8"?>
+<file path=ppt/slides/slide6.xml><?xml version="1.0" encoding="utf-8"?>
 <p:sld xmlns:a="http://schemas.openxmlformats.org/drawingml/2006/main" xmlns:r="http://schemas.openxmlformats.org/officeDocument/2006/relationships" xmlns:p="http://schemas.openxmlformats.org/presentationml/2006/main">
   <p:cSld>
     <p:spTree>
@@ -14222,7 +13434,7 @@
 </p:sld>
 </file>
 
-<file path=ppt/slides/slide9.xml><?xml version="1.0" encoding="utf-8"?>
+<file path=ppt/slides/slide7.xml><?xml version="1.0" encoding="utf-8"?>
 <p:sld xmlns:a="http://schemas.openxmlformats.org/drawingml/2006/main" xmlns:r="http://schemas.openxmlformats.org/officeDocument/2006/relationships" xmlns:p="http://schemas.openxmlformats.org/presentationml/2006/main">
   <p:cSld>
     <p:spTree>
@@ -14455,6 +13667,324 @@
     <p:extLst>
       <p:ext uri="{BB962C8B-B14F-4D97-AF65-F5344CB8AC3E}">
         <p14:creationId xmlns:p14="http://schemas.microsoft.com/office/powerpoint/2010/main" val="4229403950"/>
+      </p:ext>
+    </p:extLst>
+  </p:cSld>
+  <p:clrMapOvr>
+    <a:masterClrMapping/>
+  </p:clrMapOvr>
+</p:sld>
+</file>
+
+<file path=ppt/slides/slide8.xml><?xml version="1.0" encoding="utf-8"?>
+<p:sld xmlns:a="http://schemas.openxmlformats.org/drawingml/2006/main" xmlns:r="http://schemas.openxmlformats.org/officeDocument/2006/relationships" xmlns:p="http://schemas.openxmlformats.org/presentationml/2006/main">
+  <p:cSld>
+    <p:spTree>
+      <p:nvGrpSpPr>
+        <p:cNvPr id="1" name=""/>
+        <p:cNvGrpSpPr/>
+        <p:nvPr/>
+      </p:nvGrpSpPr>
+      <p:grpSpPr>
+        <a:xfrm>
+          <a:off x="0" y="0"/>
+          <a:ext cx="0" cy="0"/>
+          <a:chOff x="0" y="0"/>
+          <a:chExt cx="0" cy="0"/>
+        </a:xfrm>
+      </p:grpSpPr>
+      <p:sp>
+        <p:nvSpPr>
+          <p:cNvPr id="2" name="Title 1">
+            <a:extLst>
+              <a:ext uri="{FF2B5EF4-FFF2-40B4-BE49-F238E27FC236}">
+                <a16:creationId xmlns:a16="http://schemas.microsoft.com/office/drawing/2014/main" id="{C5F73921-064B-4F8F-8A2C-9102B144ADD5}"/>
+              </a:ext>
+            </a:extLst>
+          </p:cNvPr>
+          <p:cNvSpPr>
+            <a:spLocks noGrp="1"/>
+          </p:cNvSpPr>
+          <p:nvPr>
+            <p:ph type="title"/>
+          </p:nvPr>
+        </p:nvSpPr>
+        <p:spPr/>
+        <p:txBody>
+          <a:bodyPr/>
+          <a:lstStyle/>
+          <a:p>
+            <a:r>
+              <a:rPr lang="en-US" dirty="0"/>
+              <a:t>Traffic Crashes - Visualization</a:t>
+            </a:r>
+          </a:p>
+        </p:txBody>
+      </p:sp>
+      <p:sp>
+        <p:nvSpPr>
+          <p:cNvPr id="3" name="Content Placeholder 2">
+            <a:extLst>
+              <a:ext uri="{FF2B5EF4-FFF2-40B4-BE49-F238E27FC236}">
+                <a16:creationId xmlns:a16="http://schemas.microsoft.com/office/drawing/2014/main" id="{73001722-97A6-4F0C-B3DB-4072E006E7E9}"/>
+              </a:ext>
+            </a:extLst>
+          </p:cNvPr>
+          <p:cNvSpPr>
+            <a:spLocks noGrp="1"/>
+          </p:cNvSpPr>
+          <p:nvPr>
+            <p:ph idx="1"/>
+          </p:nvPr>
+        </p:nvSpPr>
+        <p:spPr>
+          <a:xfrm>
+            <a:off x="677334" y="1576389"/>
+            <a:ext cx="8596668" cy="4464974"/>
+          </a:xfrm>
+        </p:spPr>
+        <p:txBody>
+          <a:bodyPr/>
+          <a:lstStyle/>
+          <a:p>
+            <a:r>
+              <a:rPr lang="en-US" dirty="0"/>
+              <a:t>Plot crash geolocations on graph</a:t>
+            </a:r>
+          </a:p>
+          <a:p>
+            <a:r>
+              <a:rPr lang="en-US" dirty="0"/>
+              <a:t>Not very meaningful, plot against a map</a:t>
+            </a:r>
+          </a:p>
+          <a:p>
+            <a:pPr lvl="1"/>
+            <a:r>
+              <a:rPr lang="en-US" dirty="0"/>
+              <a:t>More details, Southeast Chicago seemed to be free from crashes</a:t>
+            </a:r>
+          </a:p>
+          <a:p>
+            <a:r>
+              <a:rPr lang="en-US" dirty="0"/>
+              <a:t>Plot Chicago population density data</a:t>
+            </a:r>
+          </a:p>
+        </p:txBody>
+      </p:sp>
+      <p:pic>
+        <p:nvPicPr>
+          <p:cNvPr id="6" name="Picture 5">
+            <a:extLst>
+              <a:ext uri="{FF2B5EF4-FFF2-40B4-BE49-F238E27FC236}">
+                <a16:creationId xmlns:a16="http://schemas.microsoft.com/office/drawing/2014/main" id="{6DFD3FC2-8FB3-4107-8D04-5925EC329DE9}"/>
+              </a:ext>
+            </a:extLst>
+          </p:cNvPr>
+          <p:cNvPicPr>
+            <a:picLocks noChangeAspect="1"/>
+          </p:cNvPicPr>
+          <p:nvPr/>
+        </p:nvPicPr>
+        <p:blipFill>
+          <a:blip r:embed="rId2">
+            <a:clrChange>
+              <a:clrFrom>
+                <a:srgbClr val="FFFFFF"/>
+              </a:clrFrom>
+              <a:clrTo>
+                <a:srgbClr val="FFFFFF">
+                  <a:alpha val="0"/>
+                </a:srgbClr>
+              </a:clrTo>
+            </a:clrChange>
+            <a:extLst>
+              <a:ext uri="{28A0092B-C50C-407E-A947-70E740481C1C}">
+                <a14:useLocalDpi xmlns:a14="http://schemas.microsoft.com/office/drawing/2010/main" val="0"/>
+              </a:ext>
+            </a:extLst>
+          </a:blip>
+          <a:stretch>
+            <a:fillRect/>
+          </a:stretch>
+        </p:blipFill>
+        <p:spPr>
+          <a:xfrm>
+            <a:off x="2753845" y="3062460"/>
+            <a:ext cx="4999506" cy="3730281"/>
+          </a:xfrm>
+          <a:prstGeom prst="rect">
+            <a:avLst/>
+          </a:prstGeom>
+        </p:spPr>
+      </p:pic>
+    </p:spTree>
+    <p:extLst>
+      <p:ext uri="{BB962C8B-B14F-4D97-AF65-F5344CB8AC3E}">
+        <p14:creationId xmlns:p14="http://schemas.microsoft.com/office/powerpoint/2010/main" val="1581875124"/>
+      </p:ext>
+    </p:extLst>
+  </p:cSld>
+  <p:clrMapOvr>
+    <a:masterClrMapping/>
+  </p:clrMapOvr>
+</p:sld>
+</file>
+
+<file path=ppt/slides/slide9.xml><?xml version="1.0" encoding="utf-8"?>
+<p:sld xmlns:a="http://schemas.openxmlformats.org/drawingml/2006/main" xmlns:r="http://schemas.openxmlformats.org/officeDocument/2006/relationships" xmlns:p="http://schemas.openxmlformats.org/presentationml/2006/main">
+  <p:cSld>
+    <p:spTree>
+      <p:nvGrpSpPr>
+        <p:cNvPr id="1" name=""/>
+        <p:cNvGrpSpPr/>
+        <p:nvPr/>
+      </p:nvGrpSpPr>
+      <p:grpSpPr>
+        <a:xfrm>
+          <a:off x="0" y="0"/>
+          <a:ext cx="0" cy="0"/>
+          <a:chOff x="0" y="0"/>
+          <a:chExt cx="0" cy="0"/>
+        </a:xfrm>
+      </p:grpSpPr>
+      <p:sp>
+        <p:nvSpPr>
+          <p:cNvPr id="2" name="Title 1">
+            <a:extLst>
+              <a:ext uri="{FF2B5EF4-FFF2-40B4-BE49-F238E27FC236}">
+                <a16:creationId xmlns:a16="http://schemas.microsoft.com/office/drawing/2014/main" id="{C5F73921-064B-4F8F-8A2C-9102B144ADD5}"/>
+              </a:ext>
+            </a:extLst>
+          </p:cNvPr>
+          <p:cNvSpPr>
+            <a:spLocks noGrp="1"/>
+          </p:cNvSpPr>
+          <p:nvPr>
+            <p:ph type="title"/>
+          </p:nvPr>
+        </p:nvSpPr>
+        <p:spPr/>
+        <p:txBody>
+          <a:bodyPr/>
+          <a:lstStyle/>
+          <a:p>
+            <a:r>
+              <a:rPr lang="en-US" dirty="0"/>
+              <a:t>Traffic Crashes - Visualization</a:t>
+            </a:r>
+          </a:p>
+        </p:txBody>
+      </p:sp>
+      <p:sp>
+        <p:nvSpPr>
+          <p:cNvPr id="3" name="Content Placeholder 2">
+            <a:extLst>
+              <a:ext uri="{FF2B5EF4-FFF2-40B4-BE49-F238E27FC236}">
+                <a16:creationId xmlns:a16="http://schemas.microsoft.com/office/drawing/2014/main" id="{73001722-97A6-4F0C-B3DB-4072E006E7E9}"/>
+              </a:ext>
+            </a:extLst>
+          </p:cNvPr>
+          <p:cNvSpPr>
+            <a:spLocks noGrp="1"/>
+          </p:cNvSpPr>
+          <p:nvPr>
+            <p:ph idx="1"/>
+          </p:nvPr>
+        </p:nvSpPr>
+        <p:spPr>
+          <a:xfrm>
+            <a:off x="677334" y="1576389"/>
+            <a:ext cx="8596668" cy="4464974"/>
+          </a:xfrm>
+        </p:spPr>
+        <p:txBody>
+          <a:bodyPr/>
+          <a:lstStyle/>
+          <a:p>
+            <a:r>
+              <a:rPr lang="en-US" dirty="0"/>
+              <a:t>Plot crash geolocations on graph</a:t>
+            </a:r>
+          </a:p>
+          <a:p>
+            <a:r>
+              <a:rPr lang="en-US" dirty="0"/>
+              <a:t>Not very meaningful, plot against a map</a:t>
+            </a:r>
+          </a:p>
+          <a:p>
+            <a:pPr lvl="1"/>
+            <a:r>
+              <a:rPr lang="en-US" dirty="0"/>
+              <a:t>More details, Southeast Chicago seemed to be free from crashes</a:t>
+            </a:r>
+          </a:p>
+          <a:p>
+            <a:r>
+              <a:rPr lang="en-US" dirty="0"/>
+              <a:t>Plot Chicago population density data</a:t>
+            </a:r>
+          </a:p>
+          <a:p>
+            <a:r>
+              <a:rPr lang="en-US" dirty="0"/>
+              <a:t>Plot crashes with population densities</a:t>
+            </a:r>
+          </a:p>
+        </p:txBody>
+      </p:sp>
+      <p:pic>
+        <p:nvPicPr>
+          <p:cNvPr id="7" name="Picture 6">
+            <a:extLst>
+              <a:ext uri="{FF2B5EF4-FFF2-40B4-BE49-F238E27FC236}">
+                <a16:creationId xmlns:a16="http://schemas.microsoft.com/office/drawing/2014/main" id="{FAF69CC2-CA6F-4458-85BE-F0727416BFF3}"/>
+              </a:ext>
+            </a:extLst>
+          </p:cNvPr>
+          <p:cNvPicPr>
+            <a:picLocks noChangeAspect="1"/>
+          </p:cNvPicPr>
+          <p:nvPr/>
+        </p:nvPicPr>
+        <p:blipFill>
+          <a:blip r:embed="rId3">
+            <a:clrChange>
+              <a:clrFrom>
+                <a:srgbClr val="FFFFFF"/>
+              </a:clrFrom>
+              <a:clrTo>
+                <a:srgbClr val="FFFFFF">
+                  <a:alpha val="0"/>
+                </a:srgbClr>
+              </a:clrTo>
+            </a:clrChange>
+            <a:extLst>
+              <a:ext uri="{28A0092B-C50C-407E-A947-70E740481C1C}">
+                <a14:useLocalDpi xmlns:a14="http://schemas.microsoft.com/office/drawing/2010/main" val="0"/>
+              </a:ext>
+            </a:extLst>
+          </a:blip>
+          <a:stretch>
+            <a:fillRect/>
+          </a:stretch>
+        </p:blipFill>
+        <p:spPr>
+          <a:xfrm>
+            <a:off x="2940585" y="3167041"/>
+            <a:ext cx="4812766" cy="3590948"/>
+          </a:xfrm>
+          <a:prstGeom prst="rect">
+            <a:avLst/>
+          </a:prstGeom>
+        </p:spPr>
+      </p:pic>
+    </p:spTree>
+    <p:extLst>
+      <p:ext uri="{BB962C8B-B14F-4D97-AF65-F5344CB8AC3E}">
+        <p14:creationId xmlns:p14="http://schemas.microsoft.com/office/powerpoint/2010/main" val="875460362"/>
       </p:ext>
     </p:extLst>
   </p:cSld>

--- a/Slides/An Investigation.pptx
+++ b/Slides/An Investigation.pptx
@@ -1700,7 +1700,7 @@
           <a:p>
             <a:r>
               <a:rPr lang="en-US" dirty="0"/>
-              <a:t>6:00</a:t>
+              <a:t>5:30</a:t>
             </a:r>
           </a:p>
         </p:txBody>
@@ -10694,12 +10694,6 @@
             </a:r>
           </a:p>
           <a:p>
-            <a:r>
-              <a:rPr lang="en-US" dirty="0"/>
-              <a:t>Attempted classification with a 10 fold split on the oversampled training data</a:t>
-            </a:r>
-          </a:p>
-          <a:p>
             <a:endParaRPr lang="en-US" dirty="0"/>
           </a:p>
           <a:p>
@@ -10819,13 +10813,6 @@
             <a:pPr lvl="1"/>
             <a:r>
               <a:rPr lang="en-US" dirty="0"/>
-              <a:t>Seatbelt violations when Seatbelt column indicated a seatbelt was worn</a:t>
-            </a:r>
-          </a:p>
-          <a:p>
-            <a:pPr lvl="1"/>
-            <a:r>
-              <a:rPr lang="en-US" dirty="0"/>
               <a:t>Overall improperly recorded data</a:t>
             </a:r>
           </a:p>
@@ -10964,7 +10951,7 @@
             <a:pPr lvl="1"/>
             <a:r>
               <a:rPr lang="en-US" sz="1800" dirty="0"/>
-              <a:t>Crashing into an animal in daylight indicates is likely to be fatal</a:t>
+              <a:t>Crashing into an animal in daylight leads to fatal injury</a:t>
             </a:r>
           </a:p>
           <a:p>
@@ -10984,7 +10971,7 @@
             <a:pPr lvl="1"/>
             <a:r>
               <a:rPr lang="en-US" sz="1800" dirty="0"/>
-              <a:t>In a lighted non-defective road at night, males are likely to die in a crash</a:t>
+              <a:t>Crashing in a lighted non-defective road at night and being male leads to fatal</a:t>
             </a:r>
           </a:p>
           <a:p>
@@ -11012,8 +10999,13 @@
             </a:r>
             <a:r>
               <a:rPr lang="en-US" sz="1800" dirty="0"/>
-              <a:t>: tree) and being male means a likely death</a:t>
-            </a:r>
+              <a:t>: tree) and being </a:t>
+            </a:r>
+            <a:r>
+              <a:rPr lang="en-US" sz="1800"/>
+              <a:t>male leads to fatal</a:t>
+            </a:r>
+            <a:endParaRPr lang="en-US" sz="1800" dirty="0"/>
           </a:p>
         </p:txBody>
       </p:sp>
@@ -11121,6 +11113,17 @@
               <a:rPr lang="en-US" dirty="0"/>
               <a:t>Different samples of data taken to grow multiple trees where all trees vote on what the output should be (the majority vote wins)</a:t>
             </a:r>
+          </a:p>
+          <a:p>
+            <a:r>
+              <a:rPr lang="en-US" dirty="0"/>
+              <a:t>Attempted classification with a 10 fold split on the oversampled training </a:t>
+            </a:r>
+            <a:r>
+              <a:rPr lang="en-US" dirty="0" err="1"/>
+              <a:t>dat</a:t>
+            </a:r>
+            <a:endParaRPr lang="en-US" dirty="0"/>
           </a:p>
           <a:p>
             <a:pPr lvl="1"/>

--- a/Slides/An Investigation.pptx
+++ b/Slides/An Investigation.pptx
@@ -11299,7 +11299,7 @@
             <a:pPr lvl="1"/>
             <a:r>
               <a:rPr lang="en-US" dirty="0"/>
-              <a:t>F Measure = .558</a:t>
+              <a:t>F Score = .558</a:t>
             </a:r>
           </a:p>
           <a:p>
@@ -11426,7 +11426,7 @@
             <a:pPr lvl="1"/>
             <a:r>
               <a:rPr lang="en-US" dirty="0"/>
-              <a:t>F Measure = .961</a:t>
+              <a:t>F Score = .961</a:t>
             </a:r>
           </a:p>
           <a:p>
@@ -11594,7 +11594,7 @@
             <a:pPr lvl="1"/>
             <a:r>
               <a:rPr lang="en-US" dirty="0"/>
-              <a:t>F Measure = .980</a:t>
+              <a:t>F Score = .980</a:t>
             </a:r>
           </a:p>
           <a:p>
@@ -11938,7 +11938,7 @@
             <a:pPr lvl="1"/>
             <a:r>
               <a:rPr lang="en-US" dirty="0"/>
-              <a:t>F Measure = .640</a:t>
+              <a:t>F Score = .640</a:t>
             </a:r>
           </a:p>
           <a:p>
@@ -12079,7 +12079,7 @@
             <a:pPr lvl="1"/>
             <a:r>
               <a:rPr lang="en-US" dirty="0"/>
-              <a:t>F Measure = .828</a:t>
+              <a:t>F Score = .828</a:t>
             </a:r>
           </a:p>
           <a:p>
@@ -12220,7 +12220,7 @@
             <a:pPr lvl="1"/>
             <a:r>
               <a:rPr lang="en-US" dirty="0"/>
-              <a:t>F Measure = .879</a:t>
+              <a:t>F Score = .879</a:t>
             </a:r>
           </a:p>
           <a:p>

--- a/Slides/An Investigation.pptx
+++ b/Slides/An Investigation.pptx
@@ -649,10 +649,7 @@
           <a:bodyPr/>
           <a:lstStyle/>
           <a:p>
-            <a:r>
-              <a:rPr lang="en-US" dirty="0"/>
-              <a:t>6:30</a:t>
-            </a:r>
+            <a:endParaRPr lang="en-US" dirty="0"/>
           </a:p>
         </p:txBody>
       </p:sp>
@@ -673,7 +670,7 @@
           <a:p>
             <a:fld id="{DD64920E-5384-4F8F-B917-AD70FEF637A3}" type="slidenum">
               <a:rPr lang="en-US" smtClean="0"/>
-              <a:t>30</a:t>
+              <a:t>29</a:t>
             </a:fld>
             <a:endParaRPr lang="en-US"/>
           </a:p>
@@ -682,7 +679,7 @@
     </p:spTree>
     <p:extLst>
       <p:ext uri="{BB962C8B-B14F-4D97-AF65-F5344CB8AC3E}">
-        <p14:creationId xmlns:p14="http://schemas.microsoft.com/office/powerpoint/2010/main" val="4156105331"/>
+        <p14:creationId xmlns:p14="http://schemas.microsoft.com/office/powerpoint/2010/main" val="2628881268"/>
       </p:ext>
     </p:extLst>
   </p:cSld>
@@ -736,7 +733,10 @@
           <a:bodyPr/>
           <a:lstStyle/>
           <a:p>
-            <a:endParaRPr lang="en-US" dirty="0"/>
+            <a:r>
+              <a:rPr lang="en-US" dirty="0"/>
+              <a:t>6:30</a:t>
+            </a:r>
           </a:p>
         </p:txBody>
       </p:sp>
@@ -757,7 +757,7 @@
           <a:p>
             <a:fld id="{DD64920E-5384-4F8F-B917-AD70FEF637A3}" type="slidenum">
               <a:rPr lang="en-US" smtClean="0"/>
-              <a:t>35</a:t>
+              <a:t>30</a:t>
             </a:fld>
             <a:endParaRPr lang="en-US"/>
           </a:p>
@@ -766,7 +766,7 @@
     </p:spTree>
     <p:extLst>
       <p:ext uri="{BB962C8B-B14F-4D97-AF65-F5344CB8AC3E}">
-        <p14:creationId xmlns:p14="http://schemas.microsoft.com/office/powerpoint/2010/main" val="2049605612"/>
+        <p14:creationId xmlns:p14="http://schemas.microsoft.com/office/powerpoint/2010/main" val="4156105331"/>
       </p:ext>
     </p:extLst>
   </p:cSld>
@@ -820,10 +820,7 @@
           <a:bodyPr/>
           <a:lstStyle/>
           <a:p>
-            <a:r>
-              <a:rPr lang="en-US" dirty="0"/>
-              <a:t>8 minutes</a:t>
-            </a:r>
+            <a:endParaRPr lang="en-US" dirty="0"/>
           </a:p>
         </p:txBody>
       </p:sp>
@@ -844,7 +841,7 @@
           <a:p>
             <a:fld id="{DD64920E-5384-4F8F-B917-AD70FEF637A3}" type="slidenum">
               <a:rPr lang="en-US" smtClean="0"/>
-              <a:t>38</a:t>
+              <a:t>35</a:t>
             </a:fld>
             <a:endParaRPr lang="en-US"/>
           </a:p>
@@ -853,7 +850,7 @@
     </p:spTree>
     <p:extLst>
       <p:ext uri="{BB962C8B-B14F-4D97-AF65-F5344CB8AC3E}">
-        <p14:creationId xmlns:p14="http://schemas.microsoft.com/office/powerpoint/2010/main" val="3066518556"/>
+        <p14:creationId xmlns:p14="http://schemas.microsoft.com/office/powerpoint/2010/main" val="2049605612"/>
       </p:ext>
     </p:extLst>
   </p:cSld>
@@ -909,7 +906,7 @@
           <a:p>
             <a:r>
               <a:rPr lang="en-US" dirty="0"/>
-              <a:t>9 minutes</a:t>
+              <a:t>8 minutes</a:t>
             </a:r>
           </a:p>
         </p:txBody>
@@ -931,7 +928,7 @@
           <a:p>
             <a:fld id="{DD64920E-5384-4F8F-B917-AD70FEF637A3}" type="slidenum">
               <a:rPr lang="en-US" smtClean="0"/>
-              <a:t>40</a:t>
+              <a:t>38</a:t>
             </a:fld>
             <a:endParaRPr lang="en-US"/>
           </a:p>
@@ -940,7 +937,7 @@
     </p:spTree>
     <p:extLst>
       <p:ext uri="{BB962C8B-B14F-4D97-AF65-F5344CB8AC3E}">
-        <p14:creationId xmlns:p14="http://schemas.microsoft.com/office/powerpoint/2010/main" val="242961623"/>
+        <p14:creationId xmlns:p14="http://schemas.microsoft.com/office/powerpoint/2010/main" val="3066518556"/>
       </p:ext>
     </p:extLst>
   </p:cSld>
@@ -994,6 +991,93 @@
           <a:bodyPr/>
           <a:lstStyle/>
           <a:p>
+            <a:r>
+              <a:rPr lang="en-US" dirty="0"/>
+              <a:t>9 minutes</a:t>
+            </a:r>
+          </a:p>
+        </p:txBody>
+      </p:sp>
+      <p:sp>
+        <p:nvSpPr>
+          <p:cNvPr id="4" name="Slide Number Placeholder 3"/>
+          <p:cNvSpPr>
+            <a:spLocks noGrp="1"/>
+          </p:cNvSpPr>
+          <p:nvPr>
+            <p:ph type="sldNum" sz="quarter" idx="5"/>
+          </p:nvPr>
+        </p:nvSpPr>
+        <p:spPr/>
+        <p:txBody>
+          <a:bodyPr/>
+          <a:lstStyle/>
+          <a:p>
+            <a:fld id="{DD64920E-5384-4F8F-B917-AD70FEF637A3}" type="slidenum">
+              <a:rPr lang="en-US" smtClean="0"/>
+              <a:t>40</a:t>
+            </a:fld>
+            <a:endParaRPr lang="en-US"/>
+          </a:p>
+        </p:txBody>
+      </p:sp>
+    </p:spTree>
+    <p:extLst>
+      <p:ext uri="{BB962C8B-B14F-4D97-AF65-F5344CB8AC3E}">
+        <p14:creationId xmlns:p14="http://schemas.microsoft.com/office/powerpoint/2010/main" val="242961623"/>
+      </p:ext>
+    </p:extLst>
+  </p:cSld>
+  <p:clrMapOvr>
+    <a:masterClrMapping/>
+  </p:clrMapOvr>
+</p:notes>
+</file>
+
+<file path=ppt/notesSlides/notesSlide15.xml><?xml version="1.0" encoding="utf-8"?>
+<p:notes xmlns:a="http://schemas.openxmlformats.org/drawingml/2006/main" xmlns:r="http://schemas.openxmlformats.org/officeDocument/2006/relationships" xmlns:p="http://schemas.openxmlformats.org/presentationml/2006/main">
+  <p:cSld>
+    <p:spTree>
+      <p:nvGrpSpPr>
+        <p:cNvPr id="1" name=""/>
+        <p:cNvGrpSpPr/>
+        <p:nvPr/>
+      </p:nvGrpSpPr>
+      <p:grpSpPr>
+        <a:xfrm>
+          <a:off x="0" y="0"/>
+          <a:ext cx="0" cy="0"/>
+          <a:chOff x="0" y="0"/>
+          <a:chExt cx="0" cy="0"/>
+        </a:xfrm>
+      </p:grpSpPr>
+      <p:sp>
+        <p:nvSpPr>
+          <p:cNvPr id="2" name="Slide Image Placeholder 1"/>
+          <p:cNvSpPr>
+            <a:spLocks noGrp="1" noRot="1" noChangeAspect="1"/>
+          </p:cNvSpPr>
+          <p:nvPr>
+            <p:ph type="sldImg"/>
+          </p:nvPr>
+        </p:nvSpPr>
+        <p:spPr/>
+      </p:sp>
+      <p:sp>
+        <p:nvSpPr>
+          <p:cNvPr id="3" name="Notes Placeholder 2"/>
+          <p:cNvSpPr>
+            <a:spLocks noGrp="1"/>
+          </p:cNvSpPr>
+          <p:nvPr>
+            <p:ph type="body" idx="1"/>
+          </p:nvPr>
+        </p:nvSpPr>
+        <p:spPr/>
+        <p:txBody>
+          <a:bodyPr/>
+          <a:lstStyle/>
+          <a:p>
             <a:endParaRPr lang="en-US" dirty="0"/>
           </a:p>
         </p:txBody>
@@ -1034,7 +1118,7 @@
 </p:notes>
 </file>
 
-<file path=ppt/notesSlides/notesSlide15.xml><?xml version="1.0" encoding="utf-8"?>
+<file path=ppt/notesSlides/notesSlide16.xml><?xml version="1.0" encoding="utf-8"?>
 <p:notes xmlns:a="http://schemas.openxmlformats.org/drawingml/2006/main" xmlns:r="http://schemas.openxmlformats.org/officeDocument/2006/relationships" xmlns:p="http://schemas.openxmlformats.org/presentationml/2006/main">
   <p:cSld>
     <p:spTree>
@@ -1440,10 +1524,7 @@
           <a:bodyPr/>
           <a:lstStyle/>
           <a:p>
-            <a:r>
-              <a:rPr lang="en-US" dirty="0"/>
-              <a:t>4:30</a:t>
-            </a:r>
+            <a:endParaRPr lang="en-US" dirty="0"/>
           </a:p>
         </p:txBody>
       </p:sp>
@@ -1527,10 +1608,30 @@
           <a:bodyPr/>
           <a:lstStyle/>
           <a:p>
-            <a:r>
-              <a:rPr lang="en-US" dirty="0"/>
-              <a:t>5:30 minutes</a:t>
-            </a:r>
+            <a:pPr marL="0" marR="0" lvl="0" indent="0" algn="l" defTabSz="914400" rtl="0" eaLnBrk="1" fontAlgn="auto" latinLnBrk="0" hangingPunct="1">
+              <a:lnSpc>
+                <a:spcPct val="100000"/>
+              </a:lnSpc>
+              <a:spcBef>
+                <a:spcPts val="0"/>
+              </a:spcBef>
+              <a:spcAft>
+                <a:spcPts val="0"/>
+              </a:spcAft>
+              <a:buClrTx/>
+              <a:buSzTx/>
+              <a:buFontTx/>
+              <a:buNone/>
+              <a:tabLst/>
+              <a:defRPr/>
+            </a:pPr>
+            <a:r>
+              <a:rPr lang="en-US" dirty="0"/>
+              <a:t>4:30</a:t>
+            </a:r>
+          </a:p>
+          <a:p>
+            <a:endParaRPr lang="en-US" dirty="0"/>
           </a:p>
         </p:txBody>
       </p:sp>
@@ -1551,7 +1652,7 @@
           <a:p>
             <a:fld id="{DD64920E-5384-4F8F-B917-AD70FEF637A3}" type="slidenum">
               <a:rPr lang="en-US" smtClean="0"/>
-              <a:t>23</a:t>
+              <a:t>22</a:t>
             </a:fld>
             <a:endParaRPr lang="en-US"/>
           </a:p>
@@ -1560,7 +1661,7 @@
     </p:spTree>
     <p:extLst>
       <p:ext uri="{BB962C8B-B14F-4D97-AF65-F5344CB8AC3E}">
-        <p14:creationId xmlns:p14="http://schemas.microsoft.com/office/powerpoint/2010/main" val="1700299795"/>
+        <p14:creationId xmlns:p14="http://schemas.microsoft.com/office/powerpoint/2010/main" val="3875343146"/>
       </p:ext>
     </p:extLst>
   </p:cSld>
@@ -1635,7 +1736,7 @@
           <a:p>
             <a:fld id="{DD64920E-5384-4F8F-B917-AD70FEF637A3}" type="slidenum">
               <a:rPr lang="en-US" smtClean="0"/>
-              <a:t>24</a:t>
+              <a:t>23</a:t>
             </a:fld>
             <a:endParaRPr lang="en-US"/>
           </a:p>
@@ -1644,7 +1745,7 @@
     </p:spTree>
     <p:extLst>
       <p:ext uri="{BB962C8B-B14F-4D97-AF65-F5344CB8AC3E}">
-        <p14:creationId xmlns:p14="http://schemas.microsoft.com/office/powerpoint/2010/main" val="2623946945"/>
+        <p14:creationId xmlns:p14="http://schemas.microsoft.com/office/powerpoint/2010/main" val="1700299795"/>
       </p:ext>
     </p:extLst>
   </p:cSld>
@@ -1698,10 +1799,7 @@
           <a:bodyPr/>
           <a:lstStyle/>
           <a:p>
-            <a:r>
-              <a:rPr lang="en-US" dirty="0"/>
-              <a:t>5:30</a:t>
-            </a:r>
+            <a:endParaRPr lang="en-US" dirty="0"/>
           </a:p>
         </p:txBody>
       </p:sp>
@@ -1722,7 +1820,7 @@
           <a:p>
             <a:fld id="{DD64920E-5384-4F8F-B917-AD70FEF637A3}" type="slidenum">
               <a:rPr lang="en-US" smtClean="0"/>
-              <a:t>27</a:t>
+              <a:t>24</a:t>
             </a:fld>
             <a:endParaRPr lang="en-US"/>
           </a:p>
@@ -1731,7 +1829,7 @@
     </p:spTree>
     <p:extLst>
       <p:ext uri="{BB962C8B-B14F-4D97-AF65-F5344CB8AC3E}">
-        <p14:creationId xmlns:p14="http://schemas.microsoft.com/office/powerpoint/2010/main" val="4019406322"/>
+        <p14:creationId xmlns:p14="http://schemas.microsoft.com/office/powerpoint/2010/main" val="2623946945"/>
       </p:ext>
     </p:extLst>
   </p:cSld>
@@ -1787,7 +1885,7 @@
           <a:p>
             <a:r>
               <a:rPr lang="en-US" dirty="0"/>
-              <a:t>6:00 minutes</a:t>
+              <a:t>5:30</a:t>
             </a:r>
           </a:p>
         </p:txBody>
@@ -1809,7 +1907,7 @@
           <a:p>
             <a:fld id="{DD64920E-5384-4F8F-B917-AD70FEF637A3}" type="slidenum">
               <a:rPr lang="en-US" smtClean="0"/>
-              <a:t>29</a:t>
+              <a:t>27</a:t>
             </a:fld>
             <a:endParaRPr lang="en-US"/>
           </a:p>
@@ -1818,7 +1916,7 @@
     </p:spTree>
     <p:extLst>
       <p:ext uri="{BB962C8B-B14F-4D97-AF65-F5344CB8AC3E}">
-        <p14:creationId xmlns:p14="http://schemas.microsoft.com/office/powerpoint/2010/main" val="2628881268"/>
+        <p14:creationId xmlns:p14="http://schemas.microsoft.com/office/powerpoint/2010/main" val="4019406322"/>
       </p:ext>
     </p:extLst>
   </p:cSld>
